--- a/documents/Managed System/Managing+Managed.pptx
+++ b/documents/Managed System/Managing+Managed.pptx
@@ -5,12 +5,14 @@
     <p:sldMasterId id="2147483660" r:id="rId1"/>
   </p:sldMasterIdLst>
   <p:notesMasterIdLst>
-    <p:notesMasterId r:id="rId5"/>
+    <p:notesMasterId r:id="rId7"/>
   </p:notesMasterIdLst>
   <p:sldIdLst>
     <p:sldId id="256" r:id="rId2"/>
-    <p:sldId id="257" r:id="rId3"/>
-    <p:sldId id="258" r:id="rId4"/>
+    <p:sldId id="259" r:id="rId3"/>
+    <p:sldId id="260" r:id="rId4"/>
+    <p:sldId id="257" r:id="rId5"/>
+    <p:sldId id="258" r:id="rId6"/>
   </p:sldIdLst>
   <p:sldSz cx="6858000" cy="12192000"/>
   <p:notesSz cx="6858000" cy="9144000"/>
@@ -199,7 +201,7 @@
           <a:p>
             <a:fld id="{E7251656-6854-CD49-AAAE-E9A6489370FA}" type="datetimeFigureOut">
               <a:rPr lang="en-GB" smtClean="0"/>
-              <a:t>18/11/2022</a:t>
+              <a:t>19/11/2022</a:t>
             </a:fld>
             <a:endParaRPr lang="en-GB"/>
           </a:p>
@@ -625,7 +627,7 @@
     </p:spTree>
     <p:extLst>
       <p:ext uri="{BB962C8B-B14F-4D97-AF65-F5344CB8AC3E}">
-        <p14:creationId xmlns:p14="http://schemas.microsoft.com/office/powerpoint/2010/main" val="2361579732"/>
+        <p14:creationId xmlns:p14="http://schemas.microsoft.com/office/powerpoint/2010/main" val="1753413772"/>
       </p:ext>
     </p:extLst>
   </p:cSld>
@@ -709,6 +711,174 @@
     </p:spTree>
     <p:extLst>
       <p:ext uri="{BB962C8B-B14F-4D97-AF65-F5344CB8AC3E}">
+        <p14:creationId xmlns:p14="http://schemas.microsoft.com/office/powerpoint/2010/main" val="199645524"/>
+      </p:ext>
+    </p:extLst>
+  </p:cSld>
+  <p:clrMapOvr>
+    <a:masterClrMapping/>
+  </p:clrMapOvr>
+</p:notes>
+</file>
+
+<file path=ppt/notesSlides/notesSlide4.xml><?xml version="1.0" encoding="utf-8"?>
+<p:notes xmlns:a="http://schemas.openxmlformats.org/drawingml/2006/main" xmlns:r="http://schemas.openxmlformats.org/officeDocument/2006/relationships" xmlns:p="http://schemas.openxmlformats.org/presentationml/2006/main">
+  <p:cSld>
+    <p:spTree>
+      <p:nvGrpSpPr>
+        <p:cNvPr id="1" name=""/>
+        <p:cNvGrpSpPr/>
+        <p:nvPr/>
+      </p:nvGrpSpPr>
+      <p:grpSpPr>
+        <a:xfrm>
+          <a:off x="0" y="0"/>
+          <a:ext cx="0" cy="0"/>
+          <a:chOff x="0" y="0"/>
+          <a:chExt cx="0" cy="0"/>
+        </a:xfrm>
+      </p:grpSpPr>
+      <p:sp>
+        <p:nvSpPr>
+          <p:cNvPr id="2" name="Segnaposto immagine diapositiva 1"/>
+          <p:cNvSpPr>
+            <a:spLocks noGrp="1" noRot="1" noChangeAspect="1"/>
+          </p:cNvSpPr>
+          <p:nvPr>
+            <p:ph type="sldImg"/>
+          </p:nvPr>
+        </p:nvSpPr>
+        <p:spPr/>
+      </p:sp>
+      <p:sp>
+        <p:nvSpPr>
+          <p:cNvPr id="3" name="Segnaposto note 2"/>
+          <p:cNvSpPr>
+            <a:spLocks noGrp="1"/>
+          </p:cNvSpPr>
+          <p:nvPr>
+            <p:ph type="body" idx="1"/>
+          </p:nvPr>
+        </p:nvSpPr>
+        <p:spPr/>
+        <p:txBody>
+          <a:bodyPr/>
+          <a:lstStyle/>
+          <a:p>
+            <a:endParaRPr lang="en-GB" dirty="0"/>
+          </a:p>
+        </p:txBody>
+      </p:sp>
+      <p:sp>
+        <p:nvSpPr>
+          <p:cNvPr id="4" name="Segnaposto numero diapositiva 3"/>
+          <p:cNvSpPr>
+            <a:spLocks noGrp="1"/>
+          </p:cNvSpPr>
+          <p:nvPr>
+            <p:ph type="sldNum" sz="quarter" idx="5"/>
+          </p:nvPr>
+        </p:nvSpPr>
+        <p:spPr/>
+        <p:txBody>
+          <a:bodyPr/>
+          <a:lstStyle/>
+          <a:p>
+            <a:fld id="{207A9684-AFA4-1B48-B14C-DCCB39FB7744}" type="slidenum">
+              <a:rPr lang="en-GB" smtClean="0"/>
+              <a:t>4</a:t>
+            </a:fld>
+            <a:endParaRPr lang="en-GB"/>
+          </a:p>
+        </p:txBody>
+      </p:sp>
+    </p:spTree>
+    <p:extLst>
+      <p:ext uri="{BB962C8B-B14F-4D97-AF65-F5344CB8AC3E}">
+        <p14:creationId xmlns:p14="http://schemas.microsoft.com/office/powerpoint/2010/main" val="2361579732"/>
+      </p:ext>
+    </p:extLst>
+  </p:cSld>
+  <p:clrMapOvr>
+    <a:masterClrMapping/>
+  </p:clrMapOvr>
+</p:notes>
+</file>
+
+<file path=ppt/notesSlides/notesSlide5.xml><?xml version="1.0" encoding="utf-8"?>
+<p:notes xmlns:a="http://schemas.openxmlformats.org/drawingml/2006/main" xmlns:r="http://schemas.openxmlformats.org/officeDocument/2006/relationships" xmlns:p="http://schemas.openxmlformats.org/presentationml/2006/main">
+  <p:cSld>
+    <p:spTree>
+      <p:nvGrpSpPr>
+        <p:cNvPr id="1" name=""/>
+        <p:cNvGrpSpPr/>
+        <p:nvPr/>
+      </p:nvGrpSpPr>
+      <p:grpSpPr>
+        <a:xfrm>
+          <a:off x="0" y="0"/>
+          <a:ext cx="0" cy="0"/>
+          <a:chOff x="0" y="0"/>
+          <a:chExt cx="0" cy="0"/>
+        </a:xfrm>
+      </p:grpSpPr>
+      <p:sp>
+        <p:nvSpPr>
+          <p:cNvPr id="2" name="Segnaposto immagine diapositiva 1"/>
+          <p:cNvSpPr>
+            <a:spLocks noGrp="1" noRot="1" noChangeAspect="1"/>
+          </p:cNvSpPr>
+          <p:nvPr>
+            <p:ph type="sldImg"/>
+          </p:nvPr>
+        </p:nvSpPr>
+        <p:spPr/>
+      </p:sp>
+      <p:sp>
+        <p:nvSpPr>
+          <p:cNvPr id="3" name="Segnaposto note 2"/>
+          <p:cNvSpPr>
+            <a:spLocks noGrp="1"/>
+          </p:cNvSpPr>
+          <p:nvPr>
+            <p:ph type="body" idx="1"/>
+          </p:nvPr>
+        </p:nvSpPr>
+        <p:spPr/>
+        <p:txBody>
+          <a:bodyPr/>
+          <a:lstStyle/>
+          <a:p>
+            <a:endParaRPr lang="en-GB" dirty="0"/>
+          </a:p>
+        </p:txBody>
+      </p:sp>
+      <p:sp>
+        <p:nvSpPr>
+          <p:cNvPr id="4" name="Segnaposto numero diapositiva 3"/>
+          <p:cNvSpPr>
+            <a:spLocks noGrp="1"/>
+          </p:cNvSpPr>
+          <p:nvPr>
+            <p:ph type="sldNum" sz="quarter" idx="5"/>
+          </p:nvPr>
+        </p:nvSpPr>
+        <p:spPr/>
+        <p:txBody>
+          <a:bodyPr/>
+          <a:lstStyle/>
+          <a:p>
+            <a:fld id="{207A9684-AFA4-1B48-B14C-DCCB39FB7744}" type="slidenum">
+              <a:rPr lang="en-GB" smtClean="0"/>
+              <a:t>5</a:t>
+            </a:fld>
+            <a:endParaRPr lang="en-GB"/>
+          </a:p>
+        </p:txBody>
+      </p:sp>
+    </p:spTree>
+    <p:extLst>
+      <p:ext uri="{BB962C8B-B14F-4D97-AF65-F5344CB8AC3E}">
         <p14:creationId xmlns:p14="http://schemas.microsoft.com/office/powerpoint/2010/main" val="1655553827"/>
       </p:ext>
     </p:extLst>
@@ -850,7 +1020,7 @@
           <a:p>
             <a:fld id="{853B8C5F-1182-6249-8FE3-92AD81B8E82A}" type="datetimeFigureOut">
               <a:rPr lang="en-GB" smtClean="0"/>
-              <a:t>18/11/2022</a:t>
+              <a:t>19/11/2022</a:t>
             </a:fld>
             <a:endParaRPr lang="en-GB"/>
           </a:p>
@@ -1020,7 +1190,7 @@
           <a:p>
             <a:fld id="{853B8C5F-1182-6249-8FE3-92AD81B8E82A}" type="datetimeFigureOut">
               <a:rPr lang="en-GB" smtClean="0"/>
-              <a:t>18/11/2022</a:t>
+              <a:t>19/11/2022</a:t>
             </a:fld>
             <a:endParaRPr lang="en-GB"/>
           </a:p>
@@ -1200,7 +1370,7 @@
           <a:p>
             <a:fld id="{853B8C5F-1182-6249-8FE3-92AD81B8E82A}" type="datetimeFigureOut">
               <a:rPr lang="en-GB" smtClean="0"/>
-              <a:t>18/11/2022</a:t>
+              <a:t>19/11/2022</a:t>
             </a:fld>
             <a:endParaRPr lang="en-GB"/>
           </a:p>
@@ -1370,7 +1540,7 @@
           <a:p>
             <a:fld id="{853B8C5F-1182-6249-8FE3-92AD81B8E82A}" type="datetimeFigureOut">
               <a:rPr lang="en-GB" smtClean="0"/>
-              <a:t>18/11/2022</a:t>
+              <a:t>19/11/2022</a:t>
             </a:fld>
             <a:endParaRPr lang="en-GB"/>
           </a:p>
@@ -1614,7 +1784,7 @@
           <a:p>
             <a:fld id="{853B8C5F-1182-6249-8FE3-92AD81B8E82A}" type="datetimeFigureOut">
               <a:rPr lang="en-GB" smtClean="0"/>
-              <a:t>18/11/2022</a:t>
+              <a:t>19/11/2022</a:t>
             </a:fld>
             <a:endParaRPr lang="en-GB"/>
           </a:p>
@@ -1846,7 +2016,7 @@
           <a:p>
             <a:fld id="{853B8C5F-1182-6249-8FE3-92AD81B8E82A}" type="datetimeFigureOut">
               <a:rPr lang="en-GB" smtClean="0"/>
-              <a:t>18/11/2022</a:t>
+              <a:t>19/11/2022</a:t>
             </a:fld>
             <a:endParaRPr lang="en-GB"/>
           </a:p>
@@ -2213,7 +2383,7 @@
           <a:p>
             <a:fld id="{853B8C5F-1182-6249-8FE3-92AD81B8E82A}" type="datetimeFigureOut">
               <a:rPr lang="en-GB" smtClean="0"/>
-              <a:t>18/11/2022</a:t>
+              <a:t>19/11/2022</a:t>
             </a:fld>
             <a:endParaRPr lang="en-GB"/>
           </a:p>
@@ -2331,7 +2501,7 @@
           <a:p>
             <a:fld id="{853B8C5F-1182-6249-8FE3-92AD81B8E82A}" type="datetimeFigureOut">
               <a:rPr lang="en-GB" smtClean="0"/>
-              <a:t>18/11/2022</a:t>
+              <a:t>19/11/2022</a:t>
             </a:fld>
             <a:endParaRPr lang="en-GB"/>
           </a:p>
@@ -2426,7 +2596,7 @@
           <a:p>
             <a:fld id="{853B8C5F-1182-6249-8FE3-92AD81B8E82A}" type="datetimeFigureOut">
               <a:rPr lang="en-GB" smtClean="0"/>
-              <a:t>18/11/2022</a:t>
+              <a:t>19/11/2022</a:t>
             </a:fld>
             <a:endParaRPr lang="en-GB"/>
           </a:p>
@@ -2703,7 +2873,7 @@
           <a:p>
             <a:fld id="{853B8C5F-1182-6249-8FE3-92AD81B8E82A}" type="datetimeFigureOut">
               <a:rPr lang="en-GB" smtClean="0"/>
-              <a:t>18/11/2022</a:t>
+              <a:t>19/11/2022</a:t>
             </a:fld>
             <a:endParaRPr lang="en-GB"/>
           </a:p>
@@ -2960,7 +3130,7 @@
           <a:p>
             <a:fld id="{853B8C5F-1182-6249-8FE3-92AD81B8E82A}" type="datetimeFigureOut">
               <a:rPr lang="en-GB" smtClean="0"/>
-              <a:t>18/11/2022</a:t>
+              <a:t>19/11/2022</a:t>
             </a:fld>
             <a:endParaRPr lang="en-GB"/>
           </a:p>
@@ -3173,7 +3343,7 @@
           <a:p>
             <a:fld id="{853B8C5F-1182-6249-8FE3-92AD81B8E82A}" type="datetimeFigureOut">
               <a:rPr lang="en-GB" smtClean="0"/>
-              <a:t>18/11/2022</a:t>
+              <a:t>19/11/2022</a:t>
             </a:fld>
             <a:endParaRPr lang="en-GB"/>
           </a:p>
@@ -5695,6 +5865,7471 @@
           <a:chExt cx="0" cy="0"/>
         </a:xfrm>
       </p:grpSpPr>
+      <p:sp>
+        <p:nvSpPr>
+          <p:cNvPr id="25" name="Rettangolo con angoli arrotondati 24">
+            <a:extLst>
+              <a:ext uri="{FF2B5EF4-FFF2-40B4-BE49-F238E27FC236}">
+                <a16:creationId xmlns:a16="http://schemas.microsoft.com/office/drawing/2014/main" id="{04C5EAC0-7F61-9E3D-B011-F373FACCEED6}"/>
+              </a:ext>
+            </a:extLst>
+          </p:cNvPr>
+          <p:cNvSpPr/>
+          <p:nvPr/>
+        </p:nvSpPr>
+        <p:spPr>
+          <a:xfrm>
+            <a:off x="843952" y="5686976"/>
+            <a:ext cx="1116000" cy="494817"/>
+          </a:xfrm>
+          <a:prstGeom prst="roundRect">
+            <a:avLst/>
+          </a:prstGeom>
+          <a:ln>
+            <a:solidFill>
+              <a:schemeClr val="tx1"/>
+            </a:solidFill>
+          </a:ln>
+        </p:spPr>
+        <p:style>
+          <a:lnRef idx="2">
+            <a:schemeClr val="accent6"/>
+          </a:lnRef>
+          <a:fillRef idx="1">
+            <a:schemeClr val="lt1"/>
+          </a:fillRef>
+          <a:effectRef idx="0">
+            <a:schemeClr val="accent6"/>
+          </a:effectRef>
+          <a:fontRef idx="minor">
+            <a:schemeClr val="dk1"/>
+          </a:fontRef>
+        </p:style>
+        <p:txBody>
+          <a:bodyPr rtlCol="0" anchor="ctr"/>
+          <a:lstStyle/>
+          <a:p>
+            <a:pPr algn="ctr"/>
+            <a:r>
+              <a:rPr lang="it-IT" sz="1100" dirty="0">
+                <a:solidFill>
+                  <a:schemeClr val="tx1"/>
+                </a:solidFill>
+                <a:latin typeface="CMU Bright Roman" panose="02000603000000000000" pitchFamily="2" charset="0"/>
+                <a:ea typeface="CMU Bright Roman" panose="02000603000000000000" pitchFamily="2" charset="0"/>
+                <a:cs typeface="CMU Bright Roman" panose="02000603000000000000" pitchFamily="2" charset="0"/>
+              </a:rPr>
+              <a:t>PROBE</a:t>
+            </a:r>
+          </a:p>
+        </p:txBody>
+      </p:sp>
+      <p:sp>
+        <p:nvSpPr>
+          <p:cNvPr id="26" name="Rettangolo con angoli arrotondati 25">
+            <a:extLst>
+              <a:ext uri="{FF2B5EF4-FFF2-40B4-BE49-F238E27FC236}">
+                <a16:creationId xmlns:a16="http://schemas.microsoft.com/office/drawing/2014/main" id="{D7E97C6E-093E-9C92-1A4C-20BA802FECEE}"/>
+              </a:ext>
+            </a:extLst>
+          </p:cNvPr>
+          <p:cNvSpPr/>
+          <p:nvPr/>
+        </p:nvSpPr>
+        <p:spPr>
+          <a:xfrm>
+            <a:off x="4670178" y="5685362"/>
+            <a:ext cx="1116000" cy="494817"/>
+          </a:xfrm>
+          <a:prstGeom prst="roundRect">
+            <a:avLst/>
+          </a:prstGeom>
+          <a:ln>
+            <a:solidFill>
+              <a:schemeClr val="tx1"/>
+            </a:solidFill>
+          </a:ln>
+        </p:spPr>
+        <p:style>
+          <a:lnRef idx="2">
+            <a:schemeClr val="accent6"/>
+          </a:lnRef>
+          <a:fillRef idx="1">
+            <a:schemeClr val="lt1"/>
+          </a:fillRef>
+          <a:effectRef idx="0">
+            <a:schemeClr val="accent6"/>
+          </a:effectRef>
+          <a:fontRef idx="minor">
+            <a:schemeClr val="dk1"/>
+          </a:fontRef>
+        </p:style>
+        <p:txBody>
+          <a:bodyPr rtlCol="0" anchor="ctr"/>
+          <a:lstStyle/>
+          <a:p>
+            <a:pPr algn="ctr"/>
+            <a:r>
+              <a:rPr lang="it-IT" sz="1100" dirty="0">
+                <a:solidFill>
+                  <a:schemeClr val="tx1"/>
+                </a:solidFill>
+                <a:latin typeface="CMU Bright Roman" panose="02000603000000000000" pitchFamily="2" charset="0"/>
+                <a:ea typeface="CMU Bright Roman" panose="02000603000000000000" pitchFamily="2" charset="0"/>
+                <a:cs typeface="CMU Bright Roman" panose="02000603000000000000" pitchFamily="2" charset="0"/>
+              </a:rPr>
+              <a:t>ACTUATOR</a:t>
+            </a:r>
+          </a:p>
+        </p:txBody>
+      </p:sp>
+      <p:cxnSp>
+        <p:nvCxnSpPr>
+          <p:cNvPr id="28" name="Connettore 1 27">
+            <a:extLst>
+              <a:ext uri="{FF2B5EF4-FFF2-40B4-BE49-F238E27FC236}">
+                <a16:creationId xmlns:a16="http://schemas.microsoft.com/office/drawing/2014/main" id="{D2EE8232-302F-AA03-849C-A97740AD70F7}"/>
+              </a:ext>
+            </a:extLst>
+          </p:cNvPr>
+          <p:cNvCxnSpPr>
+            <a:cxnSpLocks/>
+            <a:stCxn id="25" idx="2"/>
+          </p:cNvCxnSpPr>
+          <p:nvPr/>
+        </p:nvCxnSpPr>
+        <p:spPr>
+          <a:xfrm>
+            <a:off x="1401952" y="6181793"/>
+            <a:ext cx="0" cy="249231"/>
+          </a:xfrm>
+          <a:prstGeom prst="line">
+            <a:avLst/>
+          </a:prstGeom>
+          <a:ln w="9525">
+            <a:solidFill>
+              <a:schemeClr val="tx1"/>
+            </a:solidFill>
+            <a:prstDash val="solid"/>
+          </a:ln>
+        </p:spPr>
+        <p:style>
+          <a:lnRef idx="1">
+            <a:schemeClr val="accent1"/>
+          </a:lnRef>
+          <a:fillRef idx="0">
+            <a:schemeClr val="accent1"/>
+          </a:fillRef>
+          <a:effectRef idx="0">
+            <a:schemeClr val="accent1"/>
+          </a:effectRef>
+          <a:fontRef idx="minor">
+            <a:schemeClr val="tx1"/>
+          </a:fontRef>
+        </p:style>
+      </p:cxnSp>
+      <p:cxnSp>
+        <p:nvCxnSpPr>
+          <p:cNvPr id="29" name="Connettore 1 28">
+            <a:extLst>
+              <a:ext uri="{FF2B5EF4-FFF2-40B4-BE49-F238E27FC236}">
+                <a16:creationId xmlns:a16="http://schemas.microsoft.com/office/drawing/2014/main" id="{0C154EFE-01FE-86AA-8A35-68635817D8DE}"/>
+              </a:ext>
+            </a:extLst>
+          </p:cNvPr>
+          <p:cNvCxnSpPr>
+            <a:cxnSpLocks/>
+            <a:stCxn id="26" idx="2"/>
+          </p:cNvCxnSpPr>
+          <p:nvPr/>
+        </p:nvCxnSpPr>
+        <p:spPr>
+          <a:xfrm>
+            <a:off x="5228178" y="6180179"/>
+            <a:ext cx="0" cy="250845"/>
+          </a:xfrm>
+          <a:prstGeom prst="line">
+            <a:avLst/>
+          </a:prstGeom>
+          <a:ln w="9525">
+            <a:solidFill>
+              <a:schemeClr val="tx1"/>
+            </a:solidFill>
+            <a:prstDash val="solid"/>
+          </a:ln>
+        </p:spPr>
+        <p:style>
+          <a:lnRef idx="1">
+            <a:schemeClr val="accent1"/>
+          </a:lnRef>
+          <a:fillRef idx="0">
+            <a:schemeClr val="accent1"/>
+          </a:fillRef>
+          <a:effectRef idx="0">
+            <a:schemeClr val="accent1"/>
+          </a:effectRef>
+          <a:fontRef idx="minor">
+            <a:schemeClr val="tx1"/>
+          </a:fontRef>
+        </p:style>
+      </p:cxnSp>
+      <p:grpSp>
+        <p:nvGrpSpPr>
+          <p:cNvPr id="30" name="Gruppo 29">
+            <a:extLst>
+              <a:ext uri="{FF2B5EF4-FFF2-40B4-BE49-F238E27FC236}">
+                <a16:creationId xmlns:a16="http://schemas.microsoft.com/office/drawing/2014/main" id="{38F73DA8-33BF-D877-B471-3AFA590E87EE}"/>
+              </a:ext>
+            </a:extLst>
+          </p:cNvPr>
+          <p:cNvGrpSpPr>
+            <a:grpSpLocks noChangeAspect="1"/>
+          </p:cNvGrpSpPr>
+          <p:nvPr/>
+        </p:nvGrpSpPr>
+        <p:grpSpPr>
+          <a:xfrm>
+            <a:off x="1883018" y="4062938"/>
+            <a:ext cx="1260000" cy="1068260"/>
+            <a:chOff x="2602674" y="2251170"/>
+            <a:chExt cx="1615044" cy="1372946"/>
+          </a:xfrm>
+        </p:grpSpPr>
+        <p:sp>
+          <p:nvSpPr>
+            <p:cNvPr id="31" name="Esagono orizzontale 30">
+              <a:extLst>
+                <a:ext uri="{FF2B5EF4-FFF2-40B4-BE49-F238E27FC236}">
+                  <a16:creationId xmlns:a16="http://schemas.microsoft.com/office/drawing/2014/main" id="{EF5DE7B3-DA28-C47B-4DFF-835E2395A1BA}"/>
+                </a:ext>
+              </a:extLst>
+            </p:cNvPr>
+            <p:cNvSpPr/>
+            <p:nvPr/>
+          </p:nvSpPr>
+          <p:spPr>
+            <a:xfrm rot="5400000">
+              <a:off x="2723723" y="2345856"/>
+              <a:ext cx="1372946" cy="1183574"/>
+            </a:xfrm>
+            <a:prstGeom prst="hexagon">
+              <a:avLst/>
+            </a:prstGeom>
+            <a:ln w="19050">
+              <a:solidFill>
+                <a:schemeClr val="tx1"/>
+              </a:solidFill>
+            </a:ln>
+          </p:spPr>
+          <p:style>
+            <a:lnRef idx="2">
+              <a:schemeClr val="accent6"/>
+            </a:lnRef>
+            <a:fillRef idx="1">
+              <a:schemeClr val="lt1"/>
+            </a:fillRef>
+            <a:effectRef idx="0">
+              <a:schemeClr val="accent6"/>
+            </a:effectRef>
+            <a:fontRef idx="minor">
+              <a:schemeClr val="dk1"/>
+            </a:fontRef>
+          </p:style>
+          <p:txBody>
+            <a:bodyPr rtlCol="0" anchor="ctr"/>
+            <a:lstStyle/>
+            <a:p>
+              <a:pPr algn="ctr"/>
+              <a:endParaRPr lang="it-IT" sz="1100" dirty="0">
+                <a:solidFill>
+                  <a:schemeClr val="tx1"/>
+                </a:solidFill>
+                <a:latin typeface="CMU Bright Roman" panose="02000603000000000000" pitchFamily="2" charset="0"/>
+                <a:ea typeface="CMU Bright Roman" panose="02000603000000000000" pitchFamily="2" charset="0"/>
+                <a:cs typeface="CMU Bright Roman" panose="02000603000000000000" pitchFamily="2" charset="0"/>
+              </a:endParaRPr>
+            </a:p>
+          </p:txBody>
+        </p:sp>
+        <p:sp>
+          <p:nvSpPr>
+            <p:cNvPr id="32" name="CasellaDiTesto 31">
+              <a:extLst>
+                <a:ext uri="{FF2B5EF4-FFF2-40B4-BE49-F238E27FC236}">
+                  <a16:creationId xmlns:a16="http://schemas.microsoft.com/office/drawing/2014/main" id="{A9EDA3F6-8CA4-D639-53A2-C0BC734EB669}"/>
+                </a:ext>
+              </a:extLst>
+            </p:cNvPr>
+            <p:cNvSpPr txBox="1"/>
+            <p:nvPr/>
+          </p:nvSpPr>
+          <p:spPr>
+            <a:xfrm>
+              <a:off x="2602674" y="2802561"/>
+              <a:ext cx="1615044" cy="243344"/>
+            </a:xfrm>
+            <a:prstGeom prst="rect">
+              <a:avLst/>
+            </a:prstGeom>
+            <a:noFill/>
+            <a:ln>
+              <a:noFill/>
+            </a:ln>
+          </p:spPr>
+          <p:txBody>
+            <a:bodyPr wrap="square" rtlCol="0">
+              <a:spAutoFit/>
+            </a:bodyPr>
+            <a:lstStyle/>
+            <a:p>
+              <a:pPr algn="ctr"/>
+              <a:r>
+                <a:rPr lang="it-IT" sz="1100" dirty="0">
+                  <a:latin typeface="CMU Bright Roman" panose="02000603000000000000" pitchFamily="2" charset="0"/>
+                  <a:ea typeface="CMU Bright Roman" panose="02000603000000000000" pitchFamily="2" charset="0"/>
+                  <a:cs typeface="CMU Bright Roman" panose="02000603000000000000" pitchFamily="2" charset="0"/>
+                </a:rPr>
+                <a:t>ANALYSE</a:t>
+              </a:r>
+            </a:p>
+          </p:txBody>
+        </p:sp>
+      </p:grpSp>
+      <p:grpSp>
+        <p:nvGrpSpPr>
+          <p:cNvPr id="36" name="Gruppo 35">
+            <a:extLst>
+              <a:ext uri="{FF2B5EF4-FFF2-40B4-BE49-F238E27FC236}">
+                <a16:creationId xmlns:a16="http://schemas.microsoft.com/office/drawing/2014/main" id="{83BFDB91-DB5A-C372-5FDE-4A6CF2C676C4}"/>
+              </a:ext>
+            </a:extLst>
+          </p:cNvPr>
+          <p:cNvGrpSpPr>
+            <a:grpSpLocks noChangeAspect="1"/>
+          </p:cNvGrpSpPr>
+          <p:nvPr/>
+        </p:nvGrpSpPr>
+        <p:grpSpPr>
+          <a:xfrm>
+            <a:off x="3450472" y="4075819"/>
+            <a:ext cx="1260000" cy="1068260"/>
+            <a:chOff x="2597525" y="2251169"/>
+            <a:chExt cx="1615044" cy="1372946"/>
+          </a:xfrm>
+        </p:grpSpPr>
+        <p:sp>
+          <p:nvSpPr>
+            <p:cNvPr id="37" name="Esagono orizzontale 36">
+              <a:extLst>
+                <a:ext uri="{FF2B5EF4-FFF2-40B4-BE49-F238E27FC236}">
+                  <a16:creationId xmlns:a16="http://schemas.microsoft.com/office/drawing/2014/main" id="{ADF0358C-D241-B005-EC29-3ED44773855F}"/>
+                </a:ext>
+              </a:extLst>
+            </p:cNvPr>
+            <p:cNvSpPr/>
+            <p:nvPr/>
+          </p:nvSpPr>
+          <p:spPr>
+            <a:xfrm rot="5400000">
+              <a:off x="2723724" y="2345855"/>
+              <a:ext cx="1372946" cy="1183574"/>
+            </a:xfrm>
+            <a:prstGeom prst="hexagon">
+              <a:avLst/>
+            </a:prstGeom>
+            <a:ln w="19050">
+              <a:solidFill>
+                <a:schemeClr val="tx1"/>
+              </a:solidFill>
+            </a:ln>
+          </p:spPr>
+          <p:style>
+            <a:lnRef idx="2">
+              <a:schemeClr val="accent6"/>
+            </a:lnRef>
+            <a:fillRef idx="1">
+              <a:schemeClr val="lt1"/>
+            </a:fillRef>
+            <a:effectRef idx="0">
+              <a:schemeClr val="accent6"/>
+            </a:effectRef>
+            <a:fontRef idx="minor">
+              <a:schemeClr val="dk1"/>
+            </a:fontRef>
+          </p:style>
+          <p:txBody>
+            <a:bodyPr rtlCol="0" anchor="ctr"/>
+            <a:lstStyle/>
+            <a:p>
+              <a:pPr algn="ctr"/>
+              <a:endParaRPr lang="it-IT" sz="1100" dirty="0">
+                <a:solidFill>
+                  <a:schemeClr val="tx1"/>
+                </a:solidFill>
+                <a:latin typeface="CMU Bright Roman" panose="02000603000000000000" pitchFamily="2" charset="0"/>
+                <a:ea typeface="CMU Bright Roman" panose="02000603000000000000" pitchFamily="2" charset="0"/>
+                <a:cs typeface="CMU Bright Roman" panose="02000603000000000000" pitchFamily="2" charset="0"/>
+              </a:endParaRPr>
+            </a:p>
+          </p:txBody>
+        </p:sp>
+        <p:sp>
+          <p:nvSpPr>
+            <p:cNvPr id="38" name="CasellaDiTesto 37">
+              <a:extLst>
+                <a:ext uri="{FF2B5EF4-FFF2-40B4-BE49-F238E27FC236}">
+                  <a16:creationId xmlns:a16="http://schemas.microsoft.com/office/drawing/2014/main" id="{9AE0C553-5332-4081-FD63-8C731B4C05AE}"/>
+                </a:ext>
+              </a:extLst>
+            </p:cNvPr>
+            <p:cNvSpPr txBox="1"/>
+            <p:nvPr/>
+          </p:nvSpPr>
+          <p:spPr>
+            <a:xfrm>
+              <a:off x="2597525" y="2802559"/>
+              <a:ext cx="1615044" cy="243344"/>
+            </a:xfrm>
+            <a:prstGeom prst="rect">
+              <a:avLst/>
+            </a:prstGeom>
+            <a:noFill/>
+            <a:ln>
+              <a:noFill/>
+            </a:ln>
+          </p:spPr>
+          <p:txBody>
+            <a:bodyPr wrap="square" rtlCol="0">
+              <a:spAutoFit/>
+            </a:bodyPr>
+            <a:lstStyle/>
+            <a:p>
+              <a:pPr algn="ctr"/>
+              <a:r>
+                <a:rPr lang="it-IT" sz="1100" dirty="0">
+                  <a:latin typeface="CMU Bright Roman" panose="02000603000000000000" pitchFamily="2" charset="0"/>
+                  <a:ea typeface="CMU Bright Roman" panose="02000603000000000000" pitchFamily="2" charset="0"/>
+                  <a:cs typeface="CMU Bright Roman" panose="02000603000000000000" pitchFamily="2" charset="0"/>
+                </a:rPr>
+                <a:t>PLAN</a:t>
+              </a:r>
+            </a:p>
+          </p:txBody>
+        </p:sp>
+      </p:grpSp>
+      <p:grpSp>
+        <p:nvGrpSpPr>
+          <p:cNvPr id="33" name="Gruppo 32">
+            <a:extLst>
+              <a:ext uri="{FF2B5EF4-FFF2-40B4-BE49-F238E27FC236}">
+                <a16:creationId xmlns:a16="http://schemas.microsoft.com/office/drawing/2014/main" id="{85D82D2A-AEB2-47C6-EA05-98BAA6AC42A9}"/>
+              </a:ext>
+            </a:extLst>
+          </p:cNvPr>
+          <p:cNvGrpSpPr>
+            <a:grpSpLocks noChangeAspect="1"/>
+          </p:cNvGrpSpPr>
+          <p:nvPr/>
+        </p:nvGrpSpPr>
+        <p:grpSpPr>
+          <a:xfrm>
+            <a:off x="316809" y="4062938"/>
+            <a:ext cx="1260000" cy="1068260"/>
+            <a:chOff x="2597122" y="2251169"/>
+            <a:chExt cx="1615044" cy="1372946"/>
+          </a:xfrm>
+        </p:grpSpPr>
+        <p:sp>
+          <p:nvSpPr>
+            <p:cNvPr id="34" name="Esagono orizzontale 33">
+              <a:extLst>
+                <a:ext uri="{FF2B5EF4-FFF2-40B4-BE49-F238E27FC236}">
+                  <a16:creationId xmlns:a16="http://schemas.microsoft.com/office/drawing/2014/main" id="{58045D72-57C1-DF44-85C7-B837BC0590B1}"/>
+                </a:ext>
+              </a:extLst>
+            </p:cNvPr>
+            <p:cNvSpPr/>
+            <p:nvPr/>
+          </p:nvSpPr>
+          <p:spPr>
+            <a:xfrm rot="5400000">
+              <a:off x="2723724" y="2345855"/>
+              <a:ext cx="1372946" cy="1183574"/>
+            </a:xfrm>
+            <a:prstGeom prst="hexagon">
+              <a:avLst/>
+            </a:prstGeom>
+            <a:ln w="19050">
+              <a:solidFill>
+                <a:schemeClr val="tx1"/>
+              </a:solidFill>
+            </a:ln>
+          </p:spPr>
+          <p:style>
+            <a:lnRef idx="2">
+              <a:schemeClr val="accent6"/>
+            </a:lnRef>
+            <a:fillRef idx="1">
+              <a:schemeClr val="lt1"/>
+            </a:fillRef>
+            <a:effectRef idx="0">
+              <a:schemeClr val="accent6"/>
+            </a:effectRef>
+            <a:fontRef idx="minor">
+              <a:schemeClr val="dk1"/>
+            </a:fontRef>
+          </p:style>
+          <p:txBody>
+            <a:bodyPr rtlCol="0" anchor="ctr"/>
+            <a:lstStyle/>
+            <a:p>
+              <a:pPr algn="ctr"/>
+              <a:endParaRPr lang="it-IT" sz="1100" dirty="0">
+                <a:solidFill>
+                  <a:schemeClr val="tx1"/>
+                </a:solidFill>
+                <a:latin typeface="CMU Bright Roman" panose="02000603000000000000" pitchFamily="2" charset="0"/>
+                <a:ea typeface="CMU Bright Roman" panose="02000603000000000000" pitchFamily="2" charset="0"/>
+                <a:cs typeface="CMU Bright Roman" panose="02000603000000000000" pitchFamily="2" charset="0"/>
+              </a:endParaRPr>
+            </a:p>
+          </p:txBody>
+        </p:sp>
+        <p:sp>
+          <p:nvSpPr>
+            <p:cNvPr id="35" name="CasellaDiTesto 34">
+              <a:extLst>
+                <a:ext uri="{FF2B5EF4-FFF2-40B4-BE49-F238E27FC236}">
+                  <a16:creationId xmlns:a16="http://schemas.microsoft.com/office/drawing/2014/main" id="{4D208585-C2C8-8947-33CA-817CBF90CB5B}"/>
+                </a:ext>
+              </a:extLst>
+            </p:cNvPr>
+            <p:cNvSpPr txBox="1"/>
+            <p:nvPr/>
+          </p:nvSpPr>
+          <p:spPr>
+            <a:xfrm>
+              <a:off x="2597122" y="2802979"/>
+              <a:ext cx="1615044" cy="243344"/>
+            </a:xfrm>
+            <a:prstGeom prst="rect">
+              <a:avLst/>
+            </a:prstGeom>
+            <a:noFill/>
+            <a:ln>
+              <a:noFill/>
+            </a:ln>
+          </p:spPr>
+          <p:txBody>
+            <a:bodyPr wrap="square" rtlCol="0">
+              <a:spAutoFit/>
+            </a:bodyPr>
+            <a:lstStyle/>
+            <a:p>
+              <a:pPr algn="ctr"/>
+              <a:r>
+                <a:rPr lang="it-IT" sz="1100" dirty="0">
+                  <a:latin typeface="CMU Bright Roman" panose="02000603000000000000" pitchFamily="2" charset="0"/>
+                  <a:ea typeface="CMU Bright Roman" panose="02000603000000000000" pitchFamily="2" charset="0"/>
+                  <a:cs typeface="CMU Bright Roman" panose="02000603000000000000" pitchFamily="2" charset="0"/>
+                </a:rPr>
+                <a:t>MONITOR</a:t>
+              </a:r>
+            </a:p>
+          </p:txBody>
+        </p:sp>
+      </p:grpSp>
+      <p:grpSp>
+        <p:nvGrpSpPr>
+          <p:cNvPr id="39" name="Gruppo 38">
+            <a:extLst>
+              <a:ext uri="{FF2B5EF4-FFF2-40B4-BE49-F238E27FC236}">
+                <a16:creationId xmlns:a16="http://schemas.microsoft.com/office/drawing/2014/main" id="{1C1382D2-8393-F044-94BF-7231154196E0}"/>
+              </a:ext>
+            </a:extLst>
+          </p:cNvPr>
+          <p:cNvGrpSpPr>
+            <a:grpSpLocks noChangeAspect="1"/>
+          </p:cNvGrpSpPr>
+          <p:nvPr/>
+        </p:nvGrpSpPr>
+        <p:grpSpPr>
+          <a:xfrm>
+            <a:off x="5059869" y="4062938"/>
+            <a:ext cx="1260000" cy="1068260"/>
+            <a:chOff x="2602674" y="2251169"/>
+            <a:chExt cx="1615044" cy="1372946"/>
+          </a:xfrm>
+        </p:grpSpPr>
+        <p:sp>
+          <p:nvSpPr>
+            <p:cNvPr id="40" name="Esagono orizzontale 39">
+              <a:extLst>
+                <a:ext uri="{FF2B5EF4-FFF2-40B4-BE49-F238E27FC236}">
+                  <a16:creationId xmlns:a16="http://schemas.microsoft.com/office/drawing/2014/main" id="{19C7C875-9BD4-B75C-54FD-A5DF49C5098D}"/>
+                </a:ext>
+              </a:extLst>
+            </p:cNvPr>
+            <p:cNvSpPr/>
+            <p:nvPr/>
+          </p:nvSpPr>
+          <p:spPr>
+            <a:xfrm rot="5400000">
+              <a:off x="2723723" y="2345855"/>
+              <a:ext cx="1372946" cy="1183574"/>
+            </a:xfrm>
+            <a:prstGeom prst="hexagon">
+              <a:avLst/>
+            </a:prstGeom>
+            <a:ln w="19050">
+              <a:solidFill>
+                <a:schemeClr val="tx1"/>
+              </a:solidFill>
+            </a:ln>
+          </p:spPr>
+          <p:style>
+            <a:lnRef idx="2">
+              <a:schemeClr val="accent6"/>
+            </a:lnRef>
+            <a:fillRef idx="1">
+              <a:schemeClr val="lt1"/>
+            </a:fillRef>
+            <a:effectRef idx="0">
+              <a:schemeClr val="accent6"/>
+            </a:effectRef>
+            <a:fontRef idx="minor">
+              <a:schemeClr val="dk1"/>
+            </a:fontRef>
+          </p:style>
+          <p:txBody>
+            <a:bodyPr rtlCol="0" anchor="ctr"/>
+            <a:lstStyle/>
+            <a:p>
+              <a:pPr algn="ctr"/>
+              <a:endParaRPr lang="it-IT" sz="1100" dirty="0">
+                <a:solidFill>
+                  <a:schemeClr val="tx1"/>
+                </a:solidFill>
+                <a:latin typeface="CMU Bright Roman" panose="02000603000000000000" pitchFamily="2" charset="0"/>
+                <a:ea typeface="CMU Bright Roman" panose="02000603000000000000" pitchFamily="2" charset="0"/>
+                <a:cs typeface="CMU Bright Roman" panose="02000603000000000000" pitchFamily="2" charset="0"/>
+              </a:endParaRPr>
+            </a:p>
+          </p:txBody>
+        </p:sp>
+        <p:sp>
+          <p:nvSpPr>
+            <p:cNvPr id="41" name="CasellaDiTesto 40">
+              <a:extLst>
+                <a:ext uri="{FF2B5EF4-FFF2-40B4-BE49-F238E27FC236}">
+                  <a16:creationId xmlns:a16="http://schemas.microsoft.com/office/drawing/2014/main" id="{E7EFC23B-2BE8-8E10-97C9-B5891B669769}"/>
+                </a:ext>
+              </a:extLst>
+            </p:cNvPr>
+            <p:cNvSpPr txBox="1"/>
+            <p:nvPr/>
+          </p:nvSpPr>
+          <p:spPr>
+            <a:xfrm>
+              <a:off x="2602674" y="2802558"/>
+              <a:ext cx="1615044" cy="243344"/>
+            </a:xfrm>
+            <a:prstGeom prst="rect">
+              <a:avLst/>
+            </a:prstGeom>
+            <a:noFill/>
+            <a:ln>
+              <a:noFill/>
+            </a:ln>
+          </p:spPr>
+          <p:txBody>
+            <a:bodyPr wrap="square" rtlCol="0">
+              <a:spAutoFit/>
+            </a:bodyPr>
+            <a:lstStyle/>
+            <a:p>
+              <a:pPr algn="ctr"/>
+              <a:r>
+                <a:rPr lang="it-IT" sz="1100" dirty="0">
+                  <a:latin typeface="CMU Bright Roman" panose="02000603000000000000" pitchFamily="2" charset="0"/>
+                  <a:ea typeface="CMU Bright Roman" panose="02000603000000000000" pitchFamily="2" charset="0"/>
+                  <a:cs typeface="CMU Bright Roman" panose="02000603000000000000" pitchFamily="2" charset="0"/>
+                </a:rPr>
+                <a:t>EXECUTE</a:t>
+              </a:r>
+            </a:p>
+          </p:txBody>
+        </p:sp>
+      </p:grpSp>
+      <p:cxnSp>
+        <p:nvCxnSpPr>
+          <p:cNvPr id="43" name="Connettore 1 42">
+            <a:extLst>
+              <a:ext uri="{FF2B5EF4-FFF2-40B4-BE49-F238E27FC236}">
+                <a16:creationId xmlns:a16="http://schemas.microsoft.com/office/drawing/2014/main" id="{C0A6670D-9D20-D217-3119-DDC8E779B57C}"/>
+              </a:ext>
+            </a:extLst>
+          </p:cNvPr>
+          <p:cNvCxnSpPr>
+            <a:stCxn id="34" idx="0"/>
+            <a:endCxn id="25" idx="0"/>
+          </p:cNvCxnSpPr>
+          <p:nvPr/>
+        </p:nvCxnSpPr>
+        <p:spPr>
+          <a:xfrm>
+            <a:off x="951141" y="5131198"/>
+            <a:ext cx="450811" cy="555778"/>
+          </a:xfrm>
+          <a:prstGeom prst="line">
+            <a:avLst/>
+          </a:prstGeom>
+          <a:ln w="9525">
+            <a:solidFill>
+              <a:schemeClr val="tx1"/>
+            </a:solidFill>
+            <a:headEnd type="triangle" w="sm" len="med"/>
+          </a:ln>
+        </p:spPr>
+        <p:style>
+          <a:lnRef idx="1">
+            <a:schemeClr val="accent1"/>
+          </a:lnRef>
+          <a:fillRef idx="0">
+            <a:schemeClr val="accent1"/>
+          </a:fillRef>
+          <a:effectRef idx="0">
+            <a:schemeClr val="accent1"/>
+          </a:effectRef>
+          <a:fontRef idx="minor">
+            <a:schemeClr val="tx1"/>
+          </a:fontRef>
+        </p:style>
+      </p:cxnSp>
+      <p:cxnSp>
+        <p:nvCxnSpPr>
+          <p:cNvPr id="44" name="Connettore 1 43">
+            <a:extLst>
+              <a:ext uri="{FF2B5EF4-FFF2-40B4-BE49-F238E27FC236}">
+                <a16:creationId xmlns:a16="http://schemas.microsoft.com/office/drawing/2014/main" id="{6BCF10FC-E066-2823-63B0-DBA066B3FF49}"/>
+              </a:ext>
+            </a:extLst>
+          </p:cNvPr>
+          <p:cNvCxnSpPr>
+            <a:cxnSpLocks/>
+            <a:stCxn id="40" idx="0"/>
+            <a:endCxn id="26" idx="0"/>
+          </p:cNvCxnSpPr>
+          <p:nvPr/>
+        </p:nvCxnSpPr>
+        <p:spPr>
+          <a:xfrm flipH="1">
+            <a:off x="5228178" y="5131198"/>
+            <a:ext cx="461691" cy="554164"/>
+          </a:xfrm>
+          <a:prstGeom prst="line">
+            <a:avLst/>
+          </a:prstGeom>
+          <a:ln w="9525">
+            <a:solidFill>
+              <a:schemeClr val="tx1"/>
+            </a:solidFill>
+            <a:tailEnd type="triangle" w="sm" len="med"/>
+          </a:ln>
+        </p:spPr>
+        <p:style>
+          <a:lnRef idx="1">
+            <a:schemeClr val="accent1"/>
+          </a:lnRef>
+          <a:fillRef idx="0">
+            <a:schemeClr val="accent1"/>
+          </a:fillRef>
+          <a:effectRef idx="0">
+            <a:schemeClr val="accent1"/>
+          </a:effectRef>
+          <a:fontRef idx="minor">
+            <a:schemeClr val="tx1"/>
+          </a:fontRef>
+        </p:style>
+      </p:cxnSp>
+      <p:grpSp>
+        <p:nvGrpSpPr>
+          <p:cNvPr id="47" name="Gruppo 46">
+            <a:extLst>
+              <a:ext uri="{FF2B5EF4-FFF2-40B4-BE49-F238E27FC236}">
+                <a16:creationId xmlns:a16="http://schemas.microsoft.com/office/drawing/2014/main" id="{C9D53937-3CDA-3A4E-1F0B-2EC5F07B33B7}"/>
+              </a:ext>
+            </a:extLst>
+          </p:cNvPr>
+          <p:cNvGrpSpPr>
+            <a:grpSpLocks noChangeAspect="1"/>
+          </p:cNvGrpSpPr>
+          <p:nvPr/>
+        </p:nvGrpSpPr>
+        <p:grpSpPr>
+          <a:xfrm>
+            <a:off x="2789025" y="1699866"/>
+            <a:ext cx="1260000" cy="1080000"/>
+            <a:chOff x="2571515" y="2251171"/>
+            <a:chExt cx="1615044" cy="1388034"/>
+          </a:xfrm>
+        </p:grpSpPr>
+        <p:sp>
+          <p:nvSpPr>
+            <p:cNvPr id="48" name="Esagono orizzontale 47">
+              <a:extLst>
+                <a:ext uri="{FF2B5EF4-FFF2-40B4-BE49-F238E27FC236}">
+                  <a16:creationId xmlns:a16="http://schemas.microsoft.com/office/drawing/2014/main" id="{AF24C966-5C64-D76B-0432-AF12C3110E84}"/>
+                </a:ext>
+              </a:extLst>
+            </p:cNvPr>
+            <p:cNvSpPr/>
+            <p:nvPr/>
+          </p:nvSpPr>
+          <p:spPr>
+            <a:xfrm rot="5400000">
+              <a:off x="2685020" y="2322242"/>
+              <a:ext cx="1388034" cy="1245891"/>
+            </a:xfrm>
+            <a:prstGeom prst="hexagon">
+              <a:avLst/>
+            </a:prstGeom>
+            <a:ln w="19050">
+              <a:solidFill>
+                <a:schemeClr val="tx1"/>
+              </a:solidFill>
+            </a:ln>
+          </p:spPr>
+          <p:style>
+            <a:lnRef idx="2">
+              <a:schemeClr val="accent6"/>
+            </a:lnRef>
+            <a:fillRef idx="1">
+              <a:schemeClr val="lt1"/>
+            </a:fillRef>
+            <a:effectRef idx="0">
+              <a:schemeClr val="accent6"/>
+            </a:effectRef>
+            <a:fontRef idx="minor">
+              <a:schemeClr val="dk1"/>
+            </a:fontRef>
+          </p:style>
+          <p:txBody>
+            <a:bodyPr rtlCol="0" anchor="ctr"/>
+            <a:lstStyle/>
+            <a:p>
+              <a:pPr algn="ctr"/>
+              <a:endParaRPr lang="it-IT" sz="1100" dirty="0">
+                <a:solidFill>
+                  <a:schemeClr val="tx1"/>
+                </a:solidFill>
+                <a:latin typeface="CMU Bright Roman" panose="02000603000000000000" pitchFamily="2" charset="0"/>
+                <a:ea typeface="CMU Bright Roman" panose="02000603000000000000" pitchFamily="2" charset="0"/>
+                <a:cs typeface="CMU Bright Roman" panose="02000603000000000000" pitchFamily="2" charset="0"/>
+              </a:endParaRPr>
+            </a:p>
+          </p:txBody>
+        </p:sp>
+        <p:sp>
+          <p:nvSpPr>
+            <p:cNvPr id="49" name="CasellaDiTesto 48">
+              <a:extLst>
+                <a:ext uri="{FF2B5EF4-FFF2-40B4-BE49-F238E27FC236}">
+                  <a16:creationId xmlns:a16="http://schemas.microsoft.com/office/drawing/2014/main" id="{803E5C7C-6FB7-C756-2A3E-7BB2F7476237}"/>
+                </a:ext>
+              </a:extLst>
+            </p:cNvPr>
+            <p:cNvSpPr txBox="1"/>
+            <p:nvPr/>
+          </p:nvSpPr>
+          <p:spPr>
+            <a:xfrm>
+              <a:off x="2571515" y="2787230"/>
+              <a:ext cx="1615044" cy="243344"/>
+            </a:xfrm>
+            <a:prstGeom prst="rect">
+              <a:avLst/>
+            </a:prstGeom>
+            <a:noFill/>
+            <a:ln>
+              <a:noFill/>
+            </a:ln>
+          </p:spPr>
+          <p:txBody>
+            <a:bodyPr wrap="square" rtlCol="0">
+              <a:spAutoFit/>
+            </a:bodyPr>
+            <a:lstStyle/>
+            <a:p>
+              <a:pPr algn="ctr"/>
+              <a:r>
+                <a:rPr lang="it-IT" sz="1100" dirty="0">
+                  <a:latin typeface="CMU Bright Roman" panose="02000603000000000000" pitchFamily="2" charset="0"/>
+                  <a:ea typeface="CMU Bright Roman" panose="02000603000000000000" pitchFamily="2" charset="0"/>
+                  <a:cs typeface="CMU Bright Roman" panose="02000603000000000000" pitchFamily="2" charset="0"/>
+                </a:rPr>
+                <a:t>KNOWLEDGE</a:t>
+              </a:r>
+            </a:p>
+          </p:txBody>
+        </p:sp>
+      </p:grpSp>
+      <p:cxnSp>
+        <p:nvCxnSpPr>
+          <p:cNvPr id="51" name="Connettore 2 50">
+            <a:extLst>
+              <a:ext uri="{FF2B5EF4-FFF2-40B4-BE49-F238E27FC236}">
+                <a16:creationId xmlns:a16="http://schemas.microsoft.com/office/drawing/2014/main" id="{8F283EA2-BF22-A49B-A4EB-4B434709A9F0}"/>
+              </a:ext>
+            </a:extLst>
+          </p:cNvPr>
+          <p:cNvCxnSpPr>
+            <a:cxnSpLocks noChangeAspect="1"/>
+          </p:cNvCxnSpPr>
+          <p:nvPr/>
+        </p:nvCxnSpPr>
+        <p:spPr>
+          <a:xfrm>
+            <a:off x="1412832" y="4612873"/>
+            <a:ext cx="638495" cy="0"/>
+          </a:xfrm>
+          <a:prstGeom prst="straightConnector1">
+            <a:avLst/>
+          </a:prstGeom>
+          <a:ln w="9525">
+            <a:solidFill>
+              <a:schemeClr val="tx1"/>
+            </a:solidFill>
+            <a:tailEnd type="triangle" w="sm" len="med"/>
+          </a:ln>
+        </p:spPr>
+        <p:style>
+          <a:lnRef idx="1">
+            <a:schemeClr val="accent1"/>
+          </a:lnRef>
+          <a:fillRef idx="0">
+            <a:schemeClr val="accent1"/>
+          </a:fillRef>
+          <a:effectRef idx="0">
+            <a:schemeClr val="accent1"/>
+          </a:effectRef>
+          <a:fontRef idx="minor">
+            <a:schemeClr val="tx1"/>
+          </a:fontRef>
+        </p:style>
+      </p:cxnSp>
+      <p:cxnSp>
+        <p:nvCxnSpPr>
+          <p:cNvPr id="52" name="Connettore 2 51">
+            <a:extLst>
+              <a:ext uri="{FF2B5EF4-FFF2-40B4-BE49-F238E27FC236}">
+                <a16:creationId xmlns:a16="http://schemas.microsoft.com/office/drawing/2014/main" id="{FCD6B765-92F4-F71D-6D3A-F71DAAC22179}"/>
+              </a:ext>
+            </a:extLst>
+          </p:cNvPr>
+          <p:cNvCxnSpPr>
+            <a:cxnSpLocks noChangeAspect="1"/>
+          </p:cNvCxnSpPr>
+          <p:nvPr/>
+        </p:nvCxnSpPr>
+        <p:spPr>
+          <a:xfrm>
+            <a:off x="2974709" y="4612251"/>
+            <a:ext cx="644782" cy="0"/>
+          </a:xfrm>
+          <a:prstGeom prst="straightConnector1">
+            <a:avLst/>
+          </a:prstGeom>
+          <a:ln w="9525">
+            <a:solidFill>
+              <a:schemeClr val="tx1"/>
+            </a:solidFill>
+            <a:tailEnd type="triangle" w="sm" len="med"/>
+          </a:ln>
+        </p:spPr>
+        <p:style>
+          <a:lnRef idx="1">
+            <a:schemeClr val="accent1"/>
+          </a:lnRef>
+          <a:fillRef idx="0">
+            <a:schemeClr val="accent1"/>
+          </a:fillRef>
+          <a:effectRef idx="0">
+            <a:schemeClr val="accent1"/>
+          </a:effectRef>
+          <a:fontRef idx="minor">
+            <a:schemeClr val="tx1"/>
+          </a:fontRef>
+        </p:style>
+      </p:cxnSp>
+      <p:cxnSp>
+        <p:nvCxnSpPr>
+          <p:cNvPr id="53" name="Connettore 2 52">
+            <a:extLst>
+              <a:ext uri="{FF2B5EF4-FFF2-40B4-BE49-F238E27FC236}">
+                <a16:creationId xmlns:a16="http://schemas.microsoft.com/office/drawing/2014/main" id="{D9932200-5D06-E371-9E35-9CC3DEC86043}"/>
+              </a:ext>
+            </a:extLst>
+          </p:cNvPr>
+          <p:cNvCxnSpPr>
+            <a:cxnSpLocks noChangeAspect="1"/>
+          </p:cNvCxnSpPr>
+          <p:nvPr/>
+        </p:nvCxnSpPr>
+        <p:spPr>
+          <a:xfrm>
+            <a:off x="4546181" y="4621538"/>
+            <a:ext cx="681997" cy="0"/>
+          </a:xfrm>
+          <a:prstGeom prst="straightConnector1">
+            <a:avLst/>
+          </a:prstGeom>
+          <a:ln w="9525">
+            <a:solidFill>
+              <a:schemeClr val="tx1"/>
+            </a:solidFill>
+            <a:tailEnd type="triangle" w="sm" len="med"/>
+          </a:ln>
+        </p:spPr>
+        <p:style>
+          <a:lnRef idx="1">
+            <a:schemeClr val="accent1"/>
+          </a:lnRef>
+          <a:fillRef idx="0">
+            <a:schemeClr val="accent1"/>
+          </a:fillRef>
+          <a:effectRef idx="0">
+            <a:schemeClr val="accent1"/>
+          </a:effectRef>
+          <a:fontRef idx="minor">
+            <a:schemeClr val="tx1"/>
+          </a:fontRef>
+        </p:style>
+      </p:cxnSp>
+      <p:cxnSp>
+        <p:nvCxnSpPr>
+          <p:cNvPr id="54" name="Connettore 1 53">
+            <a:extLst>
+              <a:ext uri="{FF2B5EF4-FFF2-40B4-BE49-F238E27FC236}">
+                <a16:creationId xmlns:a16="http://schemas.microsoft.com/office/drawing/2014/main" id="{1995E81C-7749-C179-5113-B3570E052D5F}"/>
+              </a:ext>
+            </a:extLst>
+          </p:cNvPr>
+          <p:cNvCxnSpPr>
+            <a:cxnSpLocks noChangeAspect="1"/>
+          </p:cNvCxnSpPr>
+          <p:nvPr/>
+        </p:nvCxnSpPr>
+        <p:spPr>
+          <a:xfrm flipH="1">
+            <a:off x="951141" y="2780575"/>
+            <a:ext cx="2467884" cy="1283072"/>
+          </a:xfrm>
+          <a:prstGeom prst="line">
+            <a:avLst/>
+          </a:prstGeom>
+          <a:ln w="9525">
+            <a:solidFill>
+              <a:schemeClr val="tx1"/>
+            </a:solidFill>
+            <a:headEnd type="triangle" w="sm" len="med"/>
+            <a:tailEnd type="triangle" w="sm" len="med"/>
+          </a:ln>
+        </p:spPr>
+        <p:style>
+          <a:lnRef idx="1">
+            <a:schemeClr val="accent1"/>
+          </a:lnRef>
+          <a:fillRef idx="0">
+            <a:schemeClr val="accent1"/>
+          </a:fillRef>
+          <a:effectRef idx="0">
+            <a:schemeClr val="accent1"/>
+          </a:effectRef>
+          <a:fontRef idx="minor">
+            <a:schemeClr val="tx1"/>
+          </a:fontRef>
+        </p:style>
+      </p:cxnSp>
+      <p:cxnSp>
+        <p:nvCxnSpPr>
+          <p:cNvPr id="57" name="Connettore 1 56">
+            <a:extLst>
+              <a:ext uri="{FF2B5EF4-FFF2-40B4-BE49-F238E27FC236}">
+                <a16:creationId xmlns:a16="http://schemas.microsoft.com/office/drawing/2014/main" id="{5FB8DFBA-1AD9-2703-0F17-7970F8CD6F37}"/>
+              </a:ext>
+            </a:extLst>
+          </p:cNvPr>
+          <p:cNvCxnSpPr>
+            <a:cxnSpLocks noChangeAspect="1"/>
+            <a:stCxn id="48" idx="0"/>
+            <a:endCxn id="31" idx="3"/>
+          </p:cNvCxnSpPr>
+          <p:nvPr/>
+        </p:nvCxnSpPr>
+        <p:spPr>
+          <a:xfrm flipH="1">
+            <a:off x="2513018" y="2779866"/>
+            <a:ext cx="906007" cy="1283072"/>
+          </a:xfrm>
+          <a:prstGeom prst="line">
+            <a:avLst/>
+          </a:prstGeom>
+          <a:ln w="9525">
+            <a:solidFill>
+              <a:schemeClr val="tx1"/>
+            </a:solidFill>
+            <a:headEnd type="triangle" w="sm" len="med"/>
+            <a:tailEnd type="triangle" w="sm" len="med"/>
+          </a:ln>
+        </p:spPr>
+        <p:style>
+          <a:lnRef idx="1">
+            <a:schemeClr val="accent1"/>
+          </a:lnRef>
+          <a:fillRef idx="0">
+            <a:schemeClr val="accent1"/>
+          </a:fillRef>
+          <a:effectRef idx="0">
+            <a:schemeClr val="accent1"/>
+          </a:effectRef>
+          <a:fontRef idx="minor">
+            <a:schemeClr val="tx1"/>
+          </a:fontRef>
+        </p:style>
+      </p:cxnSp>
+      <p:cxnSp>
+        <p:nvCxnSpPr>
+          <p:cNvPr id="60" name="Connettore 1 59">
+            <a:extLst>
+              <a:ext uri="{FF2B5EF4-FFF2-40B4-BE49-F238E27FC236}">
+                <a16:creationId xmlns:a16="http://schemas.microsoft.com/office/drawing/2014/main" id="{AAFE7322-482E-64D1-4C6F-CDC41F31B308}"/>
+              </a:ext>
+            </a:extLst>
+          </p:cNvPr>
+          <p:cNvCxnSpPr>
+            <a:cxnSpLocks noChangeAspect="1"/>
+            <a:stCxn id="48" idx="0"/>
+            <a:endCxn id="37" idx="3"/>
+          </p:cNvCxnSpPr>
+          <p:nvPr/>
+        </p:nvCxnSpPr>
+        <p:spPr>
+          <a:xfrm>
+            <a:off x="3419025" y="2779866"/>
+            <a:ext cx="665465" cy="1295953"/>
+          </a:xfrm>
+          <a:prstGeom prst="line">
+            <a:avLst/>
+          </a:prstGeom>
+          <a:ln w="9525">
+            <a:solidFill>
+              <a:schemeClr val="tx1"/>
+            </a:solidFill>
+            <a:headEnd type="triangle" w="sm" len="med"/>
+            <a:tailEnd type="triangle" w="sm" len="med"/>
+          </a:ln>
+        </p:spPr>
+        <p:style>
+          <a:lnRef idx="1">
+            <a:schemeClr val="accent1"/>
+          </a:lnRef>
+          <a:fillRef idx="0">
+            <a:schemeClr val="accent1"/>
+          </a:fillRef>
+          <a:effectRef idx="0">
+            <a:schemeClr val="accent1"/>
+          </a:effectRef>
+          <a:fontRef idx="minor">
+            <a:schemeClr val="tx1"/>
+          </a:fontRef>
+        </p:style>
+      </p:cxnSp>
+      <p:cxnSp>
+        <p:nvCxnSpPr>
+          <p:cNvPr id="63" name="Connettore 1 62">
+            <a:extLst>
+              <a:ext uri="{FF2B5EF4-FFF2-40B4-BE49-F238E27FC236}">
+                <a16:creationId xmlns:a16="http://schemas.microsoft.com/office/drawing/2014/main" id="{C65358C7-07BD-A3A9-9ED4-D011A90121B6}"/>
+              </a:ext>
+            </a:extLst>
+          </p:cNvPr>
+          <p:cNvCxnSpPr>
+            <a:cxnSpLocks noChangeAspect="1"/>
+            <a:stCxn id="48" idx="0"/>
+            <a:endCxn id="40" idx="3"/>
+          </p:cNvCxnSpPr>
+          <p:nvPr/>
+        </p:nvCxnSpPr>
+        <p:spPr>
+          <a:xfrm>
+            <a:off x="3419025" y="2779866"/>
+            <a:ext cx="2270844" cy="1283072"/>
+          </a:xfrm>
+          <a:prstGeom prst="line">
+            <a:avLst/>
+          </a:prstGeom>
+          <a:ln w="9525">
+            <a:solidFill>
+              <a:schemeClr val="tx1"/>
+            </a:solidFill>
+            <a:headEnd type="triangle" w="sm" len="med"/>
+            <a:tailEnd type="triangle" w="sm" len="med"/>
+          </a:ln>
+        </p:spPr>
+        <p:style>
+          <a:lnRef idx="1">
+            <a:schemeClr val="accent1"/>
+          </a:lnRef>
+          <a:fillRef idx="0">
+            <a:schemeClr val="accent1"/>
+          </a:fillRef>
+          <a:effectRef idx="0">
+            <a:schemeClr val="accent1"/>
+          </a:effectRef>
+          <a:fontRef idx="minor">
+            <a:schemeClr val="tx1"/>
+          </a:fontRef>
+        </p:style>
+      </p:cxnSp>
+      <p:grpSp>
+        <p:nvGrpSpPr>
+          <p:cNvPr id="2" name="Gruppo 1">
+            <a:extLst>
+              <a:ext uri="{FF2B5EF4-FFF2-40B4-BE49-F238E27FC236}">
+                <a16:creationId xmlns:a16="http://schemas.microsoft.com/office/drawing/2014/main" id="{70672356-ECE1-2C4A-B01B-5445293B19F6}"/>
+              </a:ext>
+            </a:extLst>
+          </p:cNvPr>
+          <p:cNvGrpSpPr>
+            <a:grpSpLocks noChangeAspect="1"/>
+          </p:cNvGrpSpPr>
+          <p:nvPr/>
+        </p:nvGrpSpPr>
+        <p:grpSpPr>
+          <a:xfrm>
+            <a:off x="2371879" y="8763068"/>
+            <a:ext cx="1188000" cy="1006781"/>
+            <a:chOff x="2602675" y="2251170"/>
+            <a:chExt cx="1615044" cy="1372946"/>
+          </a:xfrm>
+        </p:grpSpPr>
+        <p:sp>
+          <p:nvSpPr>
+            <p:cNvPr id="3" name="Esagono orizzontale 2">
+              <a:extLst>
+                <a:ext uri="{FF2B5EF4-FFF2-40B4-BE49-F238E27FC236}">
+                  <a16:creationId xmlns:a16="http://schemas.microsoft.com/office/drawing/2014/main" id="{B1126AFB-F6F2-AAD6-076F-1F13B84A861B}"/>
+                </a:ext>
+              </a:extLst>
+            </p:cNvPr>
+            <p:cNvSpPr/>
+            <p:nvPr/>
+          </p:nvSpPr>
+          <p:spPr>
+            <a:xfrm rot="5400000">
+              <a:off x="2723723" y="2345856"/>
+              <a:ext cx="1372946" cy="1183574"/>
+            </a:xfrm>
+            <a:prstGeom prst="hexagon">
+              <a:avLst/>
+            </a:prstGeom>
+            <a:ln w="19050">
+              <a:solidFill>
+                <a:schemeClr val="tx1"/>
+              </a:solidFill>
+            </a:ln>
+          </p:spPr>
+          <p:style>
+            <a:lnRef idx="2">
+              <a:schemeClr val="accent6"/>
+            </a:lnRef>
+            <a:fillRef idx="1">
+              <a:schemeClr val="lt1"/>
+            </a:fillRef>
+            <a:effectRef idx="0">
+              <a:schemeClr val="accent6"/>
+            </a:effectRef>
+            <a:fontRef idx="minor">
+              <a:schemeClr val="dk1"/>
+            </a:fontRef>
+          </p:style>
+          <p:txBody>
+            <a:bodyPr rtlCol="0" anchor="ctr"/>
+            <a:lstStyle/>
+            <a:p>
+              <a:pPr algn="ctr"/>
+              <a:endParaRPr lang="it-IT" sz="1100" dirty="0">
+                <a:solidFill>
+                  <a:schemeClr val="tx1"/>
+                </a:solidFill>
+                <a:latin typeface="CMU Bright Roman" panose="02000603000000000000" pitchFamily="2" charset="0"/>
+                <a:ea typeface="CMU Bright Roman" panose="02000603000000000000" pitchFamily="2" charset="0"/>
+                <a:cs typeface="CMU Bright Roman" panose="02000603000000000000" pitchFamily="2" charset="0"/>
+              </a:endParaRPr>
+            </a:p>
+          </p:txBody>
+        </p:sp>
+        <p:sp>
+          <p:nvSpPr>
+            <p:cNvPr id="16" name="CasellaDiTesto 15">
+              <a:extLst>
+                <a:ext uri="{FF2B5EF4-FFF2-40B4-BE49-F238E27FC236}">
+                  <a16:creationId xmlns:a16="http://schemas.microsoft.com/office/drawing/2014/main" id="{695BF479-EAAF-CDE7-26FB-845B59ED448E}"/>
+                </a:ext>
+              </a:extLst>
+            </p:cNvPr>
+            <p:cNvSpPr txBox="1"/>
+            <p:nvPr/>
+          </p:nvSpPr>
+          <p:spPr>
+            <a:xfrm>
+              <a:off x="2602675" y="2739408"/>
+              <a:ext cx="1615044" cy="503658"/>
+            </a:xfrm>
+            <a:prstGeom prst="rect">
+              <a:avLst/>
+            </a:prstGeom>
+            <a:noFill/>
+            <a:ln w="19050">
+              <a:noFill/>
+            </a:ln>
+          </p:spPr>
+          <p:txBody>
+            <a:bodyPr wrap="square" rtlCol="0">
+              <a:spAutoFit/>
+            </a:bodyPr>
+            <a:lstStyle/>
+            <a:p>
+              <a:pPr algn="ctr"/>
+              <a:r>
+                <a:rPr lang="it-IT" sz="900" dirty="0">
+                  <a:latin typeface="CMU Bright Roman" panose="02000603000000000000" pitchFamily="2" charset="0"/>
+                  <a:ea typeface="CMU Bright Roman" panose="02000603000000000000" pitchFamily="2" charset="0"/>
+                  <a:cs typeface="CMU Bright Roman" panose="02000603000000000000" pitchFamily="2" charset="0"/>
+                </a:rPr>
+                <a:t>ORDERING</a:t>
+              </a:r>
+            </a:p>
+            <a:p>
+              <a:pPr algn="ctr"/>
+              <a:r>
+                <a:rPr lang="it-IT" sz="900" dirty="0">
+                  <a:latin typeface="CMU Bright Roman" panose="02000603000000000000" pitchFamily="2" charset="0"/>
+                  <a:ea typeface="CMU Bright Roman" panose="02000603000000000000" pitchFamily="2" charset="0"/>
+                  <a:cs typeface="CMU Bright Roman" panose="02000603000000000000" pitchFamily="2" charset="0"/>
+                </a:rPr>
+                <a:t>SERVICE</a:t>
+              </a:r>
+            </a:p>
+          </p:txBody>
+        </p:sp>
+      </p:grpSp>
+      <p:grpSp>
+        <p:nvGrpSpPr>
+          <p:cNvPr id="19" name="Gruppo 18">
+            <a:extLst>
+              <a:ext uri="{FF2B5EF4-FFF2-40B4-BE49-F238E27FC236}">
+                <a16:creationId xmlns:a16="http://schemas.microsoft.com/office/drawing/2014/main" id="{56001132-A39C-AE9C-07F8-A0F1CD47D5DE}"/>
+              </a:ext>
+            </a:extLst>
+          </p:cNvPr>
+          <p:cNvGrpSpPr>
+            <a:grpSpLocks noChangeAspect="1"/>
+          </p:cNvGrpSpPr>
+          <p:nvPr/>
+        </p:nvGrpSpPr>
+        <p:grpSpPr>
+          <a:xfrm>
+            <a:off x="2371879" y="6679765"/>
+            <a:ext cx="1188000" cy="1006781"/>
+            <a:chOff x="2602169" y="2251169"/>
+            <a:chExt cx="1615044" cy="1372946"/>
+          </a:xfrm>
+        </p:grpSpPr>
+        <p:sp>
+          <p:nvSpPr>
+            <p:cNvPr id="20" name="Esagono orizzontale 19">
+              <a:extLst>
+                <a:ext uri="{FF2B5EF4-FFF2-40B4-BE49-F238E27FC236}">
+                  <a16:creationId xmlns:a16="http://schemas.microsoft.com/office/drawing/2014/main" id="{4D58A93B-3CFA-6421-1895-6425B6E02915}"/>
+                </a:ext>
+              </a:extLst>
+            </p:cNvPr>
+            <p:cNvSpPr/>
+            <p:nvPr/>
+          </p:nvSpPr>
+          <p:spPr>
+            <a:xfrm rot="5400000">
+              <a:off x="2723724" y="2345855"/>
+              <a:ext cx="1372946" cy="1183574"/>
+            </a:xfrm>
+            <a:prstGeom prst="hexagon">
+              <a:avLst/>
+            </a:prstGeom>
+            <a:ln w="19050">
+              <a:solidFill>
+                <a:schemeClr val="tx1"/>
+              </a:solidFill>
+            </a:ln>
+          </p:spPr>
+          <p:style>
+            <a:lnRef idx="2">
+              <a:schemeClr val="accent6"/>
+            </a:lnRef>
+            <a:fillRef idx="1">
+              <a:schemeClr val="lt1"/>
+            </a:fillRef>
+            <a:effectRef idx="0">
+              <a:schemeClr val="accent6"/>
+            </a:effectRef>
+            <a:fontRef idx="minor">
+              <a:schemeClr val="dk1"/>
+            </a:fontRef>
+          </p:style>
+          <p:txBody>
+            <a:bodyPr rtlCol="0" anchor="ctr"/>
+            <a:lstStyle/>
+            <a:p>
+              <a:pPr algn="ctr"/>
+              <a:endParaRPr lang="it-IT" sz="1100" dirty="0">
+                <a:solidFill>
+                  <a:schemeClr val="tx1"/>
+                </a:solidFill>
+                <a:latin typeface="CMU Bright Roman" panose="02000603000000000000" pitchFamily="2" charset="0"/>
+                <a:ea typeface="CMU Bright Roman" panose="02000603000000000000" pitchFamily="2" charset="0"/>
+                <a:cs typeface="CMU Bright Roman" panose="02000603000000000000" pitchFamily="2" charset="0"/>
+              </a:endParaRPr>
+            </a:p>
+          </p:txBody>
+        </p:sp>
+        <p:sp>
+          <p:nvSpPr>
+            <p:cNvPr id="24" name="CasellaDiTesto 23">
+              <a:extLst>
+                <a:ext uri="{FF2B5EF4-FFF2-40B4-BE49-F238E27FC236}">
+                  <a16:creationId xmlns:a16="http://schemas.microsoft.com/office/drawing/2014/main" id="{D68D5612-DA6D-13FC-2898-CC04C43BA87C}"/>
+                </a:ext>
+              </a:extLst>
+            </p:cNvPr>
+            <p:cNvSpPr txBox="1"/>
+            <p:nvPr/>
+          </p:nvSpPr>
+          <p:spPr>
+            <a:xfrm>
+              <a:off x="2602169" y="2713617"/>
+              <a:ext cx="1615044" cy="503658"/>
+            </a:xfrm>
+            <a:prstGeom prst="rect">
+              <a:avLst/>
+            </a:prstGeom>
+            <a:noFill/>
+            <a:ln w="19050">
+              <a:noFill/>
+            </a:ln>
+          </p:spPr>
+          <p:txBody>
+            <a:bodyPr wrap="square" rtlCol="0">
+              <a:spAutoFit/>
+            </a:bodyPr>
+            <a:lstStyle/>
+            <a:p>
+              <a:pPr algn="ctr"/>
+              <a:r>
+                <a:rPr lang="it-IT" sz="900" dirty="0">
+                  <a:latin typeface="CMU Bright Roman" panose="02000603000000000000" pitchFamily="2" charset="0"/>
+                  <a:ea typeface="CMU Bright Roman" panose="02000603000000000000" pitchFamily="2" charset="0"/>
+                  <a:cs typeface="CMU Bright Roman" panose="02000603000000000000" pitchFamily="2" charset="0"/>
+                </a:rPr>
+                <a:t>RESTAURANT</a:t>
+              </a:r>
+            </a:p>
+            <a:p>
+              <a:pPr algn="ctr"/>
+              <a:r>
+                <a:rPr lang="it-IT" sz="900" dirty="0">
+                  <a:latin typeface="CMU Bright Roman" panose="02000603000000000000" pitchFamily="2" charset="0"/>
+                  <a:ea typeface="CMU Bright Roman" panose="02000603000000000000" pitchFamily="2" charset="0"/>
+                  <a:cs typeface="CMU Bright Roman" panose="02000603000000000000" pitchFamily="2" charset="0"/>
+                </a:rPr>
+                <a:t>SERVICE</a:t>
+              </a:r>
+            </a:p>
+          </p:txBody>
+        </p:sp>
+      </p:grpSp>
+      <p:grpSp>
+        <p:nvGrpSpPr>
+          <p:cNvPr id="27" name="Gruppo 26">
+            <a:extLst>
+              <a:ext uri="{FF2B5EF4-FFF2-40B4-BE49-F238E27FC236}">
+                <a16:creationId xmlns:a16="http://schemas.microsoft.com/office/drawing/2014/main" id="{1C549F31-6035-808B-975B-0F3E16B417F7}"/>
+              </a:ext>
+            </a:extLst>
+          </p:cNvPr>
+          <p:cNvGrpSpPr>
+            <a:grpSpLocks noChangeAspect="1"/>
+          </p:cNvGrpSpPr>
+          <p:nvPr/>
+        </p:nvGrpSpPr>
+        <p:grpSpPr>
+          <a:xfrm>
+            <a:off x="3620792" y="6677753"/>
+            <a:ext cx="1188000" cy="1006781"/>
+            <a:chOff x="2602675" y="2251169"/>
+            <a:chExt cx="1615044" cy="1372946"/>
+          </a:xfrm>
+        </p:grpSpPr>
+        <p:sp>
+          <p:nvSpPr>
+            <p:cNvPr id="42" name="Esagono orizzontale 41">
+              <a:extLst>
+                <a:ext uri="{FF2B5EF4-FFF2-40B4-BE49-F238E27FC236}">
+                  <a16:creationId xmlns:a16="http://schemas.microsoft.com/office/drawing/2014/main" id="{73EC394A-5E09-23E3-3B2A-1856A547829C}"/>
+                </a:ext>
+              </a:extLst>
+            </p:cNvPr>
+            <p:cNvSpPr/>
+            <p:nvPr/>
+          </p:nvSpPr>
+          <p:spPr>
+            <a:xfrm rot="5400000">
+              <a:off x="2723724" y="2345855"/>
+              <a:ext cx="1372946" cy="1183574"/>
+            </a:xfrm>
+            <a:prstGeom prst="hexagon">
+              <a:avLst/>
+            </a:prstGeom>
+            <a:ln w="19050">
+              <a:solidFill>
+                <a:schemeClr val="tx1"/>
+              </a:solidFill>
+            </a:ln>
+          </p:spPr>
+          <p:style>
+            <a:lnRef idx="2">
+              <a:schemeClr val="accent6"/>
+            </a:lnRef>
+            <a:fillRef idx="1">
+              <a:schemeClr val="lt1"/>
+            </a:fillRef>
+            <a:effectRef idx="0">
+              <a:schemeClr val="accent6"/>
+            </a:effectRef>
+            <a:fontRef idx="minor">
+              <a:schemeClr val="dk1"/>
+            </a:fontRef>
+          </p:style>
+          <p:txBody>
+            <a:bodyPr rtlCol="0" anchor="ctr"/>
+            <a:lstStyle/>
+            <a:p>
+              <a:pPr algn="ctr"/>
+              <a:endParaRPr lang="it-IT" sz="1100" dirty="0">
+                <a:solidFill>
+                  <a:schemeClr val="tx1"/>
+                </a:solidFill>
+                <a:latin typeface="CMU Bright Roman" panose="02000603000000000000" pitchFamily="2" charset="0"/>
+                <a:ea typeface="CMU Bright Roman" panose="02000603000000000000" pitchFamily="2" charset="0"/>
+                <a:cs typeface="CMU Bright Roman" panose="02000603000000000000" pitchFamily="2" charset="0"/>
+              </a:endParaRPr>
+            </a:p>
+          </p:txBody>
+        </p:sp>
+        <p:sp>
+          <p:nvSpPr>
+            <p:cNvPr id="45" name="CasellaDiTesto 44">
+              <a:extLst>
+                <a:ext uri="{FF2B5EF4-FFF2-40B4-BE49-F238E27FC236}">
+                  <a16:creationId xmlns:a16="http://schemas.microsoft.com/office/drawing/2014/main" id="{17C1289B-335E-6A91-3FFB-C3897A99ECB6}"/>
+                </a:ext>
+              </a:extLst>
+            </p:cNvPr>
+            <p:cNvSpPr txBox="1"/>
+            <p:nvPr/>
+          </p:nvSpPr>
+          <p:spPr>
+            <a:xfrm>
+              <a:off x="2602675" y="2609233"/>
+              <a:ext cx="1615044" cy="692529"/>
+            </a:xfrm>
+            <a:prstGeom prst="rect">
+              <a:avLst/>
+            </a:prstGeom>
+            <a:noFill/>
+            <a:ln w="19050">
+              <a:noFill/>
+            </a:ln>
+          </p:spPr>
+          <p:txBody>
+            <a:bodyPr wrap="square" rtlCol="0">
+              <a:spAutoFit/>
+            </a:bodyPr>
+            <a:lstStyle/>
+            <a:p>
+              <a:pPr algn="ctr"/>
+              <a:r>
+                <a:rPr lang="it-IT" sz="900" dirty="0">
+                  <a:latin typeface="CMU Bright Roman" panose="02000603000000000000" pitchFamily="2" charset="0"/>
+                  <a:ea typeface="CMU Bright Roman" panose="02000603000000000000" pitchFamily="2" charset="0"/>
+                  <a:cs typeface="CMU Bright Roman" panose="02000603000000000000" pitchFamily="2" charset="0"/>
+                </a:rPr>
+                <a:t>PAYMENT</a:t>
+              </a:r>
+            </a:p>
+            <a:p>
+              <a:pPr algn="ctr"/>
+              <a:r>
+                <a:rPr lang="it-IT" sz="900" dirty="0">
+                  <a:latin typeface="CMU Bright Roman" panose="02000603000000000000" pitchFamily="2" charset="0"/>
+                  <a:ea typeface="CMU Bright Roman" panose="02000603000000000000" pitchFamily="2" charset="0"/>
+                  <a:cs typeface="CMU Bright Roman" panose="02000603000000000000" pitchFamily="2" charset="0"/>
+                </a:rPr>
+                <a:t>PROXY</a:t>
+              </a:r>
+            </a:p>
+            <a:p>
+              <a:pPr algn="ctr"/>
+              <a:r>
+                <a:rPr lang="it-IT" sz="900" dirty="0">
+                  <a:latin typeface="CMU Bright Roman" panose="02000603000000000000" pitchFamily="2" charset="0"/>
+                  <a:ea typeface="CMU Bright Roman" panose="02000603000000000000" pitchFamily="2" charset="0"/>
+                  <a:cs typeface="CMU Bright Roman" panose="02000603000000000000" pitchFamily="2" charset="0"/>
+                </a:rPr>
+                <a:t>SERVICE</a:t>
+              </a:r>
+            </a:p>
+          </p:txBody>
+        </p:sp>
+      </p:grpSp>
+      <p:grpSp>
+        <p:nvGrpSpPr>
+          <p:cNvPr id="46" name="Gruppo 45">
+            <a:extLst>
+              <a:ext uri="{FF2B5EF4-FFF2-40B4-BE49-F238E27FC236}">
+                <a16:creationId xmlns:a16="http://schemas.microsoft.com/office/drawing/2014/main" id="{6A1CDC96-A60C-E826-AC9B-8AA731A0238D}"/>
+              </a:ext>
+            </a:extLst>
+          </p:cNvPr>
+          <p:cNvGrpSpPr>
+            <a:grpSpLocks noChangeAspect="1"/>
+          </p:cNvGrpSpPr>
+          <p:nvPr/>
+        </p:nvGrpSpPr>
+        <p:grpSpPr>
+          <a:xfrm>
+            <a:off x="3619491" y="8764034"/>
+            <a:ext cx="1188000" cy="1006781"/>
+            <a:chOff x="2610722" y="2251169"/>
+            <a:chExt cx="1615044" cy="1372946"/>
+          </a:xfrm>
+        </p:grpSpPr>
+        <p:sp>
+          <p:nvSpPr>
+            <p:cNvPr id="50" name="Esagono orizzontale 49">
+              <a:extLst>
+                <a:ext uri="{FF2B5EF4-FFF2-40B4-BE49-F238E27FC236}">
+                  <a16:creationId xmlns:a16="http://schemas.microsoft.com/office/drawing/2014/main" id="{D27522D5-9BF0-7035-280E-3B897E3F603D}"/>
+                </a:ext>
+              </a:extLst>
+            </p:cNvPr>
+            <p:cNvSpPr/>
+            <p:nvPr/>
+          </p:nvSpPr>
+          <p:spPr>
+            <a:xfrm rot="5400000">
+              <a:off x="2723723" y="2345855"/>
+              <a:ext cx="1372946" cy="1183574"/>
+            </a:xfrm>
+            <a:prstGeom prst="hexagon">
+              <a:avLst/>
+            </a:prstGeom>
+            <a:ln w="19050">
+              <a:solidFill>
+                <a:schemeClr val="tx1"/>
+              </a:solidFill>
+            </a:ln>
+          </p:spPr>
+          <p:style>
+            <a:lnRef idx="2">
+              <a:schemeClr val="accent6"/>
+            </a:lnRef>
+            <a:fillRef idx="1">
+              <a:schemeClr val="lt1"/>
+            </a:fillRef>
+            <a:effectRef idx="0">
+              <a:schemeClr val="accent6"/>
+            </a:effectRef>
+            <a:fontRef idx="minor">
+              <a:schemeClr val="dk1"/>
+            </a:fontRef>
+          </p:style>
+          <p:txBody>
+            <a:bodyPr rtlCol="0" anchor="ctr"/>
+            <a:lstStyle/>
+            <a:p>
+              <a:pPr algn="ctr"/>
+              <a:endParaRPr lang="it-IT" sz="1100" dirty="0">
+                <a:solidFill>
+                  <a:schemeClr val="tx1"/>
+                </a:solidFill>
+                <a:latin typeface="CMU Bright Roman" panose="02000603000000000000" pitchFamily="2" charset="0"/>
+                <a:ea typeface="CMU Bright Roman" panose="02000603000000000000" pitchFamily="2" charset="0"/>
+                <a:cs typeface="CMU Bright Roman" panose="02000603000000000000" pitchFamily="2" charset="0"/>
+              </a:endParaRPr>
+            </a:p>
+          </p:txBody>
+        </p:sp>
+        <p:sp>
+          <p:nvSpPr>
+            <p:cNvPr id="55" name="CasellaDiTesto 54">
+              <a:extLst>
+                <a:ext uri="{FF2B5EF4-FFF2-40B4-BE49-F238E27FC236}">
+                  <a16:creationId xmlns:a16="http://schemas.microsoft.com/office/drawing/2014/main" id="{F11993D6-6515-E33B-F722-ECD81A912F7C}"/>
+                </a:ext>
+              </a:extLst>
+            </p:cNvPr>
+            <p:cNvSpPr txBox="1"/>
+            <p:nvPr/>
+          </p:nvSpPr>
+          <p:spPr>
+            <a:xfrm>
+              <a:off x="2610722" y="2637808"/>
+              <a:ext cx="1615044" cy="692529"/>
+            </a:xfrm>
+            <a:prstGeom prst="rect">
+              <a:avLst/>
+            </a:prstGeom>
+            <a:noFill/>
+            <a:ln w="19050">
+              <a:noFill/>
+            </a:ln>
+          </p:spPr>
+          <p:txBody>
+            <a:bodyPr wrap="square" rtlCol="0">
+              <a:spAutoFit/>
+            </a:bodyPr>
+            <a:lstStyle/>
+            <a:p>
+              <a:pPr algn="ctr"/>
+              <a:r>
+                <a:rPr lang="it-IT" sz="900" dirty="0">
+                  <a:latin typeface="CMU Bright Roman" panose="02000603000000000000" pitchFamily="2" charset="0"/>
+                  <a:ea typeface="CMU Bright Roman" panose="02000603000000000000" pitchFamily="2" charset="0"/>
+                  <a:cs typeface="CMU Bright Roman" panose="02000603000000000000" pitchFamily="2" charset="0"/>
+                </a:rPr>
+                <a:t>DELIVERY</a:t>
+              </a:r>
+            </a:p>
+            <a:p>
+              <a:pPr algn="ctr"/>
+              <a:r>
+                <a:rPr lang="it-IT" sz="900" dirty="0">
+                  <a:latin typeface="CMU Bright Roman" panose="02000603000000000000" pitchFamily="2" charset="0"/>
+                  <a:ea typeface="CMU Bright Roman" panose="02000603000000000000" pitchFamily="2" charset="0"/>
+                  <a:cs typeface="CMU Bright Roman" panose="02000603000000000000" pitchFamily="2" charset="0"/>
+                </a:rPr>
+                <a:t>PROXY</a:t>
+              </a:r>
+            </a:p>
+            <a:p>
+              <a:pPr algn="ctr"/>
+              <a:r>
+                <a:rPr lang="it-IT" sz="900" dirty="0">
+                  <a:latin typeface="CMU Bright Roman" panose="02000603000000000000" pitchFamily="2" charset="0"/>
+                  <a:ea typeface="CMU Bright Roman" panose="02000603000000000000" pitchFamily="2" charset="0"/>
+                  <a:cs typeface="CMU Bright Roman" panose="02000603000000000000" pitchFamily="2" charset="0"/>
+                </a:rPr>
+                <a:t>SERVICE</a:t>
+              </a:r>
+            </a:p>
+          </p:txBody>
+        </p:sp>
+      </p:grpSp>
+      <p:cxnSp>
+        <p:nvCxnSpPr>
+          <p:cNvPr id="70" name="Connettore 1 69">
+            <a:extLst>
+              <a:ext uri="{FF2B5EF4-FFF2-40B4-BE49-F238E27FC236}">
+                <a16:creationId xmlns:a16="http://schemas.microsoft.com/office/drawing/2014/main" id="{2671C798-E972-CD07-B488-74EDDBC1BAE0}"/>
+              </a:ext>
+            </a:extLst>
+          </p:cNvPr>
+          <p:cNvCxnSpPr>
+            <a:cxnSpLocks/>
+            <a:endCxn id="3" idx="4"/>
+          </p:cNvCxnSpPr>
+          <p:nvPr/>
+        </p:nvCxnSpPr>
+        <p:spPr>
+          <a:xfrm>
+            <a:off x="2743007" y="7682173"/>
+            <a:ext cx="658181" cy="1298551"/>
+          </a:xfrm>
+          <a:prstGeom prst="line">
+            <a:avLst/>
+          </a:prstGeom>
+          <a:ln w="12700">
+            <a:solidFill>
+              <a:schemeClr val="tx1"/>
+            </a:solidFill>
+            <a:prstDash val="solid"/>
+            <a:headEnd type="none" w="med" len="med"/>
+            <a:tailEnd type="none" w="med" len="med"/>
+          </a:ln>
+        </p:spPr>
+        <p:style>
+          <a:lnRef idx="1">
+            <a:schemeClr val="accent1"/>
+          </a:lnRef>
+          <a:fillRef idx="0">
+            <a:schemeClr val="accent1"/>
+          </a:fillRef>
+          <a:effectRef idx="0">
+            <a:schemeClr val="accent1"/>
+          </a:effectRef>
+          <a:fontRef idx="minor">
+            <a:schemeClr val="tx1"/>
+          </a:fontRef>
+        </p:style>
+      </p:cxnSp>
+      <p:sp>
+        <p:nvSpPr>
+          <p:cNvPr id="71" name="Rettangolo con angoli arrotondati 70">
+            <a:extLst>
+              <a:ext uri="{FF2B5EF4-FFF2-40B4-BE49-F238E27FC236}">
+                <a16:creationId xmlns:a16="http://schemas.microsoft.com/office/drawing/2014/main" id="{C9381ECD-4A4A-C0D8-1E6A-9CF27B0D7914}"/>
+              </a:ext>
+            </a:extLst>
+          </p:cNvPr>
+          <p:cNvSpPr/>
+          <p:nvPr/>
+        </p:nvSpPr>
+        <p:spPr>
+          <a:xfrm>
+            <a:off x="912929" y="6579414"/>
+            <a:ext cx="3909571" cy="3289006"/>
+          </a:xfrm>
+          <a:prstGeom prst="roundRect">
+            <a:avLst>
+              <a:gd name="adj" fmla="val 4026"/>
+            </a:avLst>
+          </a:prstGeom>
+          <a:noFill/>
+          <a:ln>
+            <a:solidFill>
+              <a:schemeClr val="tx1"/>
+            </a:solidFill>
+            <a:prstDash val="dash"/>
+          </a:ln>
+        </p:spPr>
+        <p:style>
+          <a:lnRef idx="2">
+            <a:schemeClr val="accent6"/>
+          </a:lnRef>
+          <a:fillRef idx="1">
+            <a:schemeClr val="lt1"/>
+          </a:fillRef>
+          <a:effectRef idx="0">
+            <a:schemeClr val="accent6"/>
+          </a:effectRef>
+          <a:fontRef idx="minor">
+            <a:schemeClr val="dk1"/>
+          </a:fontRef>
+        </p:style>
+        <p:txBody>
+          <a:bodyPr rtlCol="0" anchor="ctr"/>
+          <a:lstStyle/>
+          <a:p>
+            <a:pPr algn="ctr"/>
+            <a:endParaRPr lang="it-IT" sz="1100">
+              <a:solidFill>
+                <a:schemeClr val="tx1"/>
+              </a:solidFill>
+              <a:latin typeface="CMU Bright Roman" panose="02000603000000000000" pitchFamily="2" charset="0"/>
+              <a:ea typeface="CMU Bright Roman" panose="02000603000000000000" pitchFamily="2" charset="0"/>
+              <a:cs typeface="CMU Bright Roman" panose="02000603000000000000" pitchFamily="2" charset="0"/>
+            </a:endParaRPr>
+          </a:p>
+        </p:txBody>
+      </p:sp>
+      <p:cxnSp>
+        <p:nvCxnSpPr>
+          <p:cNvPr id="72" name="Connettore 2 71">
+            <a:extLst>
+              <a:ext uri="{FF2B5EF4-FFF2-40B4-BE49-F238E27FC236}">
+                <a16:creationId xmlns:a16="http://schemas.microsoft.com/office/drawing/2014/main" id="{B0E4324F-46A8-F029-1C72-7BE403D5F295}"/>
+              </a:ext>
+            </a:extLst>
+          </p:cNvPr>
+          <p:cNvCxnSpPr>
+            <a:cxnSpLocks/>
+          </p:cNvCxnSpPr>
+          <p:nvPr/>
+        </p:nvCxnSpPr>
+        <p:spPr>
+          <a:xfrm>
+            <a:off x="4822500" y="7166109"/>
+            <a:ext cx="300463" cy="0"/>
+          </a:xfrm>
+          <a:prstGeom prst="straightConnector1">
+            <a:avLst/>
+          </a:prstGeom>
+          <a:ln w="12700">
+            <a:solidFill>
+              <a:schemeClr val="tx1"/>
+            </a:solidFill>
+            <a:headEnd type="none" w="lg" len="lg"/>
+            <a:tailEnd type="diamond" w="lg" len="lg"/>
+          </a:ln>
+        </p:spPr>
+        <p:style>
+          <a:lnRef idx="1">
+            <a:schemeClr val="accent1"/>
+          </a:lnRef>
+          <a:fillRef idx="0">
+            <a:schemeClr val="accent1"/>
+          </a:fillRef>
+          <a:effectRef idx="0">
+            <a:schemeClr val="accent1"/>
+          </a:effectRef>
+          <a:fontRef idx="minor">
+            <a:schemeClr val="tx1"/>
+          </a:fontRef>
+        </p:style>
+      </p:cxnSp>
+      <p:cxnSp>
+        <p:nvCxnSpPr>
+          <p:cNvPr id="73" name="Connettore 2 72">
+            <a:extLst>
+              <a:ext uri="{FF2B5EF4-FFF2-40B4-BE49-F238E27FC236}">
+                <a16:creationId xmlns:a16="http://schemas.microsoft.com/office/drawing/2014/main" id="{48A10863-ED6B-1EAD-D099-76927DD85D62}"/>
+              </a:ext>
+            </a:extLst>
+          </p:cNvPr>
+          <p:cNvCxnSpPr>
+            <a:cxnSpLocks/>
+          </p:cNvCxnSpPr>
+          <p:nvPr/>
+        </p:nvCxnSpPr>
+        <p:spPr>
+          <a:xfrm>
+            <a:off x="4822500" y="8428629"/>
+            <a:ext cx="300463" cy="0"/>
+          </a:xfrm>
+          <a:prstGeom prst="straightConnector1">
+            <a:avLst/>
+          </a:prstGeom>
+          <a:ln w="12700">
+            <a:solidFill>
+              <a:schemeClr val="tx1"/>
+            </a:solidFill>
+            <a:headEnd type="none" w="lg" len="lg"/>
+            <a:tailEnd type="diamond" w="lg" len="lg"/>
+          </a:ln>
+        </p:spPr>
+        <p:style>
+          <a:lnRef idx="1">
+            <a:schemeClr val="accent1"/>
+          </a:lnRef>
+          <a:fillRef idx="0">
+            <a:schemeClr val="accent1"/>
+          </a:fillRef>
+          <a:effectRef idx="0">
+            <a:schemeClr val="accent1"/>
+          </a:effectRef>
+          <a:fontRef idx="minor">
+            <a:schemeClr val="tx1"/>
+          </a:fontRef>
+        </p:style>
+      </p:cxnSp>
+      <p:cxnSp>
+        <p:nvCxnSpPr>
+          <p:cNvPr id="74" name="Connettore 2 73">
+            <a:extLst>
+              <a:ext uri="{FF2B5EF4-FFF2-40B4-BE49-F238E27FC236}">
+                <a16:creationId xmlns:a16="http://schemas.microsoft.com/office/drawing/2014/main" id="{27D77859-6C21-146C-8F99-2501F908EB77}"/>
+              </a:ext>
+            </a:extLst>
+          </p:cNvPr>
+          <p:cNvCxnSpPr>
+            <a:cxnSpLocks/>
+            <a:stCxn id="84" idx="3"/>
+            <a:endCxn id="81" idx="0"/>
+          </p:cNvCxnSpPr>
+          <p:nvPr/>
+        </p:nvCxnSpPr>
+        <p:spPr>
+          <a:xfrm flipV="1">
+            <a:off x="5554428" y="7688788"/>
+            <a:ext cx="3500" cy="228894"/>
+          </a:xfrm>
+          <a:prstGeom prst="straightConnector1">
+            <a:avLst/>
+          </a:prstGeom>
+          <a:ln w="12700">
+            <a:solidFill>
+              <a:schemeClr val="tx1"/>
+            </a:solidFill>
+            <a:headEnd type="none" w="lg" len="lg"/>
+            <a:tailEnd type="diamond" w="lg" len="lg"/>
+          </a:ln>
+        </p:spPr>
+        <p:style>
+          <a:lnRef idx="1">
+            <a:schemeClr val="accent1"/>
+          </a:lnRef>
+          <a:fillRef idx="0">
+            <a:schemeClr val="accent1"/>
+          </a:fillRef>
+          <a:effectRef idx="0">
+            <a:schemeClr val="accent1"/>
+          </a:effectRef>
+          <a:fontRef idx="minor">
+            <a:schemeClr val="tx1"/>
+          </a:fontRef>
+        </p:style>
+      </p:cxnSp>
+      <p:cxnSp>
+        <p:nvCxnSpPr>
+          <p:cNvPr id="76" name="Connettore 2 75">
+            <a:extLst>
+              <a:ext uri="{FF2B5EF4-FFF2-40B4-BE49-F238E27FC236}">
+                <a16:creationId xmlns:a16="http://schemas.microsoft.com/office/drawing/2014/main" id="{D238BC7E-730B-E496-DDDF-B2073CF52A4B}"/>
+              </a:ext>
+            </a:extLst>
+          </p:cNvPr>
+          <p:cNvCxnSpPr>
+            <a:cxnSpLocks/>
+            <a:stCxn id="95" idx="0"/>
+            <a:endCxn id="84" idx="0"/>
+          </p:cNvCxnSpPr>
+          <p:nvPr/>
+        </p:nvCxnSpPr>
+        <p:spPr>
+          <a:xfrm flipV="1">
+            <a:off x="5554428" y="8924463"/>
+            <a:ext cx="0" cy="195046"/>
+          </a:xfrm>
+          <a:prstGeom prst="straightConnector1">
+            <a:avLst/>
+          </a:prstGeom>
+          <a:ln w="12700" cap="rnd">
+            <a:solidFill>
+              <a:schemeClr val="tx1"/>
+            </a:solidFill>
+            <a:miter lim="800000"/>
+            <a:headEnd type="none" w="lg" len="lg"/>
+            <a:tailEnd type="none" w="lg" len="lg"/>
+          </a:ln>
+        </p:spPr>
+        <p:style>
+          <a:lnRef idx="1">
+            <a:schemeClr val="accent1"/>
+          </a:lnRef>
+          <a:fillRef idx="0">
+            <a:schemeClr val="accent1"/>
+          </a:fillRef>
+          <a:effectRef idx="0">
+            <a:schemeClr val="accent1"/>
+          </a:effectRef>
+          <a:fontRef idx="minor">
+            <a:schemeClr val="tx1"/>
+          </a:fontRef>
+        </p:style>
+      </p:cxnSp>
+      <p:sp>
+        <p:nvSpPr>
+          <p:cNvPr id="78" name="Rettangolo con angoli arrotondati 77">
+            <a:extLst>
+              <a:ext uri="{FF2B5EF4-FFF2-40B4-BE49-F238E27FC236}">
+                <a16:creationId xmlns:a16="http://schemas.microsoft.com/office/drawing/2014/main" id="{6C2E7C02-1B90-3CC7-59E3-26E2224EF39C}"/>
+              </a:ext>
+            </a:extLst>
+          </p:cNvPr>
+          <p:cNvSpPr/>
+          <p:nvPr/>
+        </p:nvSpPr>
+        <p:spPr>
+          <a:xfrm>
+            <a:off x="5092487" y="9546913"/>
+            <a:ext cx="936000" cy="360000"/>
+          </a:xfrm>
+          <a:prstGeom prst="roundRect">
+            <a:avLst/>
+          </a:prstGeom>
+          <a:ln>
+            <a:noFill/>
+          </a:ln>
+        </p:spPr>
+        <p:style>
+          <a:lnRef idx="2">
+            <a:schemeClr val="accent6"/>
+          </a:lnRef>
+          <a:fillRef idx="1">
+            <a:schemeClr val="lt1"/>
+          </a:fillRef>
+          <a:effectRef idx="0">
+            <a:schemeClr val="accent6"/>
+          </a:effectRef>
+          <a:fontRef idx="minor">
+            <a:schemeClr val="dk1"/>
+          </a:fontRef>
+        </p:style>
+        <p:txBody>
+          <a:bodyPr rtlCol="0" anchor="ctr"/>
+          <a:lstStyle/>
+          <a:p>
+            <a:pPr algn="ctr"/>
+            <a:r>
+              <a:rPr lang="it-IT" sz="800" dirty="0">
+                <a:solidFill>
+                  <a:schemeClr val="tx1"/>
+                </a:solidFill>
+                <a:latin typeface="CMU Bright Roman" panose="02000603000000000000" pitchFamily="2" charset="0"/>
+                <a:ea typeface="CMU Bright Roman" panose="02000603000000000000" pitchFamily="2" charset="0"/>
+                <a:cs typeface="CMU Bright Roman" panose="02000603000000000000" pitchFamily="2" charset="0"/>
+              </a:rPr>
+              <a:t>GIT CONFIG </a:t>
+            </a:r>
+          </a:p>
+          <a:p>
+            <a:pPr algn="ctr"/>
+            <a:r>
+              <a:rPr lang="it-IT" sz="800" dirty="0">
+                <a:solidFill>
+                  <a:schemeClr val="tx1"/>
+                </a:solidFill>
+                <a:latin typeface="CMU Bright Roman" panose="02000603000000000000" pitchFamily="2" charset="0"/>
+                <a:ea typeface="CMU Bright Roman" panose="02000603000000000000" pitchFamily="2" charset="0"/>
+                <a:cs typeface="CMU Bright Roman" panose="02000603000000000000" pitchFamily="2" charset="0"/>
+              </a:rPr>
+              <a:t>REPOSITORY</a:t>
+            </a:r>
+          </a:p>
+        </p:txBody>
+      </p:sp>
+      <p:sp>
+        <p:nvSpPr>
+          <p:cNvPr id="79" name="Rettangolo con angoli arrotondati 78">
+            <a:extLst>
+              <a:ext uri="{FF2B5EF4-FFF2-40B4-BE49-F238E27FC236}">
+                <a16:creationId xmlns:a16="http://schemas.microsoft.com/office/drawing/2014/main" id="{312E033D-54AF-CFD1-CFE7-28BD0DC899BB}"/>
+              </a:ext>
+            </a:extLst>
+          </p:cNvPr>
+          <p:cNvSpPr/>
+          <p:nvPr/>
+        </p:nvSpPr>
+        <p:spPr>
+          <a:xfrm>
+            <a:off x="1963826" y="7551939"/>
+            <a:ext cx="903490" cy="360000"/>
+          </a:xfrm>
+          <a:prstGeom prst="roundRect">
+            <a:avLst/>
+          </a:prstGeom>
+          <a:ln>
+            <a:solidFill>
+              <a:schemeClr val="tx1"/>
+            </a:solidFill>
+          </a:ln>
+        </p:spPr>
+        <p:style>
+          <a:lnRef idx="2">
+            <a:schemeClr val="accent6"/>
+          </a:lnRef>
+          <a:fillRef idx="1">
+            <a:schemeClr val="lt1"/>
+          </a:fillRef>
+          <a:effectRef idx="0">
+            <a:schemeClr val="accent6"/>
+          </a:effectRef>
+          <a:fontRef idx="minor">
+            <a:schemeClr val="dk1"/>
+          </a:fontRef>
+        </p:style>
+        <p:txBody>
+          <a:bodyPr rtlCol="0" anchor="ctr"/>
+          <a:lstStyle/>
+          <a:p>
+            <a:pPr algn="ctr"/>
+            <a:r>
+              <a:rPr lang="it-IT" sz="800" dirty="0">
+                <a:solidFill>
+                  <a:schemeClr val="tx1"/>
+                </a:solidFill>
+                <a:latin typeface="CMU Bright Roman" panose="02000603000000000000" pitchFamily="2" charset="0"/>
+                <a:ea typeface="CMU Bright Roman" panose="02000603000000000000" pitchFamily="2" charset="0"/>
+                <a:cs typeface="CMU Bright Roman" panose="02000603000000000000" pitchFamily="2" charset="0"/>
+              </a:rPr>
+              <a:t>RESTAURANT</a:t>
+            </a:r>
+          </a:p>
+          <a:p>
+            <a:pPr algn="ctr"/>
+            <a:r>
+              <a:rPr lang="it-IT" sz="800" dirty="0">
+                <a:solidFill>
+                  <a:schemeClr val="tx1"/>
+                </a:solidFill>
+                <a:latin typeface="CMU Bright Roman" panose="02000603000000000000" pitchFamily="2" charset="0"/>
+                <a:ea typeface="CMU Bright Roman" panose="02000603000000000000" pitchFamily="2" charset="0"/>
+                <a:cs typeface="CMU Bright Roman" panose="02000603000000000000" pitchFamily="2" charset="0"/>
+              </a:rPr>
+              <a:t>REST API</a:t>
+            </a:r>
+          </a:p>
+        </p:txBody>
+      </p:sp>
+      <p:grpSp>
+        <p:nvGrpSpPr>
+          <p:cNvPr id="80" name="Gruppo 79">
+            <a:extLst>
+              <a:ext uri="{FF2B5EF4-FFF2-40B4-BE49-F238E27FC236}">
+                <a16:creationId xmlns:a16="http://schemas.microsoft.com/office/drawing/2014/main" id="{12E24482-120F-E738-FDFB-C6248D4C514A}"/>
+              </a:ext>
+            </a:extLst>
+          </p:cNvPr>
+          <p:cNvGrpSpPr>
+            <a:grpSpLocks noChangeAspect="1"/>
+          </p:cNvGrpSpPr>
+          <p:nvPr/>
+        </p:nvGrpSpPr>
+        <p:grpSpPr>
+          <a:xfrm>
+            <a:off x="4979409" y="6682006"/>
+            <a:ext cx="1188000" cy="1006781"/>
+            <a:chOff x="2623721" y="2251169"/>
+            <a:chExt cx="1615044" cy="1372946"/>
+          </a:xfrm>
+        </p:grpSpPr>
+        <p:sp>
+          <p:nvSpPr>
+            <p:cNvPr id="81" name="Esagono orizzontale 80">
+              <a:extLst>
+                <a:ext uri="{FF2B5EF4-FFF2-40B4-BE49-F238E27FC236}">
+                  <a16:creationId xmlns:a16="http://schemas.microsoft.com/office/drawing/2014/main" id="{D7DD5925-EBCF-2580-0727-ECC1FE4FC60F}"/>
+                </a:ext>
+              </a:extLst>
+            </p:cNvPr>
+            <p:cNvSpPr/>
+            <p:nvPr/>
+          </p:nvSpPr>
+          <p:spPr>
+            <a:xfrm rot="5400000">
+              <a:off x="2723723" y="2345855"/>
+              <a:ext cx="1372946" cy="1183574"/>
+            </a:xfrm>
+            <a:prstGeom prst="hexagon">
+              <a:avLst/>
+            </a:prstGeom>
+            <a:ln w="19050">
+              <a:solidFill>
+                <a:schemeClr val="tx1"/>
+              </a:solidFill>
+            </a:ln>
+          </p:spPr>
+          <p:style>
+            <a:lnRef idx="2">
+              <a:schemeClr val="accent6"/>
+            </a:lnRef>
+            <a:fillRef idx="1">
+              <a:schemeClr val="lt1"/>
+            </a:fillRef>
+            <a:effectRef idx="0">
+              <a:schemeClr val="accent6"/>
+            </a:effectRef>
+            <a:fontRef idx="minor">
+              <a:schemeClr val="dk1"/>
+            </a:fontRef>
+          </p:style>
+          <p:txBody>
+            <a:bodyPr rtlCol="0" anchor="ctr"/>
+            <a:lstStyle/>
+            <a:p>
+              <a:pPr algn="ctr"/>
+              <a:endParaRPr lang="it-IT" sz="1100" dirty="0">
+                <a:solidFill>
+                  <a:schemeClr val="tx1"/>
+                </a:solidFill>
+                <a:latin typeface="CMU Bright Roman" panose="02000603000000000000" pitchFamily="2" charset="0"/>
+                <a:ea typeface="CMU Bright Roman" panose="02000603000000000000" pitchFamily="2" charset="0"/>
+                <a:cs typeface="CMU Bright Roman" panose="02000603000000000000" pitchFamily="2" charset="0"/>
+              </a:endParaRPr>
+            </a:p>
+          </p:txBody>
+        </p:sp>
+        <p:sp>
+          <p:nvSpPr>
+            <p:cNvPr id="82" name="CasellaDiTesto 81">
+              <a:extLst>
+                <a:ext uri="{FF2B5EF4-FFF2-40B4-BE49-F238E27FC236}">
+                  <a16:creationId xmlns:a16="http://schemas.microsoft.com/office/drawing/2014/main" id="{7DD889B6-297D-5B60-DBE2-D1ECB6C06DF4}"/>
+                </a:ext>
+              </a:extLst>
+            </p:cNvPr>
+            <p:cNvSpPr txBox="1"/>
+            <p:nvPr/>
+          </p:nvSpPr>
+          <p:spPr>
+            <a:xfrm>
+              <a:off x="2623721" y="2622407"/>
+              <a:ext cx="1615044" cy="692529"/>
+            </a:xfrm>
+            <a:prstGeom prst="rect">
+              <a:avLst/>
+            </a:prstGeom>
+            <a:noFill/>
+            <a:ln w="19050">
+              <a:noFill/>
+            </a:ln>
+          </p:spPr>
+          <p:txBody>
+            <a:bodyPr wrap="square" rtlCol="0">
+              <a:spAutoFit/>
+            </a:bodyPr>
+            <a:lstStyle/>
+            <a:p>
+              <a:pPr algn="ctr"/>
+              <a:r>
+                <a:rPr lang="it-IT" sz="900" dirty="0">
+                  <a:latin typeface="CMU Bright Roman" panose="02000603000000000000" pitchFamily="2" charset="0"/>
+                  <a:ea typeface="CMU Bright Roman" panose="02000603000000000000" pitchFamily="2" charset="0"/>
+                  <a:cs typeface="CMU Bright Roman" panose="02000603000000000000" pitchFamily="2" charset="0"/>
+                </a:rPr>
+                <a:t>EUREKA</a:t>
+              </a:r>
+            </a:p>
+            <a:p>
+              <a:pPr algn="ctr"/>
+              <a:r>
+                <a:rPr lang="it-IT" sz="900" dirty="0">
+                  <a:latin typeface="CMU Bright Roman" panose="02000603000000000000" pitchFamily="2" charset="0"/>
+                  <a:ea typeface="CMU Bright Roman" panose="02000603000000000000" pitchFamily="2" charset="0"/>
+                  <a:cs typeface="CMU Bright Roman" panose="02000603000000000000" pitchFamily="2" charset="0"/>
+                </a:rPr>
+                <a:t>DISCOVERY</a:t>
+              </a:r>
+            </a:p>
+            <a:p>
+              <a:pPr algn="ctr"/>
+              <a:r>
+                <a:rPr lang="it-IT" sz="900" dirty="0">
+                  <a:latin typeface="CMU Bright Roman" panose="02000603000000000000" pitchFamily="2" charset="0"/>
+                  <a:ea typeface="CMU Bright Roman" panose="02000603000000000000" pitchFamily="2" charset="0"/>
+                  <a:cs typeface="CMU Bright Roman" panose="02000603000000000000" pitchFamily="2" charset="0"/>
+                </a:rPr>
+                <a:t>SERVICE</a:t>
+              </a:r>
+            </a:p>
+          </p:txBody>
+        </p:sp>
+      </p:grpSp>
+      <p:grpSp>
+        <p:nvGrpSpPr>
+          <p:cNvPr id="83" name="Gruppo 82">
+            <a:extLst>
+              <a:ext uri="{FF2B5EF4-FFF2-40B4-BE49-F238E27FC236}">
+                <a16:creationId xmlns:a16="http://schemas.microsoft.com/office/drawing/2014/main" id="{714C7B52-86E1-CDD3-D186-87380FACF86E}"/>
+              </a:ext>
+            </a:extLst>
+          </p:cNvPr>
+          <p:cNvGrpSpPr>
+            <a:grpSpLocks noChangeAspect="1"/>
+          </p:cNvGrpSpPr>
+          <p:nvPr/>
+        </p:nvGrpSpPr>
+        <p:grpSpPr>
+          <a:xfrm>
+            <a:off x="4964295" y="7917681"/>
+            <a:ext cx="1188000" cy="1006781"/>
+            <a:chOff x="2607932" y="2251169"/>
+            <a:chExt cx="1615044" cy="1372946"/>
+          </a:xfrm>
+        </p:grpSpPr>
+        <p:sp>
+          <p:nvSpPr>
+            <p:cNvPr id="84" name="Esagono orizzontale 83">
+              <a:extLst>
+                <a:ext uri="{FF2B5EF4-FFF2-40B4-BE49-F238E27FC236}">
+                  <a16:creationId xmlns:a16="http://schemas.microsoft.com/office/drawing/2014/main" id="{58FF09A4-CCD7-3E0E-B5E0-FDB278B3B0B1}"/>
+                </a:ext>
+              </a:extLst>
+            </p:cNvPr>
+            <p:cNvSpPr/>
+            <p:nvPr/>
+          </p:nvSpPr>
+          <p:spPr>
+            <a:xfrm rot="5400000">
+              <a:off x="2723723" y="2345855"/>
+              <a:ext cx="1372946" cy="1183574"/>
+            </a:xfrm>
+            <a:prstGeom prst="hexagon">
+              <a:avLst/>
+            </a:prstGeom>
+            <a:ln w="19050">
+              <a:solidFill>
+                <a:schemeClr val="tx1"/>
+              </a:solidFill>
+            </a:ln>
+          </p:spPr>
+          <p:style>
+            <a:lnRef idx="2">
+              <a:schemeClr val="accent6"/>
+            </a:lnRef>
+            <a:fillRef idx="1">
+              <a:schemeClr val="lt1"/>
+            </a:fillRef>
+            <a:effectRef idx="0">
+              <a:schemeClr val="accent6"/>
+            </a:effectRef>
+            <a:fontRef idx="minor">
+              <a:schemeClr val="dk1"/>
+            </a:fontRef>
+          </p:style>
+          <p:txBody>
+            <a:bodyPr rtlCol="0" anchor="ctr"/>
+            <a:lstStyle/>
+            <a:p>
+              <a:pPr algn="ctr"/>
+              <a:endParaRPr lang="it-IT" sz="1100" dirty="0">
+                <a:solidFill>
+                  <a:schemeClr val="tx1"/>
+                </a:solidFill>
+                <a:latin typeface="CMU Bright Roman" panose="02000603000000000000" pitchFamily="2" charset="0"/>
+                <a:ea typeface="CMU Bright Roman" panose="02000603000000000000" pitchFamily="2" charset="0"/>
+                <a:cs typeface="CMU Bright Roman" panose="02000603000000000000" pitchFamily="2" charset="0"/>
+              </a:endParaRPr>
+            </a:p>
+          </p:txBody>
+        </p:sp>
+        <p:sp>
+          <p:nvSpPr>
+            <p:cNvPr id="85" name="CasellaDiTesto 84">
+              <a:extLst>
+                <a:ext uri="{FF2B5EF4-FFF2-40B4-BE49-F238E27FC236}">
+                  <a16:creationId xmlns:a16="http://schemas.microsoft.com/office/drawing/2014/main" id="{3F124896-6354-CAA4-EC34-F9AC8C90FBF7}"/>
+                </a:ext>
+              </a:extLst>
+            </p:cNvPr>
+            <p:cNvSpPr txBox="1"/>
+            <p:nvPr/>
+          </p:nvSpPr>
+          <p:spPr>
+            <a:xfrm>
+              <a:off x="2607932" y="2725802"/>
+              <a:ext cx="1615044" cy="503658"/>
+            </a:xfrm>
+            <a:prstGeom prst="rect">
+              <a:avLst/>
+            </a:prstGeom>
+            <a:noFill/>
+            <a:ln w="19050">
+              <a:noFill/>
+            </a:ln>
+          </p:spPr>
+          <p:txBody>
+            <a:bodyPr wrap="square" rtlCol="0">
+              <a:spAutoFit/>
+            </a:bodyPr>
+            <a:lstStyle/>
+            <a:p>
+              <a:pPr algn="ctr"/>
+              <a:r>
+                <a:rPr lang="it-IT" sz="900" dirty="0">
+                  <a:latin typeface="CMU Bright Roman" panose="02000603000000000000" pitchFamily="2" charset="0"/>
+                  <a:ea typeface="CMU Bright Roman" panose="02000603000000000000" pitchFamily="2" charset="0"/>
+                  <a:cs typeface="CMU Bright Roman" panose="02000603000000000000" pitchFamily="2" charset="0"/>
+                </a:rPr>
+                <a:t>CONFIG</a:t>
+              </a:r>
+            </a:p>
+            <a:p>
+              <a:pPr algn="ctr"/>
+              <a:r>
+                <a:rPr lang="it-IT" sz="900" dirty="0">
+                  <a:latin typeface="CMU Bright Roman" panose="02000603000000000000" pitchFamily="2" charset="0"/>
+                  <a:ea typeface="CMU Bright Roman" panose="02000603000000000000" pitchFamily="2" charset="0"/>
+                  <a:cs typeface="CMU Bright Roman" panose="02000603000000000000" pitchFamily="2" charset="0"/>
+                </a:rPr>
+                <a:t>SERVER</a:t>
+              </a:r>
+            </a:p>
+          </p:txBody>
+        </p:sp>
+      </p:grpSp>
+      <p:cxnSp>
+        <p:nvCxnSpPr>
+          <p:cNvPr id="86" name="Connettore 1 85">
+            <a:extLst>
+              <a:ext uri="{FF2B5EF4-FFF2-40B4-BE49-F238E27FC236}">
+                <a16:creationId xmlns:a16="http://schemas.microsoft.com/office/drawing/2014/main" id="{BAB402D8-2204-FCD9-7029-5D0F3AF54A64}"/>
+              </a:ext>
+            </a:extLst>
+          </p:cNvPr>
+          <p:cNvCxnSpPr>
+            <a:cxnSpLocks/>
+            <a:stCxn id="89" idx="0"/>
+            <a:endCxn id="97" idx="1"/>
+          </p:cNvCxnSpPr>
+          <p:nvPr/>
+        </p:nvCxnSpPr>
+        <p:spPr>
+          <a:xfrm>
+            <a:off x="1476117" y="8737807"/>
+            <a:ext cx="487707" cy="1418"/>
+          </a:xfrm>
+          <a:prstGeom prst="line">
+            <a:avLst/>
+          </a:prstGeom>
+          <a:ln w="12700">
+            <a:solidFill>
+              <a:schemeClr val="tx1"/>
+            </a:solidFill>
+            <a:headEnd type="none" w="med" len="med"/>
+            <a:tailEnd type="none" w="med" len="med"/>
+          </a:ln>
+        </p:spPr>
+        <p:style>
+          <a:lnRef idx="1">
+            <a:schemeClr val="accent1"/>
+          </a:lnRef>
+          <a:fillRef idx="0">
+            <a:schemeClr val="accent1"/>
+          </a:fillRef>
+          <a:effectRef idx="0">
+            <a:schemeClr val="accent1"/>
+          </a:effectRef>
+          <a:fontRef idx="minor">
+            <a:schemeClr val="tx1"/>
+          </a:fontRef>
+        </p:style>
+      </p:cxnSp>
+      <p:cxnSp>
+        <p:nvCxnSpPr>
+          <p:cNvPr id="87" name="Connettore 1 86">
+            <a:extLst>
+              <a:ext uri="{FF2B5EF4-FFF2-40B4-BE49-F238E27FC236}">
+                <a16:creationId xmlns:a16="http://schemas.microsoft.com/office/drawing/2014/main" id="{68AA83BA-5D0B-B46E-E75E-19F91D5478D0}"/>
+              </a:ext>
+            </a:extLst>
+          </p:cNvPr>
+          <p:cNvCxnSpPr>
+            <a:cxnSpLocks/>
+            <a:stCxn id="89" idx="3"/>
+            <a:endCxn id="79" idx="1"/>
+          </p:cNvCxnSpPr>
+          <p:nvPr/>
+        </p:nvCxnSpPr>
+        <p:spPr>
+          <a:xfrm>
+            <a:off x="1476117" y="7731026"/>
+            <a:ext cx="487709" cy="913"/>
+          </a:xfrm>
+          <a:prstGeom prst="line">
+            <a:avLst/>
+          </a:prstGeom>
+          <a:ln w="12700">
+            <a:solidFill>
+              <a:schemeClr val="tx1"/>
+            </a:solidFill>
+            <a:headEnd type="none" w="med" len="med"/>
+            <a:tailEnd type="none" w="med" len="med"/>
+          </a:ln>
+        </p:spPr>
+        <p:style>
+          <a:lnRef idx="1">
+            <a:schemeClr val="accent1"/>
+          </a:lnRef>
+          <a:fillRef idx="0">
+            <a:schemeClr val="accent1"/>
+          </a:fillRef>
+          <a:effectRef idx="0">
+            <a:schemeClr val="accent1"/>
+          </a:effectRef>
+          <a:fontRef idx="minor">
+            <a:schemeClr val="tx1"/>
+          </a:fontRef>
+        </p:style>
+      </p:cxnSp>
+      <p:grpSp>
+        <p:nvGrpSpPr>
+          <p:cNvPr id="88" name="Gruppo 87">
+            <a:extLst>
+              <a:ext uri="{FF2B5EF4-FFF2-40B4-BE49-F238E27FC236}">
+                <a16:creationId xmlns:a16="http://schemas.microsoft.com/office/drawing/2014/main" id="{5A970ADD-B3F9-6D50-98BF-3E31AAF7559C}"/>
+              </a:ext>
+            </a:extLst>
+          </p:cNvPr>
+          <p:cNvGrpSpPr>
+            <a:grpSpLocks noChangeAspect="1"/>
+          </p:cNvGrpSpPr>
+          <p:nvPr/>
+        </p:nvGrpSpPr>
+        <p:grpSpPr>
+          <a:xfrm>
+            <a:off x="878832" y="7731025"/>
+            <a:ext cx="1188000" cy="1006781"/>
+            <a:chOff x="2598209" y="2251169"/>
+            <a:chExt cx="1615044" cy="1372946"/>
+          </a:xfrm>
+        </p:grpSpPr>
+        <p:sp>
+          <p:nvSpPr>
+            <p:cNvPr id="89" name="Esagono orizzontale 88">
+              <a:extLst>
+                <a:ext uri="{FF2B5EF4-FFF2-40B4-BE49-F238E27FC236}">
+                  <a16:creationId xmlns:a16="http://schemas.microsoft.com/office/drawing/2014/main" id="{F03CC06E-8F3C-007B-03A2-7D759C62291F}"/>
+                </a:ext>
+              </a:extLst>
+            </p:cNvPr>
+            <p:cNvSpPr/>
+            <p:nvPr/>
+          </p:nvSpPr>
+          <p:spPr>
+            <a:xfrm rot="5400000">
+              <a:off x="2723723" y="2345855"/>
+              <a:ext cx="1372946" cy="1183574"/>
+            </a:xfrm>
+            <a:prstGeom prst="hexagon">
+              <a:avLst/>
+            </a:prstGeom>
+            <a:ln w="19050">
+              <a:solidFill>
+                <a:schemeClr val="tx1"/>
+              </a:solidFill>
+            </a:ln>
+          </p:spPr>
+          <p:style>
+            <a:lnRef idx="2">
+              <a:schemeClr val="accent6"/>
+            </a:lnRef>
+            <a:fillRef idx="1">
+              <a:schemeClr val="lt1"/>
+            </a:fillRef>
+            <a:effectRef idx="0">
+              <a:schemeClr val="accent6"/>
+            </a:effectRef>
+            <a:fontRef idx="minor">
+              <a:schemeClr val="dk1"/>
+            </a:fontRef>
+          </p:style>
+          <p:txBody>
+            <a:bodyPr rtlCol="0" anchor="ctr"/>
+            <a:lstStyle/>
+            <a:p>
+              <a:pPr algn="ctr"/>
+              <a:endParaRPr lang="it-IT" sz="1100" dirty="0">
+                <a:solidFill>
+                  <a:schemeClr val="tx1"/>
+                </a:solidFill>
+                <a:latin typeface="CMU Bright Roman" panose="02000603000000000000" pitchFamily="2" charset="0"/>
+                <a:ea typeface="CMU Bright Roman" panose="02000603000000000000" pitchFamily="2" charset="0"/>
+                <a:cs typeface="CMU Bright Roman" panose="02000603000000000000" pitchFamily="2" charset="0"/>
+              </a:endParaRPr>
+            </a:p>
+          </p:txBody>
+        </p:sp>
+        <p:sp>
+          <p:nvSpPr>
+            <p:cNvPr id="90" name="CasellaDiTesto 89">
+              <a:extLst>
+                <a:ext uri="{FF2B5EF4-FFF2-40B4-BE49-F238E27FC236}">
+                  <a16:creationId xmlns:a16="http://schemas.microsoft.com/office/drawing/2014/main" id="{39393201-7602-9DFF-D284-77E6A9EF13BD}"/>
+                </a:ext>
+              </a:extLst>
+            </p:cNvPr>
+            <p:cNvSpPr txBox="1"/>
+            <p:nvPr/>
+          </p:nvSpPr>
+          <p:spPr>
+            <a:xfrm>
+              <a:off x="2598209" y="2675406"/>
+              <a:ext cx="1615044" cy="503658"/>
+            </a:xfrm>
+            <a:prstGeom prst="rect">
+              <a:avLst/>
+            </a:prstGeom>
+            <a:noFill/>
+            <a:ln w="19050">
+              <a:noFill/>
+            </a:ln>
+          </p:spPr>
+          <p:txBody>
+            <a:bodyPr wrap="square" rtlCol="0">
+              <a:spAutoFit/>
+            </a:bodyPr>
+            <a:lstStyle/>
+            <a:p>
+              <a:pPr algn="ctr"/>
+              <a:r>
+                <a:rPr lang="it-IT" sz="900" dirty="0">
+                  <a:latin typeface="CMU Bright Roman" panose="02000603000000000000" pitchFamily="2" charset="0"/>
+                  <a:ea typeface="CMU Bright Roman" panose="02000603000000000000" pitchFamily="2" charset="0"/>
+                  <a:cs typeface="CMU Bright Roman" panose="02000603000000000000" pitchFamily="2" charset="0"/>
+                </a:rPr>
+                <a:t>API</a:t>
+              </a:r>
+            </a:p>
+            <a:p>
+              <a:pPr algn="ctr"/>
+              <a:r>
+                <a:rPr lang="it-IT" sz="900" dirty="0">
+                  <a:latin typeface="CMU Bright Roman" panose="02000603000000000000" pitchFamily="2" charset="0"/>
+                  <a:ea typeface="CMU Bright Roman" panose="02000603000000000000" pitchFamily="2" charset="0"/>
+                  <a:cs typeface="CMU Bright Roman" panose="02000603000000000000" pitchFamily="2" charset="0"/>
+                </a:rPr>
+                <a:t>GATEWAY</a:t>
+              </a:r>
+            </a:p>
+          </p:txBody>
+        </p:sp>
+      </p:grpSp>
+      <p:sp>
+        <p:nvSpPr>
+          <p:cNvPr id="91" name="Rettangolo con angoli arrotondati 90">
+            <a:extLst>
+              <a:ext uri="{FF2B5EF4-FFF2-40B4-BE49-F238E27FC236}">
+                <a16:creationId xmlns:a16="http://schemas.microsoft.com/office/drawing/2014/main" id="{C2318AA2-0B74-B262-AD7A-15971655279B}"/>
+              </a:ext>
+            </a:extLst>
+          </p:cNvPr>
+          <p:cNvSpPr/>
+          <p:nvPr/>
+        </p:nvSpPr>
+        <p:spPr>
+          <a:xfrm>
+            <a:off x="642942" y="8042943"/>
+            <a:ext cx="486147" cy="367831"/>
+          </a:xfrm>
+          <a:prstGeom prst="roundRect">
+            <a:avLst/>
+          </a:prstGeom>
+          <a:ln>
+            <a:solidFill>
+              <a:schemeClr val="tx1"/>
+            </a:solidFill>
+          </a:ln>
+        </p:spPr>
+        <p:style>
+          <a:lnRef idx="2">
+            <a:schemeClr val="accent6"/>
+          </a:lnRef>
+          <a:fillRef idx="1">
+            <a:schemeClr val="lt1"/>
+          </a:fillRef>
+          <a:effectRef idx="0">
+            <a:schemeClr val="accent6"/>
+          </a:effectRef>
+          <a:fontRef idx="minor">
+            <a:schemeClr val="dk1"/>
+          </a:fontRef>
+        </p:style>
+        <p:txBody>
+          <a:bodyPr rtlCol="0" anchor="ctr"/>
+          <a:lstStyle/>
+          <a:p>
+            <a:pPr algn="ctr"/>
+            <a:r>
+              <a:rPr lang="it-IT" sz="800" dirty="0">
+                <a:solidFill>
+                  <a:schemeClr val="tx1"/>
+                </a:solidFill>
+                <a:latin typeface="CMU Bright Roman" panose="02000603000000000000" pitchFamily="2" charset="0"/>
+                <a:ea typeface="CMU Bright Roman" panose="02000603000000000000" pitchFamily="2" charset="0"/>
+                <a:cs typeface="CMU Bright Roman" panose="02000603000000000000" pitchFamily="2" charset="0"/>
+              </a:rPr>
+              <a:t>REST</a:t>
+            </a:r>
+          </a:p>
+          <a:p>
+            <a:pPr algn="ctr"/>
+            <a:r>
+              <a:rPr lang="it-IT" sz="800" dirty="0">
+                <a:solidFill>
+                  <a:schemeClr val="tx1"/>
+                </a:solidFill>
+                <a:latin typeface="CMU Bright Roman" panose="02000603000000000000" pitchFamily="2" charset="0"/>
+                <a:ea typeface="CMU Bright Roman" panose="02000603000000000000" pitchFamily="2" charset="0"/>
+                <a:cs typeface="CMU Bright Roman" panose="02000603000000000000" pitchFamily="2" charset="0"/>
+              </a:rPr>
+              <a:t>API</a:t>
+            </a:r>
+          </a:p>
+        </p:txBody>
+      </p:sp>
+      <p:cxnSp>
+        <p:nvCxnSpPr>
+          <p:cNvPr id="92" name="Connettore 1 91">
+            <a:extLst>
+              <a:ext uri="{FF2B5EF4-FFF2-40B4-BE49-F238E27FC236}">
+                <a16:creationId xmlns:a16="http://schemas.microsoft.com/office/drawing/2014/main" id="{F612C410-2964-5990-3872-BA8581661F94}"/>
+              </a:ext>
+            </a:extLst>
+          </p:cNvPr>
+          <p:cNvCxnSpPr>
+            <a:cxnSpLocks/>
+            <a:stCxn id="98" idx="2"/>
+            <a:endCxn id="3" idx="4"/>
+          </p:cNvCxnSpPr>
+          <p:nvPr/>
+        </p:nvCxnSpPr>
+        <p:spPr>
+          <a:xfrm flipH="1">
+            <a:off x="3401188" y="7909928"/>
+            <a:ext cx="813604" cy="1070796"/>
+          </a:xfrm>
+          <a:prstGeom prst="line">
+            <a:avLst/>
+          </a:prstGeom>
+          <a:ln w="12700">
+            <a:solidFill>
+              <a:schemeClr val="tx1"/>
+            </a:solidFill>
+            <a:prstDash val="solid"/>
+            <a:headEnd type="none" w="med" len="med"/>
+            <a:tailEnd type="none" w="med" len="med"/>
+          </a:ln>
+        </p:spPr>
+        <p:style>
+          <a:lnRef idx="1">
+            <a:schemeClr val="accent1"/>
+          </a:lnRef>
+          <a:fillRef idx="0">
+            <a:schemeClr val="accent1"/>
+          </a:fillRef>
+          <a:effectRef idx="0">
+            <a:schemeClr val="accent1"/>
+          </a:effectRef>
+          <a:fontRef idx="minor">
+            <a:schemeClr val="tx1"/>
+          </a:fontRef>
+        </p:style>
+      </p:cxnSp>
+      <p:cxnSp>
+        <p:nvCxnSpPr>
+          <p:cNvPr id="93" name="Connettore 1 92">
+            <a:extLst>
+              <a:ext uri="{FF2B5EF4-FFF2-40B4-BE49-F238E27FC236}">
+                <a16:creationId xmlns:a16="http://schemas.microsoft.com/office/drawing/2014/main" id="{B61AFFC2-1782-B74C-3E9E-FAC6381F2E2E}"/>
+              </a:ext>
+            </a:extLst>
+          </p:cNvPr>
+          <p:cNvCxnSpPr>
+            <a:cxnSpLocks/>
+            <a:stCxn id="99" idx="1"/>
+            <a:endCxn id="3" idx="4"/>
+          </p:cNvCxnSpPr>
+          <p:nvPr/>
+        </p:nvCxnSpPr>
+        <p:spPr>
+          <a:xfrm flipH="1">
+            <a:off x="3401188" y="8737098"/>
+            <a:ext cx="363401" cy="243626"/>
+          </a:xfrm>
+          <a:prstGeom prst="line">
+            <a:avLst/>
+          </a:prstGeom>
+          <a:ln w="12700">
+            <a:solidFill>
+              <a:schemeClr val="tx1"/>
+            </a:solidFill>
+            <a:prstDash val="solid"/>
+            <a:headEnd type="none" w="med" len="med"/>
+            <a:tailEnd type="none" w="med" len="med"/>
+          </a:ln>
+        </p:spPr>
+        <p:style>
+          <a:lnRef idx="1">
+            <a:schemeClr val="accent1"/>
+          </a:lnRef>
+          <a:fillRef idx="0">
+            <a:schemeClr val="accent1"/>
+          </a:fillRef>
+          <a:effectRef idx="0">
+            <a:schemeClr val="accent1"/>
+          </a:effectRef>
+          <a:fontRef idx="minor">
+            <a:schemeClr val="tx1"/>
+          </a:fontRef>
+        </p:style>
+      </p:cxnSp>
+      <p:pic>
+        <p:nvPicPr>
+          <p:cNvPr id="95" name="Picture 2">
+            <a:extLst>
+              <a:ext uri="{FF2B5EF4-FFF2-40B4-BE49-F238E27FC236}">
+                <a16:creationId xmlns:a16="http://schemas.microsoft.com/office/drawing/2014/main" id="{6868AEF9-590D-4FE5-996B-8DC29DF1D6CA}"/>
+              </a:ext>
+            </a:extLst>
+          </p:cNvPr>
+          <p:cNvPicPr>
+            <a:picLocks noChangeAspect="1" noChangeArrowheads="1"/>
+          </p:cNvPicPr>
+          <p:nvPr/>
+        </p:nvPicPr>
+        <p:blipFill>
+          <a:blip r:embed="rId3">
+            <a:alphaModFix/>
+            <a:biLevel thresh="75000"/>
+            <a:extLst>
+              <a:ext uri="{BEBA8EAE-BF5A-486C-A8C5-ECC9F3942E4B}">
+                <a14:imgProps xmlns:a14="http://schemas.microsoft.com/office/drawing/2010/main">
+                  <a14:imgLayer r:embed="rId4">
+                    <a14:imgEffect>
+                      <a14:sharpenSoften amount="100000"/>
+                    </a14:imgEffect>
+                    <a14:imgEffect>
+                      <a14:colorTemperature colorTemp="11500"/>
+                    </a14:imgEffect>
+                    <a14:imgEffect>
+                      <a14:saturation sat="400000"/>
+                    </a14:imgEffect>
+                    <a14:imgEffect>
+                      <a14:brightnessContrast bright="-53000" contrast="-23000"/>
+                    </a14:imgEffect>
+                  </a14:imgLayer>
+                </a14:imgProps>
+              </a:ext>
+              <a:ext uri="{28A0092B-C50C-407E-A947-70E740481C1C}">
+                <a14:useLocalDpi xmlns:a14="http://schemas.microsoft.com/office/drawing/2010/main" val="0"/>
+              </a:ext>
+            </a:extLst>
+          </a:blip>
+          <a:srcRect/>
+          <a:stretch>
+            <a:fillRect/>
+          </a:stretch>
+        </p:blipFill>
+        <p:spPr bwMode="auto">
+          <a:xfrm>
+            <a:off x="5342027" y="9119509"/>
+            <a:ext cx="424801" cy="424801"/>
+          </a:xfrm>
+          <a:prstGeom prst="rect">
+            <a:avLst/>
+          </a:prstGeom>
+          <a:solidFill>
+            <a:schemeClr val="bg1"/>
+          </a:solidFill>
+          <a:ln>
+            <a:noFill/>
+          </a:ln>
+        </p:spPr>
+      </p:pic>
+      <p:pic>
+        <p:nvPicPr>
+          <p:cNvPr id="96" name="Elemento grafico 95" descr="Database con riempimento a tinta unita">
+            <a:extLst>
+              <a:ext uri="{FF2B5EF4-FFF2-40B4-BE49-F238E27FC236}">
+                <a16:creationId xmlns:a16="http://schemas.microsoft.com/office/drawing/2014/main" id="{7CD55021-9E9C-663F-B2EC-78ADCA7A9B1D}"/>
+              </a:ext>
+            </a:extLst>
+          </p:cNvPr>
+          <p:cNvPicPr>
+            <a:picLocks noChangeAspect="1"/>
+          </p:cNvPicPr>
+          <p:nvPr/>
+        </p:nvPicPr>
+        <p:blipFill>
+          <a:blip r:embed="rId5">
+            <a:extLst>
+              <a:ext uri="{96DAC541-7B7A-43D3-8B79-37D633B846F1}">
+                <asvg:svgBlip xmlns:asvg="http://schemas.microsoft.com/office/drawing/2016/SVG/main" r:embed="rId6"/>
+              </a:ext>
+            </a:extLst>
+          </a:blip>
+          <a:stretch>
+            <a:fillRect/>
+          </a:stretch>
+        </p:blipFill>
+        <p:spPr>
+          <a:xfrm>
+            <a:off x="3183836" y="9443389"/>
+            <a:ext cx="425030" cy="425030"/>
+          </a:xfrm>
+          <a:prstGeom prst="rect">
+            <a:avLst/>
+          </a:prstGeom>
+        </p:spPr>
+      </p:pic>
+      <p:sp>
+        <p:nvSpPr>
+          <p:cNvPr id="97" name="Rettangolo con angoli arrotondati 96">
+            <a:extLst>
+              <a:ext uri="{FF2B5EF4-FFF2-40B4-BE49-F238E27FC236}">
+                <a16:creationId xmlns:a16="http://schemas.microsoft.com/office/drawing/2014/main" id="{28CA1B3E-6BA3-C676-176A-167409E74683}"/>
+              </a:ext>
+            </a:extLst>
+          </p:cNvPr>
+          <p:cNvSpPr/>
+          <p:nvPr/>
+        </p:nvSpPr>
+        <p:spPr>
+          <a:xfrm>
+            <a:off x="1963824" y="8559225"/>
+            <a:ext cx="903491" cy="360000"/>
+          </a:xfrm>
+          <a:prstGeom prst="roundRect">
+            <a:avLst/>
+          </a:prstGeom>
+          <a:ln>
+            <a:solidFill>
+              <a:schemeClr val="tx1"/>
+            </a:solidFill>
+          </a:ln>
+        </p:spPr>
+        <p:style>
+          <a:lnRef idx="2">
+            <a:schemeClr val="accent6"/>
+          </a:lnRef>
+          <a:fillRef idx="1">
+            <a:schemeClr val="lt1"/>
+          </a:fillRef>
+          <a:effectRef idx="0">
+            <a:schemeClr val="accent6"/>
+          </a:effectRef>
+          <a:fontRef idx="minor">
+            <a:schemeClr val="dk1"/>
+          </a:fontRef>
+        </p:style>
+        <p:txBody>
+          <a:bodyPr rtlCol="0" anchor="ctr"/>
+          <a:lstStyle/>
+          <a:p>
+            <a:pPr algn="ctr"/>
+            <a:r>
+              <a:rPr lang="it-IT" sz="800" dirty="0">
+                <a:solidFill>
+                  <a:schemeClr val="tx1"/>
+                </a:solidFill>
+                <a:latin typeface="CMU Bright Roman" panose="02000603000000000000" pitchFamily="2" charset="0"/>
+                <a:ea typeface="CMU Bright Roman" panose="02000603000000000000" pitchFamily="2" charset="0"/>
+                <a:cs typeface="CMU Bright Roman" panose="02000603000000000000" pitchFamily="2" charset="0"/>
+              </a:rPr>
+              <a:t>ORDERING</a:t>
+            </a:r>
+          </a:p>
+          <a:p>
+            <a:pPr algn="ctr"/>
+            <a:r>
+              <a:rPr lang="it-IT" sz="800" dirty="0">
+                <a:solidFill>
+                  <a:schemeClr val="tx1"/>
+                </a:solidFill>
+                <a:latin typeface="CMU Bright Roman" panose="02000603000000000000" pitchFamily="2" charset="0"/>
+                <a:ea typeface="CMU Bright Roman" panose="02000603000000000000" pitchFamily="2" charset="0"/>
+                <a:cs typeface="CMU Bright Roman" panose="02000603000000000000" pitchFamily="2" charset="0"/>
+              </a:rPr>
+              <a:t>REST API</a:t>
+            </a:r>
+          </a:p>
+        </p:txBody>
+      </p:sp>
+      <p:sp>
+        <p:nvSpPr>
+          <p:cNvPr id="98" name="Rettangolo con angoli arrotondati 97">
+            <a:extLst>
+              <a:ext uri="{FF2B5EF4-FFF2-40B4-BE49-F238E27FC236}">
+                <a16:creationId xmlns:a16="http://schemas.microsoft.com/office/drawing/2014/main" id="{53005D40-3475-AB34-01BB-0B5B63BBD8E9}"/>
+              </a:ext>
+            </a:extLst>
+          </p:cNvPr>
+          <p:cNvSpPr/>
+          <p:nvPr/>
+        </p:nvSpPr>
+        <p:spPr>
+          <a:xfrm>
+            <a:off x="3763137" y="7549928"/>
+            <a:ext cx="903310" cy="360000"/>
+          </a:xfrm>
+          <a:prstGeom prst="roundRect">
+            <a:avLst/>
+          </a:prstGeom>
+          <a:ln>
+            <a:solidFill>
+              <a:schemeClr val="tx1"/>
+            </a:solidFill>
+          </a:ln>
+        </p:spPr>
+        <p:style>
+          <a:lnRef idx="2">
+            <a:schemeClr val="accent6"/>
+          </a:lnRef>
+          <a:fillRef idx="1">
+            <a:schemeClr val="lt1"/>
+          </a:fillRef>
+          <a:effectRef idx="0">
+            <a:schemeClr val="accent6"/>
+          </a:effectRef>
+          <a:fontRef idx="minor">
+            <a:schemeClr val="dk1"/>
+          </a:fontRef>
+        </p:style>
+        <p:txBody>
+          <a:bodyPr rtlCol="0" anchor="ctr"/>
+          <a:lstStyle/>
+          <a:p>
+            <a:pPr algn="ctr"/>
+            <a:r>
+              <a:rPr lang="it-IT" sz="800" dirty="0">
+                <a:solidFill>
+                  <a:schemeClr val="tx1"/>
+                </a:solidFill>
+                <a:latin typeface="CMU Bright Roman" panose="02000603000000000000" pitchFamily="2" charset="0"/>
+                <a:ea typeface="CMU Bright Roman" panose="02000603000000000000" pitchFamily="2" charset="0"/>
+                <a:cs typeface="CMU Bright Roman" panose="02000603000000000000" pitchFamily="2" charset="0"/>
+              </a:rPr>
+              <a:t>PAYMENT</a:t>
+            </a:r>
+          </a:p>
+          <a:p>
+            <a:pPr algn="ctr"/>
+            <a:r>
+              <a:rPr lang="it-IT" sz="800" dirty="0">
+                <a:solidFill>
+                  <a:schemeClr val="tx1"/>
+                </a:solidFill>
+                <a:latin typeface="CMU Bright Roman" panose="02000603000000000000" pitchFamily="2" charset="0"/>
+                <a:ea typeface="CMU Bright Roman" panose="02000603000000000000" pitchFamily="2" charset="0"/>
+                <a:cs typeface="CMU Bright Roman" panose="02000603000000000000" pitchFamily="2" charset="0"/>
+              </a:rPr>
+              <a:t>REST API</a:t>
+            </a:r>
+          </a:p>
+        </p:txBody>
+      </p:sp>
+      <p:sp>
+        <p:nvSpPr>
+          <p:cNvPr id="99" name="Rettangolo con angoli arrotondati 98">
+            <a:extLst>
+              <a:ext uri="{FF2B5EF4-FFF2-40B4-BE49-F238E27FC236}">
+                <a16:creationId xmlns:a16="http://schemas.microsoft.com/office/drawing/2014/main" id="{17E69BD0-2902-AB48-377A-BCF4B2A814D6}"/>
+              </a:ext>
+            </a:extLst>
+          </p:cNvPr>
+          <p:cNvSpPr/>
+          <p:nvPr/>
+        </p:nvSpPr>
+        <p:spPr>
+          <a:xfrm>
+            <a:off x="3764589" y="8557098"/>
+            <a:ext cx="878291" cy="360000"/>
+          </a:xfrm>
+          <a:prstGeom prst="roundRect">
+            <a:avLst/>
+          </a:prstGeom>
+          <a:ln>
+            <a:solidFill>
+              <a:schemeClr val="tx1"/>
+            </a:solidFill>
+          </a:ln>
+        </p:spPr>
+        <p:style>
+          <a:lnRef idx="2">
+            <a:schemeClr val="accent6"/>
+          </a:lnRef>
+          <a:fillRef idx="1">
+            <a:schemeClr val="lt1"/>
+          </a:fillRef>
+          <a:effectRef idx="0">
+            <a:schemeClr val="accent6"/>
+          </a:effectRef>
+          <a:fontRef idx="minor">
+            <a:schemeClr val="dk1"/>
+          </a:fontRef>
+        </p:style>
+        <p:txBody>
+          <a:bodyPr rtlCol="0" anchor="ctr"/>
+          <a:lstStyle/>
+          <a:p>
+            <a:pPr algn="ctr"/>
+            <a:r>
+              <a:rPr lang="it-IT" sz="800" dirty="0">
+                <a:solidFill>
+                  <a:schemeClr val="tx1"/>
+                </a:solidFill>
+                <a:latin typeface="CMU Bright Roman" panose="02000603000000000000" pitchFamily="2" charset="0"/>
+                <a:ea typeface="CMU Bright Roman" panose="02000603000000000000" pitchFamily="2" charset="0"/>
+                <a:cs typeface="CMU Bright Roman" panose="02000603000000000000" pitchFamily="2" charset="0"/>
+              </a:rPr>
+              <a:t>DELIVERY</a:t>
+            </a:r>
+          </a:p>
+          <a:p>
+            <a:pPr algn="ctr"/>
+            <a:r>
+              <a:rPr lang="it-IT" sz="800" dirty="0">
+                <a:solidFill>
+                  <a:schemeClr val="tx1"/>
+                </a:solidFill>
+                <a:latin typeface="CMU Bright Roman" panose="02000603000000000000" pitchFamily="2" charset="0"/>
+                <a:ea typeface="CMU Bright Roman" panose="02000603000000000000" pitchFamily="2" charset="0"/>
+                <a:cs typeface="CMU Bright Roman" panose="02000603000000000000" pitchFamily="2" charset="0"/>
+              </a:rPr>
+              <a:t>REST API</a:t>
+            </a:r>
+          </a:p>
+        </p:txBody>
+      </p:sp>
+      <p:pic>
+        <p:nvPicPr>
+          <p:cNvPr id="100" name="Elemento grafico 99" descr="Database con riempimento a tinta unita">
+            <a:extLst>
+              <a:ext uri="{FF2B5EF4-FFF2-40B4-BE49-F238E27FC236}">
+                <a16:creationId xmlns:a16="http://schemas.microsoft.com/office/drawing/2014/main" id="{6581D319-D312-6669-24C7-77AA236C7529}"/>
+              </a:ext>
+            </a:extLst>
+          </p:cNvPr>
+          <p:cNvPicPr>
+            <a:picLocks noChangeAspect="1"/>
+          </p:cNvPicPr>
+          <p:nvPr/>
+        </p:nvPicPr>
+        <p:blipFill>
+          <a:blip r:embed="rId5">
+            <a:extLst>
+              <a:ext uri="{96DAC541-7B7A-43D3-8B79-37D633B846F1}">
+                <asvg:svgBlip xmlns:asvg="http://schemas.microsoft.com/office/drawing/2016/SVG/main" r:embed="rId6"/>
+              </a:ext>
+            </a:extLst>
+          </a:blip>
+          <a:stretch>
+            <a:fillRect/>
+          </a:stretch>
+        </p:blipFill>
+        <p:spPr>
+          <a:xfrm>
+            <a:off x="3183836" y="7343414"/>
+            <a:ext cx="425030" cy="425030"/>
+          </a:xfrm>
+          <a:prstGeom prst="rect">
+            <a:avLst/>
+          </a:prstGeom>
+        </p:spPr>
+      </p:pic>
+      <p:sp>
+        <p:nvSpPr>
+          <p:cNvPr id="136" name="Rettangolo 135">
+            <a:extLst>
+              <a:ext uri="{FF2B5EF4-FFF2-40B4-BE49-F238E27FC236}">
+                <a16:creationId xmlns:a16="http://schemas.microsoft.com/office/drawing/2014/main" id="{50D77299-F60C-9C2F-96FA-314B5630409A}"/>
+              </a:ext>
+            </a:extLst>
+          </p:cNvPr>
+          <p:cNvSpPr/>
+          <p:nvPr/>
+        </p:nvSpPr>
+        <p:spPr>
+          <a:xfrm>
+            <a:off x="502580" y="6431029"/>
+            <a:ext cx="5649716" cy="3785025"/>
+          </a:xfrm>
+          <a:prstGeom prst="rect">
+            <a:avLst/>
+          </a:prstGeom>
+          <a:noFill/>
+          <a:ln>
+            <a:solidFill>
+              <a:schemeClr val="tx1"/>
+            </a:solidFill>
+          </a:ln>
+        </p:spPr>
+        <p:style>
+          <a:lnRef idx="2">
+            <a:schemeClr val="accent1">
+              <a:shade val="50000"/>
+            </a:schemeClr>
+          </a:lnRef>
+          <a:fillRef idx="1">
+            <a:schemeClr val="accent1"/>
+          </a:fillRef>
+          <a:effectRef idx="0">
+            <a:schemeClr val="accent1"/>
+          </a:effectRef>
+          <a:fontRef idx="minor">
+            <a:schemeClr val="lt1"/>
+          </a:fontRef>
+        </p:style>
+        <p:txBody>
+          <a:bodyPr rtlCol="0" anchor="ctr"/>
+          <a:lstStyle/>
+          <a:p>
+            <a:pPr algn="ctr"/>
+            <a:endParaRPr lang="en-GB"/>
+          </a:p>
+        </p:txBody>
+      </p:sp>
+      <p:sp>
+        <p:nvSpPr>
+          <p:cNvPr id="137" name="CasellaDiTesto 136">
+            <a:extLst>
+              <a:ext uri="{FF2B5EF4-FFF2-40B4-BE49-F238E27FC236}">
+                <a16:creationId xmlns:a16="http://schemas.microsoft.com/office/drawing/2014/main" id="{5D7A5B91-60ED-CAF0-6446-1FFDE1C43F85}"/>
+              </a:ext>
+            </a:extLst>
+          </p:cNvPr>
+          <p:cNvSpPr txBox="1"/>
+          <p:nvPr/>
+        </p:nvSpPr>
+        <p:spPr>
+          <a:xfrm>
+            <a:off x="2779934" y="9969838"/>
+            <a:ext cx="1138453" cy="246221"/>
+          </a:xfrm>
+          <a:prstGeom prst="rect">
+            <a:avLst/>
+          </a:prstGeom>
+          <a:noFill/>
+        </p:spPr>
+        <p:txBody>
+          <a:bodyPr wrap="none" rtlCol="0">
+            <a:spAutoFit/>
+          </a:bodyPr>
+          <a:lstStyle/>
+          <a:p>
+            <a:r>
+              <a:rPr lang="en-GB" sz="1000" dirty="0">
+                <a:latin typeface="CMU Serif Roman" panose="02000603000000000000" pitchFamily="2" charset="0"/>
+                <a:ea typeface="CMU Serif Roman" panose="02000603000000000000" pitchFamily="2" charset="0"/>
+                <a:cs typeface="CMU Serif Roman" panose="02000603000000000000" pitchFamily="2" charset="0"/>
+              </a:rPr>
+              <a:t>Managed System</a:t>
+            </a:r>
+          </a:p>
+        </p:txBody>
+      </p:sp>
+    </p:spTree>
+    <p:extLst>
+      <p:ext uri="{BB962C8B-B14F-4D97-AF65-F5344CB8AC3E}">
+        <p14:creationId xmlns:p14="http://schemas.microsoft.com/office/powerpoint/2010/main" val="2375718068"/>
+      </p:ext>
+    </p:extLst>
+  </p:cSld>
+  <p:clrMapOvr>
+    <a:masterClrMapping/>
+  </p:clrMapOvr>
+</p:sld>
+</file>
+
+<file path=ppt/slides/slide3.xml><?xml version="1.0" encoding="utf-8"?>
+<p:sld xmlns:a="http://schemas.openxmlformats.org/drawingml/2006/main" xmlns:r="http://schemas.openxmlformats.org/officeDocument/2006/relationships" xmlns:p="http://schemas.openxmlformats.org/presentationml/2006/main">
+  <p:cSld>
+    <p:spTree>
+      <p:nvGrpSpPr>
+        <p:cNvPr id="1" name=""/>
+        <p:cNvGrpSpPr/>
+        <p:nvPr/>
+      </p:nvGrpSpPr>
+      <p:grpSpPr>
+        <a:xfrm>
+          <a:off x="0" y="0"/>
+          <a:ext cx="0" cy="0"/>
+          <a:chOff x="0" y="0"/>
+          <a:chExt cx="0" cy="0"/>
+        </a:xfrm>
+      </p:grpSpPr>
+      <p:sp>
+        <p:nvSpPr>
+          <p:cNvPr id="25" name="Rettangolo con angoli arrotondati 24">
+            <a:extLst>
+              <a:ext uri="{FF2B5EF4-FFF2-40B4-BE49-F238E27FC236}">
+                <a16:creationId xmlns:a16="http://schemas.microsoft.com/office/drawing/2014/main" id="{04C5EAC0-7F61-9E3D-B011-F373FACCEED6}"/>
+              </a:ext>
+            </a:extLst>
+          </p:cNvPr>
+          <p:cNvSpPr/>
+          <p:nvPr/>
+        </p:nvSpPr>
+        <p:spPr>
+          <a:xfrm>
+            <a:off x="1463255" y="5851557"/>
+            <a:ext cx="1116000" cy="369146"/>
+          </a:xfrm>
+          <a:prstGeom prst="roundRect">
+            <a:avLst/>
+          </a:prstGeom>
+          <a:ln>
+            <a:solidFill>
+              <a:schemeClr val="tx1"/>
+            </a:solidFill>
+          </a:ln>
+        </p:spPr>
+        <p:style>
+          <a:lnRef idx="2">
+            <a:schemeClr val="accent6"/>
+          </a:lnRef>
+          <a:fillRef idx="1">
+            <a:schemeClr val="lt1"/>
+          </a:fillRef>
+          <a:effectRef idx="0">
+            <a:schemeClr val="accent6"/>
+          </a:effectRef>
+          <a:fontRef idx="minor">
+            <a:schemeClr val="dk1"/>
+          </a:fontRef>
+        </p:style>
+        <p:txBody>
+          <a:bodyPr rtlCol="0" anchor="ctr"/>
+          <a:lstStyle/>
+          <a:p>
+            <a:pPr algn="ctr"/>
+            <a:r>
+              <a:rPr lang="it-IT" sz="1100" dirty="0">
+                <a:solidFill>
+                  <a:schemeClr val="tx1"/>
+                </a:solidFill>
+                <a:latin typeface="CMU Bright Roman" panose="02000603000000000000" pitchFamily="2" charset="0"/>
+                <a:ea typeface="CMU Bright Roman" panose="02000603000000000000" pitchFamily="2" charset="0"/>
+                <a:cs typeface="CMU Bright Roman" panose="02000603000000000000" pitchFamily="2" charset="0"/>
+              </a:rPr>
+              <a:t>PROBE</a:t>
+            </a:r>
+          </a:p>
+        </p:txBody>
+      </p:sp>
+      <p:sp>
+        <p:nvSpPr>
+          <p:cNvPr id="26" name="Rettangolo con angoli arrotondati 25">
+            <a:extLst>
+              <a:ext uri="{FF2B5EF4-FFF2-40B4-BE49-F238E27FC236}">
+                <a16:creationId xmlns:a16="http://schemas.microsoft.com/office/drawing/2014/main" id="{D7E97C6E-093E-9C92-1A4C-20BA802FECEE}"/>
+              </a:ext>
+            </a:extLst>
+          </p:cNvPr>
+          <p:cNvSpPr/>
+          <p:nvPr/>
+        </p:nvSpPr>
+        <p:spPr>
+          <a:xfrm>
+            <a:off x="5045172" y="5849943"/>
+            <a:ext cx="1116000" cy="369146"/>
+          </a:xfrm>
+          <a:prstGeom prst="roundRect">
+            <a:avLst/>
+          </a:prstGeom>
+          <a:ln>
+            <a:solidFill>
+              <a:schemeClr val="tx1"/>
+            </a:solidFill>
+          </a:ln>
+        </p:spPr>
+        <p:style>
+          <a:lnRef idx="2">
+            <a:schemeClr val="accent6"/>
+          </a:lnRef>
+          <a:fillRef idx="1">
+            <a:schemeClr val="lt1"/>
+          </a:fillRef>
+          <a:effectRef idx="0">
+            <a:schemeClr val="accent6"/>
+          </a:effectRef>
+          <a:fontRef idx="minor">
+            <a:schemeClr val="dk1"/>
+          </a:fontRef>
+        </p:style>
+        <p:txBody>
+          <a:bodyPr rtlCol="0" anchor="ctr"/>
+          <a:lstStyle/>
+          <a:p>
+            <a:pPr algn="ctr"/>
+            <a:r>
+              <a:rPr lang="it-IT" sz="1100" dirty="0">
+                <a:solidFill>
+                  <a:schemeClr val="tx1"/>
+                </a:solidFill>
+                <a:latin typeface="CMU Bright Roman" panose="02000603000000000000" pitchFamily="2" charset="0"/>
+                <a:ea typeface="CMU Bright Roman" panose="02000603000000000000" pitchFamily="2" charset="0"/>
+                <a:cs typeface="CMU Bright Roman" panose="02000603000000000000" pitchFamily="2" charset="0"/>
+              </a:rPr>
+              <a:t>ACTUATOR</a:t>
+            </a:r>
+          </a:p>
+        </p:txBody>
+      </p:sp>
+      <p:cxnSp>
+        <p:nvCxnSpPr>
+          <p:cNvPr id="28" name="Connettore 1 27">
+            <a:extLst>
+              <a:ext uri="{FF2B5EF4-FFF2-40B4-BE49-F238E27FC236}">
+                <a16:creationId xmlns:a16="http://schemas.microsoft.com/office/drawing/2014/main" id="{D2EE8232-302F-AA03-849C-A97740AD70F7}"/>
+              </a:ext>
+            </a:extLst>
+          </p:cNvPr>
+          <p:cNvCxnSpPr>
+            <a:cxnSpLocks/>
+            <a:stCxn id="25" idx="2"/>
+          </p:cNvCxnSpPr>
+          <p:nvPr/>
+        </p:nvCxnSpPr>
+        <p:spPr>
+          <a:xfrm>
+            <a:off x="2021255" y="6220703"/>
+            <a:ext cx="0" cy="210326"/>
+          </a:xfrm>
+          <a:prstGeom prst="line">
+            <a:avLst/>
+          </a:prstGeom>
+          <a:ln w="9525">
+            <a:solidFill>
+              <a:schemeClr val="tx1"/>
+            </a:solidFill>
+            <a:prstDash val="solid"/>
+          </a:ln>
+        </p:spPr>
+        <p:style>
+          <a:lnRef idx="1">
+            <a:schemeClr val="accent1"/>
+          </a:lnRef>
+          <a:fillRef idx="0">
+            <a:schemeClr val="accent1"/>
+          </a:fillRef>
+          <a:effectRef idx="0">
+            <a:schemeClr val="accent1"/>
+          </a:effectRef>
+          <a:fontRef idx="minor">
+            <a:schemeClr val="tx1"/>
+          </a:fontRef>
+        </p:style>
+      </p:cxnSp>
+      <p:cxnSp>
+        <p:nvCxnSpPr>
+          <p:cNvPr id="29" name="Connettore 1 28">
+            <a:extLst>
+              <a:ext uri="{FF2B5EF4-FFF2-40B4-BE49-F238E27FC236}">
+                <a16:creationId xmlns:a16="http://schemas.microsoft.com/office/drawing/2014/main" id="{0C154EFE-01FE-86AA-8A35-68635817D8DE}"/>
+              </a:ext>
+            </a:extLst>
+          </p:cNvPr>
+          <p:cNvCxnSpPr>
+            <a:cxnSpLocks/>
+            <a:stCxn id="26" idx="2"/>
+          </p:cNvCxnSpPr>
+          <p:nvPr/>
+        </p:nvCxnSpPr>
+        <p:spPr>
+          <a:xfrm>
+            <a:off x="5603172" y="6219089"/>
+            <a:ext cx="0" cy="211940"/>
+          </a:xfrm>
+          <a:prstGeom prst="line">
+            <a:avLst/>
+          </a:prstGeom>
+          <a:ln w="9525">
+            <a:solidFill>
+              <a:schemeClr val="tx1"/>
+            </a:solidFill>
+            <a:prstDash val="solid"/>
+          </a:ln>
+        </p:spPr>
+        <p:style>
+          <a:lnRef idx="1">
+            <a:schemeClr val="accent1"/>
+          </a:lnRef>
+          <a:fillRef idx="0">
+            <a:schemeClr val="accent1"/>
+          </a:fillRef>
+          <a:effectRef idx="0">
+            <a:schemeClr val="accent1"/>
+          </a:effectRef>
+          <a:fontRef idx="minor">
+            <a:schemeClr val="tx1"/>
+          </a:fontRef>
+        </p:style>
+      </p:cxnSp>
+      <p:grpSp>
+        <p:nvGrpSpPr>
+          <p:cNvPr id="30" name="Gruppo 29">
+            <a:extLst>
+              <a:ext uri="{FF2B5EF4-FFF2-40B4-BE49-F238E27FC236}">
+                <a16:creationId xmlns:a16="http://schemas.microsoft.com/office/drawing/2014/main" id="{38F73DA8-33BF-D877-B471-3AFA590E87EE}"/>
+              </a:ext>
+            </a:extLst>
+          </p:cNvPr>
+          <p:cNvGrpSpPr>
+            <a:grpSpLocks noChangeAspect="1"/>
+          </p:cNvGrpSpPr>
+          <p:nvPr/>
+        </p:nvGrpSpPr>
+        <p:grpSpPr>
+          <a:xfrm>
+            <a:off x="2468263" y="4180630"/>
+            <a:ext cx="1260000" cy="1068260"/>
+            <a:chOff x="2602674" y="2251170"/>
+            <a:chExt cx="1615044" cy="1372946"/>
+          </a:xfrm>
+        </p:grpSpPr>
+        <p:sp>
+          <p:nvSpPr>
+            <p:cNvPr id="31" name="Esagono orizzontale 30">
+              <a:extLst>
+                <a:ext uri="{FF2B5EF4-FFF2-40B4-BE49-F238E27FC236}">
+                  <a16:creationId xmlns:a16="http://schemas.microsoft.com/office/drawing/2014/main" id="{EF5DE7B3-DA28-C47B-4DFF-835E2395A1BA}"/>
+                </a:ext>
+              </a:extLst>
+            </p:cNvPr>
+            <p:cNvSpPr/>
+            <p:nvPr/>
+          </p:nvSpPr>
+          <p:spPr>
+            <a:xfrm rot="5400000">
+              <a:off x="2723723" y="2345856"/>
+              <a:ext cx="1372946" cy="1183574"/>
+            </a:xfrm>
+            <a:prstGeom prst="hexagon">
+              <a:avLst/>
+            </a:prstGeom>
+            <a:ln w="19050">
+              <a:solidFill>
+                <a:schemeClr val="tx1"/>
+              </a:solidFill>
+            </a:ln>
+          </p:spPr>
+          <p:style>
+            <a:lnRef idx="2">
+              <a:schemeClr val="accent6"/>
+            </a:lnRef>
+            <a:fillRef idx="1">
+              <a:schemeClr val="lt1"/>
+            </a:fillRef>
+            <a:effectRef idx="0">
+              <a:schemeClr val="accent6"/>
+            </a:effectRef>
+            <a:fontRef idx="minor">
+              <a:schemeClr val="dk1"/>
+            </a:fontRef>
+          </p:style>
+          <p:txBody>
+            <a:bodyPr rtlCol="0" anchor="ctr"/>
+            <a:lstStyle/>
+            <a:p>
+              <a:pPr algn="ctr"/>
+              <a:endParaRPr lang="it-IT" sz="1100" dirty="0">
+                <a:solidFill>
+                  <a:schemeClr val="tx1"/>
+                </a:solidFill>
+                <a:latin typeface="CMU Bright Roman" panose="02000603000000000000" pitchFamily="2" charset="0"/>
+                <a:ea typeface="CMU Bright Roman" panose="02000603000000000000" pitchFamily="2" charset="0"/>
+                <a:cs typeface="CMU Bright Roman" panose="02000603000000000000" pitchFamily="2" charset="0"/>
+              </a:endParaRPr>
+            </a:p>
+          </p:txBody>
+        </p:sp>
+        <p:sp>
+          <p:nvSpPr>
+            <p:cNvPr id="32" name="CasellaDiTesto 31">
+              <a:extLst>
+                <a:ext uri="{FF2B5EF4-FFF2-40B4-BE49-F238E27FC236}">
+                  <a16:creationId xmlns:a16="http://schemas.microsoft.com/office/drawing/2014/main" id="{A9EDA3F6-8CA4-D639-53A2-C0BC734EB669}"/>
+                </a:ext>
+              </a:extLst>
+            </p:cNvPr>
+            <p:cNvSpPr txBox="1"/>
+            <p:nvPr/>
+          </p:nvSpPr>
+          <p:spPr>
+            <a:xfrm>
+              <a:off x="2602674" y="2802561"/>
+              <a:ext cx="1615044" cy="243344"/>
+            </a:xfrm>
+            <a:prstGeom prst="rect">
+              <a:avLst/>
+            </a:prstGeom>
+            <a:noFill/>
+            <a:ln>
+              <a:noFill/>
+            </a:ln>
+          </p:spPr>
+          <p:txBody>
+            <a:bodyPr wrap="square" rtlCol="0">
+              <a:spAutoFit/>
+            </a:bodyPr>
+            <a:lstStyle/>
+            <a:p>
+              <a:pPr algn="ctr"/>
+              <a:r>
+                <a:rPr lang="it-IT" sz="1100" dirty="0">
+                  <a:latin typeface="CMU Bright Roman" panose="02000603000000000000" pitchFamily="2" charset="0"/>
+                  <a:ea typeface="CMU Bright Roman" panose="02000603000000000000" pitchFamily="2" charset="0"/>
+                  <a:cs typeface="CMU Bright Roman" panose="02000603000000000000" pitchFamily="2" charset="0"/>
+                </a:rPr>
+                <a:t>ANALYSE</a:t>
+              </a:r>
+            </a:p>
+          </p:txBody>
+        </p:sp>
+      </p:grpSp>
+      <p:grpSp>
+        <p:nvGrpSpPr>
+          <p:cNvPr id="36" name="Gruppo 35">
+            <a:extLst>
+              <a:ext uri="{FF2B5EF4-FFF2-40B4-BE49-F238E27FC236}">
+                <a16:creationId xmlns:a16="http://schemas.microsoft.com/office/drawing/2014/main" id="{83BFDB91-DB5A-C372-5FDE-4A6CF2C676C4}"/>
+              </a:ext>
+            </a:extLst>
+          </p:cNvPr>
+          <p:cNvGrpSpPr>
+            <a:grpSpLocks noChangeAspect="1"/>
+          </p:cNvGrpSpPr>
+          <p:nvPr/>
+        </p:nvGrpSpPr>
+        <p:grpSpPr>
+          <a:xfrm>
+            <a:off x="3853828" y="4193511"/>
+            <a:ext cx="1260000" cy="1068260"/>
+            <a:chOff x="2597525" y="2251169"/>
+            <a:chExt cx="1615044" cy="1372946"/>
+          </a:xfrm>
+        </p:grpSpPr>
+        <p:sp>
+          <p:nvSpPr>
+            <p:cNvPr id="37" name="Esagono orizzontale 36">
+              <a:extLst>
+                <a:ext uri="{FF2B5EF4-FFF2-40B4-BE49-F238E27FC236}">
+                  <a16:creationId xmlns:a16="http://schemas.microsoft.com/office/drawing/2014/main" id="{ADF0358C-D241-B005-EC29-3ED44773855F}"/>
+                </a:ext>
+              </a:extLst>
+            </p:cNvPr>
+            <p:cNvSpPr/>
+            <p:nvPr/>
+          </p:nvSpPr>
+          <p:spPr>
+            <a:xfrm rot="5400000">
+              <a:off x="2723724" y="2345855"/>
+              <a:ext cx="1372946" cy="1183574"/>
+            </a:xfrm>
+            <a:prstGeom prst="hexagon">
+              <a:avLst/>
+            </a:prstGeom>
+            <a:ln w="19050">
+              <a:solidFill>
+                <a:schemeClr val="tx1"/>
+              </a:solidFill>
+            </a:ln>
+          </p:spPr>
+          <p:style>
+            <a:lnRef idx="2">
+              <a:schemeClr val="accent6"/>
+            </a:lnRef>
+            <a:fillRef idx="1">
+              <a:schemeClr val="lt1"/>
+            </a:fillRef>
+            <a:effectRef idx="0">
+              <a:schemeClr val="accent6"/>
+            </a:effectRef>
+            <a:fontRef idx="minor">
+              <a:schemeClr val="dk1"/>
+            </a:fontRef>
+          </p:style>
+          <p:txBody>
+            <a:bodyPr rtlCol="0" anchor="ctr"/>
+            <a:lstStyle/>
+            <a:p>
+              <a:pPr algn="ctr"/>
+              <a:endParaRPr lang="it-IT" sz="1100" dirty="0">
+                <a:solidFill>
+                  <a:schemeClr val="tx1"/>
+                </a:solidFill>
+                <a:latin typeface="CMU Bright Roman" panose="02000603000000000000" pitchFamily="2" charset="0"/>
+                <a:ea typeface="CMU Bright Roman" panose="02000603000000000000" pitchFamily="2" charset="0"/>
+                <a:cs typeface="CMU Bright Roman" panose="02000603000000000000" pitchFamily="2" charset="0"/>
+              </a:endParaRPr>
+            </a:p>
+          </p:txBody>
+        </p:sp>
+        <p:sp>
+          <p:nvSpPr>
+            <p:cNvPr id="38" name="CasellaDiTesto 37">
+              <a:extLst>
+                <a:ext uri="{FF2B5EF4-FFF2-40B4-BE49-F238E27FC236}">
+                  <a16:creationId xmlns:a16="http://schemas.microsoft.com/office/drawing/2014/main" id="{9AE0C553-5332-4081-FD63-8C731B4C05AE}"/>
+                </a:ext>
+              </a:extLst>
+            </p:cNvPr>
+            <p:cNvSpPr txBox="1"/>
+            <p:nvPr/>
+          </p:nvSpPr>
+          <p:spPr>
+            <a:xfrm>
+              <a:off x="2597525" y="2802559"/>
+              <a:ext cx="1615044" cy="243344"/>
+            </a:xfrm>
+            <a:prstGeom prst="rect">
+              <a:avLst/>
+            </a:prstGeom>
+            <a:noFill/>
+            <a:ln>
+              <a:noFill/>
+            </a:ln>
+          </p:spPr>
+          <p:txBody>
+            <a:bodyPr wrap="square" rtlCol="0">
+              <a:spAutoFit/>
+            </a:bodyPr>
+            <a:lstStyle/>
+            <a:p>
+              <a:pPr algn="ctr"/>
+              <a:r>
+                <a:rPr lang="it-IT" sz="1100" dirty="0">
+                  <a:latin typeface="CMU Bright Roman" panose="02000603000000000000" pitchFamily="2" charset="0"/>
+                  <a:ea typeface="CMU Bright Roman" panose="02000603000000000000" pitchFamily="2" charset="0"/>
+                  <a:cs typeface="CMU Bright Roman" panose="02000603000000000000" pitchFamily="2" charset="0"/>
+                </a:rPr>
+                <a:t>PLAN</a:t>
+              </a:r>
+            </a:p>
+          </p:txBody>
+        </p:sp>
+      </p:grpSp>
+      <p:grpSp>
+        <p:nvGrpSpPr>
+          <p:cNvPr id="33" name="Gruppo 32">
+            <a:extLst>
+              <a:ext uri="{FF2B5EF4-FFF2-40B4-BE49-F238E27FC236}">
+                <a16:creationId xmlns:a16="http://schemas.microsoft.com/office/drawing/2014/main" id="{85D82D2A-AEB2-47C6-EA05-98BAA6AC42A9}"/>
+              </a:ext>
+            </a:extLst>
+          </p:cNvPr>
+          <p:cNvGrpSpPr>
+            <a:grpSpLocks noChangeAspect="1"/>
+          </p:cNvGrpSpPr>
+          <p:nvPr/>
+        </p:nvGrpSpPr>
+        <p:grpSpPr>
+          <a:xfrm>
+            <a:off x="1069728" y="4180630"/>
+            <a:ext cx="1260000" cy="1068260"/>
+            <a:chOff x="2597122" y="2251169"/>
+            <a:chExt cx="1615044" cy="1372946"/>
+          </a:xfrm>
+        </p:grpSpPr>
+        <p:sp>
+          <p:nvSpPr>
+            <p:cNvPr id="34" name="Esagono orizzontale 33">
+              <a:extLst>
+                <a:ext uri="{FF2B5EF4-FFF2-40B4-BE49-F238E27FC236}">
+                  <a16:creationId xmlns:a16="http://schemas.microsoft.com/office/drawing/2014/main" id="{58045D72-57C1-DF44-85C7-B837BC0590B1}"/>
+                </a:ext>
+              </a:extLst>
+            </p:cNvPr>
+            <p:cNvSpPr/>
+            <p:nvPr/>
+          </p:nvSpPr>
+          <p:spPr>
+            <a:xfrm rot="5400000">
+              <a:off x="2723724" y="2345855"/>
+              <a:ext cx="1372946" cy="1183574"/>
+            </a:xfrm>
+            <a:prstGeom prst="hexagon">
+              <a:avLst/>
+            </a:prstGeom>
+            <a:ln w="19050">
+              <a:solidFill>
+                <a:schemeClr val="tx1"/>
+              </a:solidFill>
+            </a:ln>
+          </p:spPr>
+          <p:style>
+            <a:lnRef idx="2">
+              <a:schemeClr val="accent6"/>
+            </a:lnRef>
+            <a:fillRef idx="1">
+              <a:schemeClr val="lt1"/>
+            </a:fillRef>
+            <a:effectRef idx="0">
+              <a:schemeClr val="accent6"/>
+            </a:effectRef>
+            <a:fontRef idx="minor">
+              <a:schemeClr val="dk1"/>
+            </a:fontRef>
+          </p:style>
+          <p:txBody>
+            <a:bodyPr rtlCol="0" anchor="ctr"/>
+            <a:lstStyle/>
+            <a:p>
+              <a:pPr algn="ctr"/>
+              <a:endParaRPr lang="it-IT" sz="1100" dirty="0">
+                <a:solidFill>
+                  <a:schemeClr val="tx1"/>
+                </a:solidFill>
+                <a:latin typeface="CMU Bright Roman" panose="02000603000000000000" pitchFamily="2" charset="0"/>
+                <a:ea typeface="CMU Bright Roman" panose="02000603000000000000" pitchFamily="2" charset="0"/>
+                <a:cs typeface="CMU Bright Roman" panose="02000603000000000000" pitchFamily="2" charset="0"/>
+              </a:endParaRPr>
+            </a:p>
+          </p:txBody>
+        </p:sp>
+        <p:sp>
+          <p:nvSpPr>
+            <p:cNvPr id="35" name="CasellaDiTesto 34">
+              <a:extLst>
+                <a:ext uri="{FF2B5EF4-FFF2-40B4-BE49-F238E27FC236}">
+                  <a16:creationId xmlns:a16="http://schemas.microsoft.com/office/drawing/2014/main" id="{4D208585-C2C8-8947-33CA-817CBF90CB5B}"/>
+                </a:ext>
+              </a:extLst>
+            </p:cNvPr>
+            <p:cNvSpPr txBox="1"/>
+            <p:nvPr/>
+          </p:nvSpPr>
+          <p:spPr>
+            <a:xfrm>
+              <a:off x="2597122" y="2802979"/>
+              <a:ext cx="1615044" cy="243344"/>
+            </a:xfrm>
+            <a:prstGeom prst="rect">
+              <a:avLst/>
+            </a:prstGeom>
+            <a:noFill/>
+            <a:ln>
+              <a:noFill/>
+            </a:ln>
+          </p:spPr>
+          <p:txBody>
+            <a:bodyPr wrap="square" rtlCol="0">
+              <a:spAutoFit/>
+            </a:bodyPr>
+            <a:lstStyle/>
+            <a:p>
+              <a:pPr algn="ctr"/>
+              <a:r>
+                <a:rPr lang="it-IT" sz="1100" dirty="0">
+                  <a:latin typeface="CMU Bright Roman" panose="02000603000000000000" pitchFamily="2" charset="0"/>
+                  <a:ea typeface="CMU Bright Roman" panose="02000603000000000000" pitchFamily="2" charset="0"/>
+                  <a:cs typeface="CMU Bright Roman" panose="02000603000000000000" pitchFamily="2" charset="0"/>
+                </a:rPr>
+                <a:t>MONITOR</a:t>
+              </a:r>
+            </a:p>
+          </p:txBody>
+        </p:sp>
+      </p:grpSp>
+      <p:grpSp>
+        <p:nvGrpSpPr>
+          <p:cNvPr id="39" name="Gruppo 38">
+            <a:extLst>
+              <a:ext uri="{FF2B5EF4-FFF2-40B4-BE49-F238E27FC236}">
+                <a16:creationId xmlns:a16="http://schemas.microsoft.com/office/drawing/2014/main" id="{1C1382D2-8393-F044-94BF-7231154196E0}"/>
+              </a:ext>
+            </a:extLst>
+          </p:cNvPr>
+          <p:cNvGrpSpPr>
+            <a:grpSpLocks noChangeAspect="1"/>
+          </p:cNvGrpSpPr>
+          <p:nvPr/>
+        </p:nvGrpSpPr>
+        <p:grpSpPr>
+          <a:xfrm>
+            <a:off x="5245879" y="4180630"/>
+            <a:ext cx="1260000" cy="1068260"/>
+            <a:chOff x="2602674" y="2251169"/>
+            <a:chExt cx="1615044" cy="1372946"/>
+          </a:xfrm>
+        </p:grpSpPr>
+        <p:sp>
+          <p:nvSpPr>
+            <p:cNvPr id="40" name="Esagono orizzontale 39">
+              <a:extLst>
+                <a:ext uri="{FF2B5EF4-FFF2-40B4-BE49-F238E27FC236}">
+                  <a16:creationId xmlns:a16="http://schemas.microsoft.com/office/drawing/2014/main" id="{19C7C875-9BD4-B75C-54FD-A5DF49C5098D}"/>
+                </a:ext>
+              </a:extLst>
+            </p:cNvPr>
+            <p:cNvSpPr/>
+            <p:nvPr/>
+          </p:nvSpPr>
+          <p:spPr>
+            <a:xfrm rot="5400000">
+              <a:off x="2723723" y="2345855"/>
+              <a:ext cx="1372946" cy="1183574"/>
+            </a:xfrm>
+            <a:prstGeom prst="hexagon">
+              <a:avLst/>
+            </a:prstGeom>
+            <a:ln w="19050">
+              <a:solidFill>
+                <a:schemeClr val="tx1"/>
+              </a:solidFill>
+            </a:ln>
+          </p:spPr>
+          <p:style>
+            <a:lnRef idx="2">
+              <a:schemeClr val="accent6"/>
+            </a:lnRef>
+            <a:fillRef idx="1">
+              <a:schemeClr val="lt1"/>
+            </a:fillRef>
+            <a:effectRef idx="0">
+              <a:schemeClr val="accent6"/>
+            </a:effectRef>
+            <a:fontRef idx="minor">
+              <a:schemeClr val="dk1"/>
+            </a:fontRef>
+          </p:style>
+          <p:txBody>
+            <a:bodyPr rtlCol="0" anchor="ctr"/>
+            <a:lstStyle/>
+            <a:p>
+              <a:pPr algn="ctr"/>
+              <a:endParaRPr lang="it-IT" sz="1100" dirty="0">
+                <a:solidFill>
+                  <a:schemeClr val="tx1"/>
+                </a:solidFill>
+                <a:latin typeface="CMU Bright Roman" panose="02000603000000000000" pitchFamily="2" charset="0"/>
+                <a:ea typeface="CMU Bright Roman" panose="02000603000000000000" pitchFamily="2" charset="0"/>
+                <a:cs typeface="CMU Bright Roman" panose="02000603000000000000" pitchFamily="2" charset="0"/>
+              </a:endParaRPr>
+            </a:p>
+          </p:txBody>
+        </p:sp>
+        <p:sp>
+          <p:nvSpPr>
+            <p:cNvPr id="41" name="CasellaDiTesto 40">
+              <a:extLst>
+                <a:ext uri="{FF2B5EF4-FFF2-40B4-BE49-F238E27FC236}">
+                  <a16:creationId xmlns:a16="http://schemas.microsoft.com/office/drawing/2014/main" id="{E7EFC23B-2BE8-8E10-97C9-B5891B669769}"/>
+                </a:ext>
+              </a:extLst>
+            </p:cNvPr>
+            <p:cNvSpPr txBox="1"/>
+            <p:nvPr/>
+          </p:nvSpPr>
+          <p:spPr>
+            <a:xfrm>
+              <a:off x="2602674" y="2802558"/>
+              <a:ext cx="1615044" cy="243344"/>
+            </a:xfrm>
+            <a:prstGeom prst="rect">
+              <a:avLst/>
+            </a:prstGeom>
+            <a:noFill/>
+            <a:ln>
+              <a:noFill/>
+            </a:ln>
+          </p:spPr>
+          <p:txBody>
+            <a:bodyPr wrap="square" rtlCol="0">
+              <a:spAutoFit/>
+            </a:bodyPr>
+            <a:lstStyle/>
+            <a:p>
+              <a:pPr algn="ctr"/>
+              <a:r>
+                <a:rPr lang="it-IT" sz="1100" dirty="0">
+                  <a:latin typeface="CMU Bright Roman" panose="02000603000000000000" pitchFamily="2" charset="0"/>
+                  <a:ea typeface="CMU Bright Roman" panose="02000603000000000000" pitchFamily="2" charset="0"/>
+                  <a:cs typeface="CMU Bright Roman" panose="02000603000000000000" pitchFamily="2" charset="0"/>
+                </a:rPr>
+                <a:t>EXECUTE</a:t>
+              </a:r>
+            </a:p>
+          </p:txBody>
+        </p:sp>
+      </p:grpSp>
+      <p:cxnSp>
+        <p:nvCxnSpPr>
+          <p:cNvPr id="43" name="Connettore 1 42">
+            <a:extLst>
+              <a:ext uri="{FF2B5EF4-FFF2-40B4-BE49-F238E27FC236}">
+                <a16:creationId xmlns:a16="http://schemas.microsoft.com/office/drawing/2014/main" id="{C0A6670D-9D20-D217-3119-DDC8E779B57C}"/>
+              </a:ext>
+            </a:extLst>
+          </p:cNvPr>
+          <p:cNvCxnSpPr>
+            <a:cxnSpLocks/>
+            <a:stCxn id="34" idx="0"/>
+            <a:endCxn id="25" idx="0"/>
+          </p:cNvCxnSpPr>
+          <p:nvPr/>
+        </p:nvCxnSpPr>
+        <p:spPr>
+          <a:xfrm>
+            <a:off x="1704060" y="5248890"/>
+            <a:ext cx="317195" cy="602667"/>
+          </a:xfrm>
+          <a:prstGeom prst="line">
+            <a:avLst/>
+          </a:prstGeom>
+          <a:ln w="9525">
+            <a:solidFill>
+              <a:schemeClr val="tx1"/>
+            </a:solidFill>
+            <a:headEnd type="triangle" w="sm" len="med"/>
+          </a:ln>
+        </p:spPr>
+        <p:style>
+          <a:lnRef idx="1">
+            <a:schemeClr val="accent1"/>
+          </a:lnRef>
+          <a:fillRef idx="0">
+            <a:schemeClr val="accent1"/>
+          </a:fillRef>
+          <a:effectRef idx="0">
+            <a:schemeClr val="accent1"/>
+          </a:effectRef>
+          <a:fontRef idx="minor">
+            <a:schemeClr val="tx1"/>
+          </a:fontRef>
+        </p:style>
+      </p:cxnSp>
+      <p:cxnSp>
+        <p:nvCxnSpPr>
+          <p:cNvPr id="44" name="Connettore 1 43">
+            <a:extLst>
+              <a:ext uri="{FF2B5EF4-FFF2-40B4-BE49-F238E27FC236}">
+                <a16:creationId xmlns:a16="http://schemas.microsoft.com/office/drawing/2014/main" id="{6BCF10FC-E066-2823-63B0-DBA066B3FF49}"/>
+              </a:ext>
+            </a:extLst>
+          </p:cNvPr>
+          <p:cNvCxnSpPr>
+            <a:cxnSpLocks/>
+            <a:stCxn id="40" idx="0"/>
+            <a:endCxn id="26" idx="0"/>
+          </p:cNvCxnSpPr>
+          <p:nvPr/>
+        </p:nvCxnSpPr>
+        <p:spPr>
+          <a:xfrm flipH="1">
+            <a:off x="5603172" y="5248890"/>
+            <a:ext cx="272707" cy="601053"/>
+          </a:xfrm>
+          <a:prstGeom prst="line">
+            <a:avLst/>
+          </a:prstGeom>
+          <a:ln w="9525">
+            <a:solidFill>
+              <a:schemeClr val="tx1"/>
+            </a:solidFill>
+            <a:tailEnd type="triangle" w="sm" len="med"/>
+          </a:ln>
+        </p:spPr>
+        <p:style>
+          <a:lnRef idx="1">
+            <a:schemeClr val="accent1"/>
+          </a:lnRef>
+          <a:fillRef idx="0">
+            <a:schemeClr val="accent1"/>
+          </a:fillRef>
+          <a:effectRef idx="0">
+            <a:schemeClr val="accent1"/>
+          </a:effectRef>
+          <a:fontRef idx="minor">
+            <a:schemeClr val="tx1"/>
+          </a:fontRef>
+        </p:style>
+      </p:cxnSp>
+      <p:grpSp>
+        <p:nvGrpSpPr>
+          <p:cNvPr id="47" name="Gruppo 46">
+            <a:extLst>
+              <a:ext uri="{FF2B5EF4-FFF2-40B4-BE49-F238E27FC236}">
+                <a16:creationId xmlns:a16="http://schemas.microsoft.com/office/drawing/2014/main" id="{C9D53937-3CDA-3A4E-1F0B-2EC5F07B33B7}"/>
+              </a:ext>
+            </a:extLst>
+          </p:cNvPr>
+          <p:cNvGrpSpPr>
+            <a:grpSpLocks noChangeAspect="1"/>
+          </p:cNvGrpSpPr>
+          <p:nvPr/>
+        </p:nvGrpSpPr>
+        <p:grpSpPr>
+          <a:xfrm>
+            <a:off x="3183028" y="2483544"/>
+            <a:ext cx="1260000" cy="1080000"/>
+            <a:chOff x="2571515" y="2251171"/>
+            <a:chExt cx="1615044" cy="1388034"/>
+          </a:xfrm>
+        </p:grpSpPr>
+        <p:sp>
+          <p:nvSpPr>
+            <p:cNvPr id="48" name="Esagono orizzontale 47">
+              <a:extLst>
+                <a:ext uri="{FF2B5EF4-FFF2-40B4-BE49-F238E27FC236}">
+                  <a16:creationId xmlns:a16="http://schemas.microsoft.com/office/drawing/2014/main" id="{AF24C966-5C64-D76B-0432-AF12C3110E84}"/>
+                </a:ext>
+              </a:extLst>
+            </p:cNvPr>
+            <p:cNvSpPr/>
+            <p:nvPr/>
+          </p:nvSpPr>
+          <p:spPr>
+            <a:xfrm rot="5400000">
+              <a:off x="2685020" y="2322242"/>
+              <a:ext cx="1388034" cy="1245891"/>
+            </a:xfrm>
+            <a:prstGeom prst="hexagon">
+              <a:avLst/>
+            </a:prstGeom>
+            <a:ln w="19050">
+              <a:solidFill>
+                <a:schemeClr val="tx1"/>
+              </a:solidFill>
+            </a:ln>
+          </p:spPr>
+          <p:style>
+            <a:lnRef idx="2">
+              <a:schemeClr val="accent6"/>
+            </a:lnRef>
+            <a:fillRef idx="1">
+              <a:schemeClr val="lt1"/>
+            </a:fillRef>
+            <a:effectRef idx="0">
+              <a:schemeClr val="accent6"/>
+            </a:effectRef>
+            <a:fontRef idx="minor">
+              <a:schemeClr val="dk1"/>
+            </a:fontRef>
+          </p:style>
+          <p:txBody>
+            <a:bodyPr rtlCol="0" anchor="ctr"/>
+            <a:lstStyle/>
+            <a:p>
+              <a:pPr algn="ctr"/>
+              <a:endParaRPr lang="it-IT" sz="1100" dirty="0">
+                <a:solidFill>
+                  <a:schemeClr val="tx1"/>
+                </a:solidFill>
+                <a:latin typeface="CMU Bright Roman" panose="02000603000000000000" pitchFamily="2" charset="0"/>
+                <a:ea typeface="CMU Bright Roman" panose="02000603000000000000" pitchFamily="2" charset="0"/>
+                <a:cs typeface="CMU Bright Roman" panose="02000603000000000000" pitchFamily="2" charset="0"/>
+              </a:endParaRPr>
+            </a:p>
+          </p:txBody>
+        </p:sp>
+        <p:sp>
+          <p:nvSpPr>
+            <p:cNvPr id="49" name="CasellaDiTesto 48">
+              <a:extLst>
+                <a:ext uri="{FF2B5EF4-FFF2-40B4-BE49-F238E27FC236}">
+                  <a16:creationId xmlns:a16="http://schemas.microsoft.com/office/drawing/2014/main" id="{803E5C7C-6FB7-C756-2A3E-7BB2F7476237}"/>
+                </a:ext>
+              </a:extLst>
+            </p:cNvPr>
+            <p:cNvSpPr txBox="1"/>
+            <p:nvPr/>
+          </p:nvSpPr>
+          <p:spPr>
+            <a:xfrm>
+              <a:off x="2571515" y="2787230"/>
+              <a:ext cx="1615044" cy="243344"/>
+            </a:xfrm>
+            <a:prstGeom prst="rect">
+              <a:avLst/>
+            </a:prstGeom>
+            <a:noFill/>
+            <a:ln>
+              <a:noFill/>
+            </a:ln>
+          </p:spPr>
+          <p:txBody>
+            <a:bodyPr wrap="square" rtlCol="0">
+              <a:spAutoFit/>
+            </a:bodyPr>
+            <a:lstStyle/>
+            <a:p>
+              <a:pPr algn="ctr"/>
+              <a:r>
+                <a:rPr lang="it-IT" sz="1100" dirty="0">
+                  <a:latin typeface="CMU Bright Roman" panose="02000603000000000000" pitchFamily="2" charset="0"/>
+                  <a:ea typeface="CMU Bright Roman" panose="02000603000000000000" pitchFamily="2" charset="0"/>
+                  <a:cs typeface="CMU Bright Roman" panose="02000603000000000000" pitchFamily="2" charset="0"/>
+                </a:rPr>
+                <a:t>KNOWLEDGE</a:t>
+              </a:r>
+            </a:p>
+          </p:txBody>
+        </p:sp>
+      </p:grpSp>
+      <p:cxnSp>
+        <p:nvCxnSpPr>
+          <p:cNvPr id="51" name="Connettore 2 50">
+            <a:extLst>
+              <a:ext uri="{FF2B5EF4-FFF2-40B4-BE49-F238E27FC236}">
+                <a16:creationId xmlns:a16="http://schemas.microsoft.com/office/drawing/2014/main" id="{8F283EA2-BF22-A49B-A4EB-4B434709A9F0}"/>
+              </a:ext>
+            </a:extLst>
+          </p:cNvPr>
+          <p:cNvCxnSpPr>
+            <a:cxnSpLocks noChangeAspect="1"/>
+          </p:cNvCxnSpPr>
+          <p:nvPr/>
+        </p:nvCxnSpPr>
+        <p:spPr>
+          <a:xfrm>
+            <a:off x="2165751" y="4730565"/>
+            <a:ext cx="470821" cy="0"/>
+          </a:xfrm>
+          <a:prstGeom prst="straightConnector1">
+            <a:avLst/>
+          </a:prstGeom>
+          <a:ln w="9525">
+            <a:solidFill>
+              <a:schemeClr val="tx1"/>
+            </a:solidFill>
+            <a:tailEnd type="triangle" w="sm" len="med"/>
+          </a:ln>
+        </p:spPr>
+        <p:style>
+          <a:lnRef idx="1">
+            <a:schemeClr val="accent1"/>
+          </a:lnRef>
+          <a:fillRef idx="0">
+            <a:schemeClr val="accent1"/>
+          </a:fillRef>
+          <a:effectRef idx="0">
+            <a:schemeClr val="accent1"/>
+          </a:effectRef>
+          <a:fontRef idx="minor">
+            <a:schemeClr val="tx1"/>
+          </a:fontRef>
+        </p:style>
+      </p:cxnSp>
+      <p:cxnSp>
+        <p:nvCxnSpPr>
+          <p:cNvPr id="52" name="Connettore 2 51">
+            <a:extLst>
+              <a:ext uri="{FF2B5EF4-FFF2-40B4-BE49-F238E27FC236}">
+                <a16:creationId xmlns:a16="http://schemas.microsoft.com/office/drawing/2014/main" id="{FCD6B765-92F4-F71D-6D3A-F71DAAC22179}"/>
+              </a:ext>
+            </a:extLst>
+          </p:cNvPr>
+          <p:cNvCxnSpPr>
+            <a:cxnSpLocks noChangeAspect="1"/>
+          </p:cNvCxnSpPr>
+          <p:nvPr/>
+        </p:nvCxnSpPr>
+        <p:spPr>
+          <a:xfrm>
+            <a:off x="3566439" y="4729943"/>
+            <a:ext cx="446746" cy="0"/>
+          </a:xfrm>
+          <a:prstGeom prst="straightConnector1">
+            <a:avLst/>
+          </a:prstGeom>
+          <a:ln w="9525">
+            <a:solidFill>
+              <a:schemeClr val="tx1"/>
+            </a:solidFill>
+            <a:tailEnd type="triangle" w="sm" len="med"/>
+          </a:ln>
+        </p:spPr>
+        <p:style>
+          <a:lnRef idx="1">
+            <a:schemeClr val="accent1"/>
+          </a:lnRef>
+          <a:fillRef idx="0">
+            <a:schemeClr val="accent1"/>
+          </a:fillRef>
+          <a:effectRef idx="0">
+            <a:schemeClr val="accent1"/>
+          </a:effectRef>
+          <a:fontRef idx="minor">
+            <a:schemeClr val="tx1"/>
+          </a:fontRef>
+        </p:style>
+      </p:cxnSp>
+      <p:cxnSp>
+        <p:nvCxnSpPr>
+          <p:cNvPr id="53" name="Connettore 2 52">
+            <a:extLst>
+              <a:ext uri="{FF2B5EF4-FFF2-40B4-BE49-F238E27FC236}">
+                <a16:creationId xmlns:a16="http://schemas.microsoft.com/office/drawing/2014/main" id="{D9932200-5D06-E371-9E35-9CC3DEC86043}"/>
+              </a:ext>
+            </a:extLst>
+          </p:cNvPr>
+          <p:cNvCxnSpPr>
+            <a:cxnSpLocks noChangeAspect="1"/>
+          </p:cNvCxnSpPr>
+          <p:nvPr/>
+        </p:nvCxnSpPr>
+        <p:spPr>
+          <a:xfrm>
+            <a:off x="4957467" y="4734385"/>
+            <a:ext cx="462663" cy="0"/>
+          </a:xfrm>
+          <a:prstGeom prst="straightConnector1">
+            <a:avLst/>
+          </a:prstGeom>
+          <a:ln w="9525">
+            <a:solidFill>
+              <a:schemeClr val="tx1"/>
+            </a:solidFill>
+            <a:tailEnd type="triangle" w="sm" len="med"/>
+          </a:ln>
+        </p:spPr>
+        <p:style>
+          <a:lnRef idx="1">
+            <a:schemeClr val="accent1"/>
+          </a:lnRef>
+          <a:fillRef idx="0">
+            <a:schemeClr val="accent1"/>
+          </a:fillRef>
+          <a:effectRef idx="0">
+            <a:schemeClr val="accent1"/>
+          </a:effectRef>
+          <a:fontRef idx="minor">
+            <a:schemeClr val="tx1"/>
+          </a:fontRef>
+        </p:style>
+      </p:cxnSp>
+      <p:grpSp>
+        <p:nvGrpSpPr>
+          <p:cNvPr id="2" name="Gruppo 1">
+            <a:extLst>
+              <a:ext uri="{FF2B5EF4-FFF2-40B4-BE49-F238E27FC236}">
+                <a16:creationId xmlns:a16="http://schemas.microsoft.com/office/drawing/2014/main" id="{70672356-ECE1-2C4A-B01B-5445293B19F6}"/>
+              </a:ext>
+            </a:extLst>
+          </p:cNvPr>
+          <p:cNvGrpSpPr>
+            <a:grpSpLocks noChangeAspect="1"/>
+          </p:cNvGrpSpPr>
+          <p:nvPr/>
+        </p:nvGrpSpPr>
+        <p:grpSpPr>
+          <a:xfrm>
+            <a:off x="2917794" y="8763068"/>
+            <a:ext cx="1188000" cy="1006781"/>
+            <a:chOff x="2602675" y="2251170"/>
+            <a:chExt cx="1615044" cy="1372946"/>
+          </a:xfrm>
+        </p:grpSpPr>
+        <p:sp>
+          <p:nvSpPr>
+            <p:cNvPr id="3" name="Esagono orizzontale 2">
+              <a:extLst>
+                <a:ext uri="{FF2B5EF4-FFF2-40B4-BE49-F238E27FC236}">
+                  <a16:creationId xmlns:a16="http://schemas.microsoft.com/office/drawing/2014/main" id="{B1126AFB-F6F2-AAD6-076F-1F13B84A861B}"/>
+                </a:ext>
+              </a:extLst>
+            </p:cNvPr>
+            <p:cNvSpPr/>
+            <p:nvPr/>
+          </p:nvSpPr>
+          <p:spPr>
+            <a:xfrm rot="5400000">
+              <a:off x="2723723" y="2345856"/>
+              <a:ext cx="1372946" cy="1183574"/>
+            </a:xfrm>
+            <a:prstGeom prst="hexagon">
+              <a:avLst/>
+            </a:prstGeom>
+            <a:ln w="19050">
+              <a:solidFill>
+                <a:schemeClr val="tx1"/>
+              </a:solidFill>
+            </a:ln>
+          </p:spPr>
+          <p:style>
+            <a:lnRef idx="2">
+              <a:schemeClr val="accent6"/>
+            </a:lnRef>
+            <a:fillRef idx="1">
+              <a:schemeClr val="lt1"/>
+            </a:fillRef>
+            <a:effectRef idx="0">
+              <a:schemeClr val="accent6"/>
+            </a:effectRef>
+            <a:fontRef idx="minor">
+              <a:schemeClr val="dk1"/>
+            </a:fontRef>
+          </p:style>
+          <p:txBody>
+            <a:bodyPr rtlCol="0" anchor="ctr"/>
+            <a:lstStyle/>
+            <a:p>
+              <a:pPr algn="ctr"/>
+              <a:endParaRPr lang="it-IT" sz="1100" dirty="0">
+                <a:solidFill>
+                  <a:schemeClr val="tx1"/>
+                </a:solidFill>
+                <a:latin typeface="CMU Bright Roman" panose="02000603000000000000" pitchFamily="2" charset="0"/>
+                <a:ea typeface="CMU Bright Roman" panose="02000603000000000000" pitchFamily="2" charset="0"/>
+                <a:cs typeface="CMU Bright Roman" panose="02000603000000000000" pitchFamily="2" charset="0"/>
+              </a:endParaRPr>
+            </a:p>
+          </p:txBody>
+        </p:sp>
+        <p:sp>
+          <p:nvSpPr>
+            <p:cNvPr id="16" name="CasellaDiTesto 15">
+              <a:extLst>
+                <a:ext uri="{FF2B5EF4-FFF2-40B4-BE49-F238E27FC236}">
+                  <a16:creationId xmlns:a16="http://schemas.microsoft.com/office/drawing/2014/main" id="{695BF479-EAAF-CDE7-26FB-845B59ED448E}"/>
+                </a:ext>
+              </a:extLst>
+            </p:cNvPr>
+            <p:cNvSpPr txBox="1"/>
+            <p:nvPr/>
+          </p:nvSpPr>
+          <p:spPr>
+            <a:xfrm>
+              <a:off x="2602675" y="2739408"/>
+              <a:ext cx="1615044" cy="503658"/>
+            </a:xfrm>
+            <a:prstGeom prst="rect">
+              <a:avLst/>
+            </a:prstGeom>
+            <a:noFill/>
+            <a:ln w="19050">
+              <a:noFill/>
+            </a:ln>
+          </p:spPr>
+          <p:txBody>
+            <a:bodyPr wrap="square" rtlCol="0">
+              <a:spAutoFit/>
+            </a:bodyPr>
+            <a:lstStyle/>
+            <a:p>
+              <a:pPr algn="ctr"/>
+              <a:r>
+                <a:rPr lang="it-IT" sz="900" dirty="0">
+                  <a:latin typeface="CMU Bright Roman" panose="02000603000000000000" pitchFamily="2" charset="0"/>
+                  <a:ea typeface="CMU Bright Roman" panose="02000603000000000000" pitchFamily="2" charset="0"/>
+                  <a:cs typeface="CMU Bright Roman" panose="02000603000000000000" pitchFamily="2" charset="0"/>
+                </a:rPr>
+                <a:t>ORDERING</a:t>
+              </a:r>
+            </a:p>
+            <a:p>
+              <a:pPr algn="ctr"/>
+              <a:r>
+                <a:rPr lang="it-IT" sz="900" dirty="0">
+                  <a:latin typeface="CMU Bright Roman" panose="02000603000000000000" pitchFamily="2" charset="0"/>
+                  <a:ea typeface="CMU Bright Roman" panose="02000603000000000000" pitchFamily="2" charset="0"/>
+                  <a:cs typeface="CMU Bright Roman" panose="02000603000000000000" pitchFamily="2" charset="0"/>
+                </a:rPr>
+                <a:t>SERVICE</a:t>
+              </a:r>
+            </a:p>
+          </p:txBody>
+        </p:sp>
+      </p:grpSp>
+      <p:grpSp>
+        <p:nvGrpSpPr>
+          <p:cNvPr id="19" name="Gruppo 18">
+            <a:extLst>
+              <a:ext uri="{FF2B5EF4-FFF2-40B4-BE49-F238E27FC236}">
+                <a16:creationId xmlns:a16="http://schemas.microsoft.com/office/drawing/2014/main" id="{56001132-A39C-AE9C-07F8-A0F1CD47D5DE}"/>
+              </a:ext>
+            </a:extLst>
+          </p:cNvPr>
+          <p:cNvGrpSpPr>
+            <a:grpSpLocks noChangeAspect="1"/>
+          </p:cNvGrpSpPr>
+          <p:nvPr/>
+        </p:nvGrpSpPr>
+        <p:grpSpPr>
+          <a:xfrm>
+            <a:off x="2917794" y="6679765"/>
+            <a:ext cx="1188000" cy="1006781"/>
+            <a:chOff x="2602169" y="2251169"/>
+            <a:chExt cx="1615044" cy="1372946"/>
+          </a:xfrm>
+        </p:grpSpPr>
+        <p:sp>
+          <p:nvSpPr>
+            <p:cNvPr id="20" name="Esagono orizzontale 19">
+              <a:extLst>
+                <a:ext uri="{FF2B5EF4-FFF2-40B4-BE49-F238E27FC236}">
+                  <a16:creationId xmlns:a16="http://schemas.microsoft.com/office/drawing/2014/main" id="{4D58A93B-3CFA-6421-1895-6425B6E02915}"/>
+                </a:ext>
+              </a:extLst>
+            </p:cNvPr>
+            <p:cNvSpPr/>
+            <p:nvPr/>
+          </p:nvSpPr>
+          <p:spPr>
+            <a:xfrm rot="5400000">
+              <a:off x="2723724" y="2345855"/>
+              <a:ext cx="1372946" cy="1183574"/>
+            </a:xfrm>
+            <a:prstGeom prst="hexagon">
+              <a:avLst/>
+            </a:prstGeom>
+            <a:ln w="19050">
+              <a:solidFill>
+                <a:schemeClr val="tx1"/>
+              </a:solidFill>
+            </a:ln>
+          </p:spPr>
+          <p:style>
+            <a:lnRef idx="2">
+              <a:schemeClr val="accent6"/>
+            </a:lnRef>
+            <a:fillRef idx="1">
+              <a:schemeClr val="lt1"/>
+            </a:fillRef>
+            <a:effectRef idx="0">
+              <a:schemeClr val="accent6"/>
+            </a:effectRef>
+            <a:fontRef idx="minor">
+              <a:schemeClr val="dk1"/>
+            </a:fontRef>
+          </p:style>
+          <p:txBody>
+            <a:bodyPr rtlCol="0" anchor="ctr"/>
+            <a:lstStyle/>
+            <a:p>
+              <a:pPr algn="ctr"/>
+              <a:endParaRPr lang="it-IT" sz="1100" dirty="0">
+                <a:solidFill>
+                  <a:schemeClr val="tx1"/>
+                </a:solidFill>
+                <a:latin typeface="CMU Bright Roman" panose="02000603000000000000" pitchFamily="2" charset="0"/>
+                <a:ea typeface="CMU Bright Roman" panose="02000603000000000000" pitchFamily="2" charset="0"/>
+                <a:cs typeface="CMU Bright Roman" panose="02000603000000000000" pitchFamily="2" charset="0"/>
+              </a:endParaRPr>
+            </a:p>
+          </p:txBody>
+        </p:sp>
+        <p:sp>
+          <p:nvSpPr>
+            <p:cNvPr id="24" name="CasellaDiTesto 23">
+              <a:extLst>
+                <a:ext uri="{FF2B5EF4-FFF2-40B4-BE49-F238E27FC236}">
+                  <a16:creationId xmlns:a16="http://schemas.microsoft.com/office/drawing/2014/main" id="{D68D5612-DA6D-13FC-2898-CC04C43BA87C}"/>
+                </a:ext>
+              </a:extLst>
+            </p:cNvPr>
+            <p:cNvSpPr txBox="1"/>
+            <p:nvPr/>
+          </p:nvSpPr>
+          <p:spPr>
+            <a:xfrm>
+              <a:off x="2602169" y="2713617"/>
+              <a:ext cx="1615044" cy="503658"/>
+            </a:xfrm>
+            <a:prstGeom prst="rect">
+              <a:avLst/>
+            </a:prstGeom>
+            <a:noFill/>
+            <a:ln w="19050">
+              <a:noFill/>
+            </a:ln>
+          </p:spPr>
+          <p:txBody>
+            <a:bodyPr wrap="square" rtlCol="0">
+              <a:spAutoFit/>
+            </a:bodyPr>
+            <a:lstStyle/>
+            <a:p>
+              <a:pPr algn="ctr"/>
+              <a:r>
+                <a:rPr lang="it-IT" sz="900" dirty="0">
+                  <a:latin typeface="CMU Bright Roman" panose="02000603000000000000" pitchFamily="2" charset="0"/>
+                  <a:ea typeface="CMU Bright Roman" panose="02000603000000000000" pitchFamily="2" charset="0"/>
+                  <a:cs typeface="CMU Bright Roman" panose="02000603000000000000" pitchFamily="2" charset="0"/>
+                </a:rPr>
+                <a:t>RESTAURANT</a:t>
+              </a:r>
+            </a:p>
+            <a:p>
+              <a:pPr algn="ctr"/>
+              <a:r>
+                <a:rPr lang="it-IT" sz="900" dirty="0">
+                  <a:latin typeface="CMU Bright Roman" panose="02000603000000000000" pitchFamily="2" charset="0"/>
+                  <a:ea typeface="CMU Bright Roman" panose="02000603000000000000" pitchFamily="2" charset="0"/>
+                  <a:cs typeface="CMU Bright Roman" panose="02000603000000000000" pitchFamily="2" charset="0"/>
+                </a:rPr>
+                <a:t>SERVICE</a:t>
+              </a:r>
+            </a:p>
+          </p:txBody>
+        </p:sp>
+      </p:grpSp>
+      <p:grpSp>
+        <p:nvGrpSpPr>
+          <p:cNvPr id="27" name="Gruppo 26">
+            <a:extLst>
+              <a:ext uri="{FF2B5EF4-FFF2-40B4-BE49-F238E27FC236}">
+                <a16:creationId xmlns:a16="http://schemas.microsoft.com/office/drawing/2014/main" id="{1C549F31-6035-808B-975B-0F3E16B417F7}"/>
+              </a:ext>
+            </a:extLst>
+          </p:cNvPr>
+          <p:cNvGrpSpPr>
+            <a:grpSpLocks noChangeAspect="1"/>
+          </p:cNvGrpSpPr>
+          <p:nvPr/>
+        </p:nvGrpSpPr>
+        <p:grpSpPr>
+          <a:xfrm>
+            <a:off x="4166707" y="6677753"/>
+            <a:ext cx="1188000" cy="1006781"/>
+            <a:chOff x="2602675" y="2251169"/>
+            <a:chExt cx="1615044" cy="1372946"/>
+          </a:xfrm>
+        </p:grpSpPr>
+        <p:sp>
+          <p:nvSpPr>
+            <p:cNvPr id="42" name="Esagono orizzontale 41">
+              <a:extLst>
+                <a:ext uri="{FF2B5EF4-FFF2-40B4-BE49-F238E27FC236}">
+                  <a16:creationId xmlns:a16="http://schemas.microsoft.com/office/drawing/2014/main" id="{73EC394A-5E09-23E3-3B2A-1856A547829C}"/>
+                </a:ext>
+              </a:extLst>
+            </p:cNvPr>
+            <p:cNvSpPr/>
+            <p:nvPr/>
+          </p:nvSpPr>
+          <p:spPr>
+            <a:xfrm rot="5400000">
+              <a:off x="2723724" y="2345855"/>
+              <a:ext cx="1372946" cy="1183574"/>
+            </a:xfrm>
+            <a:prstGeom prst="hexagon">
+              <a:avLst/>
+            </a:prstGeom>
+            <a:ln w="19050">
+              <a:solidFill>
+                <a:schemeClr val="tx1"/>
+              </a:solidFill>
+            </a:ln>
+          </p:spPr>
+          <p:style>
+            <a:lnRef idx="2">
+              <a:schemeClr val="accent6"/>
+            </a:lnRef>
+            <a:fillRef idx="1">
+              <a:schemeClr val="lt1"/>
+            </a:fillRef>
+            <a:effectRef idx="0">
+              <a:schemeClr val="accent6"/>
+            </a:effectRef>
+            <a:fontRef idx="minor">
+              <a:schemeClr val="dk1"/>
+            </a:fontRef>
+          </p:style>
+          <p:txBody>
+            <a:bodyPr rtlCol="0" anchor="ctr"/>
+            <a:lstStyle/>
+            <a:p>
+              <a:pPr algn="ctr"/>
+              <a:endParaRPr lang="it-IT" sz="1100" dirty="0">
+                <a:solidFill>
+                  <a:schemeClr val="tx1"/>
+                </a:solidFill>
+                <a:latin typeface="CMU Bright Roman" panose="02000603000000000000" pitchFamily="2" charset="0"/>
+                <a:ea typeface="CMU Bright Roman" panose="02000603000000000000" pitchFamily="2" charset="0"/>
+                <a:cs typeface="CMU Bright Roman" panose="02000603000000000000" pitchFamily="2" charset="0"/>
+              </a:endParaRPr>
+            </a:p>
+          </p:txBody>
+        </p:sp>
+        <p:sp>
+          <p:nvSpPr>
+            <p:cNvPr id="45" name="CasellaDiTesto 44">
+              <a:extLst>
+                <a:ext uri="{FF2B5EF4-FFF2-40B4-BE49-F238E27FC236}">
+                  <a16:creationId xmlns:a16="http://schemas.microsoft.com/office/drawing/2014/main" id="{17C1289B-335E-6A91-3FFB-C3897A99ECB6}"/>
+                </a:ext>
+              </a:extLst>
+            </p:cNvPr>
+            <p:cNvSpPr txBox="1"/>
+            <p:nvPr/>
+          </p:nvSpPr>
+          <p:spPr>
+            <a:xfrm>
+              <a:off x="2602675" y="2609233"/>
+              <a:ext cx="1615044" cy="692529"/>
+            </a:xfrm>
+            <a:prstGeom prst="rect">
+              <a:avLst/>
+            </a:prstGeom>
+            <a:noFill/>
+            <a:ln w="19050">
+              <a:noFill/>
+            </a:ln>
+          </p:spPr>
+          <p:txBody>
+            <a:bodyPr wrap="square" rtlCol="0">
+              <a:spAutoFit/>
+            </a:bodyPr>
+            <a:lstStyle/>
+            <a:p>
+              <a:pPr algn="ctr"/>
+              <a:r>
+                <a:rPr lang="it-IT" sz="900" dirty="0">
+                  <a:latin typeface="CMU Bright Roman" panose="02000603000000000000" pitchFamily="2" charset="0"/>
+                  <a:ea typeface="CMU Bright Roman" panose="02000603000000000000" pitchFamily="2" charset="0"/>
+                  <a:cs typeface="CMU Bright Roman" panose="02000603000000000000" pitchFamily="2" charset="0"/>
+                </a:rPr>
+                <a:t>PAYMENT</a:t>
+              </a:r>
+            </a:p>
+            <a:p>
+              <a:pPr algn="ctr"/>
+              <a:r>
+                <a:rPr lang="it-IT" sz="900" dirty="0">
+                  <a:latin typeface="CMU Bright Roman" panose="02000603000000000000" pitchFamily="2" charset="0"/>
+                  <a:ea typeface="CMU Bright Roman" panose="02000603000000000000" pitchFamily="2" charset="0"/>
+                  <a:cs typeface="CMU Bright Roman" panose="02000603000000000000" pitchFamily="2" charset="0"/>
+                </a:rPr>
+                <a:t>PROXY</a:t>
+              </a:r>
+            </a:p>
+            <a:p>
+              <a:pPr algn="ctr"/>
+              <a:r>
+                <a:rPr lang="it-IT" sz="900" dirty="0">
+                  <a:latin typeface="CMU Bright Roman" panose="02000603000000000000" pitchFamily="2" charset="0"/>
+                  <a:ea typeface="CMU Bright Roman" panose="02000603000000000000" pitchFamily="2" charset="0"/>
+                  <a:cs typeface="CMU Bright Roman" panose="02000603000000000000" pitchFamily="2" charset="0"/>
+                </a:rPr>
+                <a:t>SERVICE</a:t>
+              </a:r>
+            </a:p>
+          </p:txBody>
+        </p:sp>
+      </p:grpSp>
+      <p:grpSp>
+        <p:nvGrpSpPr>
+          <p:cNvPr id="46" name="Gruppo 45">
+            <a:extLst>
+              <a:ext uri="{FF2B5EF4-FFF2-40B4-BE49-F238E27FC236}">
+                <a16:creationId xmlns:a16="http://schemas.microsoft.com/office/drawing/2014/main" id="{6A1CDC96-A60C-E826-AC9B-8AA731A0238D}"/>
+              </a:ext>
+            </a:extLst>
+          </p:cNvPr>
+          <p:cNvGrpSpPr>
+            <a:grpSpLocks noChangeAspect="1"/>
+          </p:cNvGrpSpPr>
+          <p:nvPr/>
+        </p:nvGrpSpPr>
+        <p:grpSpPr>
+          <a:xfrm>
+            <a:off x="4165406" y="8764034"/>
+            <a:ext cx="1188000" cy="1006781"/>
+            <a:chOff x="2610722" y="2251169"/>
+            <a:chExt cx="1615044" cy="1372946"/>
+          </a:xfrm>
+        </p:grpSpPr>
+        <p:sp>
+          <p:nvSpPr>
+            <p:cNvPr id="50" name="Esagono orizzontale 49">
+              <a:extLst>
+                <a:ext uri="{FF2B5EF4-FFF2-40B4-BE49-F238E27FC236}">
+                  <a16:creationId xmlns:a16="http://schemas.microsoft.com/office/drawing/2014/main" id="{D27522D5-9BF0-7035-280E-3B897E3F603D}"/>
+                </a:ext>
+              </a:extLst>
+            </p:cNvPr>
+            <p:cNvSpPr/>
+            <p:nvPr/>
+          </p:nvSpPr>
+          <p:spPr>
+            <a:xfrm rot="5400000">
+              <a:off x="2723723" y="2345855"/>
+              <a:ext cx="1372946" cy="1183574"/>
+            </a:xfrm>
+            <a:prstGeom prst="hexagon">
+              <a:avLst/>
+            </a:prstGeom>
+            <a:ln w="19050">
+              <a:solidFill>
+                <a:schemeClr val="tx1"/>
+              </a:solidFill>
+            </a:ln>
+          </p:spPr>
+          <p:style>
+            <a:lnRef idx="2">
+              <a:schemeClr val="accent6"/>
+            </a:lnRef>
+            <a:fillRef idx="1">
+              <a:schemeClr val="lt1"/>
+            </a:fillRef>
+            <a:effectRef idx="0">
+              <a:schemeClr val="accent6"/>
+            </a:effectRef>
+            <a:fontRef idx="minor">
+              <a:schemeClr val="dk1"/>
+            </a:fontRef>
+          </p:style>
+          <p:txBody>
+            <a:bodyPr rtlCol="0" anchor="ctr"/>
+            <a:lstStyle/>
+            <a:p>
+              <a:pPr algn="ctr"/>
+              <a:endParaRPr lang="it-IT" sz="1100" dirty="0">
+                <a:solidFill>
+                  <a:schemeClr val="tx1"/>
+                </a:solidFill>
+                <a:latin typeface="CMU Bright Roman" panose="02000603000000000000" pitchFamily="2" charset="0"/>
+                <a:ea typeface="CMU Bright Roman" panose="02000603000000000000" pitchFamily="2" charset="0"/>
+                <a:cs typeface="CMU Bright Roman" panose="02000603000000000000" pitchFamily="2" charset="0"/>
+              </a:endParaRPr>
+            </a:p>
+          </p:txBody>
+        </p:sp>
+        <p:sp>
+          <p:nvSpPr>
+            <p:cNvPr id="55" name="CasellaDiTesto 54">
+              <a:extLst>
+                <a:ext uri="{FF2B5EF4-FFF2-40B4-BE49-F238E27FC236}">
+                  <a16:creationId xmlns:a16="http://schemas.microsoft.com/office/drawing/2014/main" id="{F11993D6-6515-E33B-F722-ECD81A912F7C}"/>
+                </a:ext>
+              </a:extLst>
+            </p:cNvPr>
+            <p:cNvSpPr txBox="1"/>
+            <p:nvPr/>
+          </p:nvSpPr>
+          <p:spPr>
+            <a:xfrm>
+              <a:off x="2610722" y="2637808"/>
+              <a:ext cx="1615044" cy="692529"/>
+            </a:xfrm>
+            <a:prstGeom prst="rect">
+              <a:avLst/>
+            </a:prstGeom>
+            <a:noFill/>
+            <a:ln w="19050">
+              <a:noFill/>
+            </a:ln>
+          </p:spPr>
+          <p:txBody>
+            <a:bodyPr wrap="square" rtlCol="0">
+              <a:spAutoFit/>
+            </a:bodyPr>
+            <a:lstStyle/>
+            <a:p>
+              <a:pPr algn="ctr"/>
+              <a:r>
+                <a:rPr lang="it-IT" sz="900" dirty="0">
+                  <a:latin typeface="CMU Bright Roman" panose="02000603000000000000" pitchFamily="2" charset="0"/>
+                  <a:ea typeface="CMU Bright Roman" panose="02000603000000000000" pitchFamily="2" charset="0"/>
+                  <a:cs typeface="CMU Bright Roman" panose="02000603000000000000" pitchFamily="2" charset="0"/>
+                </a:rPr>
+                <a:t>DELIVERY</a:t>
+              </a:r>
+            </a:p>
+            <a:p>
+              <a:pPr algn="ctr"/>
+              <a:r>
+                <a:rPr lang="it-IT" sz="900" dirty="0">
+                  <a:latin typeface="CMU Bright Roman" panose="02000603000000000000" pitchFamily="2" charset="0"/>
+                  <a:ea typeface="CMU Bright Roman" panose="02000603000000000000" pitchFamily="2" charset="0"/>
+                  <a:cs typeface="CMU Bright Roman" panose="02000603000000000000" pitchFamily="2" charset="0"/>
+                </a:rPr>
+                <a:t>PROXY</a:t>
+              </a:r>
+            </a:p>
+            <a:p>
+              <a:pPr algn="ctr"/>
+              <a:r>
+                <a:rPr lang="it-IT" sz="900" dirty="0">
+                  <a:latin typeface="CMU Bright Roman" panose="02000603000000000000" pitchFamily="2" charset="0"/>
+                  <a:ea typeface="CMU Bright Roman" panose="02000603000000000000" pitchFamily="2" charset="0"/>
+                  <a:cs typeface="CMU Bright Roman" panose="02000603000000000000" pitchFamily="2" charset="0"/>
+                </a:rPr>
+                <a:t>SERVICE</a:t>
+              </a:r>
+            </a:p>
+          </p:txBody>
+        </p:sp>
+      </p:grpSp>
+      <p:cxnSp>
+        <p:nvCxnSpPr>
+          <p:cNvPr id="70" name="Connettore 1 69">
+            <a:extLst>
+              <a:ext uri="{FF2B5EF4-FFF2-40B4-BE49-F238E27FC236}">
+                <a16:creationId xmlns:a16="http://schemas.microsoft.com/office/drawing/2014/main" id="{2671C798-E972-CD07-B488-74EDDBC1BAE0}"/>
+              </a:ext>
+            </a:extLst>
+          </p:cNvPr>
+          <p:cNvCxnSpPr>
+            <a:cxnSpLocks/>
+            <a:endCxn id="3" idx="4"/>
+          </p:cNvCxnSpPr>
+          <p:nvPr/>
+        </p:nvCxnSpPr>
+        <p:spPr>
+          <a:xfrm>
+            <a:off x="3288922" y="7682173"/>
+            <a:ext cx="658181" cy="1298551"/>
+          </a:xfrm>
+          <a:prstGeom prst="line">
+            <a:avLst/>
+          </a:prstGeom>
+          <a:ln w="12700">
+            <a:solidFill>
+              <a:schemeClr val="tx1"/>
+            </a:solidFill>
+            <a:prstDash val="solid"/>
+            <a:headEnd type="none" w="med" len="med"/>
+            <a:tailEnd type="none" w="med" len="med"/>
+          </a:ln>
+        </p:spPr>
+        <p:style>
+          <a:lnRef idx="1">
+            <a:schemeClr val="accent1"/>
+          </a:lnRef>
+          <a:fillRef idx="0">
+            <a:schemeClr val="accent1"/>
+          </a:fillRef>
+          <a:effectRef idx="0">
+            <a:schemeClr val="accent1"/>
+          </a:effectRef>
+          <a:fontRef idx="minor">
+            <a:schemeClr val="tx1"/>
+          </a:fontRef>
+        </p:style>
+      </p:cxnSp>
+      <p:sp>
+        <p:nvSpPr>
+          <p:cNvPr id="71" name="Rettangolo con angoli arrotondati 70">
+            <a:extLst>
+              <a:ext uri="{FF2B5EF4-FFF2-40B4-BE49-F238E27FC236}">
+                <a16:creationId xmlns:a16="http://schemas.microsoft.com/office/drawing/2014/main" id="{C9381ECD-4A4A-C0D8-1E6A-9CF27B0D7914}"/>
+              </a:ext>
+            </a:extLst>
+          </p:cNvPr>
+          <p:cNvSpPr/>
+          <p:nvPr/>
+        </p:nvSpPr>
+        <p:spPr>
+          <a:xfrm>
+            <a:off x="1458844" y="6579414"/>
+            <a:ext cx="3909571" cy="3289006"/>
+          </a:xfrm>
+          <a:prstGeom prst="roundRect">
+            <a:avLst>
+              <a:gd name="adj" fmla="val 4026"/>
+            </a:avLst>
+          </a:prstGeom>
+          <a:noFill/>
+          <a:ln>
+            <a:solidFill>
+              <a:schemeClr val="tx1"/>
+            </a:solidFill>
+            <a:prstDash val="dash"/>
+          </a:ln>
+        </p:spPr>
+        <p:style>
+          <a:lnRef idx="2">
+            <a:schemeClr val="accent6"/>
+          </a:lnRef>
+          <a:fillRef idx="1">
+            <a:schemeClr val="lt1"/>
+          </a:fillRef>
+          <a:effectRef idx="0">
+            <a:schemeClr val="accent6"/>
+          </a:effectRef>
+          <a:fontRef idx="minor">
+            <a:schemeClr val="dk1"/>
+          </a:fontRef>
+        </p:style>
+        <p:txBody>
+          <a:bodyPr rtlCol="0" anchor="ctr"/>
+          <a:lstStyle/>
+          <a:p>
+            <a:pPr algn="ctr"/>
+            <a:endParaRPr lang="it-IT" sz="1100">
+              <a:solidFill>
+                <a:schemeClr val="tx1"/>
+              </a:solidFill>
+              <a:latin typeface="CMU Bright Roman" panose="02000603000000000000" pitchFamily="2" charset="0"/>
+              <a:ea typeface="CMU Bright Roman" panose="02000603000000000000" pitchFamily="2" charset="0"/>
+              <a:cs typeface="CMU Bright Roman" panose="02000603000000000000" pitchFamily="2" charset="0"/>
+            </a:endParaRPr>
+          </a:p>
+        </p:txBody>
+      </p:sp>
+      <p:cxnSp>
+        <p:nvCxnSpPr>
+          <p:cNvPr id="72" name="Connettore 2 71">
+            <a:extLst>
+              <a:ext uri="{FF2B5EF4-FFF2-40B4-BE49-F238E27FC236}">
+                <a16:creationId xmlns:a16="http://schemas.microsoft.com/office/drawing/2014/main" id="{B0E4324F-46A8-F029-1C72-7BE403D5F295}"/>
+              </a:ext>
+            </a:extLst>
+          </p:cNvPr>
+          <p:cNvCxnSpPr>
+            <a:cxnSpLocks/>
+          </p:cNvCxnSpPr>
+          <p:nvPr/>
+        </p:nvCxnSpPr>
+        <p:spPr>
+          <a:xfrm>
+            <a:off x="5368415" y="7166109"/>
+            <a:ext cx="300463" cy="0"/>
+          </a:xfrm>
+          <a:prstGeom prst="straightConnector1">
+            <a:avLst/>
+          </a:prstGeom>
+          <a:ln w="12700">
+            <a:solidFill>
+              <a:schemeClr val="tx1"/>
+            </a:solidFill>
+            <a:headEnd type="none" w="lg" len="lg"/>
+            <a:tailEnd type="diamond" w="lg" len="lg"/>
+          </a:ln>
+        </p:spPr>
+        <p:style>
+          <a:lnRef idx="1">
+            <a:schemeClr val="accent1"/>
+          </a:lnRef>
+          <a:fillRef idx="0">
+            <a:schemeClr val="accent1"/>
+          </a:fillRef>
+          <a:effectRef idx="0">
+            <a:schemeClr val="accent1"/>
+          </a:effectRef>
+          <a:fontRef idx="minor">
+            <a:schemeClr val="tx1"/>
+          </a:fontRef>
+        </p:style>
+      </p:cxnSp>
+      <p:cxnSp>
+        <p:nvCxnSpPr>
+          <p:cNvPr id="73" name="Connettore 2 72">
+            <a:extLst>
+              <a:ext uri="{FF2B5EF4-FFF2-40B4-BE49-F238E27FC236}">
+                <a16:creationId xmlns:a16="http://schemas.microsoft.com/office/drawing/2014/main" id="{48A10863-ED6B-1EAD-D099-76927DD85D62}"/>
+              </a:ext>
+            </a:extLst>
+          </p:cNvPr>
+          <p:cNvCxnSpPr>
+            <a:cxnSpLocks/>
+          </p:cNvCxnSpPr>
+          <p:nvPr/>
+        </p:nvCxnSpPr>
+        <p:spPr>
+          <a:xfrm>
+            <a:off x="5368415" y="8428629"/>
+            <a:ext cx="300463" cy="0"/>
+          </a:xfrm>
+          <a:prstGeom prst="straightConnector1">
+            <a:avLst/>
+          </a:prstGeom>
+          <a:ln w="12700">
+            <a:solidFill>
+              <a:schemeClr val="tx1"/>
+            </a:solidFill>
+            <a:headEnd type="none" w="lg" len="lg"/>
+            <a:tailEnd type="diamond" w="lg" len="lg"/>
+          </a:ln>
+        </p:spPr>
+        <p:style>
+          <a:lnRef idx="1">
+            <a:schemeClr val="accent1"/>
+          </a:lnRef>
+          <a:fillRef idx="0">
+            <a:schemeClr val="accent1"/>
+          </a:fillRef>
+          <a:effectRef idx="0">
+            <a:schemeClr val="accent1"/>
+          </a:effectRef>
+          <a:fontRef idx="minor">
+            <a:schemeClr val="tx1"/>
+          </a:fontRef>
+        </p:style>
+      </p:cxnSp>
+      <p:cxnSp>
+        <p:nvCxnSpPr>
+          <p:cNvPr id="74" name="Connettore 2 73">
+            <a:extLst>
+              <a:ext uri="{FF2B5EF4-FFF2-40B4-BE49-F238E27FC236}">
+                <a16:creationId xmlns:a16="http://schemas.microsoft.com/office/drawing/2014/main" id="{27D77859-6C21-146C-8F99-2501F908EB77}"/>
+              </a:ext>
+            </a:extLst>
+          </p:cNvPr>
+          <p:cNvCxnSpPr>
+            <a:cxnSpLocks/>
+            <a:stCxn id="84" idx="3"/>
+            <a:endCxn id="81" idx="0"/>
+          </p:cNvCxnSpPr>
+          <p:nvPr/>
+        </p:nvCxnSpPr>
+        <p:spPr>
+          <a:xfrm flipV="1">
+            <a:off x="6100343" y="7688788"/>
+            <a:ext cx="3500" cy="228894"/>
+          </a:xfrm>
+          <a:prstGeom prst="straightConnector1">
+            <a:avLst/>
+          </a:prstGeom>
+          <a:ln w="12700">
+            <a:solidFill>
+              <a:schemeClr val="tx1"/>
+            </a:solidFill>
+            <a:headEnd type="none" w="lg" len="lg"/>
+            <a:tailEnd type="diamond" w="lg" len="lg"/>
+          </a:ln>
+        </p:spPr>
+        <p:style>
+          <a:lnRef idx="1">
+            <a:schemeClr val="accent1"/>
+          </a:lnRef>
+          <a:fillRef idx="0">
+            <a:schemeClr val="accent1"/>
+          </a:fillRef>
+          <a:effectRef idx="0">
+            <a:schemeClr val="accent1"/>
+          </a:effectRef>
+          <a:fontRef idx="minor">
+            <a:schemeClr val="tx1"/>
+          </a:fontRef>
+        </p:style>
+      </p:cxnSp>
+      <p:cxnSp>
+        <p:nvCxnSpPr>
+          <p:cNvPr id="76" name="Connettore 2 75">
+            <a:extLst>
+              <a:ext uri="{FF2B5EF4-FFF2-40B4-BE49-F238E27FC236}">
+                <a16:creationId xmlns:a16="http://schemas.microsoft.com/office/drawing/2014/main" id="{D238BC7E-730B-E496-DDDF-B2073CF52A4B}"/>
+              </a:ext>
+            </a:extLst>
+          </p:cNvPr>
+          <p:cNvCxnSpPr>
+            <a:cxnSpLocks/>
+            <a:stCxn id="95" idx="0"/>
+            <a:endCxn id="84" idx="0"/>
+          </p:cNvCxnSpPr>
+          <p:nvPr/>
+        </p:nvCxnSpPr>
+        <p:spPr>
+          <a:xfrm flipV="1">
+            <a:off x="6100343" y="8924463"/>
+            <a:ext cx="0" cy="195046"/>
+          </a:xfrm>
+          <a:prstGeom prst="straightConnector1">
+            <a:avLst/>
+          </a:prstGeom>
+          <a:ln w="12700" cap="rnd">
+            <a:solidFill>
+              <a:schemeClr val="tx1"/>
+            </a:solidFill>
+            <a:miter lim="800000"/>
+            <a:headEnd type="none" w="lg" len="lg"/>
+            <a:tailEnd type="none" w="lg" len="lg"/>
+          </a:ln>
+        </p:spPr>
+        <p:style>
+          <a:lnRef idx="1">
+            <a:schemeClr val="accent1"/>
+          </a:lnRef>
+          <a:fillRef idx="0">
+            <a:schemeClr val="accent1"/>
+          </a:fillRef>
+          <a:effectRef idx="0">
+            <a:schemeClr val="accent1"/>
+          </a:effectRef>
+          <a:fontRef idx="minor">
+            <a:schemeClr val="tx1"/>
+          </a:fontRef>
+        </p:style>
+      </p:cxnSp>
+      <p:sp>
+        <p:nvSpPr>
+          <p:cNvPr id="78" name="Rettangolo con angoli arrotondati 77">
+            <a:extLst>
+              <a:ext uri="{FF2B5EF4-FFF2-40B4-BE49-F238E27FC236}">
+                <a16:creationId xmlns:a16="http://schemas.microsoft.com/office/drawing/2014/main" id="{6C2E7C02-1B90-3CC7-59E3-26E2224EF39C}"/>
+              </a:ext>
+            </a:extLst>
+          </p:cNvPr>
+          <p:cNvSpPr/>
+          <p:nvPr/>
+        </p:nvSpPr>
+        <p:spPr>
+          <a:xfrm>
+            <a:off x="5632540" y="9546913"/>
+            <a:ext cx="936000" cy="360000"/>
+          </a:xfrm>
+          <a:prstGeom prst="roundRect">
+            <a:avLst/>
+          </a:prstGeom>
+          <a:ln>
+            <a:noFill/>
+          </a:ln>
+        </p:spPr>
+        <p:style>
+          <a:lnRef idx="2">
+            <a:schemeClr val="accent6"/>
+          </a:lnRef>
+          <a:fillRef idx="1">
+            <a:schemeClr val="lt1"/>
+          </a:fillRef>
+          <a:effectRef idx="0">
+            <a:schemeClr val="accent6"/>
+          </a:effectRef>
+          <a:fontRef idx="minor">
+            <a:schemeClr val="dk1"/>
+          </a:fontRef>
+        </p:style>
+        <p:txBody>
+          <a:bodyPr rtlCol="0" anchor="ctr"/>
+          <a:lstStyle/>
+          <a:p>
+            <a:pPr algn="ctr"/>
+            <a:r>
+              <a:rPr lang="it-IT" sz="800" dirty="0">
+                <a:solidFill>
+                  <a:schemeClr val="tx1"/>
+                </a:solidFill>
+                <a:latin typeface="CMU Bright Roman" panose="02000603000000000000" pitchFamily="2" charset="0"/>
+                <a:ea typeface="CMU Bright Roman" panose="02000603000000000000" pitchFamily="2" charset="0"/>
+                <a:cs typeface="CMU Bright Roman" panose="02000603000000000000" pitchFamily="2" charset="0"/>
+              </a:rPr>
+              <a:t>GIT CONFIG </a:t>
+            </a:r>
+          </a:p>
+          <a:p>
+            <a:pPr algn="ctr"/>
+            <a:r>
+              <a:rPr lang="it-IT" sz="800" dirty="0">
+                <a:solidFill>
+                  <a:schemeClr val="tx1"/>
+                </a:solidFill>
+                <a:latin typeface="CMU Bright Roman" panose="02000603000000000000" pitchFamily="2" charset="0"/>
+                <a:ea typeface="CMU Bright Roman" panose="02000603000000000000" pitchFamily="2" charset="0"/>
+                <a:cs typeface="CMU Bright Roman" panose="02000603000000000000" pitchFamily="2" charset="0"/>
+              </a:rPr>
+              <a:t>REPOSITORY</a:t>
+            </a:r>
+          </a:p>
+        </p:txBody>
+      </p:sp>
+      <p:sp>
+        <p:nvSpPr>
+          <p:cNvPr id="79" name="Rettangolo con angoli arrotondati 78">
+            <a:extLst>
+              <a:ext uri="{FF2B5EF4-FFF2-40B4-BE49-F238E27FC236}">
+                <a16:creationId xmlns:a16="http://schemas.microsoft.com/office/drawing/2014/main" id="{312E033D-54AF-CFD1-CFE7-28BD0DC899BB}"/>
+              </a:ext>
+            </a:extLst>
+          </p:cNvPr>
+          <p:cNvSpPr/>
+          <p:nvPr/>
+        </p:nvSpPr>
+        <p:spPr>
+          <a:xfrm>
+            <a:off x="2509741" y="7551939"/>
+            <a:ext cx="903490" cy="360000"/>
+          </a:xfrm>
+          <a:prstGeom prst="roundRect">
+            <a:avLst/>
+          </a:prstGeom>
+          <a:ln>
+            <a:solidFill>
+              <a:schemeClr val="tx1"/>
+            </a:solidFill>
+          </a:ln>
+        </p:spPr>
+        <p:style>
+          <a:lnRef idx="2">
+            <a:schemeClr val="accent6"/>
+          </a:lnRef>
+          <a:fillRef idx="1">
+            <a:schemeClr val="lt1"/>
+          </a:fillRef>
+          <a:effectRef idx="0">
+            <a:schemeClr val="accent6"/>
+          </a:effectRef>
+          <a:fontRef idx="minor">
+            <a:schemeClr val="dk1"/>
+          </a:fontRef>
+        </p:style>
+        <p:txBody>
+          <a:bodyPr rtlCol="0" anchor="ctr"/>
+          <a:lstStyle/>
+          <a:p>
+            <a:pPr algn="ctr"/>
+            <a:r>
+              <a:rPr lang="it-IT" sz="800" dirty="0">
+                <a:solidFill>
+                  <a:schemeClr val="tx1"/>
+                </a:solidFill>
+                <a:latin typeface="CMU Bright Roman" panose="02000603000000000000" pitchFamily="2" charset="0"/>
+                <a:ea typeface="CMU Bright Roman" panose="02000603000000000000" pitchFamily="2" charset="0"/>
+                <a:cs typeface="CMU Bright Roman" panose="02000603000000000000" pitchFamily="2" charset="0"/>
+              </a:rPr>
+              <a:t>RESTAURANT</a:t>
+            </a:r>
+          </a:p>
+          <a:p>
+            <a:pPr algn="ctr"/>
+            <a:r>
+              <a:rPr lang="it-IT" sz="800" dirty="0">
+                <a:solidFill>
+                  <a:schemeClr val="tx1"/>
+                </a:solidFill>
+                <a:latin typeface="CMU Bright Roman" panose="02000603000000000000" pitchFamily="2" charset="0"/>
+                <a:ea typeface="CMU Bright Roman" panose="02000603000000000000" pitchFamily="2" charset="0"/>
+                <a:cs typeface="CMU Bright Roman" panose="02000603000000000000" pitchFamily="2" charset="0"/>
+              </a:rPr>
+              <a:t>REST API</a:t>
+            </a:r>
+          </a:p>
+        </p:txBody>
+      </p:sp>
+      <p:grpSp>
+        <p:nvGrpSpPr>
+          <p:cNvPr id="80" name="Gruppo 79">
+            <a:extLst>
+              <a:ext uri="{FF2B5EF4-FFF2-40B4-BE49-F238E27FC236}">
+                <a16:creationId xmlns:a16="http://schemas.microsoft.com/office/drawing/2014/main" id="{12E24482-120F-E738-FDFB-C6248D4C514A}"/>
+              </a:ext>
+            </a:extLst>
+          </p:cNvPr>
+          <p:cNvGrpSpPr>
+            <a:grpSpLocks noChangeAspect="1"/>
+          </p:cNvGrpSpPr>
+          <p:nvPr/>
+        </p:nvGrpSpPr>
+        <p:grpSpPr>
+          <a:xfrm>
+            <a:off x="5525324" y="6682006"/>
+            <a:ext cx="1188000" cy="1006781"/>
+            <a:chOff x="2623721" y="2251169"/>
+            <a:chExt cx="1615044" cy="1372946"/>
+          </a:xfrm>
+        </p:grpSpPr>
+        <p:sp>
+          <p:nvSpPr>
+            <p:cNvPr id="81" name="Esagono orizzontale 80">
+              <a:extLst>
+                <a:ext uri="{FF2B5EF4-FFF2-40B4-BE49-F238E27FC236}">
+                  <a16:creationId xmlns:a16="http://schemas.microsoft.com/office/drawing/2014/main" id="{D7DD5925-EBCF-2580-0727-ECC1FE4FC60F}"/>
+                </a:ext>
+              </a:extLst>
+            </p:cNvPr>
+            <p:cNvSpPr/>
+            <p:nvPr/>
+          </p:nvSpPr>
+          <p:spPr>
+            <a:xfrm rot="5400000">
+              <a:off x="2723723" y="2345855"/>
+              <a:ext cx="1372946" cy="1183574"/>
+            </a:xfrm>
+            <a:prstGeom prst="hexagon">
+              <a:avLst/>
+            </a:prstGeom>
+            <a:ln w="19050">
+              <a:solidFill>
+                <a:schemeClr val="tx1"/>
+              </a:solidFill>
+            </a:ln>
+          </p:spPr>
+          <p:style>
+            <a:lnRef idx="2">
+              <a:schemeClr val="accent6"/>
+            </a:lnRef>
+            <a:fillRef idx="1">
+              <a:schemeClr val="lt1"/>
+            </a:fillRef>
+            <a:effectRef idx="0">
+              <a:schemeClr val="accent6"/>
+            </a:effectRef>
+            <a:fontRef idx="minor">
+              <a:schemeClr val="dk1"/>
+            </a:fontRef>
+          </p:style>
+          <p:txBody>
+            <a:bodyPr rtlCol="0" anchor="ctr"/>
+            <a:lstStyle/>
+            <a:p>
+              <a:pPr algn="ctr"/>
+              <a:endParaRPr lang="it-IT" sz="1100" dirty="0">
+                <a:solidFill>
+                  <a:schemeClr val="tx1"/>
+                </a:solidFill>
+                <a:latin typeface="CMU Bright Roman" panose="02000603000000000000" pitchFamily="2" charset="0"/>
+                <a:ea typeface="CMU Bright Roman" panose="02000603000000000000" pitchFamily="2" charset="0"/>
+                <a:cs typeface="CMU Bright Roman" panose="02000603000000000000" pitchFamily="2" charset="0"/>
+              </a:endParaRPr>
+            </a:p>
+          </p:txBody>
+        </p:sp>
+        <p:sp>
+          <p:nvSpPr>
+            <p:cNvPr id="82" name="CasellaDiTesto 81">
+              <a:extLst>
+                <a:ext uri="{FF2B5EF4-FFF2-40B4-BE49-F238E27FC236}">
+                  <a16:creationId xmlns:a16="http://schemas.microsoft.com/office/drawing/2014/main" id="{7DD889B6-297D-5B60-DBE2-D1ECB6C06DF4}"/>
+                </a:ext>
+              </a:extLst>
+            </p:cNvPr>
+            <p:cNvSpPr txBox="1"/>
+            <p:nvPr/>
+          </p:nvSpPr>
+          <p:spPr>
+            <a:xfrm>
+              <a:off x="2623721" y="2622407"/>
+              <a:ext cx="1615044" cy="692529"/>
+            </a:xfrm>
+            <a:prstGeom prst="rect">
+              <a:avLst/>
+            </a:prstGeom>
+            <a:noFill/>
+            <a:ln w="19050">
+              <a:noFill/>
+            </a:ln>
+          </p:spPr>
+          <p:txBody>
+            <a:bodyPr wrap="square" rtlCol="0">
+              <a:spAutoFit/>
+            </a:bodyPr>
+            <a:lstStyle/>
+            <a:p>
+              <a:pPr algn="ctr"/>
+              <a:r>
+                <a:rPr lang="it-IT" sz="900" dirty="0">
+                  <a:latin typeface="CMU Bright Roman" panose="02000603000000000000" pitchFamily="2" charset="0"/>
+                  <a:ea typeface="CMU Bright Roman" panose="02000603000000000000" pitchFamily="2" charset="0"/>
+                  <a:cs typeface="CMU Bright Roman" panose="02000603000000000000" pitchFamily="2" charset="0"/>
+                </a:rPr>
+                <a:t>EUREKA</a:t>
+              </a:r>
+            </a:p>
+            <a:p>
+              <a:pPr algn="ctr"/>
+              <a:r>
+                <a:rPr lang="it-IT" sz="900" dirty="0">
+                  <a:latin typeface="CMU Bright Roman" panose="02000603000000000000" pitchFamily="2" charset="0"/>
+                  <a:ea typeface="CMU Bright Roman" panose="02000603000000000000" pitchFamily="2" charset="0"/>
+                  <a:cs typeface="CMU Bright Roman" panose="02000603000000000000" pitchFamily="2" charset="0"/>
+                </a:rPr>
+                <a:t>DISCOVERY</a:t>
+              </a:r>
+            </a:p>
+            <a:p>
+              <a:pPr algn="ctr"/>
+              <a:r>
+                <a:rPr lang="it-IT" sz="900" dirty="0">
+                  <a:latin typeface="CMU Bright Roman" panose="02000603000000000000" pitchFamily="2" charset="0"/>
+                  <a:ea typeface="CMU Bright Roman" panose="02000603000000000000" pitchFamily="2" charset="0"/>
+                  <a:cs typeface="CMU Bright Roman" panose="02000603000000000000" pitchFamily="2" charset="0"/>
+                </a:rPr>
+                <a:t>SERVICE</a:t>
+              </a:r>
+            </a:p>
+          </p:txBody>
+        </p:sp>
+      </p:grpSp>
+      <p:grpSp>
+        <p:nvGrpSpPr>
+          <p:cNvPr id="83" name="Gruppo 82">
+            <a:extLst>
+              <a:ext uri="{FF2B5EF4-FFF2-40B4-BE49-F238E27FC236}">
+                <a16:creationId xmlns:a16="http://schemas.microsoft.com/office/drawing/2014/main" id="{714C7B52-86E1-CDD3-D186-87380FACF86E}"/>
+              </a:ext>
+            </a:extLst>
+          </p:cNvPr>
+          <p:cNvGrpSpPr>
+            <a:grpSpLocks noChangeAspect="1"/>
+          </p:cNvGrpSpPr>
+          <p:nvPr/>
+        </p:nvGrpSpPr>
+        <p:grpSpPr>
+          <a:xfrm>
+            <a:off x="5510210" y="7917681"/>
+            <a:ext cx="1188000" cy="1006781"/>
+            <a:chOff x="2607932" y="2251169"/>
+            <a:chExt cx="1615044" cy="1372946"/>
+          </a:xfrm>
+        </p:grpSpPr>
+        <p:sp>
+          <p:nvSpPr>
+            <p:cNvPr id="84" name="Esagono orizzontale 83">
+              <a:extLst>
+                <a:ext uri="{FF2B5EF4-FFF2-40B4-BE49-F238E27FC236}">
+                  <a16:creationId xmlns:a16="http://schemas.microsoft.com/office/drawing/2014/main" id="{58FF09A4-CCD7-3E0E-B5E0-FDB278B3B0B1}"/>
+                </a:ext>
+              </a:extLst>
+            </p:cNvPr>
+            <p:cNvSpPr/>
+            <p:nvPr/>
+          </p:nvSpPr>
+          <p:spPr>
+            <a:xfrm rot="5400000">
+              <a:off x="2723723" y="2345855"/>
+              <a:ext cx="1372946" cy="1183574"/>
+            </a:xfrm>
+            <a:prstGeom prst="hexagon">
+              <a:avLst/>
+            </a:prstGeom>
+            <a:ln w="19050">
+              <a:solidFill>
+                <a:schemeClr val="tx1"/>
+              </a:solidFill>
+            </a:ln>
+          </p:spPr>
+          <p:style>
+            <a:lnRef idx="2">
+              <a:schemeClr val="accent6"/>
+            </a:lnRef>
+            <a:fillRef idx="1">
+              <a:schemeClr val="lt1"/>
+            </a:fillRef>
+            <a:effectRef idx="0">
+              <a:schemeClr val="accent6"/>
+            </a:effectRef>
+            <a:fontRef idx="minor">
+              <a:schemeClr val="dk1"/>
+            </a:fontRef>
+          </p:style>
+          <p:txBody>
+            <a:bodyPr rtlCol="0" anchor="ctr"/>
+            <a:lstStyle/>
+            <a:p>
+              <a:pPr algn="ctr"/>
+              <a:endParaRPr lang="it-IT" sz="1100" dirty="0">
+                <a:solidFill>
+                  <a:schemeClr val="tx1"/>
+                </a:solidFill>
+                <a:latin typeface="CMU Bright Roman" panose="02000603000000000000" pitchFamily="2" charset="0"/>
+                <a:ea typeface="CMU Bright Roman" panose="02000603000000000000" pitchFamily="2" charset="0"/>
+                <a:cs typeface="CMU Bright Roman" panose="02000603000000000000" pitchFamily="2" charset="0"/>
+              </a:endParaRPr>
+            </a:p>
+          </p:txBody>
+        </p:sp>
+        <p:sp>
+          <p:nvSpPr>
+            <p:cNvPr id="85" name="CasellaDiTesto 84">
+              <a:extLst>
+                <a:ext uri="{FF2B5EF4-FFF2-40B4-BE49-F238E27FC236}">
+                  <a16:creationId xmlns:a16="http://schemas.microsoft.com/office/drawing/2014/main" id="{3F124896-6354-CAA4-EC34-F9AC8C90FBF7}"/>
+                </a:ext>
+              </a:extLst>
+            </p:cNvPr>
+            <p:cNvSpPr txBox="1"/>
+            <p:nvPr/>
+          </p:nvSpPr>
+          <p:spPr>
+            <a:xfrm>
+              <a:off x="2607932" y="2725802"/>
+              <a:ext cx="1615044" cy="503658"/>
+            </a:xfrm>
+            <a:prstGeom prst="rect">
+              <a:avLst/>
+            </a:prstGeom>
+            <a:noFill/>
+            <a:ln w="19050">
+              <a:noFill/>
+            </a:ln>
+          </p:spPr>
+          <p:txBody>
+            <a:bodyPr wrap="square" rtlCol="0">
+              <a:spAutoFit/>
+            </a:bodyPr>
+            <a:lstStyle/>
+            <a:p>
+              <a:pPr algn="ctr"/>
+              <a:r>
+                <a:rPr lang="it-IT" sz="900" dirty="0">
+                  <a:latin typeface="CMU Bright Roman" panose="02000603000000000000" pitchFamily="2" charset="0"/>
+                  <a:ea typeface="CMU Bright Roman" panose="02000603000000000000" pitchFamily="2" charset="0"/>
+                  <a:cs typeface="CMU Bright Roman" panose="02000603000000000000" pitchFamily="2" charset="0"/>
+                </a:rPr>
+                <a:t>CONFIG</a:t>
+              </a:r>
+            </a:p>
+            <a:p>
+              <a:pPr algn="ctr"/>
+              <a:r>
+                <a:rPr lang="it-IT" sz="900" dirty="0">
+                  <a:latin typeface="CMU Bright Roman" panose="02000603000000000000" pitchFamily="2" charset="0"/>
+                  <a:ea typeface="CMU Bright Roman" panose="02000603000000000000" pitchFamily="2" charset="0"/>
+                  <a:cs typeface="CMU Bright Roman" panose="02000603000000000000" pitchFamily="2" charset="0"/>
+                </a:rPr>
+                <a:t>SERVER</a:t>
+              </a:r>
+            </a:p>
+          </p:txBody>
+        </p:sp>
+      </p:grpSp>
+      <p:cxnSp>
+        <p:nvCxnSpPr>
+          <p:cNvPr id="86" name="Connettore 1 85">
+            <a:extLst>
+              <a:ext uri="{FF2B5EF4-FFF2-40B4-BE49-F238E27FC236}">
+                <a16:creationId xmlns:a16="http://schemas.microsoft.com/office/drawing/2014/main" id="{BAB402D8-2204-FCD9-7029-5D0F3AF54A64}"/>
+              </a:ext>
+            </a:extLst>
+          </p:cNvPr>
+          <p:cNvCxnSpPr>
+            <a:cxnSpLocks/>
+            <a:stCxn id="89" idx="0"/>
+            <a:endCxn id="97" idx="1"/>
+          </p:cNvCxnSpPr>
+          <p:nvPr/>
+        </p:nvCxnSpPr>
+        <p:spPr>
+          <a:xfrm>
+            <a:off x="2022032" y="8737807"/>
+            <a:ext cx="487707" cy="1418"/>
+          </a:xfrm>
+          <a:prstGeom prst="line">
+            <a:avLst/>
+          </a:prstGeom>
+          <a:ln w="12700">
+            <a:solidFill>
+              <a:schemeClr val="tx1"/>
+            </a:solidFill>
+            <a:headEnd type="none" w="med" len="med"/>
+            <a:tailEnd type="none" w="med" len="med"/>
+          </a:ln>
+        </p:spPr>
+        <p:style>
+          <a:lnRef idx="1">
+            <a:schemeClr val="accent1"/>
+          </a:lnRef>
+          <a:fillRef idx="0">
+            <a:schemeClr val="accent1"/>
+          </a:fillRef>
+          <a:effectRef idx="0">
+            <a:schemeClr val="accent1"/>
+          </a:effectRef>
+          <a:fontRef idx="minor">
+            <a:schemeClr val="tx1"/>
+          </a:fontRef>
+        </p:style>
+      </p:cxnSp>
+      <p:cxnSp>
+        <p:nvCxnSpPr>
+          <p:cNvPr id="87" name="Connettore 1 86">
+            <a:extLst>
+              <a:ext uri="{FF2B5EF4-FFF2-40B4-BE49-F238E27FC236}">
+                <a16:creationId xmlns:a16="http://schemas.microsoft.com/office/drawing/2014/main" id="{68AA83BA-5D0B-B46E-E75E-19F91D5478D0}"/>
+              </a:ext>
+            </a:extLst>
+          </p:cNvPr>
+          <p:cNvCxnSpPr>
+            <a:cxnSpLocks/>
+            <a:stCxn id="89" idx="3"/>
+            <a:endCxn id="79" idx="1"/>
+          </p:cNvCxnSpPr>
+          <p:nvPr/>
+        </p:nvCxnSpPr>
+        <p:spPr>
+          <a:xfrm>
+            <a:off x="2022032" y="7731026"/>
+            <a:ext cx="487709" cy="913"/>
+          </a:xfrm>
+          <a:prstGeom prst="line">
+            <a:avLst/>
+          </a:prstGeom>
+          <a:ln w="12700">
+            <a:solidFill>
+              <a:schemeClr val="tx1"/>
+            </a:solidFill>
+            <a:headEnd type="none" w="med" len="med"/>
+            <a:tailEnd type="none" w="med" len="med"/>
+          </a:ln>
+        </p:spPr>
+        <p:style>
+          <a:lnRef idx="1">
+            <a:schemeClr val="accent1"/>
+          </a:lnRef>
+          <a:fillRef idx="0">
+            <a:schemeClr val="accent1"/>
+          </a:fillRef>
+          <a:effectRef idx="0">
+            <a:schemeClr val="accent1"/>
+          </a:effectRef>
+          <a:fontRef idx="minor">
+            <a:schemeClr val="tx1"/>
+          </a:fontRef>
+        </p:style>
+      </p:cxnSp>
+      <p:grpSp>
+        <p:nvGrpSpPr>
+          <p:cNvPr id="88" name="Gruppo 87">
+            <a:extLst>
+              <a:ext uri="{FF2B5EF4-FFF2-40B4-BE49-F238E27FC236}">
+                <a16:creationId xmlns:a16="http://schemas.microsoft.com/office/drawing/2014/main" id="{5A970ADD-B3F9-6D50-98BF-3E31AAF7559C}"/>
+              </a:ext>
+            </a:extLst>
+          </p:cNvPr>
+          <p:cNvGrpSpPr>
+            <a:grpSpLocks noChangeAspect="1"/>
+          </p:cNvGrpSpPr>
+          <p:nvPr/>
+        </p:nvGrpSpPr>
+        <p:grpSpPr>
+          <a:xfrm>
+            <a:off x="1424747" y="7731025"/>
+            <a:ext cx="1188000" cy="1006781"/>
+            <a:chOff x="2598209" y="2251169"/>
+            <a:chExt cx="1615044" cy="1372946"/>
+          </a:xfrm>
+        </p:grpSpPr>
+        <p:sp>
+          <p:nvSpPr>
+            <p:cNvPr id="89" name="Esagono orizzontale 88">
+              <a:extLst>
+                <a:ext uri="{FF2B5EF4-FFF2-40B4-BE49-F238E27FC236}">
+                  <a16:creationId xmlns:a16="http://schemas.microsoft.com/office/drawing/2014/main" id="{F03CC06E-8F3C-007B-03A2-7D759C62291F}"/>
+                </a:ext>
+              </a:extLst>
+            </p:cNvPr>
+            <p:cNvSpPr/>
+            <p:nvPr/>
+          </p:nvSpPr>
+          <p:spPr>
+            <a:xfrm rot="5400000">
+              <a:off x="2723723" y="2345855"/>
+              <a:ext cx="1372946" cy="1183574"/>
+            </a:xfrm>
+            <a:prstGeom prst="hexagon">
+              <a:avLst/>
+            </a:prstGeom>
+            <a:ln w="19050">
+              <a:solidFill>
+                <a:schemeClr val="tx1"/>
+              </a:solidFill>
+            </a:ln>
+          </p:spPr>
+          <p:style>
+            <a:lnRef idx="2">
+              <a:schemeClr val="accent6"/>
+            </a:lnRef>
+            <a:fillRef idx="1">
+              <a:schemeClr val="lt1"/>
+            </a:fillRef>
+            <a:effectRef idx="0">
+              <a:schemeClr val="accent6"/>
+            </a:effectRef>
+            <a:fontRef idx="minor">
+              <a:schemeClr val="dk1"/>
+            </a:fontRef>
+          </p:style>
+          <p:txBody>
+            <a:bodyPr rtlCol="0" anchor="ctr"/>
+            <a:lstStyle/>
+            <a:p>
+              <a:pPr algn="ctr"/>
+              <a:endParaRPr lang="it-IT" sz="1100" dirty="0">
+                <a:solidFill>
+                  <a:schemeClr val="tx1"/>
+                </a:solidFill>
+                <a:latin typeface="CMU Bright Roman" panose="02000603000000000000" pitchFamily="2" charset="0"/>
+                <a:ea typeface="CMU Bright Roman" panose="02000603000000000000" pitchFamily="2" charset="0"/>
+                <a:cs typeface="CMU Bright Roman" panose="02000603000000000000" pitchFamily="2" charset="0"/>
+              </a:endParaRPr>
+            </a:p>
+          </p:txBody>
+        </p:sp>
+        <p:sp>
+          <p:nvSpPr>
+            <p:cNvPr id="90" name="CasellaDiTesto 89">
+              <a:extLst>
+                <a:ext uri="{FF2B5EF4-FFF2-40B4-BE49-F238E27FC236}">
+                  <a16:creationId xmlns:a16="http://schemas.microsoft.com/office/drawing/2014/main" id="{39393201-7602-9DFF-D284-77E6A9EF13BD}"/>
+                </a:ext>
+              </a:extLst>
+            </p:cNvPr>
+            <p:cNvSpPr txBox="1"/>
+            <p:nvPr/>
+          </p:nvSpPr>
+          <p:spPr>
+            <a:xfrm>
+              <a:off x="2598209" y="2675406"/>
+              <a:ext cx="1615044" cy="503658"/>
+            </a:xfrm>
+            <a:prstGeom prst="rect">
+              <a:avLst/>
+            </a:prstGeom>
+            <a:noFill/>
+            <a:ln w="19050">
+              <a:noFill/>
+            </a:ln>
+          </p:spPr>
+          <p:txBody>
+            <a:bodyPr wrap="square" rtlCol="0">
+              <a:spAutoFit/>
+            </a:bodyPr>
+            <a:lstStyle/>
+            <a:p>
+              <a:pPr algn="ctr"/>
+              <a:r>
+                <a:rPr lang="it-IT" sz="900" dirty="0">
+                  <a:latin typeface="CMU Bright Roman" panose="02000603000000000000" pitchFamily="2" charset="0"/>
+                  <a:ea typeface="CMU Bright Roman" panose="02000603000000000000" pitchFamily="2" charset="0"/>
+                  <a:cs typeface="CMU Bright Roman" panose="02000603000000000000" pitchFamily="2" charset="0"/>
+                </a:rPr>
+                <a:t>API</a:t>
+              </a:r>
+            </a:p>
+            <a:p>
+              <a:pPr algn="ctr"/>
+              <a:r>
+                <a:rPr lang="it-IT" sz="900" dirty="0">
+                  <a:latin typeface="CMU Bright Roman" panose="02000603000000000000" pitchFamily="2" charset="0"/>
+                  <a:ea typeface="CMU Bright Roman" panose="02000603000000000000" pitchFamily="2" charset="0"/>
+                  <a:cs typeface="CMU Bright Roman" panose="02000603000000000000" pitchFamily="2" charset="0"/>
+                </a:rPr>
+                <a:t>GATEWAY</a:t>
+              </a:r>
+            </a:p>
+          </p:txBody>
+        </p:sp>
+      </p:grpSp>
+      <p:sp>
+        <p:nvSpPr>
+          <p:cNvPr id="91" name="Rettangolo con angoli arrotondati 90">
+            <a:extLst>
+              <a:ext uri="{FF2B5EF4-FFF2-40B4-BE49-F238E27FC236}">
+                <a16:creationId xmlns:a16="http://schemas.microsoft.com/office/drawing/2014/main" id="{C2318AA2-0B74-B262-AD7A-15971655279B}"/>
+              </a:ext>
+            </a:extLst>
+          </p:cNvPr>
+          <p:cNvSpPr/>
+          <p:nvPr/>
+        </p:nvSpPr>
+        <p:spPr>
+          <a:xfrm>
+            <a:off x="1188857" y="8042943"/>
+            <a:ext cx="486147" cy="367831"/>
+          </a:xfrm>
+          <a:prstGeom prst="roundRect">
+            <a:avLst/>
+          </a:prstGeom>
+          <a:ln>
+            <a:solidFill>
+              <a:schemeClr val="tx1"/>
+            </a:solidFill>
+          </a:ln>
+        </p:spPr>
+        <p:style>
+          <a:lnRef idx="2">
+            <a:schemeClr val="accent6"/>
+          </a:lnRef>
+          <a:fillRef idx="1">
+            <a:schemeClr val="lt1"/>
+          </a:fillRef>
+          <a:effectRef idx="0">
+            <a:schemeClr val="accent6"/>
+          </a:effectRef>
+          <a:fontRef idx="minor">
+            <a:schemeClr val="dk1"/>
+          </a:fontRef>
+        </p:style>
+        <p:txBody>
+          <a:bodyPr rtlCol="0" anchor="ctr"/>
+          <a:lstStyle/>
+          <a:p>
+            <a:pPr algn="ctr"/>
+            <a:r>
+              <a:rPr lang="it-IT" sz="800" dirty="0">
+                <a:solidFill>
+                  <a:schemeClr val="tx1"/>
+                </a:solidFill>
+                <a:latin typeface="CMU Bright Roman" panose="02000603000000000000" pitchFamily="2" charset="0"/>
+                <a:ea typeface="CMU Bright Roman" panose="02000603000000000000" pitchFamily="2" charset="0"/>
+                <a:cs typeface="CMU Bright Roman" panose="02000603000000000000" pitchFamily="2" charset="0"/>
+              </a:rPr>
+              <a:t>REST</a:t>
+            </a:r>
+          </a:p>
+          <a:p>
+            <a:pPr algn="ctr"/>
+            <a:r>
+              <a:rPr lang="it-IT" sz="800" dirty="0">
+                <a:solidFill>
+                  <a:schemeClr val="tx1"/>
+                </a:solidFill>
+                <a:latin typeface="CMU Bright Roman" panose="02000603000000000000" pitchFamily="2" charset="0"/>
+                <a:ea typeface="CMU Bright Roman" panose="02000603000000000000" pitchFamily="2" charset="0"/>
+                <a:cs typeface="CMU Bright Roman" panose="02000603000000000000" pitchFamily="2" charset="0"/>
+              </a:rPr>
+              <a:t>API</a:t>
+            </a:r>
+          </a:p>
+        </p:txBody>
+      </p:sp>
+      <p:cxnSp>
+        <p:nvCxnSpPr>
+          <p:cNvPr id="92" name="Connettore 1 91">
+            <a:extLst>
+              <a:ext uri="{FF2B5EF4-FFF2-40B4-BE49-F238E27FC236}">
+                <a16:creationId xmlns:a16="http://schemas.microsoft.com/office/drawing/2014/main" id="{F612C410-2964-5990-3872-BA8581661F94}"/>
+              </a:ext>
+            </a:extLst>
+          </p:cNvPr>
+          <p:cNvCxnSpPr>
+            <a:cxnSpLocks/>
+            <a:stCxn id="98" idx="2"/>
+            <a:endCxn id="3" idx="4"/>
+          </p:cNvCxnSpPr>
+          <p:nvPr/>
+        </p:nvCxnSpPr>
+        <p:spPr>
+          <a:xfrm flipH="1">
+            <a:off x="3947103" y="7909928"/>
+            <a:ext cx="813604" cy="1070796"/>
+          </a:xfrm>
+          <a:prstGeom prst="line">
+            <a:avLst/>
+          </a:prstGeom>
+          <a:ln w="12700">
+            <a:solidFill>
+              <a:schemeClr val="tx1"/>
+            </a:solidFill>
+            <a:prstDash val="solid"/>
+            <a:headEnd type="none" w="med" len="med"/>
+            <a:tailEnd type="none" w="med" len="med"/>
+          </a:ln>
+        </p:spPr>
+        <p:style>
+          <a:lnRef idx="1">
+            <a:schemeClr val="accent1"/>
+          </a:lnRef>
+          <a:fillRef idx="0">
+            <a:schemeClr val="accent1"/>
+          </a:fillRef>
+          <a:effectRef idx="0">
+            <a:schemeClr val="accent1"/>
+          </a:effectRef>
+          <a:fontRef idx="minor">
+            <a:schemeClr val="tx1"/>
+          </a:fontRef>
+        </p:style>
+      </p:cxnSp>
+      <p:cxnSp>
+        <p:nvCxnSpPr>
+          <p:cNvPr id="93" name="Connettore 1 92">
+            <a:extLst>
+              <a:ext uri="{FF2B5EF4-FFF2-40B4-BE49-F238E27FC236}">
+                <a16:creationId xmlns:a16="http://schemas.microsoft.com/office/drawing/2014/main" id="{B61AFFC2-1782-B74C-3E9E-FAC6381F2E2E}"/>
+              </a:ext>
+            </a:extLst>
+          </p:cNvPr>
+          <p:cNvCxnSpPr>
+            <a:cxnSpLocks/>
+            <a:stCxn id="99" idx="1"/>
+            <a:endCxn id="3" idx="4"/>
+          </p:cNvCxnSpPr>
+          <p:nvPr/>
+        </p:nvCxnSpPr>
+        <p:spPr>
+          <a:xfrm flipH="1">
+            <a:off x="3947103" y="8737098"/>
+            <a:ext cx="363401" cy="243626"/>
+          </a:xfrm>
+          <a:prstGeom prst="line">
+            <a:avLst/>
+          </a:prstGeom>
+          <a:ln w="12700">
+            <a:solidFill>
+              <a:schemeClr val="tx1"/>
+            </a:solidFill>
+            <a:prstDash val="solid"/>
+            <a:headEnd type="none" w="med" len="med"/>
+            <a:tailEnd type="none" w="med" len="med"/>
+          </a:ln>
+        </p:spPr>
+        <p:style>
+          <a:lnRef idx="1">
+            <a:schemeClr val="accent1"/>
+          </a:lnRef>
+          <a:fillRef idx="0">
+            <a:schemeClr val="accent1"/>
+          </a:fillRef>
+          <a:effectRef idx="0">
+            <a:schemeClr val="accent1"/>
+          </a:effectRef>
+          <a:fontRef idx="minor">
+            <a:schemeClr val="tx1"/>
+          </a:fontRef>
+        </p:style>
+      </p:cxnSp>
+      <p:pic>
+        <p:nvPicPr>
+          <p:cNvPr id="95" name="Picture 2">
+            <a:extLst>
+              <a:ext uri="{FF2B5EF4-FFF2-40B4-BE49-F238E27FC236}">
+                <a16:creationId xmlns:a16="http://schemas.microsoft.com/office/drawing/2014/main" id="{6868AEF9-590D-4FE5-996B-8DC29DF1D6CA}"/>
+              </a:ext>
+            </a:extLst>
+          </p:cNvPr>
+          <p:cNvPicPr>
+            <a:picLocks noChangeAspect="1" noChangeArrowheads="1"/>
+          </p:cNvPicPr>
+          <p:nvPr/>
+        </p:nvPicPr>
+        <p:blipFill>
+          <a:blip r:embed="rId3">
+            <a:alphaModFix/>
+            <a:biLevel thresh="75000"/>
+            <a:extLst>
+              <a:ext uri="{BEBA8EAE-BF5A-486C-A8C5-ECC9F3942E4B}">
+                <a14:imgProps xmlns:a14="http://schemas.microsoft.com/office/drawing/2010/main">
+                  <a14:imgLayer r:embed="rId4">
+                    <a14:imgEffect>
+                      <a14:sharpenSoften amount="100000"/>
+                    </a14:imgEffect>
+                    <a14:imgEffect>
+                      <a14:colorTemperature colorTemp="11500"/>
+                    </a14:imgEffect>
+                    <a14:imgEffect>
+                      <a14:saturation sat="400000"/>
+                    </a14:imgEffect>
+                    <a14:imgEffect>
+                      <a14:brightnessContrast bright="-53000" contrast="-23000"/>
+                    </a14:imgEffect>
+                  </a14:imgLayer>
+                </a14:imgProps>
+              </a:ext>
+              <a:ext uri="{28A0092B-C50C-407E-A947-70E740481C1C}">
+                <a14:useLocalDpi xmlns:a14="http://schemas.microsoft.com/office/drawing/2010/main" val="0"/>
+              </a:ext>
+            </a:extLst>
+          </a:blip>
+          <a:srcRect/>
+          <a:stretch>
+            <a:fillRect/>
+          </a:stretch>
+        </p:blipFill>
+        <p:spPr bwMode="auto">
+          <a:xfrm>
+            <a:off x="5887942" y="9119509"/>
+            <a:ext cx="424801" cy="424801"/>
+          </a:xfrm>
+          <a:prstGeom prst="rect">
+            <a:avLst/>
+          </a:prstGeom>
+          <a:solidFill>
+            <a:schemeClr val="bg1"/>
+          </a:solidFill>
+          <a:ln>
+            <a:noFill/>
+          </a:ln>
+        </p:spPr>
+      </p:pic>
+      <p:pic>
+        <p:nvPicPr>
+          <p:cNvPr id="96" name="Elemento grafico 95" descr="Database con riempimento a tinta unita">
+            <a:extLst>
+              <a:ext uri="{FF2B5EF4-FFF2-40B4-BE49-F238E27FC236}">
+                <a16:creationId xmlns:a16="http://schemas.microsoft.com/office/drawing/2014/main" id="{7CD55021-9E9C-663F-B2EC-78ADCA7A9B1D}"/>
+              </a:ext>
+            </a:extLst>
+          </p:cNvPr>
+          <p:cNvPicPr>
+            <a:picLocks noChangeAspect="1"/>
+          </p:cNvPicPr>
+          <p:nvPr/>
+        </p:nvPicPr>
+        <p:blipFill>
+          <a:blip r:embed="rId5">
+            <a:extLst>
+              <a:ext uri="{96DAC541-7B7A-43D3-8B79-37D633B846F1}">
+                <asvg:svgBlip xmlns:asvg="http://schemas.microsoft.com/office/drawing/2016/SVG/main" r:embed="rId6"/>
+              </a:ext>
+            </a:extLst>
+          </a:blip>
+          <a:stretch>
+            <a:fillRect/>
+          </a:stretch>
+        </p:blipFill>
+        <p:spPr>
+          <a:xfrm>
+            <a:off x="3729751" y="9443389"/>
+            <a:ext cx="425030" cy="425030"/>
+          </a:xfrm>
+          <a:prstGeom prst="rect">
+            <a:avLst/>
+          </a:prstGeom>
+        </p:spPr>
+      </p:pic>
+      <p:sp>
+        <p:nvSpPr>
+          <p:cNvPr id="97" name="Rettangolo con angoli arrotondati 96">
+            <a:extLst>
+              <a:ext uri="{FF2B5EF4-FFF2-40B4-BE49-F238E27FC236}">
+                <a16:creationId xmlns:a16="http://schemas.microsoft.com/office/drawing/2014/main" id="{28CA1B3E-6BA3-C676-176A-167409E74683}"/>
+              </a:ext>
+            </a:extLst>
+          </p:cNvPr>
+          <p:cNvSpPr/>
+          <p:nvPr/>
+        </p:nvSpPr>
+        <p:spPr>
+          <a:xfrm>
+            <a:off x="2509739" y="8559225"/>
+            <a:ext cx="903491" cy="360000"/>
+          </a:xfrm>
+          <a:prstGeom prst="roundRect">
+            <a:avLst/>
+          </a:prstGeom>
+          <a:ln>
+            <a:solidFill>
+              <a:schemeClr val="tx1"/>
+            </a:solidFill>
+          </a:ln>
+        </p:spPr>
+        <p:style>
+          <a:lnRef idx="2">
+            <a:schemeClr val="accent6"/>
+          </a:lnRef>
+          <a:fillRef idx="1">
+            <a:schemeClr val="lt1"/>
+          </a:fillRef>
+          <a:effectRef idx="0">
+            <a:schemeClr val="accent6"/>
+          </a:effectRef>
+          <a:fontRef idx="minor">
+            <a:schemeClr val="dk1"/>
+          </a:fontRef>
+        </p:style>
+        <p:txBody>
+          <a:bodyPr rtlCol="0" anchor="ctr"/>
+          <a:lstStyle/>
+          <a:p>
+            <a:pPr algn="ctr"/>
+            <a:r>
+              <a:rPr lang="it-IT" sz="800" dirty="0">
+                <a:solidFill>
+                  <a:schemeClr val="tx1"/>
+                </a:solidFill>
+                <a:latin typeface="CMU Bright Roman" panose="02000603000000000000" pitchFamily="2" charset="0"/>
+                <a:ea typeface="CMU Bright Roman" panose="02000603000000000000" pitchFamily="2" charset="0"/>
+                <a:cs typeface="CMU Bright Roman" panose="02000603000000000000" pitchFamily="2" charset="0"/>
+              </a:rPr>
+              <a:t>ORDERING</a:t>
+            </a:r>
+          </a:p>
+          <a:p>
+            <a:pPr algn="ctr"/>
+            <a:r>
+              <a:rPr lang="it-IT" sz="800" dirty="0">
+                <a:solidFill>
+                  <a:schemeClr val="tx1"/>
+                </a:solidFill>
+                <a:latin typeface="CMU Bright Roman" panose="02000603000000000000" pitchFamily="2" charset="0"/>
+                <a:ea typeface="CMU Bright Roman" panose="02000603000000000000" pitchFamily="2" charset="0"/>
+                <a:cs typeface="CMU Bright Roman" panose="02000603000000000000" pitchFamily="2" charset="0"/>
+              </a:rPr>
+              <a:t>REST API</a:t>
+            </a:r>
+          </a:p>
+        </p:txBody>
+      </p:sp>
+      <p:sp>
+        <p:nvSpPr>
+          <p:cNvPr id="98" name="Rettangolo con angoli arrotondati 97">
+            <a:extLst>
+              <a:ext uri="{FF2B5EF4-FFF2-40B4-BE49-F238E27FC236}">
+                <a16:creationId xmlns:a16="http://schemas.microsoft.com/office/drawing/2014/main" id="{53005D40-3475-AB34-01BB-0B5B63BBD8E9}"/>
+              </a:ext>
+            </a:extLst>
+          </p:cNvPr>
+          <p:cNvSpPr/>
+          <p:nvPr/>
+        </p:nvSpPr>
+        <p:spPr>
+          <a:xfrm>
+            <a:off x="4309052" y="7549928"/>
+            <a:ext cx="903310" cy="360000"/>
+          </a:xfrm>
+          <a:prstGeom prst="roundRect">
+            <a:avLst/>
+          </a:prstGeom>
+          <a:ln>
+            <a:solidFill>
+              <a:schemeClr val="tx1"/>
+            </a:solidFill>
+          </a:ln>
+        </p:spPr>
+        <p:style>
+          <a:lnRef idx="2">
+            <a:schemeClr val="accent6"/>
+          </a:lnRef>
+          <a:fillRef idx="1">
+            <a:schemeClr val="lt1"/>
+          </a:fillRef>
+          <a:effectRef idx="0">
+            <a:schemeClr val="accent6"/>
+          </a:effectRef>
+          <a:fontRef idx="minor">
+            <a:schemeClr val="dk1"/>
+          </a:fontRef>
+        </p:style>
+        <p:txBody>
+          <a:bodyPr rtlCol="0" anchor="ctr"/>
+          <a:lstStyle/>
+          <a:p>
+            <a:pPr algn="ctr"/>
+            <a:r>
+              <a:rPr lang="it-IT" sz="800" dirty="0">
+                <a:solidFill>
+                  <a:schemeClr val="tx1"/>
+                </a:solidFill>
+                <a:latin typeface="CMU Bright Roman" panose="02000603000000000000" pitchFamily="2" charset="0"/>
+                <a:ea typeface="CMU Bright Roman" panose="02000603000000000000" pitchFamily="2" charset="0"/>
+                <a:cs typeface="CMU Bright Roman" panose="02000603000000000000" pitchFamily="2" charset="0"/>
+              </a:rPr>
+              <a:t>PAYMENT</a:t>
+            </a:r>
+          </a:p>
+          <a:p>
+            <a:pPr algn="ctr"/>
+            <a:r>
+              <a:rPr lang="it-IT" sz="800" dirty="0">
+                <a:solidFill>
+                  <a:schemeClr val="tx1"/>
+                </a:solidFill>
+                <a:latin typeface="CMU Bright Roman" panose="02000603000000000000" pitchFamily="2" charset="0"/>
+                <a:ea typeface="CMU Bright Roman" panose="02000603000000000000" pitchFamily="2" charset="0"/>
+                <a:cs typeface="CMU Bright Roman" panose="02000603000000000000" pitchFamily="2" charset="0"/>
+              </a:rPr>
+              <a:t>REST API</a:t>
+            </a:r>
+          </a:p>
+        </p:txBody>
+      </p:sp>
+      <p:sp>
+        <p:nvSpPr>
+          <p:cNvPr id="99" name="Rettangolo con angoli arrotondati 98">
+            <a:extLst>
+              <a:ext uri="{FF2B5EF4-FFF2-40B4-BE49-F238E27FC236}">
+                <a16:creationId xmlns:a16="http://schemas.microsoft.com/office/drawing/2014/main" id="{17E69BD0-2902-AB48-377A-BCF4B2A814D6}"/>
+              </a:ext>
+            </a:extLst>
+          </p:cNvPr>
+          <p:cNvSpPr/>
+          <p:nvPr/>
+        </p:nvSpPr>
+        <p:spPr>
+          <a:xfrm>
+            <a:off x="4310504" y="8557098"/>
+            <a:ext cx="878291" cy="360000"/>
+          </a:xfrm>
+          <a:prstGeom prst="roundRect">
+            <a:avLst/>
+          </a:prstGeom>
+          <a:ln>
+            <a:solidFill>
+              <a:schemeClr val="tx1"/>
+            </a:solidFill>
+          </a:ln>
+        </p:spPr>
+        <p:style>
+          <a:lnRef idx="2">
+            <a:schemeClr val="accent6"/>
+          </a:lnRef>
+          <a:fillRef idx="1">
+            <a:schemeClr val="lt1"/>
+          </a:fillRef>
+          <a:effectRef idx="0">
+            <a:schemeClr val="accent6"/>
+          </a:effectRef>
+          <a:fontRef idx="minor">
+            <a:schemeClr val="dk1"/>
+          </a:fontRef>
+        </p:style>
+        <p:txBody>
+          <a:bodyPr rtlCol="0" anchor="ctr"/>
+          <a:lstStyle/>
+          <a:p>
+            <a:pPr algn="ctr"/>
+            <a:r>
+              <a:rPr lang="it-IT" sz="800" dirty="0">
+                <a:solidFill>
+                  <a:schemeClr val="tx1"/>
+                </a:solidFill>
+                <a:latin typeface="CMU Bright Roman" panose="02000603000000000000" pitchFamily="2" charset="0"/>
+                <a:ea typeface="CMU Bright Roman" panose="02000603000000000000" pitchFamily="2" charset="0"/>
+                <a:cs typeface="CMU Bright Roman" panose="02000603000000000000" pitchFamily="2" charset="0"/>
+              </a:rPr>
+              <a:t>DELIVERY</a:t>
+            </a:r>
+          </a:p>
+          <a:p>
+            <a:pPr algn="ctr"/>
+            <a:r>
+              <a:rPr lang="it-IT" sz="800" dirty="0">
+                <a:solidFill>
+                  <a:schemeClr val="tx1"/>
+                </a:solidFill>
+                <a:latin typeface="CMU Bright Roman" panose="02000603000000000000" pitchFamily="2" charset="0"/>
+                <a:ea typeface="CMU Bright Roman" panose="02000603000000000000" pitchFamily="2" charset="0"/>
+                <a:cs typeface="CMU Bright Roman" panose="02000603000000000000" pitchFamily="2" charset="0"/>
+              </a:rPr>
+              <a:t>REST API</a:t>
+            </a:r>
+          </a:p>
+        </p:txBody>
+      </p:sp>
+      <p:pic>
+        <p:nvPicPr>
+          <p:cNvPr id="100" name="Elemento grafico 99" descr="Database con riempimento a tinta unita">
+            <a:extLst>
+              <a:ext uri="{FF2B5EF4-FFF2-40B4-BE49-F238E27FC236}">
+                <a16:creationId xmlns:a16="http://schemas.microsoft.com/office/drawing/2014/main" id="{6581D319-D312-6669-24C7-77AA236C7529}"/>
+              </a:ext>
+            </a:extLst>
+          </p:cNvPr>
+          <p:cNvPicPr>
+            <a:picLocks noChangeAspect="1"/>
+          </p:cNvPicPr>
+          <p:nvPr/>
+        </p:nvPicPr>
+        <p:blipFill>
+          <a:blip r:embed="rId5">
+            <a:extLst>
+              <a:ext uri="{96DAC541-7B7A-43D3-8B79-37D633B846F1}">
+                <asvg:svgBlip xmlns:asvg="http://schemas.microsoft.com/office/drawing/2016/SVG/main" r:embed="rId6"/>
+              </a:ext>
+            </a:extLst>
+          </a:blip>
+          <a:stretch>
+            <a:fillRect/>
+          </a:stretch>
+        </p:blipFill>
+        <p:spPr>
+          <a:xfrm>
+            <a:off x="3729751" y="7343414"/>
+            <a:ext cx="425030" cy="425030"/>
+          </a:xfrm>
+          <a:prstGeom prst="rect">
+            <a:avLst/>
+          </a:prstGeom>
+        </p:spPr>
+      </p:pic>
+      <p:sp>
+        <p:nvSpPr>
+          <p:cNvPr id="136" name="Rettangolo 135">
+            <a:extLst>
+              <a:ext uri="{FF2B5EF4-FFF2-40B4-BE49-F238E27FC236}">
+                <a16:creationId xmlns:a16="http://schemas.microsoft.com/office/drawing/2014/main" id="{50D77299-F60C-9C2F-96FA-314B5630409A}"/>
+              </a:ext>
+            </a:extLst>
+          </p:cNvPr>
+          <p:cNvSpPr/>
+          <p:nvPr/>
+        </p:nvSpPr>
+        <p:spPr>
+          <a:xfrm>
+            <a:off x="1086031" y="6431029"/>
+            <a:ext cx="5649716" cy="3785025"/>
+          </a:xfrm>
+          <a:prstGeom prst="rect">
+            <a:avLst/>
+          </a:prstGeom>
+          <a:noFill/>
+          <a:ln>
+            <a:solidFill>
+              <a:schemeClr val="tx1"/>
+            </a:solidFill>
+          </a:ln>
+        </p:spPr>
+        <p:style>
+          <a:lnRef idx="2">
+            <a:schemeClr val="accent1">
+              <a:shade val="50000"/>
+            </a:schemeClr>
+          </a:lnRef>
+          <a:fillRef idx="1">
+            <a:schemeClr val="accent1"/>
+          </a:fillRef>
+          <a:effectRef idx="0">
+            <a:schemeClr val="accent1"/>
+          </a:effectRef>
+          <a:fontRef idx="minor">
+            <a:schemeClr val="lt1"/>
+          </a:fontRef>
+        </p:style>
+        <p:txBody>
+          <a:bodyPr rtlCol="0" anchor="ctr"/>
+          <a:lstStyle/>
+          <a:p>
+            <a:pPr algn="ctr"/>
+            <a:endParaRPr lang="en-GB"/>
+          </a:p>
+        </p:txBody>
+      </p:sp>
+      <p:sp>
+        <p:nvSpPr>
+          <p:cNvPr id="137" name="CasellaDiTesto 136">
+            <a:extLst>
+              <a:ext uri="{FF2B5EF4-FFF2-40B4-BE49-F238E27FC236}">
+                <a16:creationId xmlns:a16="http://schemas.microsoft.com/office/drawing/2014/main" id="{5D7A5B91-60ED-CAF0-6446-1FFDE1C43F85}"/>
+              </a:ext>
+            </a:extLst>
+          </p:cNvPr>
+          <p:cNvSpPr txBox="1"/>
+          <p:nvPr/>
+        </p:nvSpPr>
+        <p:spPr>
+          <a:xfrm>
+            <a:off x="3058066" y="9969833"/>
+            <a:ext cx="1630575" cy="246221"/>
+          </a:xfrm>
+          <a:prstGeom prst="rect">
+            <a:avLst/>
+          </a:prstGeom>
+          <a:noFill/>
+        </p:spPr>
+        <p:txBody>
+          <a:bodyPr wrap="none" rtlCol="0">
+            <a:spAutoFit/>
+          </a:bodyPr>
+          <a:lstStyle/>
+          <a:p>
+            <a:r>
+              <a:rPr lang="en-GB" sz="1000" dirty="0">
+                <a:latin typeface="CMU Serif Roman" panose="02000603000000000000" pitchFamily="2" charset="0"/>
+                <a:ea typeface="CMU Serif Roman" panose="02000603000000000000" pitchFamily="2" charset="0"/>
+                <a:cs typeface="CMU Serif Roman" panose="02000603000000000000" pitchFamily="2" charset="0"/>
+              </a:rPr>
+              <a:t>Managed System (SOFA)</a:t>
+            </a:r>
+          </a:p>
+        </p:txBody>
+      </p:sp>
+      <p:cxnSp>
+        <p:nvCxnSpPr>
+          <p:cNvPr id="6" name="Connettore 1 5">
+            <a:extLst>
+              <a:ext uri="{FF2B5EF4-FFF2-40B4-BE49-F238E27FC236}">
+                <a16:creationId xmlns:a16="http://schemas.microsoft.com/office/drawing/2014/main" id="{F0DC6910-CCCC-A29A-9C88-7C45C0B71B72}"/>
+              </a:ext>
+            </a:extLst>
+          </p:cNvPr>
+          <p:cNvCxnSpPr>
+            <a:cxnSpLocks/>
+            <a:stCxn id="34" idx="3"/>
+          </p:cNvCxnSpPr>
+          <p:nvPr/>
+        </p:nvCxnSpPr>
+        <p:spPr>
+          <a:xfrm flipV="1">
+            <a:off x="1704060" y="3857437"/>
+            <a:ext cx="0" cy="323193"/>
+          </a:xfrm>
+          <a:prstGeom prst="line">
+            <a:avLst/>
+          </a:prstGeom>
+          <a:ln w="9525">
+            <a:solidFill>
+              <a:schemeClr val="tx1"/>
+            </a:solidFill>
+            <a:headEnd type="triangle" w="sm" len="med"/>
+          </a:ln>
+        </p:spPr>
+        <p:style>
+          <a:lnRef idx="1">
+            <a:schemeClr val="accent1"/>
+          </a:lnRef>
+          <a:fillRef idx="0">
+            <a:schemeClr val="accent1"/>
+          </a:fillRef>
+          <a:effectRef idx="0">
+            <a:schemeClr val="accent1"/>
+          </a:effectRef>
+          <a:fontRef idx="minor">
+            <a:schemeClr val="tx1"/>
+          </a:fontRef>
+        </p:style>
+      </p:cxnSp>
+      <p:cxnSp>
+        <p:nvCxnSpPr>
+          <p:cNvPr id="10" name="Connettore 1 9">
+            <a:extLst>
+              <a:ext uri="{FF2B5EF4-FFF2-40B4-BE49-F238E27FC236}">
+                <a16:creationId xmlns:a16="http://schemas.microsoft.com/office/drawing/2014/main" id="{1360141A-DBA9-53B5-86EB-437AB4AB24B7}"/>
+              </a:ext>
+            </a:extLst>
+          </p:cNvPr>
+          <p:cNvCxnSpPr>
+            <a:cxnSpLocks/>
+            <a:stCxn id="31" idx="3"/>
+          </p:cNvCxnSpPr>
+          <p:nvPr/>
+        </p:nvCxnSpPr>
+        <p:spPr>
+          <a:xfrm flipV="1">
+            <a:off x="3098263" y="3860921"/>
+            <a:ext cx="0" cy="319709"/>
+          </a:xfrm>
+          <a:prstGeom prst="line">
+            <a:avLst/>
+          </a:prstGeom>
+          <a:ln w="9525">
+            <a:solidFill>
+              <a:schemeClr val="tx1"/>
+            </a:solidFill>
+            <a:headEnd type="triangle" w="sm" len="med"/>
+          </a:ln>
+        </p:spPr>
+        <p:style>
+          <a:lnRef idx="1">
+            <a:schemeClr val="accent1"/>
+          </a:lnRef>
+          <a:fillRef idx="0">
+            <a:schemeClr val="accent1"/>
+          </a:fillRef>
+          <a:effectRef idx="0">
+            <a:schemeClr val="accent1"/>
+          </a:effectRef>
+          <a:fontRef idx="minor">
+            <a:schemeClr val="tx1"/>
+          </a:fontRef>
+        </p:style>
+      </p:cxnSp>
+      <p:cxnSp>
+        <p:nvCxnSpPr>
+          <p:cNvPr id="13" name="Connettore 1 12">
+            <a:extLst>
+              <a:ext uri="{FF2B5EF4-FFF2-40B4-BE49-F238E27FC236}">
+                <a16:creationId xmlns:a16="http://schemas.microsoft.com/office/drawing/2014/main" id="{33F4B834-7CC8-D8C0-3E5A-E5A638B04FD0}"/>
+              </a:ext>
+            </a:extLst>
+          </p:cNvPr>
+          <p:cNvCxnSpPr>
+            <a:cxnSpLocks/>
+          </p:cNvCxnSpPr>
+          <p:nvPr/>
+        </p:nvCxnSpPr>
+        <p:spPr>
+          <a:xfrm flipV="1">
+            <a:off x="4498196" y="3857437"/>
+            <a:ext cx="0" cy="336074"/>
+          </a:xfrm>
+          <a:prstGeom prst="line">
+            <a:avLst/>
+          </a:prstGeom>
+          <a:ln w="9525">
+            <a:solidFill>
+              <a:schemeClr val="tx1"/>
+            </a:solidFill>
+            <a:headEnd type="triangle" w="sm" len="med"/>
+          </a:ln>
+        </p:spPr>
+        <p:style>
+          <a:lnRef idx="1">
+            <a:schemeClr val="accent1"/>
+          </a:lnRef>
+          <a:fillRef idx="0">
+            <a:schemeClr val="accent1"/>
+          </a:fillRef>
+          <a:effectRef idx="0">
+            <a:schemeClr val="accent1"/>
+          </a:effectRef>
+          <a:fontRef idx="minor">
+            <a:schemeClr val="tx1"/>
+          </a:fontRef>
+        </p:style>
+      </p:cxnSp>
+      <p:cxnSp>
+        <p:nvCxnSpPr>
+          <p:cNvPr id="21" name="Connettore 1 20">
+            <a:extLst>
+              <a:ext uri="{FF2B5EF4-FFF2-40B4-BE49-F238E27FC236}">
+                <a16:creationId xmlns:a16="http://schemas.microsoft.com/office/drawing/2014/main" id="{9F5E4C81-B356-5695-1170-C491F71A640A}"/>
+              </a:ext>
+            </a:extLst>
+          </p:cNvPr>
+          <p:cNvCxnSpPr>
+            <a:cxnSpLocks/>
+            <a:stCxn id="40" idx="3"/>
+          </p:cNvCxnSpPr>
+          <p:nvPr/>
+        </p:nvCxnSpPr>
+        <p:spPr>
+          <a:xfrm flipV="1">
+            <a:off x="5875879" y="3860921"/>
+            <a:ext cx="0" cy="319709"/>
+          </a:xfrm>
+          <a:prstGeom prst="line">
+            <a:avLst/>
+          </a:prstGeom>
+          <a:ln w="9525">
+            <a:solidFill>
+              <a:schemeClr val="tx1"/>
+            </a:solidFill>
+            <a:headEnd type="triangle" w="sm" len="med"/>
+          </a:ln>
+        </p:spPr>
+        <p:style>
+          <a:lnRef idx="1">
+            <a:schemeClr val="accent1"/>
+          </a:lnRef>
+          <a:fillRef idx="0">
+            <a:schemeClr val="accent1"/>
+          </a:fillRef>
+          <a:effectRef idx="0">
+            <a:schemeClr val="accent1"/>
+          </a:effectRef>
+          <a:fontRef idx="minor">
+            <a:schemeClr val="tx1"/>
+          </a:fontRef>
+        </p:style>
+      </p:cxnSp>
+      <p:cxnSp>
+        <p:nvCxnSpPr>
+          <p:cNvPr id="56" name="Connettore 1 55">
+            <a:extLst>
+              <a:ext uri="{FF2B5EF4-FFF2-40B4-BE49-F238E27FC236}">
+                <a16:creationId xmlns:a16="http://schemas.microsoft.com/office/drawing/2014/main" id="{38AF6843-BC15-D2CE-3456-E05BBF15B0BD}"/>
+              </a:ext>
+            </a:extLst>
+          </p:cNvPr>
+          <p:cNvCxnSpPr>
+            <a:cxnSpLocks/>
+          </p:cNvCxnSpPr>
+          <p:nvPr/>
+        </p:nvCxnSpPr>
+        <p:spPr>
+          <a:xfrm>
+            <a:off x="1700944" y="3857437"/>
+            <a:ext cx="4174935" cy="0"/>
+          </a:xfrm>
+          <a:prstGeom prst="line">
+            <a:avLst/>
+          </a:prstGeom>
+          <a:ln w="9525">
+            <a:solidFill>
+              <a:schemeClr val="tx1"/>
+            </a:solidFill>
+            <a:prstDash val="solid"/>
+          </a:ln>
+        </p:spPr>
+        <p:style>
+          <a:lnRef idx="1">
+            <a:schemeClr val="accent1"/>
+          </a:lnRef>
+          <a:fillRef idx="0">
+            <a:schemeClr val="accent1"/>
+          </a:fillRef>
+          <a:effectRef idx="0">
+            <a:schemeClr val="accent1"/>
+          </a:effectRef>
+          <a:fontRef idx="minor">
+            <a:schemeClr val="tx1"/>
+          </a:fontRef>
+        </p:style>
+      </p:cxnSp>
+      <p:cxnSp>
+        <p:nvCxnSpPr>
+          <p:cNvPr id="61" name="Connettore 1 60">
+            <a:extLst>
+              <a:ext uri="{FF2B5EF4-FFF2-40B4-BE49-F238E27FC236}">
+                <a16:creationId xmlns:a16="http://schemas.microsoft.com/office/drawing/2014/main" id="{C6268E43-6DC2-5BE9-55D5-F11D89C876A3}"/>
+              </a:ext>
+            </a:extLst>
+          </p:cNvPr>
+          <p:cNvCxnSpPr>
+            <a:cxnSpLocks/>
+            <a:stCxn id="48" idx="0"/>
+          </p:cNvCxnSpPr>
+          <p:nvPr/>
+        </p:nvCxnSpPr>
+        <p:spPr>
+          <a:xfrm>
+            <a:off x="3813028" y="3563544"/>
+            <a:ext cx="0" cy="293893"/>
+          </a:xfrm>
+          <a:prstGeom prst="line">
+            <a:avLst/>
+          </a:prstGeom>
+          <a:ln w="9525">
+            <a:solidFill>
+              <a:schemeClr val="tx1"/>
+            </a:solidFill>
+            <a:headEnd type="triangle" w="sm" len="med"/>
+          </a:ln>
+        </p:spPr>
+        <p:style>
+          <a:lnRef idx="1">
+            <a:schemeClr val="accent1"/>
+          </a:lnRef>
+          <a:fillRef idx="0">
+            <a:schemeClr val="accent1"/>
+          </a:fillRef>
+          <a:effectRef idx="0">
+            <a:schemeClr val="accent1"/>
+          </a:effectRef>
+          <a:fontRef idx="minor">
+            <a:schemeClr val="tx1"/>
+          </a:fontRef>
+        </p:style>
+      </p:cxnSp>
+      <p:sp>
+        <p:nvSpPr>
+          <p:cNvPr id="65" name="CasellaDiTesto 64">
+            <a:extLst>
+              <a:ext uri="{FF2B5EF4-FFF2-40B4-BE49-F238E27FC236}">
+                <a16:creationId xmlns:a16="http://schemas.microsoft.com/office/drawing/2014/main" id="{F8E97F70-6503-2D74-30C6-D4E1EC3A67DF}"/>
+              </a:ext>
+            </a:extLst>
+          </p:cNvPr>
+          <p:cNvSpPr txBox="1"/>
+          <p:nvPr/>
+        </p:nvSpPr>
+        <p:spPr>
+          <a:xfrm>
+            <a:off x="2959366" y="5389507"/>
+            <a:ext cx="1858201" cy="246221"/>
+          </a:xfrm>
+          <a:prstGeom prst="rect">
+            <a:avLst/>
+          </a:prstGeom>
+          <a:noFill/>
+        </p:spPr>
+        <p:txBody>
+          <a:bodyPr wrap="none" rtlCol="0">
+            <a:spAutoFit/>
+          </a:bodyPr>
+          <a:lstStyle/>
+          <a:p>
+            <a:r>
+              <a:rPr lang="en-GB" sz="1000" dirty="0">
+                <a:latin typeface="CMU Serif Roman" panose="02000603000000000000" pitchFamily="2" charset="0"/>
+                <a:ea typeface="CMU Serif Roman" panose="02000603000000000000" pitchFamily="2" charset="0"/>
+                <a:cs typeface="CMU Serif Roman" panose="02000603000000000000" pitchFamily="2" charset="0"/>
+              </a:rPr>
+              <a:t>Managing System (RAMSES)</a:t>
+            </a:r>
+          </a:p>
+        </p:txBody>
+      </p:sp>
+      <p:sp>
+        <p:nvSpPr>
+          <p:cNvPr id="66" name="Rettangolo 65">
+            <a:extLst>
+              <a:ext uri="{FF2B5EF4-FFF2-40B4-BE49-F238E27FC236}">
+                <a16:creationId xmlns:a16="http://schemas.microsoft.com/office/drawing/2014/main" id="{B2009360-D892-2F21-8164-B3D81598460E}"/>
+              </a:ext>
+            </a:extLst>
+          </p:cNvPr>
+          <p:cNvSpPr/>
+          <p:nvPr/>
+        </p:nvSpPr>
+        <p:spPr>
+          <a:xfrm>
+            <a:off x="1086031" y="2364599"/>
+            <a:ext cx="5649716" cy="3276820"/>
+          </a:xfrm>
+          <a:prstGeom prst="rect">
+            <a:avLst/>
+          </a:prstGeom>
+          <a:noFill/>
+          <a:ln>
+            <a:solidFill>
+              <a:schemeClr val="tx1"/>
+            </a:solidFill>
+          </a:ln>
+        </p:spPr>
+        <p:style>
+          <a:lnRef idx="2">
+            <a:schemeClr val="accent1">
+              <a:shade val="50000"/>
+            </a:schemeClr>
+          </a:lnRef>
+          <a:fillRef idx="1">
+            <a:schemeClr val="accent1"/>
+          </a:fillRef>
+          <a:effectRef idx="0">
+            <a:schemeClr val="accent1"/>
+          </a:effectRef>
+          <a:fontRef idx="minor">
+            <a:schemeClr val="lt1"/>
+          </a:fontRef>
+        </p:style>
+        <p:txBody>
+          <a:bodyPr rtlCol="0" anchor="ctr"/>
+          <a:lstStyle/>
+          <a:p>
+            <a:pPr algn="ctr"/>
+            <a:endParaRPr lang="en-GB"/>
+          </a:p>
+        </p:txBody>
+      </p:sp>
+      <p:grpSp>
+        <p:nvGrpSpPr>
+          <p:cNvPr id="107" name="Gruppo 106">
+            <a:extLst>
+              <a:ext uri="{FF2B5EF4-FFF2-40B4-BE49-F238E27FC236}">
+                <a16:creationId xmlns:a16="http://schemas.microsoft.com/office/drawing/2014/main" id="{43C09EEB-3281-0A7E-114D-4AA237BF01AE}"/>
+              </a:ext>
+            </a:extLst>
+          </p:cNvPr>
+          <p:cNvGrpSpPr>
+            <a:grpSpLocks noChangeAspect="1"/>
+          </p:cNvGrpSpPr>
+          <p:nvPr/>
+        </p:nvGrpSpPr>
+        <p:grpSpPr>
+          <a:xfrm>
+            <a:off x="1768011" y="2487787"/>
+            <a:ext cx="1260000" cy="1080000"/>
+            <a:chOff x="2571515" y="2251171"/>
+            <a:chExt cx="1615044" cy="1388034"/>
+          </a:xfrm>
+        </p:grpSpPr>
+        <p:sp>
+          <p:nvSpPr>
+            <p:cNvPr id="108" name="Esagono orizzontale 107">
+              <a:extLst>
+                <a:ext uri="{FF2B5EF4-FFF2-40B4-BE49-F238E27FC236}">
+                  <a16:creationId xmlns:a16="http://schemas.microsoft.com/office/drawing/2014/main" id="{D1B7FABA-BC1E-62D3-94B1-FD22577FE96E}"/>
+                </a:ext>
+              </a:extLst>
+            </p:cNvPr>
+            <p:cNvSpPr/>
+            <p:nvPr/>
+          </p:nvSpPr>
+          <p:spPr>
+            <a:xfrm rot="5400000">
+              <a:off x="2685020" y="2322242"/>
+              <a:ext cx="1388034" cy="1245891"/>
+            </a:xfrm>
+            <a:prstGeom prst="hexagon">
+              <a:avLst/>
+            </a:prstGeom>
+            <a:ln w="19050">
+              <a:solidFill>
+                <a:schemeClr val="tx1"/>
+              </a:solidFill>
+            </a:ln>
+          </p:spPr>
+          <p:style>
+            <a:lnRef idx="2">
+              <a:schemeClr val="accent6"/>
+            </a:lnRef>
+            <a:fillRef idx="1">
+              <a:schemeClr val="lt1"/>
+            </a:fillRef>
+            <a:effectRef idx="0">
+              <a:schemeClr val="accent6"/>
+            </a:effectRef>
+            <a:fontRef idx="minor">
+              <a:schemeClr val="dk1"/>
+            </a:fontRef>
+          </p:style>
+          <p:txBody>
+            <a:bodyPr rtlCol="0" anchor="ctr"/>
+            <a:lstStyle/>
+            <a:p>
+              <a:pPr algn="ctr"/>
+              <a:endParaRPr lang="it-IT" sz="1100" dirty="0">
+                <a:solidFill>
+                  <a:schemeClr val="tx1"/>
+                </a:solidFill>
+                <a:latin typeface="CMU Bright Roman" panose="02000603000000000000" pitchFamily="2" charset="0"/>
+                <a:ea typeface="CMU Bright Roman" panose="02000603000000000000" pitchFamily="2" charset="0"/>
+                <a:cs typeface="CMU Bright Roman" panose="02000603000000000000" pitchFamily="2" charset="0"/>
+              </a:endParaRPr>
+            </a:p>
+          </p:txBody>
+        </p:sp>
+        <p:sp>
+          <p:nvSpPr>
+            <p:cNvPr id="109" name="CasellaDiTesto 108">
+              <a:extLst>
+                <a:ext uri="{FF2B5EF4-FFF2-40B4-BE49-F238E27FC236}">
+                  <a16:creationId xmlns:a16="http://schemas.microsoft.com/office/drawing/2014/main" id="{0F56D28E-F208-290F-816A-B22B0F66E7E2}"/>
+                </a:ext>
+              </a:extLst>
+            </p:cNvPr>
+            <p:cNvSpPr txBox="1"/>
+            <p:nvPr/>
+          </p:nvSpPr>
+          <p:spPr>
+            <a:xfrm>
+              <a:off x="2571515" y="2787230"/>
+              <a:ext cx="1615044" cy="336226"/>
+            </a:xfrm>
+            <a:prstGeom prst="rect">
+              <a:avLst/>
+            </a:prstGeom>
+            <a:noFill/>
+            <a:ln>
+              <a:noFill/>
+            </a:ln>
+          </p:spPr>
+          <p:txBody>
+            <a:bodyPr wrap="square" rtlCol="0">
+              <a:spAutoFit/>
+            </a:bodyPr>
+            <a:lstStyle/>
+            <a:p>
+              <a:pPr algn="ctr"/>
+              <a:r>
+                <a:rPr lang="it-IT" sz="1100" dirty="0">
+                  <a:latin typeface="CMU Bright Roman" panose="02000603000000000000" pitchFamily="2" charset="0"/>
+                  <a:ea typeface="CMU Bright Roman" panose="02000603000000000000" pitchFamily="2" charset="0"/>
+                  <a:cs typeface="CMU Bright Roman" panose="02000603000000000000" pitchFamily="2" charset="0"/>
+                </a:rPr>
+                <a:t>DASHBOARD</a:t>
+              </a:r>
+            </a:p>
+          </p:txBody>
+        </p:sp>
+      </p:grpSp>
+      <p:sp>
+        <p:nvSpPr>
+          <p:cNvPr id="110" name="CasellaDiTesto 109">
+            <a:extLst>
+              <a:ext uri="{FF2B5EF4-FFF2-40B4-BE49-F238E27FC236}">
+                <a16:creationId xmlns:a16="http://schemas.microsoft.com/office/drawing/2014/main" id="{1B842A8A-B825-6D11-D707-EF28BC939D19}"/>
+              </a:ext>
+            </a:extLst>
+          </p:cNvPr>
+          <p:cNvSpPr txBox="1"/>
+          <p:nvPr/>
+        </p:nvSpPr>
+        <p:spPr>
+          <a:xfrm>
+            <a:off x="2128000" y="4503553"/>
+            <a:ext cx="556563" cy="230832"/>
+          </a:xfrm>
+          <a:prstGeom prst="rect">
+            <a:avLst/>
+          </a:prstGeom>
+          <a:noFill/>
+        </p:spPr>
+        <p:txBody>
+          <a:bodyPr wrap="none" rtlCol="0">
+            <a:spAutoFit/>
+          </a:bodyPr>
+          <a:lstStyle/>
+          <a:p>
+            <a:r>
+              <a:rPr lang="en-GB" sz="900" dirty="0">
+                <a:latin typeface="CMU Serif Roman" panose="02000603000000000000" pitchFamily="2" charset="0"/>
+                <a:ea typeface="CMU Serif Roman" panose="02000603000000000000" pitchFamily="2" charset="0"/>
+                <a:cs typeface="CMU Serif Roman" panose="02000603000000000000" pitchFamily="2" charset="0"/>
+              </a:rPr>
+              <a:t>Trigger</a:t>
+            </a:r>
+          </a:p>
+        </p:txBody>
+      </p:sp>
+      <p:sp>
+        <p:nvSpPr>
+          <p:cNvPr id="111" name="CasellaDiTesto 110">
+            <a:extLst>
+              <a:ext uri="{FF2B5EF4-FFF2-40B4-BE49-F238E27FC236}">
+                <a16:creationId xmlns:a16="http://schemas.microsoft.com/office/drawing/2014/main" id="{E2F2F0A6-A54C-10B6-70CB-64F4F7FE8535}"/>
+              </a:ext>
+            </a:extLst>
+          </p:cNvPr>
+          <p:cNvSpPr txBox="1"/>
+          <p:nvPr/>
+        </p:nvSpPr>
+        <p:spPr>
+          <a:xfrm>
+            <a:off x="3513224" y="4506399"/>
+            <a:ext cx="556563" cy="230832"/>
+          </a:xfrm>
+          <a:prstGeom prst="rect">
+            <a:avLst/>
+          </a:prstGeom>
+          <a:noFill/>
+        </p:spPr>
+        <p:txBody>
+          <a:bodyPr wrap="none" rtlCol="0">
+            <a:spAutoFit/>
+          </a:bodyPr>
+          <a:lstStyle/>
+          <a:p>
+            <a:r>
+              <a:rPr lang="en-GB" sz="900" dirty="0">
+                <a:latin typeface="CMU Serif Roman" panose="02000603000000000000" pitchFamily="2" charset="0"/>
+                <a:ea typeface="CMU Serif Roman" panose="02000603000000000000" pitchFamily="2" charset="0"/>
+                <a:cs typeface="CMU Serif Roman" panose="02000603000000000000" pitchFamily="2" charset="0"/>
+              </a:rPr>
+              <a:t>Trigger</a:t>
+            </a:r>
+          </a:p>
+        </p:txBody>
+      </p:sp>
+      <p:sp>
+        <p:nvSpPr>
+          <p:cNvPr id="112" name="CasellaDiTesto 111">
+            <a:extLst>
+              <a:ext uri="{FF2B5EF4-FFF2-40B4-BE49-F238E27FC236}">
+                <a16:creationId xmlns:a16="http://schemas.microsoft.com/office/drawing/2014/main" id="{AEF5A9B6-7BE6-BF3B-A780-16D242B834BB}"/>
+              </a:ext>
+            </a:extLst>
+          </p:cNvPr>
+          <p:cNvSpPr txBox="1"/>
+          <p:nvPr/>
+        </p:nvSpPr>
+        <p:spPr>
+          <a:xfrm>
+            <a:off x="4904526" y="4510174"/>
+            <a:ext cx="556563" cy="230832"/>
+          </a:xfrm>
+          <a:prstGeom prst="rect">
+            <a:avLst/>
+          </a:prstGeom>
+          <a:noFill/>
+        </p:spPr>
+        <p:txBody>
+          <a:bodyPr wrap="none" rtlCol="0">
+            <a:spAutoFit/>
+          </a:bodyPr>
+          <a:lstStyle/>
+          <a:p>
+            <a:r>
+              <a:rPr lang="en-GB" sz="900" dirty="0">
+                <a:latin typeface="CMU Serif Roman" panose="02000603000000000000" pitchFamily="2" charset="0"/>
+                <a:ea typeface="CMU Serif Roman" panose="02000603000000000000" pitchFamily="2" charset="0"/>
+                <a:cs typeface="CMU Serif Roman" panose="02000603000000000000" pitchFamily="2" charset="0"/>
+              </a:rPr>
+              <a:t>Trigger</a:t>
+            </a:r>
+          </a:p>
+        </p:txBody>
+      </p:sp>
+      <p:sp>
+        <p:nvSpPr>
+          <p:cNvPr id="113" name="CasellaDiTesto 112">
+            <a:extLst>
+              <a:ext uri="{FF2B5EF4-FFF2-40B4-BE49-F238E27FC236}">
+                <a16:creationId xmlns:a16="http://schemas.microsoft.com/office/drawing/2014/main" id="{DD68856D-521E-C654-D5EE-0E3C9C200A35}"/>
+              </a:ext>
+            </a:extLst>
+          </p:cNvPr>
+          <p:cNvSpPr txBox="1"/>
+          <p:nvPr/>
+        </p:nvSpPr>
+        <p:spPr>
+          <a:xfrm>
+            <a:off x="1680469" y="3881194"/>
+            <a:ext cx="938077" cy="230832"/>
+          </a:xfrm>
+          <a:prstGeom prst="rect">
+            <a:avLst/>
+          </a:prstGeom>
+          <a:noFill/>
+        </p:spPr>
+        <p:txBody>
+          <a:bodyPr wrap="none" rtlCol="0">
+            <a:spAutoFit/>
+          </a:bodyPr>
+          <a:lstStyle/>
+          <a:p>
+            <a:r>
+              <a:rPr lang="en-GB" sz="900" dirty="0">
+                <a:latin typeface="CMU Serif Roman" panose="02000603000000000000" pitchFamily="2" charset="0"/>
+                <a:ea typeface="CMU Serif Roman" panose="02000603000000000000" pitchFamily="2" charset="0"/>
+                <a:cs typeface="CMU Serif Roman" panose="02000603000000000000" pitchFamily="2" charset="0"/>
+              </a:rPr>
+              <a:t>Update models</a:t>
+            </a:r>
+          </a:p>
+        </p:txBody>
+      </p:sp>
+      <p:sp>
+        <p:nvSpPr>
+          <p:cNvPr id="114" name="CasellaDiTesto 113">
+            <a:extLst>
+              <a:ext uri="{FF2B5EF4-FFF2-40B4-BE49-F238E27FC236}">
+                <a16:creationId xmlns:a16="http://schemas.microsoft.com/office/drawing/2014/main" id="{8F81BE95-79EB-14C8-90A7-DC088F7373C9}"/>
+              </a:ext>
+            </a:extLst>
+          </p:cNvPr>
+          <p:cNvSpPr txBox="1"/>
+          <p:nvPr/>
+        </p:nvSpPr>
+        <p:spPr>
+          <a:xfrm>
+            <a:off x="3082815" y="3882559"/>
+            <a:ext cx="987771" cy="230832"/>
+          </a:xfrm>
+          <a:prstGeom prst="rect">
+            <a:avLst/>
+          </a:prstGeom>
+          <a:noFill/>
+        </p:spPr>
+        <p:txBody>
+          <a:bodyPr wrap="none" rtlCol="0">
+            <a:spAutoFit/>
+          </a:bodyPr>
+          <a:lstStyle/>
+          <a:p>
+            <a:r>
+              <a:rPr lang="en-GB" sz="900" dirty="0">
+                <a:latin typeface="CMU Serif Roman" panose="02000603000000000000" pitchFamily="2" charset="0"/>
+                <a:ea typeface="CMU Serif Roman" panose="02000603000000000000" pitchFamily="2" charset="0"/>
+                <a:cs typeface="CMU Serif Roman" panose="02000603000000000000" pitchFamily="2" charset="0"/>
+              </a:rPr>
+              <a:t>Propose options</a:t>
+            </a:r>
+          </a:p>
+        </p:txBody>
+      </p:sp>
+      <p:sp>
+        <p:nvSpPr>
+          <p:cNvPr id="115" name="CasellaDiTesto 114">
+            <a:extLst>
+              <a:ext uri="{FF2B5EF4-FFF2-40B4-BE49-F238E27FC236}">
+                <a16:creationId xmlns:a16="http://schemas.microsoft.com/office/drawing/2014/main" id="{3E248089-922C-CBF4-72CB-9DE55EB9D702}"/>
+              </a:ext>
+            </a:extLst>
+          </p:cNvPr>
+          <p:cNvSpPr txBox="1"/>
+          <p:nvPr/>
+        </p:nvSpPr>
+        <p:spPr>
+          <a:xfrm>
+            <a:off x="4464505" y="3885665"/>
+            <a:ext cx="947695" cy="230832"/>
+          </a:xfrm>
+          <a:prstGeom prst="rect">
+            <a:avLst/>
+          </a:prstGeom>
+          <a:noFill/>
+        </p:spPr>
+        <p:txBody>
+          <a:bodyPr wrap="none" rtlCol="0">
+            <a:spAutoFit/>
+          </a:bodyPr>
+          <a:lstStyle/>
+          <a:p>
+            <a:r>
+              <a:rPr lang="en-GB" sz="900" dirty="0">
+                <a:latin typeface="CMU Serif Roman" panose="02000603000000000000" pitchFamily="2" charset="0"/>
+                <a:ea typeface="CMU Serif Roman" panose="02000603000000000000" pitchFamily="2" charset="0"/>
+                <a:cs typeface="CMU Serif Roman" panose="02000603000000000000" pitchFamily="2" charset="0"/>
+              </a:rPr>
+              <a:t>Choose options</a:t>
+            </a:r>
+          </a:p>
+        </p:txBody>
+      </p:sp>
+      <p:sp>
+        <p:nvSpPr>
+          <p:cNvPr id="116" name="CasellaDiTesto 115">
+            <a:extLst>
+              <a:ext uri="{FF2B5EF4-FFF2-40B4-BE49-F238E27FC236}">
+                <a16:creationId xmlns:a16="http://schemas.microsoft.com/office/drawing/2014/main" id="{4A565A00-048E-B23D-9D6E-DED1471874C7}"/>
+              </a:ext>
+            </a:extLst>
+          </p:cNvPr>
+          <p:cNvSpPr txBox="1"/>
+          <p:nvPr/>
+        </p:nvSpPr>
+        <p:spPr>
+          <a:xfrm>
+            <a:off x="5827758" y="3888071"/>
+            <a:ext cx="896399" cy="230832"/>
+          </a:xfrm>
+          <a:prstGeom prst="rect">
+            <a:avLst/>
+          </a:prstGeom>
+          <a:noFill/>
+        </p:spPr>
+        <p:txBody>
+          <a:bodyPr wrap="none" rtlCol="0">
+            <a:spAutoFit/>
+          </a:bodyPr>
+          <a:lstStyle/>
+          <a:p>
+            <a:r>
+              <a:rPr lang="en-GB" sz="900" dirty="0">
+                <a:latin typeface="CMU Serif Roman" panose="02000603000000000000" pitchFamily="2" charset="0"/>
+                <a:ea typeface="CMU Serif Roman" panose="02000603000000000000" pitchFamily="2" charset="0"/>
+                <a:cs typeface="CMU Serif Roman" panose="02000603000000000000" pitchFamily="2" charset="0"/>
+              </a:rPr>
+              <a:t>Apply options</a:t>
+            </a:r>
+          </a:p>
+        </p:txBody>
+      </p:sp>
+      <p:cxnSp>
+        <p:nvCxnSpPr>
+          <p:cNvPr id="126" name="Connettore 1 125">
+            <a:extLst>
+              <a:ext uri="{FF2B5EF4-FFF2-40B4-BE49-F238E27FC236}">
+                <a16:creationId xmlns:a16="http://schemas.microsoft.com/office/drawing/2014/main" id="{E7D0CB23-0B21-1AAA-5BE1-BC6EA62DA434}"/>
+              </a:ext>
+            </a:extLst>
+          </p:cNvPr>
+          <p:cNvCxnSpPr>
+            <a:cxnSpLocks/>
+          </p:cNvCxnSpPr>
+          <p:nvPr/>
+        </p:nvCxnSpPr>
+        <p:spPr>
+          <a:xfrm flipH="1">
+            <a:off x="2888189" y="3023544"/>
+            <a:ext cx="438839" cy="0"/>
+          </a:xfrm>
+          <a:prstGeom prst="line">
+            <a:avLst/>
+          </a:prstGeom>
+          <a:ln w="9525">
+            <a:solidFill>
+              <a:schemeClr val="tx1"/>
+            </a:solidFill>
+            <a:prstDash val="solid"/>
+            <a:headEnd type="none"/>
+            <a:tailEnd type="triangle" w="sm" len="med"/>
+          </a:ln>
+        </p:spPr>
+        <p:style>
+          <a:lnRef idx="1">
+            <a:schemeClr val="accent1"/>
+          </a:lnRef>
+          <a:fillRef idx="0">
+            <a:schemeClr val="accent1"/>
+          </a:fillRef>
+          <a:effectRef idx="0">
+            <a:schemeClr val="accent1"/>
+          </a:effectRef>
+          <a:fontRef idx="minor">
+            <a:schemeClr val="tx1"/>
+          </a:fontRef>
+        </p:style>
+      </p:cxnSp>
+      <p:pic>
+        <p:nvPicPr>
+          <p:cNvPr id="129" name="Elemento grafico 128" descr="Uomo contorno">
+            <a:extLst>
+              <a:ext uri="{FF2B5EF4-FFF2-40B4-BE49-F238E27FC236}">
+                <a16:creationId xmlns:a16="http://schemas.microsoft.com/office/drawing/2014/main" id="{518A4B42-9F01-A4C6-8737-2BE5403BBD5F}"/>
+              </a:ext>
+            </a:extLst>
+          </p:cNvPr>
+          <p:cNvPicPr>
+            <a:picLocks noChangeAspect="1"/>
+          </p:cNvPicPr>
+          <p:nvPr/>
+        </p:nvPicPr>
+        <p:blipFill>
+          <a:blip r:embed="rId7">
+            <a:extLst>
+              <a:ext uri="{96DAC541-7B7A-43D3-8B79-37D633B846F1}">
+                <asvg:svgBlip xmlns:asvg="http://schemas.microsoft.com/office/drawing/2016/SVG/main" r:embed="rId8"/>
+              </a:ext>
+            </a:extLst>
+          </a:blip>
+          <a:stretch>
+            <a:fillRect/>
+          </a:stretch>
+        </p:blipFill>
+        <p:spPr>
+          <a:xfrm>
+            <a:off x="297318" y="2724664"/>
+            <a:ext cx="609078" cy="609078"/>
+          </a:xfrm>
+          <a:prstGeom prst="rect">
+            <a:avLst/>
+          </a:prstGeom>
+        </p:spPr>
+      </p:pic>
+      <p:cxnSp>
+        <p:nvCxnSpPr>
+          <p:cNvPr id="130" name="Connettore 1 129">
+            <a:extLst>
+              <a:ext uri="{FF2B5EF4-FFF2-40B4-BE49-F238E27FC236}">
+                <a16:creationId xmlns:a16="http://schemas.microsoft.com/office/drawing/2014/main" id="{F2CE8EF4-C82C-EB81-8F88-5399767BD1A9}"/>
+              </a:ext>
+            </a:extLst>
+          </p:cNvPr>
+          <p:cNvCxnSpPr>
+            <a:cxnSpLocks/>
+          </p:cNvCxnSpPr>
+          <p:nvPr/>
+        </p:nvCxnSpPr>
+        <p:spPr>
+          <a:xfrm>
+            <a:off x="863532" y="3029203"/>
+            <a:ext cx="1048479" cy="0"/>
+          </a:xfrm>
+          <a:prstGeom prst="line">
+            <a:avLst/>
+          </a:prstGeom>
+          <a:ln w="9525">
+            <a:solidFill>
+              <a:schemeClr val="tx1"/>
+            </a:solidFill>
+            <a:prstDash val="dash"/>
+            <a:headEnd type="triangle" w="sm" len="med"/>
+          </a:ln>
+        </p:spPr>
+        <p:style>
+          <a:lnRef idx="1">
+            <a:schemeClr val="accent1"/>
+          </a:lnRef>
+          <a:fillRef idx="0">
+            <a:schemeClr val="accent1"/>
+          </a:fillRef>
+          <a:effectRef idx="0">
+            <a:schemeClr val="accent1"/>
+          </a:effectRef>
+          <a:fontRef idx="minor">
+            <a:schemeClr val="tx1"/>
+          </a:fontRef>
+        </p:style>
+      </p:cxnSp>
+      <p:sp>
+        <p:nvSpPr>
+          <p:cNvPr id="135" name="CasellaDiTesto 134">
+            <a:extLst>
+              <a:ext uri="{FF2B5EF4-FFF2-40B4-BE49-F238E27FC236}">
+                <a16:creationId xmlns:a16="http://schemas.microsoft.com/office/drawing/2014/main" id="{19D5CDD8-401A-E2C0-99C6-35A5FAE3CEA3}"/>
+              </a:ext>
+            </a:extLst>
+          </p:cNvPr>
+          <p:cNvSpPr txBox="1"/>
+          <p:nvPr/>
+        </p:nvSpPr>
+        <p:spPr>
+          <a:xfrm>
+            <a:off x="132818" y="3370595"/>
+            <a:ext cx="928459" cy="230832"/>
+          </a:xfrm>
+          <a:prstGeom prst="rect">
+            <a:avLst/>
+          </a:prstGeom>
+          <a:noFill/>
+        </p:spPr>
+        <p:txBody>
+          <a:bodyPr wrap="none" rtlCol="0">
+            <a:spAutoFit/>
+          </a:bodyPr>
+          <a:lstStyle/>
+          <a:p>
+            <a:r>
+              <a:rPr lang="en-GB" sz="900" dirty="0">
+                <a:latin typeface="CMU Serif Roman" panose="02000603000000000000" pitchFamily="2" charset="0"/>
+                <a:ea typeface="CMU Serif Roman" panose="02000603000000000000" pitchFamily="2" charset="0"/>
+                <a:cs typeface="CMU Serif Roman" panose="02000603000000000000" pitchFamily="2" charset="0"/>
+              </a:rPr>
+              <a:t>System Admin</a:t>
+            </a:r>
+          </a:p>
+        </p:txBody>
+      </p:sp>
+    </p:spTree>
+    <p:extLst>
+      <p:ext uri="{BB962C8B-B14F-4D97-AF65-F5344CB8AC3E}">
+        <p14:creationId xmlns:p14="http://schemas.microsoft.com/office/powerpoint/2010/main" val="593897070"/>
+      </p:ext>
+    </p:extLst>
+  </p:cSld>
+  <p:clrMapOvr>
+    <a:masterClrMapping/>
+  </p:clrMapOvr>
+</p:sld>
+</file>
+
+<file path=ppt/slides/slide4.xml><?xml version="1.0" encoding="utf-8"?>
+<p:sld xmlns:a="http://schemas.openxmlformats.org/drawingml/2006/main" xmlns:r="http://schemas.openxmlformats.org/officeDocument/2006/relationships" xmlns:p="http://schemas.openxmlformats.org/presentationml/2006/main">
+  <p:cSld>
+    <p:spTree>
+      <p:nvGrpSpPr>
+        <p:cNvPr id="1" name=""/>
+        <p:cNvGrpSpPr/>
+        <p:nvPr/>
+      </p:nvGrpSpPr>
+      <p:grpSpPr>
+        <a:xfrm>
+          <a:off x="0" y="0"/>
+          <a:ext cx="0" cy="0"/>
+          <a:chOff x="0" y="0"/>
+          <a:chExt cx="0" cy="0"/>
+        </a:xfrm>
+      </p:grpSpPr>
       <p:grpSp>
         <p:nvGrpSpPr>
           <p:cNvPr id="4" name="Gruppo 3">
@@ -7497,7 +15132,7 @@
 </p:sld>
 </file>
 
-<file path=ppt/slides/slide3.xml><?xml version="1.0" encoding="utf-8"?>
+<file path=ppt/slides/slide5.xml><?xml version="1.0" encoding="utf-8"?>
 <p:sld xmlns:a="http://schemas.openxmlformats.org/drawingml/2006/main" xmlns:r="http://schemas.openxmlformats.org/officeDocument/2006/relationships" xmlns:p="http://schemas.openxmlformats.org/presentationml/2006/main">
   <p:cSld>
     <p:spTree>

--- a/documents/Managed System/Managing+Managed.pptx
+++ b/documents/Managed System/Managing+Managed.pptx
@@ -2,7 +2,7 @@
 <file path=ppt/presentation.xml><?xml version="1.0" encoding="utf-8"?>
 <p:presentation xmlns:a="http://schemas.openxmlformats.org/drawingml/2006/main" xmlns:r="http://schemas.openxmlformats.org/officeDocument/2006/relationships" xmlns:p="http://schemas.openxmlformats.org/presentationml/2006/main" saveSubsetFonts="1" autoCompressPictures="0">
   <p:sldMasterIdLst>
-    <p:sldMasterId id="2147483660" r:id="rId1"/>
+    <p:sldMasterId id="2147483672" r:id="rId1"/>
   </p:sldMasterIdLst>
   <p:notesMasterIdLst>
     <p:notesMasterId r:id="rId7"/>
@@ -14,7 +14,7 @@
     <p:sldId id="257" r:id="rId5"/>
     <p:sldId id="258" r:id="rId6"/>
   </p:sldIdLst>
-  <p:sldSz cx="6858000" cy="12192000"/>
+  <p:sldSz cx="16256000" cy="12192000"/>
   <p:notesSz cx="6858000" cy="9144000"/>
   <p:defaultTextStyle>
     <a:defPPr>
@@ -201,7 +201,7 @@
           <a:p>
             <a:fld id="{E7251656-6854-CD49-AAAE-E9A6489370FA}" type="datetimeFigureOut">
               <a:rPr lang="en-GB" smtClean="0"/>
-              <a:t>19/11/2022</a:t>
+              <a:t>20/11/2022</a:t>
             </a:fld>
             <a:endParaRPr lang="en-GB"/>
           </a:p>
@@ -219,8 +219,8 @@
         </p:nvSpPr>
         <p:spPr>
           <a:xfrm>
-            <a:off x="2560638" y="1143000"/>
-            <a:ext cx="1736725" cy="3086100"/>
+            <a:off x="1371600" y="1143000"/>
+            <a:ext cx="4114800" cy="3086100"/>
           </a:xfrm>
           <a:prstGeom prst="rect">
             <a:avLst/>
@@ -496,7 +496,12 @@
             <p:ph type="sldImg"/>
           </p:nvPr>
         </p:nvSpPr>
-        <p:spPr/>
+        <p:spPr>
+          <a:xfrm>
+            <a:off x="1371600" y="1143000"/>
+            <a:ext cx="4114800" cy="3086100"/>
+          </a:xfrm>
+        </p:spPr>
       </p:sp>
       <p:sp>
         <p:nvSpPr>
@@ -580,7 +585,12 @@
             <p:ph type="sldImg"/>
           </p:nvPr>
         </p:nvSpPr>
-        <p:spPr/>
+        <p:spPr>
+          <a:xfrm>
+            <a:off x="1371600" y="1143000"/>
+            <a:ext cx="4114800" cy="3086100"/>
+          </a:xfrm>
+        </p:spPr>
       </p:sp>
       <p:sp>
         <p:nvSpPr>
@@ -664,7 +674,12 @@
             <p:ph type="sldImg"/>
           </p:nvPr>
         </p:nvSpPr>
-        <p:spPr/>
+        <p:spPr>
+          <a:xfrm>
+            <a:off x="1371600" y="1143000"/>
+            <a:ext cx="4114800" cy="3086100"/>
+          </a:xfrm>
+        </p:spPr>
       </p:sp>
       <p:sp>
         <p:nvSpPr>
@@ -748,7 +763,12 @@
             <p:ph type="sldImg"/>
           </p:nvPr>
         </p:nvSpPr>
-        <p:spPr/>
+        <p:spPr>
+          <a:xfrm>
+            <a:off x="1371600" y="1143000"/>
+            <a:ext cx="4114800" cy="3086100"/>
+          </a:xfrm>
+        </p:spPr>
       </p:sp>
       <p:sp>
         <p:nvSpPr>
@@ -832,7 +852,12 @@
             <p:ph type="sldImg"/>
           </p:nvPr>
         </p:nvSpPr>
-        <p:spPr/>
+        <p:spPr>
+          <a:xfrm>
+            <a:off x="1371600" y="1143000"/>
+            <a:ext cx="4114800" cy="3086100"/>
+          </a:xfrm>
+        </p:spPr>
       </p:sp>
       <p:sp>
         <p:nvSpPr>
@@ -918,15 +943,15 @@
         </p:nvSpPr>
         <p:spPr>
           <a:xfrm>
-            <a:off x="514350" y="1995312"/>
-            <a:ext cx="5829300" cy="4244622"/>
+            <a:off x="1219200" y="1995312"/>
+            <a:ext cx="13817600" cy="4244622"/>
           </a:xfrm>
         </p:spPr>
         <p:txBody>
           <a:bodyPr anchor="b"/>
           <a:lstStyle>
             <a:lvl1pPr algn="ctr">
-              <a:defRPr sz="4500"/>
+              <a:defRPr sz="10667"/>
             </a:lvl1pPr>
           </a:lstStyle>
           <a:p>
@@ -950,8 +975,8 @@
         </p:nvSpPr>
         <p:spPr>
           <a:xfrm>
-            <a:off x="857250" y="6403623"/>
-            <a:ext cx="5143500" cy="2943577"/>
+            <a:off x="2032000" y="6403623"/>
+            <a:ext cx="12192000" cy="2943577"/>
           </a:xfrm>
         </p:spPr>
         <p:txBody>
@@ -959,39 +984,39 @@
           <a:lstStyle>
             <a:lvl1pPr marL="0" indent="0" algn="ctr">
               <a:buNone/>
-              <a:defRPr sz="1800"/>
+              <a:defRPr sz="4267"/>
             </a:lvl1pPr>
-            <a:lvl2pPr marL="342900" indent="0" algn="ctr">
+            <a:lvl2pPr marL="812810" indent="0" algn="ctr">
               <a:buNone/>
-              <a:defRPr sz="1500"/>
+              <a:defRPr sz="3556"/>
             </a:lvl2pPr>
-            <a:lvl3pPr marL="685800" indent="0" algn="ctr">
+            <a:lvl3pPr marL="1625620" indent="0" algn="ctr">
               <a:buNone/>
-              <a:defRPr sz="1350"/>
+              <a:defRPr sz="3200"/>
             </a:lvl3pPr>
-            <a:lvl4pPr marL="1028700" indent="0" algn="ctr">
+            <a:lvl4pPr marL="2438430" indent="0" algn="ctr">
               <a:buNone/>
-              <a:defRPr sz="1200"/>
+              <a:defRPr sz="2844"/>
             </a:lvl4pPr>
-            <a:lvl5pPr marL="1371600" indent="0" algn="ctr">
+            <a:lvl5pPr marL="3251241" indent="0" algn="ctr">
               <a:buNone/>
-              <a:defRPr sz="1200"/>
+              <a:defRPr sz="2844"/>
             </a:lvl5pPr>
-            <a:lvl6pPr marL="1714500" indent="0" algn="ctr">
+            <a:lvl6pPr marL="4064051" indent="0" algn="ctr">
               <a:buNone/>
-              <a:defRPr sz="1200"/>
+              <a:defRPr sz="2844"/>
             </a:lvl6pPr>
-            <a:lvl7pPr marL="2057400" indent="0" algn="ctr">
+            <a:lvl7pPr marL="4876861" indent="0" algn="ctr">
               <a:buNone/>
-              <a:defRPr sz="1200"/>
+              <a:defRPr sz="2844"/>
             </a:lvl7pPr>
-            <a:lvl8pPr marL="2400300" indent="0" algn="ctr">
+            <a:lvl8pPr marL="5689671" indent="0" algn="ctr">
               <a:buNone/>
-              <a:defRPr sz="1200"/>
+              <a:defRPr sz="2844"/>
             </a:lvl8pPr>
-            <a:lvl9pPr marL="2743200" indent="0" algn="ctr">
+            <a:lvl9pPr marL="6502481" indent="0" algn="ctr">
               <a:buNone/>
-              <a:defRPr sz="1200"/>
+              <a:defRPr sz="2844"/>
             </a:lvl9pPr>
           </a:lstStyle>
           <a:p>
@@ -1020,7 +1045,7 @@
           <a:p>
             <a:fld id="{853B8C5F-1182-6249-8FE3-92AD81B8E82A}" type="datetimeFigureOut">
               <a:rPr lang="en-GB" smtClean="0"/>
-              <a:t>19/11/2022</a:t>
+              <a:t>20/11/2022</a:t>
             </a:fld>
             <a:endParaRPr lang="en-GB"/>
           </a:p>
@@ -1071,7 +1096,7 @@
     </p:spTree>
     <p:extLst>
       <p:ext uri="{BB962C8B-B14F-4D97-AF65-F5344CB8AC3E}">
-        <p14:creationId xmlns:p14="http://schemas.microsoft.com/office/powerpoint/2010/main" val="2189596181"/>
+        <p14:creationId xmlns:p14="http://schemas.microsoft.com/office/powerpoint/2010/main" val="751439602"/>
       </p:ext>
     </p:extLst>
   </p:cSld>
@@ -1190,7 +1215,7 @@
           <a:p>
             <a:fld id="{853B8C5F-1182-6249-8FE3-92AD81B8E82A}" type="datetimeFigureOut">
               <a:rPr lang="en-GB" smtClean="0"/>
-              <a:t>19/11/2022</a:t>
+              <a:t>20/11/2022</a:t>
             </a:fld>
             <a:endParaRPr lang="en-GB"/>
           </a:p>
@@ -1241,7 +1266,7 @@
     </p:spTree>
     <p:extLst>
       <p:ext uri="{BB962C8B-B14F-4D97-AF65-F5344CB8AC3E}">
-        <p14:creationId xmlns:p14="http://schemas.microsoft.com/office/powerpoint/2010/main" val="2364758562"/>
+        <p14:creationId xmlns:p14="http://schemas.microsoft.com/office/powerpoint/2010/main" val="990641461"/>
       </p:ext>
     </p:extLst>
   </p:cSld>
@@ -1280,8 +1305,8 @@
         </p:nvSpPr>
         <p:spPr>
           <a:xfrm>
-            <a:off x="4907757" y="649111"/>
-            <a:ext cx="1478756" cy="10332156"/>
+            <a:off x="11633201" y="649111"/>
+            <a:ext cx="3505200" cy="10332156"/>
           </a:xfrm>
         </p:spPr>
         <p:txBody>
@@ -1308,8 +1333,8 @@
         </p:nvSpPr>
         <p:spPr>
           <a:xfrm>
-            <a:off x="471488" y="649111"/>
-            <a:ext cx="4350544" cy="10332156"/>
+            <a:off x="1117601" y="649111"/>
+            <a:ext cx="10312400" cy="10332156"/>
           </a:xfrm>
         </p:spPr>
         <p:txBody>
@@ -1370,7 +1395,7 @@
           <a:p>
             <a:fld id="{853B8C5F-1182-6249-8FE3-92AD81B8E82A}" type="datetimeFigureOut">
               <a:rPr lang="en-GB" smtClean="0"/>
-              <a:t>19/11/2022</a:t>
+              <a:t>20/11/2022</a:t>
             </a:fld>
             <a:endParaRPr lang="en-GB"/>
           </a:p>
@@ -1421,7 +1446,7 @@
     </p:spTree>
     <p:extLst>
       <p:ext uri="{BB962C8B-B14F-4D97-AF65-F5344CB8AC3E}">
-        <p14:creationId xmlns:p14="http://schemas.microsoft.com/office/powerpoint/2010/main" val="1974982750"/>
+        <p14:creationId xmlns:p14="http://schemas.microsoft.com/office/powerpoint/2010/main" val="3822670751"/>
       </p:ext>
     </p:extLst>
   </p:cSld>
@@ -1540,7 +1565,7 @@
           <a:p>
             <a:fld id="{853B8C5F-1182-6249-8FE3-92AD81B8E82A}" type="datetimeFigureOut">
               <a:rPr lang="en-GB" smtClean="0"/>
-              <a:t>19/11/2022</a:t>
+              <a:t>20/11/2022</a:t>
             </a:fld>
             <a:endParaRPr lang="en-GB"/>
           </a:p>
@@ -1591,7 +1616,7 @@
     </p:spTree>
     <p:extLst>
       <p:ext uri="{BB962C8B-B14F-4D97-AF65-F5344CB8AC3E}">
-        <p14:creationId xmlns:p14="http://schemas.microsoft.com/office/powerpoint/2010/main" val="3715551385"/>
+        <p14:creationId xmlns:p14="http://schemas.microsoft.com/office/powerpoint/2010/main" val="3619122885"/>
       </p:ext>
     </p:extLst>
   </p:cSld>
@@ -1630,15 +1655,15 @@
         </p:nvSpPr>
         <p:spPr>
           <a:xfrm>
-            <a:off x="467916" y="3039537"/>
-            <a:ext cx="5915025" cy="5071532"/>
+            <a:off x="1109134" y="3039537"/>
+            <a:ext cx="14020800" cy="5071532"/>
           </a:xfrm>
         </p:spPr>
         <p:txBody>
           <a:bodyPr anchor="b"/>
           <a:lstStyle>
             <a:lvl1pPr>
-              <a:defRPr sz="4500"/>
+              <a:defRPr sz="10667"/>
             </a:lvl1pPr>
           </a:lstStyle>
           <a:p>
@@ -1662,8 +1687,8 @@
         </p:nvSpPr>
         <p:spPr>
           <a:xfrm>
-            <a:off x="467916" y="8159048"/>
-            <a:ext cx="5915025" cy="2666999"/>
+            <a:off x="1109134" y="8159048"/>
+            <a:ext cx="14020800" cy="2666999"/>
           </a:xfrm>
         </p:spPr>
         <p:txBody>
@@ -1671,15 +1696,15 @@
           <a:lstStyle>
             <a:lvl1pPr marL="0" indent="0">
               <a:buNone/>
-              <a:defRPr sz="1800">
+              <a:defRPr sz="4267">
                 <a:solidFill>
                   <a:schemeClr val="tx1"/>
                 </a:solidFill>
               </a:defRPr>
             </a:lvl1pPr>
-            <a:lvl2pPr marL="342900" indent="0">
+            <a:lvl2pPr marL="812810" indent="0">
               <a:buNone/>
-              <a:defRPr sz="1500">
+              <a:defRPr sz="3556">
                 <a:solidFill>
                   <a:schemeClr val="tx1">
                     <a:tint val="75000"/>
@@ -1687,9 +1712,9 @@
                 </a:solidFill>
               </a:defRPr>
             </a:lvl2pPr>
-            <a:lvl3pPr marL="685800" indent="0">
+            <a:lvl3pPr marL="1625620" indent="0">
               <a:buNone/>
-              <a:defRPr sz="1350">
+              <a:defRPr sz="3200">
                 <a:solidFill>
                   <a:schemeClr val="tx1">
                     <a:tint val="75000"/>
@@ -1697,9 +1722,9 @@
                 </a:solidFill>
               </a:defRPr>
             </a:lvl3pPr>
-            <a:lvl4pPr marL="1028700" indent="0">
+            <a:lvl4pPr marL="2438430" indent="0">
               <a:buNone/>
-              <a:defRPr sz="1200">
+              <a:defRPr sz="2844">
                 <a:solidFill>
                   <a:schemeClr val="tx1">
                     <a:tint val="75000"/>
@@ -1707,9 +1732,9 @@
                 </a:solidFill>
               </a:defRPr>
             </a:lvl4pPr>
-            <a:lvl5pPr marL="1371600" indent="0">
+            <a:lvl5pPr marL="3251241" indent="0">
               <a:buNone/>
-              <a:defRPr sz="1200">
+              <a:defRPr sz="2844">
                 <a:solidFill>
                   <a:schemeClr val="tx1">
                     <a:tint val="75000"/>
@@ -1717,9 +1742,9 @@
                 </a:solidFill>
               </a:defRPr>
             </a:lvl5pPr>
-            <a:lvl6pPr marL="1714500" indent="0">
+            <a:lvl6pPr marL="4064051" indent="0">
               <a:buNone/>
-              <a:defRPr sz="1200">
+              <a:defRPr sz="2844">
                 <a:solidFill>
                   <a:schemeClr val="tx1">
                     <a:tint val="75000"/>
@@ -1727,9 +1752,9 @@
                 </a:solidFill>
               </a:defRPr>
             </a:lvl6pPr>
-            <a:lvl7pPr marL="2057400" indent="0">
+            <a:lvl7pPr marL="4876861" indent="0">
               <a:buNone/>
-              <a:defRPr sz="1200">
+              <a:defRPr sz="2844">
                 <a:solidFill>
                   <a:schemeClr val="tx1">
                     <a:tint val="75000"/>
@@ -1737,9 +1762,9 @@
                 </a:solidFill>
               </a:defRPr>
             </a:lvl7pPr>
-            <a:lvl8pPr marL="2400300" indent="0">
+            <a:lvl8pPr marL="5689671" indent="0">
               <a:buNone/>
-              <a:defRPr sz="1200">
+              <a:defRPr sz="2844">
                 <a:solidFill>
                   <a:schemeClr val="tx1">
                     <a:tint val="75000"/>
@@ -1747,9 +1772,9 @@
                 </a:solidFill>
               </a:defRPr>
             </a:lvl8pPr>
-            <a:lvl9pPr marL="2743200" indent="0">
+            <a:lvl9pPr marL="6502481" indent="0">
               <a:buNone/>
-              <a:defRPr sz="1200">
+              <a:defRPr sz="2844">
                 <a:solidFill>
                   <a:schemeClr val="tx1">
                     <a:tint val="75000"/>
@@ -1784,7 +1809,7 @@
           <a:p>
             <a:fld id="{853B8C5F-1182-6249-8FE3-92AD81B8E82A}" type="datetimeFigureOut">
               <a:rPr lang="en-GB" smtClean="0"/>
-              <a:t>19/11/2022</a:t>
+              <a:t>20/11/2022</a:t>
             </a:fld>
             <a:endParaRPr lang="en-GB"/>
           </a:p>
@@ -1835,7 +1860,7 @@
     </p:spTree>
     <p:extLst>
       <p:ext uri="{BB962C8B-B14F-4D97-AF65-F5344CB8AC3E}">
-        <p14:creationId xmlns:p14="http://schemas.microsoft.com/office/powerpoint/2010/main" val="2614673829"/>
+        <p14:creationId xmlns:p14="http://schemas.microsoft.com/office/powerpoint/2010/main" val="1424914577"/>
       </p:ext>
     </p:extLst>
   </p:cSld>
@@ -1897,8 +1922,8 @@
         </p:nvSpPr>
         <p:spPr>
           <a:xfrm>
-            <a:off x="471488" y="3245556"/>
-            <a:ext cx="2914650" cy="7735712"/>
+            <a:off x="1117600" y="3245556"/>
+            <a:ext cx="6908800" cy="7735712"/>
           </a:xfrm>
         </p:spPr>
         <p:txBody>
@@ -1954,8 +1979,8 @@
         </p:nvSpPr>
         <p:spPr>
           <a:xfrm>
-            <a:off x="3471863" y="3245556"/>
-            <a:ext cx="2914650" cy="7735712"/>
+            <a:off x="8229600" y="3245556"/>
+            <a:ext cx="6908800" cy="7735712"/>
           </a:xfrm>
         </p:spPr>
         <p:txBody>
@@ -2016,7 +2041,7 @@
           <a:p>
             <a:fld id="{853B8C5F-1182-6249-8FE3-92AD81B8E82A}" type="datetimeFigureOut">
               <a:rPr lang="en-GB" smtClean="0"/>
-              <a:t>19/11/2022</a:t>
+              <a:t>20/11/2022</a:t>
             </a:fld>
             <a:endParaRPr lang="en-GB"/>
           </a:p>
@@ -2067,7 +2092,7 @@
     </p:spTree>
     <p:extLst>
       <p:ext uri="{BB962C8B-B14F-4D97-AF65-F5344CB8AC3E}">
-        <p14:creationId xmlns:p14="http://schemas.microsoft.com/office/powerpoint/2010/main" val="1118489841"/>
+        <p14:creationId xmlns:p14="http://schemas.microsoft.com/office/powerpoint/2010/main" val="4174253816"/>
       </p:ext>
     </p:extLst>
   </p:cSld>
@@ -2106,8 +2131,8 @@
         </p:nvSpPr>
         <p:spPr>
           <a:xfrm>
-            <a:off x="472381" y="649114"/>
-            <a:ext cx="5915025" cy="2356556"/>
+            <a:off x="1119717" y="649114"/>
+            <a:ext cx="14020800" cy="2356556"/>
           </a:xfrm>
         </p:spPr>
         <p:txBody>
@@ -2134,8 +2159,8 @@
         </p:nvSpPr>
         <p:spPr>
           <a:xfrm>
-            <a:off x="472381" y="2988734"/>
-            <a:ext cx="2901255" cy="1464732"/>
+            <a:off x="1119719" y="2988734"/>
+            <a:ext cx="6877049" cy="1464732"/>
           </a:xfrm>
         </p:spPr>
         <p:txBody>
@@ -2143,39 +2168,39 @@
           <a:lstStyle>
             <a:lvl1pPr marL="0" indent="0">
               <a:buNone/>
-              <a:defRPr sz="1800" b="1"/>
+              <a:defRPr sz="4267" b="1"/>
             </a:lvl1pPr>
-            <a:lvl2pPr marL="342900" indent="0">
+            <a:lvl2pPr marL="812810" indent="0">
               <a:buNone/>
-              <a:defRPr sz="1500" b="1"/>
+              <a:defRPr sz="3556" b="1"/>
             </a:lvl2pPr>
-            <a:lvl3pPr marL="685800" indent="0">
+            <a:lvl3pPr marL="1625620" indent="0">
               <a:buNone/>
-              <a:defRPr sz="1350" b="1"/>
+              <a:defRPr sz="3200" b="1"/>
             </a:lvl3pPr>
-            <a:lvl4pPr marL="1028700" indent="0">
+            <a:lvl4pPr marL="2438430" indent="0">
               <a:buNone/>
-              <a:defRPr sz="1200" b="1"/>
+              <a:defRPr sz="2844" b="1"/>
             </a:lvl4pPr>
-            <a:lvl5pPr marL="1371600" indent="0">
+            <a:lvl5pPr marL="3251241" indent="0">
               <a:buNone/>
-              <a:defRPr sz="1200" b="1"/>
+              <a:defRPr sz="2844" b="1"/>
             </a:lvl5pPr>
-            <a:lvl6pPr marL="1714500" indent="0">
+            <a:lvl6pPr marL="4064051" indent="0">
               <a:buNone/>
-              <a:defRPr sz="1200" b="1"/>
+              <a:defRPr sz="2844" b="1"/>
             </a:lvl6pPr>
-            <a:lvl7pPr marL="2057400" indent="0">
+            <a:lvl7pPr marL="4876861" indent="0">
               <a:buNone/>
-              <a:defRPr sz="1200" b="1"/>
+              <a:defRPr sz="2844" b="1"/>
             </a:lvl7pPr>
-            <a:lvl8pPr marL="2400300" indent="0">
+            <a:lvl8pPr marL="5689671" indent="0">
               <a:buNone/>
-              <a:defRPr sz="1200" b="1"/>
+              <a:defRPr sz="2844" b="1"/>
             </a:lvl8pPr>
-            <a:lvl9pPr marL="2743200" indent="0">
+            <a:lvl9pPr marL="6502481" indent="0">
               <a:buNone/>
-              <a:defRPr sz="1200" b="1"/>
+              <a:defRPr sz="2844" b="1"/>
             </a:lvl9pPr>
           </a:lstStyle>
           <a:p>
@@ -2199,8 +2224,8 @@
         </p:nvSpPr>
         <p:spPr>
           <a:xfrm>
-            <a:off x="472381" y="4453467"/>
-            <a:ext cx="2901255" cy="6550379"/>
+            <a:off x="1119719" y="4453467"/>
+            <a:ext cx="6877049" cy="6550379"/>
           </a:xfrm>
         </p:spPr>
         <p:txBody>
@@ -2256,8 +2281,8 @@
         </p:nvSpPr>
         <p:spPr>
           <a:xfrm>
-            <a:off x="3471863" y="2988734"/>
-            <a:ext cx="2915543" cy="1464732"/>
+            <a:off x="8229601" y="2988734"/>
+            <a:ext cx="6910917" cy="1464732"/>
           </a:xfrm>
         </p:spPr>
         <p:txBody>
@@ -2265,39 +2290,39 @@
           <a:lstStyle>
             <a:lvl1pPr marL="0" indent="0">
               <a:buNone/>
-              <a:defRPr sz="1800" b="1"/>
+              <a:defRPr sz="4267" b="1"/>
             </a:lvl1pPr>
-            <a:lvl2pPr marL="342900" indent="0">
+            <a:lvl2pPr marL="812810" indent="0">
               <a:buNone/>
-              <a:defRPr sz="1500" b="1"/>
+              <a:defRPr sz="3556" b="1"/>
             </a:lvl2pPr>
-            <a:lvl3pPr marL="685800" indent="0">
+            <a:lvl3pPr marL="1625620" indent="0">
               <a:buNone/>
-              <a:defRPr sz="1350" b="1"/>
+              <a:defRPr sz="3200" b="1"/>
             </a:lvl3pPr>
-            <a:lvl4pPr marL="1028700" indent="0">
+            <a:lvl4pPr marL="2438430" indent="0">
               <a:buNone/>
-              <a:defRPr sz="1200" b="1"/>
+              <a:defRPr sz="2844" b="1"/>
             </a:lvl4pPr>
-            <a:lvl5pPr marL="1371600" indent="0">
+            <a:lvl5pPr marL="3251241" indent="0">
               <a:buNone/>
-              <a:defRPr sz="1200" b="1"/>
+              <a:defRPr sz="2844" b="1"/>
             </a:lvl5pPr>
-            <a:lvl6pPr marL="1714500" indent="0">
+            <a:lvl6pPr marL="4064051" indent="0">
               <a:buNone/>
-              <a:defRPr sz="1200" b="1"/>
+              <a:defRPr sz="2844" b="1"/>
             </a:lvl6pPr>
-            <a:lvl7pPr marL="2057400" indent="0">
+            <a:lvl7pPr marL="4876861" indent="0">
               <a:buNone/>
-              <a:defRPr sz="1200" b="1"/>
+              <a:defRPr sz="2844" b="1"/>
             </a:lvl7pPr>
-            <a:lvl8pPr marL="2400300" indent="0">
+            <a:lvl8pPr marL="5689671" indent="0">
               <a:buNone/>
-              <a:defRPr sz="1200" b="1"/>
+              <a:defRPr sz="2844" b="1"/>
             </a:lvl8pPr>
-            <a:lvl9pPr marL="2743200" indent="0">
+            <a:lvl9pPr marL="6502481" indent="0">
               <a:buNone/>
-              <a:defRPr sz="1200" b="1"/>
+              <a:defRPr sz="2844" b="1"/>
             </a:lvl9pPr>
           </a:lstStyle>
           <a:p>
@@ -2321,8 +2346,8 @@
         </p:nvSpPr>
         <p:spPr>
           <a:xfrm>
-            <a:off x="3471863" y="4453467"/>
-            <a:ext cx="2915543" cy="6550379"/>
+            <a:off x="8229601" y="4453467"/>
+            <a:ext cx="6910917" cy="6550379"/>
           </a:xfrm>
         </p:spPr>
         <p:txBody>
@@ -2383,7 +2408,7 @@
           <a:p>
             <a:fld id="{853B8C5F-1182-6249-8FE3-92AD81B8E82A}" type="datetimeFigureOut">
               <a:rPr lang="en-GB" smtClean="0"/>
-              <a:t>19/11/2022</a:t>
+              <a:t>20/11/2022</a:t>
             </a:fld>
             <a:endParaRPr lang="en-GB"/>
           </a:p>
@@ -2434,7 +2459,7 @@
     </p:spTree>
     <p:extLst>
       <p:ext uri="{BB962C8B-B14F-4D97-AF65-F5344CB8AC3E}">
-        <p14:creationId xmlns:p14="http://schemas.microsoft.com/office/powerpoint/2010/main" val="2038769209"/>
+        <p14:creationId xmlns:p14="http://schemas.microsoft.com/office/powerpoint/2010/main" val="4005740885"/>
       </p:ext>
     </p:extLst>
   </p:cSld>
@@ -2501,7 +2526,7 @@
           <a:p>
             <a:fld id="{853B8C5F-1182-6249-8FE3-92AD81B8E82A}" type="datetimeFigureOut">
               <a:rPr lang="en-GB" smtClean="0"/>
-              <a:t>19/11/2022</a:t>
+              <a:t>20/11/2022</a:t>
             </a:fld>
             <a:endParaRPr lang="en-GB"/>
           </a:p>
@@ -2552,7 +2577,7 @@
     </p:spTree>
     <p:extLst>
       <p:ext uri="{BB962C8B-B14F-4D97-AF65-F5344CB8AC3E}">
-        <p14:creationId xmlns:p14="http://schemas.microsoft.com/office/powerpoint/2010/main" val="1743352067"/>
+        <p14:creationId xmlns:p14="http://schemas.microsoft.com/office/powerpoint/2010/main" val="2535197504"/>
       </p:ext>
     </p:extLst>
   </p:cSld>
@@ -2596,7 +2621,7 @@
           <a:p>
             <a:fld id="{853B8C5F-1182-6249-8FE3-92AD81B8E82A}" type="datetimeFigureOut">
               <a:rPr lang="en-GB" smtClean="0"/>
-              <a:t>19/11/2022</a:t>
+              <a:t>20/11/2022</a:t>
             </a:fld>
             <a:endParaRPr lang="en-GB"/>
           </a:p>
@@ -2647,7 +2672,7 @@
     </p:spTree>
     <p:extLst>
       <p:ext uri="{BB962C8B-B14F-4D97-AF65-F5344CB8AC3E}">
-        <p14:creationId xmlns:p14="http://schemas.microsoft.com/office/powerpoint/2010/main" val="2288357499"/>
+        <p14:creationId xmlns:p14="http://schemas.microsoft.com/office/powerpoint/2010/main" val="1807746989"/>
       </p:ext>
     </p:extLst>
   </p:cSld>
@@ -2686,15 +2711,15 @@
         </p:nvSpPr>
         <p:spPr>
           <a:xfrm>
-            <a:off x="472381" y="812800"/>
-            <a:ext cx="2211884" cy="2844800"/>
+            <a:off x="1119717" y="812800"/>
+            <a:ext cx="5242983" cy="2844800"/>
           </a:xfrm>
         </p:spPr>
         <p:txBody>
           <a:bodyPr anchor="b"/>
           <a:lstStyle>
             <a:lvl1pPr>
-              <a:defRPr sz="2400"/>
+              <a:defRPr sz="5689"/>
             </a:lvl1pPr>
           </a:lstStyle>
           <a:p>
@@ -2718,39 +2743,39 @@
         </p:nvSpPr>
         <p:spPr>
           <a:xfrm>
-            <a:off x="2915543" y="1755425"/>
-            <a:ext cx="3471863" cy="8664222"/>
+            <a:off x="6910917" y="1755425"/>
+            <a:ext cx="8229600" cy="8664222"/>
           </a:xfrm>
         </p:spPr>
         <p:txBody>
           <a:bodyPr/>
           <a:lstStyle>
             <a:lvl1pPr>
-              <a:defRPr sz="2400"/>
+              <a:defRPr sz="5689"/>
             </a:lvl1pPr>
             <a:lvl2pPr>
-              <a:defRPr sz="2100"/>
+              <a:defRPr sz="4978"/>
             </a:lvl2pPr>
             <a:lvl3pPr>
-              <a:defRPr sz="1800"/>
+              <a:defRPr sz="4267"/>
             </a:lvl3pPr>
             <a:lvl4pPr>
-              <a:defRPr sz="1500"/>
+              <a:defRPr sz="3556"/>
             </a:lvl4pPr>
             <a:lvl5pPr>
-              <a:defRPr sz="1500"/>
+              <a:defRPr sz="3556"/>
             </a:lvl5pPr>
             <a:lvl6pPr>
-              <a:defRPr sz="1500"/>
+              <a:defRPr sz="3556"/>
             </a:lvl6pPr>
             <a:lvl7pPr>
-              <a:defRPr sz="1500"/>
+              <a:defRPr sz="3556"/>
             </a:lvl7pPr>
             <a:lvl8pPr>
-              <a:defRPr sz="1500"/>
+              <a:defRPr sz="3556"/>
             </a:lvl8pPr>
             <a:lvl9pPr>
-              <a:defRPr sz="1500"/>
+              <a:defRPr sz="3556"/>
             </a:lvl9pPr>
           </a:lstStyle>
           <a:p>
@@ -2803,8 +2828,8 @@
         </p:nvSpPr>
         <p:spPr>
           <a:xfrm>
-            <a:off x="472381" y="3657600"/>
-            <a:ext cx="2211884" cy="6776156"/>
+            <a:off x="1119717" y="3657600"/>
+            <a:ext cx="5242983" cy="6776156"/>
           </a:xfrm>
         </p:spPr>
         <p:txBody>
@@ -2812,39 +2837,39 @@
           <a:lstStyle>
             <a:lvl1pPr marL="0" indent="0">
               <a:buNone/>
-              <a:defRPr sz="1200"/>
+              <a:defRPr sz="2844"/>
             </a:lvl1pPr>
-            <a:lvl2pPr marL="342900" indent="0">
+            <a:lvl2pPr marL="812810" indent="0">
               <a:buNone/>
-              <a:defRPr sz="1050"/>
+              <a:defRPr sz="2489"/>
             </a:lvl2pPr>
-            <a:lvl3pPr marL="685800" indent="0">
+            <a:lvl3pPr marL="1625620" indent="0">
               <a:buNone/>
-              <a:defRPr sz="900"/>
+              <a:defRPr sz="2133"/>
             </a:lvl3pPr>
-            <a:lvl4pPr marL="1028700" indent="0">
+            <a:lvl4pPr marL="2438430" indent="0">
               <a:buNone/>
-              <a:defRPr sz="750"/>
+              <a:defRPr sz="1778"/>
             </a:lvl4pPr>
-            <a:lvl5pPr marL="1371600" indent="0">
+            <a:lvl5pPr marL="3251241" indent="0">
               <a:buNone/>
-              <a:defRPr sz="750"/>
+              <a:defRPr sz="1778"/>
             </a:lvl5pPr>
-            <a:lvl6pPr marL="1714500" indent="0">
+            <a:lvl6pPr marL="4064051" indent="0">
               <a:buNone/>
-              <a:defRPr sz="750"/>
+              <a:defRPr sz="1778"/>
             </a:lvl6pPr>
-            <a:lvl7pPr marL="2057400" indent="0">
+            <a:lvl7pPr marL="4876861" indent="0">
               <a:buNone/>
-              <a:defRPr sz="750"/>
+              <a:defRPr sz="1778"/>
             </a:lvl7pPr>
-            <a:lvl8pPr marL="2400300" indent="0">
+            <a:lvl8pPr marL="5689671" indent="0">
               <a:buNone/>
-              <a:defRPr sz="750"/>
+              <a:defRPr sz="1778"/>
             </a:lvl8pPr>
-            <a:lvl9pPr marL="2743200" indent="0">
+            <a:lvl9pPr marL="6502481" indent="0">
               <a:buNone/>
-              <a:defRPr sz="750"/>
+              <a:defRPr sz="1778"/>
             </a:lvl9pPr>
           </a:lstStyle>
           <a:p>
@@ -2873,7 +2898,7 @@
           <a:p>
             <a:fld id="{853B8C5F-1182-6249-8FE3-92AD81B8E82A}" type="datetimeFigureOut">
               <a:rPr lang="en-GB" smtClean="0"/>
-              <a:t>19/11/2022</a:t>
+              <a:t>20/11/2022</a:t>
             </a:fld>
             <a:endParaRPr lang="en-GB"/>
           </a:p>
@@ -2924,7 +2949,7 @@
     </p:spTree>
     <p:extLst>
       <p:ext uri="{BB962C8B-B14F-4D97-AF65-F5344CB8AC3E}">
-        <p14:creationId xmlns:p14="http://schemas.microsoft.com/office/powerpoint/2010/main" val="179950023"/>
+        <p14:creationId xmlns:p14="http://schemas.microsoft.com/office/powerpoint/2010/main" val="910537214"/>
       </p:ext>
     </p:extLst>
   </p:cSld>
@@ -2963,15 +2988,15 @@
         </p:nvSpPr>
         <p:spPr>
           <a:xfrm>
-            <a:off x="472381" y="812800"/>
-            <a:ext cx="2211884" cy="2844800"/>
+            <a:off x="1119717" y="812800"/>
+            <a:ext cx="5242983" cy="2844800"/>
           </a:xfrm>
         </p:spPr>
         <p:txBody>
           <a:bodyPr anchor="b"/>
           <a:lstStyle>
             <a:lvl1pPr>
-              <a:defRPr sz="2400"/>
+              <a:defRPr sz="5689"/>
             </a:lvl1pPr>
           </a:lstStyle>
           <a:p>
@@ -2995,8 +3020,8 @@
         </p:nvSpPr>
         <p:spPr>
           <a:xfrm>
-            <a:off x="2915543" y="1755425"/>
-            <a:ext cx="3471863" cy="8664222"/>
+            <a:off x="6910917" y="1755425"/>
+            <a:ext cx="8229600" cy="8664222"/>
           </a:xfrm>
         </p:spPr>
         <p:txBody>
@@ -3004,39 +3029,39 @@
           <a:lstStyle>
             <a:lvl1pPr marL="0" indent="0">
               <a:buNone/>
-              <a:defRPr sz="2400"/>
+              <a:defRPr sz="5689"/>
             </a:lvl1pPr>
-            <a:lvl2pPr marL="342900" indent="0">
+            <a:lvl2pPr marL="812810" indent="0">
               <a:buNone/>
-              <a:defRPr sz="2100"/>
+              <a:defRPr sz="4978"/>
             </a:lvl2pPr>
-            <a:lvl3pPr marL="685800" indent="0">
+            <a:lvl3pPr marL="1625620" indent="0">
               <a:buNone/>
-              <a:defRPr sz="1800"/>
+              <a:defRPr sz="4267"/>
             </a:lvl3pPr>
-            <a:lvl4pPr marL="1028700" indent="0">
+            <a:lvl4pPr marL="2438430" indent="0">
               <a:buNone/>
-              <a:defRPr sz="1500"/>
+              <a:defRPr sz="3556"/>
             </a:lvl4pPr>
-            <a:lvl5pPr marL="1371600" indent="0">
+            <a:lvl5pPr marL="3251241" indent="0">
               <a:buNone/>
-              <a:defRPr sz="1500"/>
+              <a:defRPr sz="3556"/>
             </a:lvl5pPr>
-            <a:lvl6pPr marL="1714500" indent="0">
+            <a:lvl6pPr marL="4064051" indent="0">
               <a:buNone/>
-              <a:defRPr sz="1500"/>
+              <a:defRPr sz="3556"/>
             </a:lvl6pPr>
-            <a:lvl7pPr marL="2057400" indent="0">
+            <a:lvl7pPr marL="4876861" indent="0">
               <a:buNone/>
-              <a:defRPr sz="1500"/>
+              <a:defRPr sz="3556"/>
             </a:lvl7pPr>
-            <a:lvl8pPr marL="2400300" indent="0">
+            <a:lvl8pPr marL="5689671" indent="0">
               <a:buNone/>
-              <a:defRPr sz="1500"/>
+              <a:defRPr sz="3556"/>
             </a:lvl8pPr>
-            <a:lvl9pPr marL="2743200" indent="0">
+            <a:lvl9pPr marL="6502481" indent="0">
               <a:buNone/>
-              <a:defRPr sz="1500"/>
+              <a:defRPr sz="3556"/>
             </a:lvl9pPr>
           </a:lstStyle>
           <a:p>
@@ -3060,8 +3085,8 @@
         </p:nvSpPr>
         <p:spPr>
           <a:xfrm>
-            <a:off x="472381" y="3657600"/>
-            <a:ext cx="2211884" cy="6776156"/>
+            <a:off x="1119717" y="3657600"/>
+            <a:ext cx="5242983" cy="6776156"/>
           </a:xfrm>
         </p:spPr>
         <p:txBody>
@@ -3069,39 +3094,39 @@
           <a:lstStyle>
             <a:lvl1pPr marL="0" indent="0">
               <a:buNone/>
-              <a:defRPr sz="1200"/>
+              <a:defRPr sz="2844"/>
             </a:lvl1pPr>
-            <a:lvl2pPr marL="342900" indent="0">
+            <a:lvl2pPr marL="812810" indent="0">
               <a:buNone/>
-              <a:defRPr sz="1050"/>
+              <a:defRPr sz="2489"/>
             </a:lvl2pPr>
-            <a:lvl3pPr marL="685800" indent="0">
+            <a:lvl3pPr marL="1625620" indent="0">
               <a:buNone/>
-              <a:defRPr sz="900"/>
+              <a:defRPr sz="2133"/>
             </a:lvl3pPr>
-            <a:lvl4pPr marL="1028700" indent="0">
+            <a:lvl4pPr marL="2438430" indent="0">
               <a:buNone/>
-              <a:defRPr sz="750"/>
+              <a:defRPr sz="1778"/>
             </a:lvl4pPr>
-            <a:lvl5pPr marL="1371600" indent="0">
+            <a:lvl5pPr marL="3251241" indent="0">
               <a:buNone/>
-              <a:defRPr sz="750"/>
+              <a:defRPr sz="1778"/>
             </a:lvl5pPr>
-            <a:lvl6pPr marL="1714500" indent="0">
+            <a:lvl6pPr marL="4064051" indent="0">
               <a:buNone/>
-              <a:defRPr sz="750"/>
+              <a:defRPr sz="1778"/>
             </a:lvl6pPr>
-            <a:lvl7pPr marL="2057400" indent="0">
+            <a:lvl7pPr marL="4876861" indent="0">
               <a:buNone/>
-              <a:defRPr sz="750"/>
+              <a:defRPr sz="1778"/>
             </a:lvl7pPr>
-            <a:lvl8pPr marL="2400300" indent="0">
+            <a:lvl8pPr marL="5689671" indent="0">
               <a:buNone/>
-              <a:defRPr sz="750"/>
+              <a:defRPr sz="1778"/>
             </a:lvl8pPr>
-            <a:lvl9pPr marL="2743200" indent="0">
+            <a:lvl9pPr marL="6502481" indent="0">
               <a:buNone/>
-              <a:defRPr sz="750"/>
+              <a:defRPr sz="1778"/>
             </a:lvl9pPr>
           </a:lstStyle>
           <a:p>
@@ -3130,7 +3155,7 @@
           <a:p>
             <a:fld id="{853B8C5F-1182-6249-8FE3-92AD81B8E82A}" type="datetimeFigureOut">
               <a:rPr lang="en-GB" smtClean="0"/>
-              <a:t>19/11/2022</a:t>
+              <a:t>20/11/2022</a:t>
             </a:fld>
             <a:endParaRPr lang="en-GB"/>
           </a:p>
@@ -3181,7 +3206,7 @@
     </p:spTree>
     <p:extLst>
       <p:ext uri="{BB962C8B-B14F-4D97-AF65-F5344CB8AC3E}">
-        <p14:creationId xmlns:p14="http://schemas.microsoft.com/office/powerpoint/2010/main" val="2476888758"/>
+        <p14:creationId xmlns:p14="http://schemas.microsoft.com/office/powerpoint/2010/main" val="782105019"/>
       </p:ext>
     </p:extLst>
   </p:cSld>
@@ -3225,8 +3250,8 @@
         </p:nvSpPr>
         <p:spPr>
           <a:xfrm>
-            <a:off x="471488" y="649114"/>
-            <a:ext cx="5915025" cy="2356556"/>
+            <a:off x="1117600" y="649114"/>
+            <a:ext cx="14020800" cy="2356556"/>
           </a:xfrm>
           <a:prstGeom prst="rect">
             <a:avLst/>
@@ -3258,8 +3283,8 @@
         </p:nvSpPr>
         <p:spPr>
           <a:xfrm>
-            <a:off x="471488" y="3245556"/>
-            <a:ext cx="5915025" cy="7735712"/>
+            <a:off x="1117600" y="3245556"/>
+            <a:ext cx="14020800" cy="7735712"/>
           </a:xfrm>
           <a:prstGeom prst="rect">
             <a:avLst/>
@@ -3320,8 +3345,8 @@
         </p:nvSpPr>
         <p:spPr>
           <a:xfrm>
-            <a:off x="471488" y="11300181"/>
-            <a:ext cx="1543050" cy="649111"/>
+            <a:off x="1117600" y="11300181"/>
+            <a:ext cx="3657600" cy="649111"/>
           </a:xfrm>
           <a:prstGeom prst="rect">
             <a:avLst/>
@@ -3331,7 +3356,7 @@
           <a:bodyPr vert="horz" lIns="91440" tIns="45720" rIns="91440" bIns="45720" rtlCol="0" anchor="ctr"/>
           <a:lstStyle>
             <a:lvl1pPr algn="l">
-              <a:defRPr sz="900">
+              <a:defRPr sz="2133">
                 <a:solidFill>
                   <a:schemeClr val="tx1">
                     <a:tint val="75000"/>
@@ -3343,7 +3368,7 @@
           <a:p>
             <a:fld id="{853B8C5F-1182-6249-8FE3-92AD81B8E82A}" type="datetimeFigureOut">
               <a:rPr lang="en-GB" smtClean="0"/>
-              <a:t>19/11/2022</a:t>
+              <a:t>20/11/2022</a:t>
             </a:fld>
             <a:endParaRPr lang="en-GB"/>
           </a:p>
@@ -3361,8 +3386,8 @@
         </p:nvSpPr>
         <p:spPr>
           <a:xfrm>
-            <a:off x="2271713" y="11300181"/>
-            <a:ext cx="2314575" cy="649111"/>
+            <a:off x="5384800" y="11300181"/>
+            <a:ext cx="5486400" cy="649111"/>
           </a:xfrm>
           <a:prstGeom prst="rect">
             <a:avLst/>
@@ -3372,7 +3397,7 @@
           <a:bodyPr vert="horz" lIns="91440" tIns="45720" rIns="91440" bIns="45720" rtlCol="0" anchor="ctr"/>
           <a:lstStyle>
             <a:lvl1pPr algn="ctr">
-              <a:defRPr sz="900">
+              <a:defRPr sz="2133">
                 <a:solidFill>
                   <a:schemeClr val="tx1">
                     <a:tint val="75000"/>
@@ -3398,8 +3423,8 @@
         </p:nvSpPr>
         <p:spPr>
           <a:xfrm>
-            <a:off x="4843463" y="11300181"/>
-            <a:ext cx="1543050" cy="649111"/>
+            <a:off x="11480800" y="11300181"/>
+            <a:ext cx="3657600" cy="649111"/>
           </a:xfrm>
           <a:prstGeom prst="rect">
             <a:avLst/>
@@ -3409,7 +3434,7 @@
           <a:bodyPr vert="horz" lIns="91440" tIns="45720" rIns="91440" bIns="45720" rtlCol="0" anchor="ctr"/>
           <a:lstStyle>
             <a:lvl1pPr algn="r">
-              <a:defRPr sz="900">
+              <a:defRPr sz="2133">
                 <a:solidFill>
                   <a:schemeClr val="tx1">
                     <a:tint val="75000"/>
@@ -3430,27 +3455,27 @@
     </p:spTree>
     <p:extLst>
       <p:ext uri="{BB962C8B-B14F-4D97-AF65-F5344CB8AC3E}">
-        <p14:creationId xmlns:p14="http://schemas.microsoft.com/office/powerpoint/2010/main" val="1503743983"/>
+        <p14:creationId xmlns:p14="http://schemas.microsoft.com/office/powerpoint/2010/main" val="2740018189"/>
       </p:ext>
     </p:extLst>
   </p:cSld>
   <p:clrMap bg1="lt1" tx1="dk1" bg2="lt2" tx2="dk2" accent1="accent1" accent2="accent2" accent3="accent3" accent4="accent4" accent5="accent5" accent6="accent6" hlink="hlink" folHlink="folHlink"/>
   <p:sldLayoutIdLst>
-    <p:sldLayoutId id="2147483661" r:id="rId1"/>
-    <p:sldLayoutId id="2147483662" r:id="rId2"/>
-    <p:sldLayoutId id="2147483663" r:id="rId3"/>
-    <p:sldLayoutId id="2147483664" r:id="rId4"/>
-    <p:sldLayoutId id="2147483665" r:id="rId5"/>
-    <p:sldLayoutId id="2147483666" r:id="rId6"/>
-    <p:sldLayoutId id="2147483667" r:id="rId7"/>
-    <p:sldLayoutId id="2147483668" r:id="rId8"/>
-    <p:sldLayoutId id="2147483669" r:id="rId9"/>
-    <p:sldLayoutId id="2147483670" r:id="rId10"/>
-    <p:sldLayoutId id="2147483671" r:id="rId11"/>
+    <p:sldLayoutId id="2147483673" r:id="rId1"/>
+    <p:sldLayoutId id="2147483674" r:id="rId2"/>
+    <p:sldLayoutId id="2147483675" r:id="rId3"/>
+    <p:sldLayoutId id="2147483676" r:id="rId4"/>
+    <p:sldLayoutId id="2147483677" r:id="rId5"/>
+    <p:sldLayoutId id="2147483678" r:id="rId6"/>
+    <p:sldLayoutId id="2147483679" r:id="rId7"/>
+    <p:sldLayoutId id="2147483680" r:id="rId8"/>
+    <p:sldLayoutId id="2147483681" r:id="rId9"/>
+    <p:sldLayoutId id="2147483682" r:id="rId10"/>
+    <p:sldLayoutId id="2147483683" r:id="rId11"/>
   </p:sldLayoutIdLst>
   <p:txStyles>
     <p:titleStyle>
-      <a:lvl1pPr algn="l" defTabSz="685800" rtl="0" eaLnBrk="1" latinLnBrk="0" hangingPunct="1">
+      <a:lvl1pPr algn="l" defTabSz="1625620" rtl="0" eaLnBrk="1" latinLnBrk="0" hangingPunct="1">
         <a:lnSpc>
           <a:spcPct val="90000"/>
         </a:lnSpc>
@@ -3458,7 +3483,7 @@
           <a:spcPct val="0"/>
         </a:spcBef>
         <a:buNone/>
-        <a:defRPr sz="3300" kern="1200">
+        <a:defRPr sz="7822" kern="1200">
           <a:solidFill>
             <a:schemeClr val="tx1"/>
           </a:solidFill>
@@ -3469,16 +3494,16 @@
       </a:lvl1pPr>
     </p:titleStyle>
     <p:bodyStyle>
-      <a:lvl1pPr marL="171450" indent="-171450" algn="l" defTabSz="685800" rtl="0" eaLnBrk="1" latinLnBrk="0" hangingPunct="1">
+      <a:lvl1pPr marL="406405" indent="-406405" algn="l" defTabSz="1625620" rtl="0" eaLnBrk="1" latinLnBrk="0" hangingPunct="1">
         <a:lnSpc>
           <a:spcPct val="90000"/>
         </a:lnSpc>
         <a:spcBef>
-          <a:spcPts val="750"/>
+          <a:spcPts val="1778"/>
         </a:spcBef>
         <a:buFont typeface="Arial" panose="020B0604020202020204" pitchFamily="34" charset="0"/>
         <a:buChar char="•"/>
-        <a:defRPr sz="2100" kern="1200">
+        <a:defRPr sz="4978" kern="1200">
           <a:solidFill>
             <a:schemeClr val="tx1"/>
           </a:solidFill>
@@ -3487,16 +3512,16 @@
           <a:cs typeface="+mn-cs"/>
         </a:defRPr>
       </a:lvl1pPr>
-      <a:lvl2pPr marL="514350" indent="-171450" algn="l" defTabSz="685800" rtl="0" eaLnBrk="1" latinLnBrk="0" hangingPunct="1">
+      <a:lvl2pPr marL="1219215" indent="-406405" algn="l" defTabSz="1625620" rtl="0" eaLnBrk="1" latinLnBrk="0" hangingPunct="1">
         <a:lnSpc>
           <a:spcPct val="90000"/>
         </a:lnSpc>
         <a:spcBef>
-          <a:spcPts val="375"/>
+          <a:spcPts val="889"/>
         </a:spcBef>
         <a:buFont typeface="Arial" panose="020B0604020202020204" pitchFamily="34" charset="0"/>
         <a:buChar char="•"/>
-        <a:defRPr sz="1800" kern="1200">
+        <a:defRPr sz="4267" kern="1200">
           <a:solidFill>
             <a:schemeClr val="tx1"/>
           </a:solidFill>
@@ -3505,16 +3530,16 @@
           <a:cs typeface="+mn-cs"/>
         </a:defRPr>
       </a:lvl2pPr>
-      <a:lvl3pPr marL="857250" indent="-171450" algn="l" defTabSz="685800" rtl="0" eaLnBrk="1" latinLnBrk="0" hangingPunct="1">
+      <a:lvl3pPr marL="2032025" indent="-406405" algn="l" defTabSz="1625620" rtl="0" eaLnBrk="1" latinLnBrk="0" hangingPunct="1">
         <a:lnSpc>
           <a:spcPct val="90000"/>
         </a:lnSpc>
         <a:spcBef>
-          <a:spcPts val="375"/>
+          <a:spcPts val="889"/>
         </a:spcBef>
         <a:buFont typeface="Arial" panose="020B0604020202020204" pitchFamily="34" charset="0"/>
         <a:buChar char="•"/>
-        <a:defRPr sz="1500" kern="1200">
+        <a:defRPr sz="3556" kern="1200">
           <a:solidFill>
             <a:schemeClr val="tx1"/>
           </a:solidFill>
@@ -3523,16 +3548,16 @@
           <a:cs typeface="+mn-cs"/>
         </a:defRPr>
       </a:lvl3pPr>
-      <a:lvl4pPr marL="1200150" indent="-171450" algn="l" defTabSz="685800" rtl="0" eaLnBrk="1" latinLnBrk="0" hangingPunct="1">
+      <a:lvl4pPr marL="2844836" indent="-406405" algn="l" defTabSz="1625620" rtl="0" eaLnBrk="1" latinLnBrk="0" hangingPunct="1">
         <a:lnSpc>
           <a:spcPct val="90000"/>
         </a:lnSpc>
         <a:spcBef>
-          <a:spcPts val="375"/>
+          <a:spcPts val="889"/>
         </a:spcBef>
         <a:buFont typeface="Arial" panose="020B0604020202020204" pitchFamily="34" charset="0"/>
         <a:buChar char="•"/>
-        <a:defRPr sz="1350" kern="1200">
+        <a:defRPr sz="3200" kern="1200">
           <a:solidFill>
             <a:schemeClr val="tx1"/>
           </a:solidFill>
@@ -3541,16 +3566,16 @@
           <a:cs typeface="+mn-cs"/>
         </a:defRPr>
       </a:lvl4pPr>
-      <a:lvl5pPr marL="1543050" indent="-171450" algn="l" defTabSz="685800" rtl="0" eaLnBrk="1" latinLnBrk="0" hangingPunct="1">
+      <a:lvl5pPr marL="3657646" indent="-406405" algn="l" defTabSz="1625620" rtl="0" eaLnBrk="1" latinLnBrk="0" hangingPunct="1">
         <a:lnSpc>
           <a:spcPct val="90000"/>
         </a:lnSpc>
         <a:spcBef>
-          <a:spcPts val="375"/>
+          <a:spcPts val="889"/>
         </a:spcBef>
         <a:buFont typeface="Arial" panose="020B0604020202020204" pitchFamily="34" charset="0"/>
         <a:buChar char="•"/>
-        <a:defRPr sz="1350" kern="1200">
+        <a:defRPr sz="3200" kern="1200">
           <a:solidFill>
             <a:schemeClr val="tx1"/>
           </a:solidFill>
@@ -3559,16 +3584,16 @@
           <a:cs typeface="+mn-cs"/>
         </a:defRPr>
       </a:lvl5pPr>
-      <a:lvl6pPr marL="1885950" indent="-171450" algn="l" defTabSz="685800" rtl="0" eaLnBrk="1" latinLnBrk="0" hangingPunct="1">
+      <a:lvl6pPr marL="4470456" indent="-406405" algn="l" defTabSz="1625620" rtl="0" eaLnBrk="1" latinLnBrk="0" hangingPunct="1">
         <a:lnSpc>
           <a:spcPct val="90000"/>
         </a:lnSpc>
         <a:spcBef>
-          <a:spcPts val="375"/>
+          <a:spcPts val="889"/>
         </a:spcBef>
         <a:buFont typeface="Arial" panose="020B0604020202020204" pitchFamily="34" charset="0"/>
         <a:buChar char="•"/>
-        <a:defRPr sz="1350" kern="1200">
+        <a:defRPr sz="3200" kern="1200">
           <a:solidFill>
             <a:schemeClr val="tx1"/>
           </a:solidFill>
@@ -3577,16 +3602,16 @@
           <a:cs typeface="+mn-cs"/>
         </a:defRPr>
       </a:lvl6pPr>
-      <a:lvl7pPr marL="2228850" indent="-171450" algn="l" defTabSz="685800" rtl="0" eaLnBrk="1" latinLnBrk="0" hangingPunct="1">
+      <a:lvl7pPr marL="5283266" indent="-406405" algn="l" defTabSz="1625620" rtl="0" eaLnBrk="1" latinLnBrk="0" hangingPunct="1">
         <a:lnSpc>
           <a:spcPct val="90000"/>
         </a:lnSpc>
         <a:spcBef>
-          <a:spcPts val="375"/>
+          <a:spcPts val="889"/>
         </a:spcBef>
         <a:buFont typeface="Arial" panose="020B0604020202020204" pitchFamily="34" charset="0"/>
         <a:buChar char="•"/>
-        <a:defRPr sz="1350" kern="1200">
+        <a:defRPr sz="3200" kern="1200">
           <a:solidFill>
             <a:schemeClr val="tx1"/>
           </a:solidFill>
@@ -3595,16 +3620,16 @@
           <a:cs typeface="+mn-cs"/>
         </a:defRPr>
       </a:lvl7pPr>
-      <a:lvl8pPr marL="2571750" indent="-171450" algn="l" defTabSz="685800" rtl="0" eaLnBrk="1" latinLnBrk="0" hangingPunct="1">
+      <a:lvl8pPr marL="6096076" indent="-406405" algn="l" defTabSz="1625620" rtl="0" eaLnBrk="1" latinLnBrk="0" hangingPunct="1">
         <a:lnSpc>
           <a:spcPct val="90000"/>
         </a:lnSpc>
         <a:spcBef>
-          <a:spcPts val="375"/>
+          <a:spcPts val="889"/>
         </a:spcBef>
         <a:buFont typeface="Arial" panose="020B0604020202020204" pitchFamily="34" charset="0"/>
         <a:buChar char="•"/>
-        <a:defRPr sz="1350" kern="1200">
+        <a:defRPr sz="3200" kern="1200">
           <a:solidFill>
             <a:schemeClr val="tx1"/>
           </a:solidFill>
@@ -3613,16 +3638,16 @@
           <a:cs typeface="+mn-cs"/>
         </a:defRPr>
       </a:lvl8pPr>
-      <a:lvl9pPr marL="2914650" indent="-171450" algn="l" defTabSz="685800" rtl="0" eaLnBrk="1" latinLnBrk="0" hangingPunct="1">
+      <a:lvl9pPr marL="6908886" indent="-406405" algn="l" defTabSz="1625620" rtl="0" eaLnBrk="1" latinLnBrk="0" hangingPunct="1">
         <a:lnSpc>
           <a:spcPct val="90000"/>
         </a:lnSpc>
         <a:spcBef>
-          <a:spcPts val="375"/>
+          <a:spcPts val="889"/>
         </a:spcBef>
         <a:buFont typeface="Arial" panose="020B0604020202020204" pitchFamily="34" charset="0"/>
         <a:buChar char="•"/>
-        <a:defRPr sz="1350" kern="1200">
+        <a:defRPr sz="3200" kern="1200">
           <a:solidFill>
             <a:schemeClr val="tx1"/>
           </a:solidFill>
@@ -3636,8 +3661,8 @@
       <a:defPPr>
         <a:defRPr lang="en-US"/>
       </a:defPPr>
-      <a:lvl1pPr marL="0" algn="l" defTabSz="685800" rtl="0" eaLnBrk="1" latinLnBrk="0" hangingPunct="1">
-        <a:defRPr sz="1350" kern="1200">
+      <a:lvl1pPr marL="0" algn="l" defTabSz="1625620" rtl="0" eaLnBrk="1" latinLnBrk="0" hangingPunct="1">
+        <a:defRPr sz="3200" kern="1200">
           <a:solidFill>
             <a:schemeClr val="tx1"/>
           </a:solidFill>
@@ -3646,8 +3671,8 @@
           <a:cs typeface="+mn-cs"/>
         </a:defRPr>
       </a:lvl1pPr>
-      <a:lvl2pPr marL="342900" algn="l" defTabSz="685800" rtl="0" eaLnBrk="1" latinLnBrk="0" hangingPunct="1">
-        <a:defRPr sz="1350" kern="1200">
+      <a:lvl2pPr marL="812810" algn="l" defTabSz="1625620" rtl="0" eaLnBrk="1" latinLnBrk="0" hangingPunct="1">
+        <a:defRPr sz="3200" kern="1200">
           <a:solidFill>
             <a:schemeClr val="tx1"/>
           </a:solidFill>
@@ -3656,8 +3681,8 @@
           <a:cs typeface="+mn-cs"/>
         </a:defRPr>
       </a:lvl2pPr>
-      <a:lvl3pPr marL="685800" algn="l" defTabSz="685800" rtl="0" eaLnBrk="1" latinLnBrk="0" hangingPunct="1">
-        <a:defRPr sz="1350" kern="1200">
+      <a:lvl3pPr marL="1625620" algn="l" defTabSz="1625620" rtl="0" eaLnBrk="1" latinLnBrk="0" hangingPunct="1">
+        <a:defRPr sz="3200" kern="1200">
           <a:solidFill>
             <a:schemeClr val="tx1"/>
           </a:solidFill>
@@ -3666,8 +3691,8 @@
           <a:cs typeface="+mn-cs"/>
         </a:defRPr>
       </a:lvl3pPr>
-      <a:lvl4pPr marL="1028700" algn="l" defTabSz="685800" rtl="0" eaLnBrk="1" latinLnBrk="0" hangingPunct="1">
-        <a:defRPr sz="1350" kern="1200">
+      <a:lvl4pPr marL="2438430" algn="l" defTabSz="1625620" rtl="0" eaLnBrk="1" latinLnBrk="0" hangingPunct="1">
+        <a:defRPr sz="3200" kern="1200">
           <a:solidFill>
             <a:schemeClr val="tx1"/>
           </a:solidFill>
@@ -3676,8 +3701,8 @@
           <a:cs typeface="+mn-cs"/>
         </a:defRPr>
       </a:lvl4pPr>
-      <a:lvl5pPr marL="1371600" algn="l" defTabSz="685800" rtl="0" eaLnBrk="1" latinLnBrk="0" hangingPunct="1">
-        <a:defRPr sz="1350" kern="1200">
+      <a:lvl5pPr marL="3251241" algn="l" defTabSz="1625620" rtl="0" eaLnBrk="1" latinLnBrk="0" hangingPunct="1">
+        <a:defRPr sz="3200" kern="1200">
           <a:solidFill>
             <a:schemeClr val="tx1"/>
           </a:solidFill>
@@ -3686,8 +3711,8 @@
           <a:cs typeface="+mn-cs"/>
         </a:defRPr>
       </a:lvl5pPr>
-      <a:lvl6pPr marL="1714500" algn="l" defTabSz="685800" rtl="0" eaLnBrk="1" latinLnBrk="0" hangingPunct="1">
-        <a:defRPr sz="1350" kern="1200">
+      <a:lvl6pPr marL="4064051" algn="l" defTabSz="1625620" rtl="0" eaLnBrk="1" latinLnBrk="0" hangingPunct="1">
+        <a:defRPr sz="3200" kern="1200">
           <a:solidFill>
             <a:schemeClr val="tx1"/>
           </a:solidFill>
@@ -3696,8 +3721,8 @@
           <a:cs typeface="+mn-cs"/>
         </a:defRPr>
       </a:lvl6pPr>
-      <a:lvl7pPr marL="2057400" algn="l" defTabSz="685800" rtl="0" eaLnBrk="1" latinLnBrk="0" hangingPunct="1">
-        <a:defRPr sz="1350" kern="1200">
+      <a:lvl7pPr marL="4876861" algn="l" defTabSz="1625620" rtl="0" eaLnBrk="1" latinLnBrk="0" hangingPunct="1">
+        <a:defRPr sz="3200" kern="1200">
           <a:solidFill>
             <a:schemeClr val="tx1"/>
           </a:solidFill>
@@ -3706,8 +3731,8 @@
           <a:cs typeface="+mn-cs"/>
         </a:defRPr>
       </a:lvl7pPr>
-      <a:lvl8pPr marL="2400300" algn="l" defTabSz="685800" rtl="0" eaLnBrk="1" latinLnBrk="0" hangingPunct="1">
-        <a:defRPr sz="1350" kern="1200">
+      <a:lvl8pPr marL="5689671" algn="l" defTabSz="1625620" rtl="0" eaLnBrk="1" latinLnBrk="0" hangingPunct="1">
+        <a:defRPr sz="3200" kern="1200">
           <a:solidFill>
             <a:schemeClr val="tx1"/>
           </a:solidFill>
@@ -3716,8 +3741,8 @@
           <a:cs typeface="+mn-cs"/>
         </a:defRPr>
       </a:lvl8pPr>
-      <a:lvl9pPr marL="2743200" algn="l" defTabSz="685800" rtl="0" eaLnBrk="1" latinLnBrk="0" hangingPunct="1">
-        <a:defRPr sz="1350" kern="1200">
+      <a:lvl9pPr marL="6502481" algn="l" defTabSz="1625620" rtl="0" eaLnBrk="1" latinLnBrk="0" hangingPunct="1">
+        <a:defRPr sz="3200" kern="1200">
           <a:solidFill>
             <a:schemeClr val="tx1"/>
           </a:solidFill>
@@ -3762,7 +3787,7 @@
         </p:nvGrpSpPr>
         <p:grpSpPr>
           <a:xfrm>
-            <a:off x="1686737" y="6579610"/>
+            <a:off x="6385737" y="6579610"/>
             <a:ext cx="1836000" cy="1476000"/>
             <a:chOff x="2602675" y="2251170"/>
             <a:chExt cx="1615044" cy="1372946"/>
@@ -3882,7 +3907,7 @@
         </p:nvGrpSpPr>
         <p:grpSpPr>
           <a:xfrm>
-            <a:off x="49014" y="6579610"/>
+            <a:off x="4748014" y="6579610"/>
             <a:ext cx="1836000" cy="1476000"/>
             <a:chOff x="2602675" y="2251169"/>
             <a:chExt cx="1615044" cy="1372946"/>
@@ -4002,7 +4027,7 @@
         </p:nvGrpSpPr>
         <p:grpSpPr>
           <a:xfrm>
-            <a:off x="3322174" y="6579610"/>
+            <a:off x="8021174" y="6579610"/>
             <a:ext cx="1836000" cy="1476000"/>
             <a:chOff x="2602675" y="2251169"/>
             <a:chExt cx="1615044" cy="1372946"/>
@@ -4144,7 +4169,7 @@
         </p:nvGrpSpPr>
         <p:grpSpPr>
           <a:xfrm>
-            <a:off x="4958500" y="6579610"/>
+            <a:off x="9657500" y="6579610"/>
             <a:ext cx="1836000" cy="1476000"/>
             <a:chOff x="2602675" y="2251169"/>
             <a:chExt cx="1615044" cy="1372946"/>
@@ -4286,7 +4311,7 @@
         </p:nvSpPr>
         <p:spPr>
           <a:xfrm>
-            <a:off x="88900" y="6350000"/>
+            <a:off x="4787901" y="6350001"/>
             <a:ext cx="6642099" cy="2209799"/>
           </a:xfrm>
           <a:prstGeom prst="roundRect">
@@ -4346,7 +4371,7 @@
         </p:nvSpPr>
         <p:spPr>
           <a:xfrm>
-            <a:off x="355575" y="7870359"/>
+            <a:off x="5054576" y="7870360"/>
             <a:ext cx="1222873" cy="494817"/>
           </a:xfrm>
           <a:prstGeom prst="roundRect">
@@ -4419,7 +4444,7 @@
         </p:nvSpPr>
         <p:spPr>
           <a:xfrm>
-            <a:off x="1993299" y="7859002"/>
+            <a:off x="6692300" y="7859002"/>
             <a:ext cx="1222873" cy="494816"/>
           </a:xfrm>
           <a:prstGeom prst="roundRect">
@@ -4492,7 +4517,7 @@
         </p:nvSpPr>
         <p:spPr>
           <a:xfrm>
-            <a:off x="3623401" y="7841635"/>
+            <a:off x="8322402" y="7841636"/>
             <a:ext cx="1222873" cy="494817"/>
           </a:xfrm>
           <a:prstGeom prst="roundRect">
@@ -4565,7 +4590,7 @@
         </p:nvSpPr>
         <p:spPr>
           <a:xfrm>
-            <a:off x="5259727" y="7842282"/>
+            <a:off x="9958728" y="7842283"/>
             <a:ext cx="1222873" cy="494817"/>
           </a:xfrm>
           <a:prstGeom prst="roundRect">
@@ -4638,7 +4663,7 @@
         </p:nvSpPr>
         <p:spPr>
           <a:xfrm>
-            <a:off x="1162508" y="5421504"/>
+            <a:off x="5861509" y="5421505"/>
             <a:ext cx="1222873" cy="494817"/>
           </a:xfrm>
           <a:prstGeom prst="roundRect">
@@ -4697,7 +4722,7 @@
         </p:nvSpPr>
         <p:spPr>
           <a:xfrm>
-            <a:off x="4472619" y="5419890"/>
+            <a:off x="9171620" y="5419891"/>
             <a:ext cx="1222873" cy="494817"/>
           </a:xfrm>
           <a:prstGeom prst="roundRect">
@@ -4758,7 +4783,7 @@
         </p:nvCxnSpPr>
         <p:spPr>
           <a:xfrm flipH="1">
-            <a:off x="1772359" y="5916321"/>
+            <a:off x="6471359" y="5916321"/>
             <a:ext cx="1586" cy="440726"/>
           </a:xfrm>
           <a:prstGeom prst="line">
@@ -4800,7 +4825,7 @@
         </p:nvCxnSpPr>
         <p:spPr>
           <a:xfrm flipH="1">
-            <a:off x="5084055" y="5914707"/>
+            <a:off x="9783055" y="5914707"/>
             <a:ext cx="1586" cy="440726"/>
           </a:xfrm>
           <a:prstGeom prst="line">
@@ -4842,7 +4867,7 @@
         </p:nvGrpSpPr>
         <p:grpSpPr>
           <a:xfrm>
-            <a:off x="1600666" y="3371452"/>
+            <a:off x="6299666" y="3371452"/>
             <a:ext cx="1836000" cy="1476000"/>
             <a:chOff x="2602674" y="2251170"/>
             <a:chExt cx="1615044" cy="1372946"/>
@@ -4962,7 +4987,7 @@
         </p:nvGrpSpPr>
         <p:grpSpPr>
           <a:xfrm>
-            <a:off x="3391840" y="3384333"/>
+            <a:off x="8090840" y="3384333"/>
             <a:ext cx="1836000" cy="1476000"/>
             <a:chOff x="2597525" y="2251169"/>
             <a:chExt cx="1615044" cy="1372946"/>
@@ -5082,7 +5107,7 @@
         </p:nvGrpSpPr>
         <p:grpSpPr>
           <a:xfrm>
-            <a:off x="-195591" y="3371452"/>
+            <a:off x="4503409" y="3371452"/>
             <a:ext cx="1836000" cy="1476000"/>
             <a:chOff x="2597122" y="2251169"/>
             <a:chExt cx="1615044" cy="1372946"/>
@@ -5202,7 +5227,7 @@
         </p:nvGrpSpPr>
         <p:grpSpPr>
           <a:xfrm>
-            <a:off x="5204277" y="3371452"/>
+            <a:off x="9903277" y="3371452"/>
             <a:ext cx="1836000" cy="1476000"/>
             <a:chOff x="2602674" y="2251169"/>
             <a:chExt cx="1615044" cy="1372946"/>
@@ -5325,7 +5350,7 @@
         </p:nvCxnSpPr>
         <p:spPr>
           <a:xfrm>
-            <a:off x="728722" y="4847452"/>
+            <a:off x="5427723" y="4847452"/>
             <a:ext cx="1045223" cy="574052"/>
           </a:xfrm>
           <a:prstGeom prst="line">
@@ -5371,7 +5396,7 @@
         </p:nvCxnSpPr>
         <p:spPr>
           <a:xfrm flipH="1">
-            <a:off x="5084056" y="4847452"/>
+            <a:off x="9783057" y="4847452"/>
             <a:ext cx="1038221" cy="572438"/>
           </a:xfrm>
           <a:prstGeom prst="line">
@@ -5413,7 +5438,7 @@
         </p:nvGrpSpPr>
         <p:grpSpPr>
           <a:xfrm>
-            <a:off x="2513431" y="1208545"/>
+            <a:off x="7212431" y="1208545"/>
             <a:ext cx="1836000" cy="1476000"/>
             <a:chOff x="2602674" y="2251170"/>
             <a:chExt cx="1615044" cy="1372946"/>
@@ -5535,7 +5560,7 @@
         </p:nvCxnSpPr>
         <p:spPr>
           <a:xfrm flipV="1">
-            <a:off x="1401472" y="4109452"/>
+            <a:off x="6100473" y="4109452"/>
             <a:ext cx="430755" cy="0"/>
           </a:xfrm>
           <a:prstGeom prst="straightConnector1">
@@ -5577,7 +5602,7 @@
         </p:nvCxnSpPr>
         <p:spPr>
           <a:xfrm>
-            <a:off x="3209655" y="4108830"/>
+            <a:off x="7908655" y="4108830"/>
             <a:ext cx="432000" cy="0"/>
           </a:xfrm>
           <a:prstGeom prst="straightConnector1">
@@ -5619,7 +5644,7 @@
         </p:nvCxnSpPr>
         <p:spPr>
           <a:xfrm>
-            <a:off x="4979409" y="4118117"/>
+            <a:off x="9678409" y="4118117"/>
             <a:ext cx="473940" cy="0"/>
           </a:xfrm>
           <a:prstGeom prst="straightConnector1">
@@ -5665,7 +5690,7 @@
         </p:nvCxnSpPr>
         <p:spPr>
           <a:xfrm flipH="1">
-            <a:off x="728722" y="2684545"/>
+            <a:off x="5427723" y="2684546"/>
             <a:ext cx="2702709" cy="686907"/>
           </a:xfrm>
           <a:prstGeom prst="line">
@@ -5712,7 +5737,7 @@
         </p:nvCxnSpPr>
         <p:spPr>
           <a:xfrm flipH="1">
-            <a:off x="2518666" y="2684545"/>
+            <a:off x="7217667" y="2684546"/>
             <a:ext cx="912765" cy="686907"/>
           </a:xfrm>
           <a:prstGeom prst="line">
@@ -5759,7 +5784,7 @@
         </p:nvCxnSpPr>
         <p:spPr>
           <a:xfrm>
-            <a:off x="3431431" y="2684545"/>
+            <a:off x="8130431" y="2684545"/>
             <a:ext cx="884264" cy="699788"/>
           </a:xfrm>
           <a:prstGeom prst="line">
@@ -5806,7 +5831,7 @@
         </p:nvCxnSpPr>
         <p:spPr>
           <a:xfrm>
-            <a:off x="3431431" y="2684545"/>
+            <a:off x="8130431" y="2684546"/>
             <a:ext cx="2690846" cy="686907"/>
           </a:xfrm>
           <a:prstGeom prst="line">
@@ -5879,7 +5904,7 @@
         </p:nvSpPr>
         <p:spPr>
           <a:xfrm>
-            <a:off x="843952" y="5686976"/>
+            <a:off x="5542952" y="5686977"/>
             <a:ext cx="1116000" cy="494817"/>
           </a:xfrm>
           <a:prstGeom prst="roundRect">
@@ -5938,7 +5963,7 @@
         </p:nvSpPr>
         <p:spPr>
           <a:xfrm>
-            <a:off x="4670178" y="5685362"/>
+            <a:off x="9369178" y="5685363"/>
             <a:ext cx="1116000" cy="494817"/>
           </a:xfrm>
           <a:prstGeom prst="roundRect">
@@ -6000,7 +6025,7 @@
         </p:nvCxnSpPr>
         <p:spPr>
           <a:xfrm>
-            <a:off x="1401952" y="6181793"/>
+            <a:off x="6100952" y="6181794"/>
             <a:ext cx="0" cy="249231"/>
           </a:xfrm>
           <a:prstGeom prst="line">
@@ -6045,7 +6070,7 @@
         </p:nvCxnSpPr>
         <p:spPr>
           <a:xfrm>
-            <a:off x="5228178" y="6180179"/>
+            <a:off x="9927178" y="6180180"/>
             <a:ext cx="0" cy="250845"/>
           </a:xfrm>
           <a:prstGeom prst="line">
@@ -6089,7 +6114,7 @@
         </p:nvGrpSpPr>
         <p:grpSpPr>
           <a:xfrm>
-            <a:off x="1883018" y="4062938"/>
+            <a:off x="6582018" y="4062938"/>
             <a:ext cx="1260000" cy="1068260"/>
             <a:chOff x="2602674" y="2251170"/>
             <a:chExt cx="1615044" cy="1372946"/>
@@ -6165,8 +6190,8 @@
           </p:nvSpPr>
           <p:spPr>
             <a:xfrm>
-              <a:off x="2602674" y="2802561"/>
-              <a:ext cx="1615044" cy="243344"/>
+              <a:off x="2602674" y="2802562"/>
+              <a:ext cx="1615044" cy="336226"/>
             </a:xfrm>
             <a:prstGeom prst="rect">
               <a:avLst/>
@@ -6211,7 +6236,7 @@
         </p:nvGrpSpPr>
         <p:grpSpPr>
           <a:xfrm>
-            <a:off x="3450472" y="4075819"/>
+            <a:off x="8149472" y="4075819"/>
             <a:ext cx="1260000" cy="1068260"/>
             <a:chOff x="2597525" y="2251169"/>
             <a:chExt cx="1615044" cy="1372946"/>
@@ -6288,7 +6313,7 @@
           <p:spPr>
             <a:xfrm>
               <a:off x="2597525" y="2802559"/>
-              <a:ext cx="1615044" cy="243344"/>
+              <a:ext cx="1615044" cy="336226"/>
             </a:xfrm>
             <a:prstGeom prst="rect">
               <a:avLst/>
@@ -6333,7 +6358,7 @@
         </p:nvGrpSpPr>
         <p:grpSpPr>
           <a:xfrm>
-            <a:off x="316809" y="4062938"/>
+            <a:off x="5015809" y="4062938"/>
             <a:ext cx="1260000" cy="1068260"/>
             <a:chOff x="2597122" y="2251169"/>
             <a:chExt cx="1615044" cy="1372946"/>
@@ -6409,8 +6434,8 @@
           </p:nvSpPr>
           <p:spPr>
             <a:xfrm>
-              <a:off x="2597122" y="2802979"/>
-              <a:ext cx="1615044" cy="243344"/>
+              <a:off x="2597122" y="2802980"/>
+              <a:ext cx="1615044" cy="336226"/>
             </a:xfrm>
             <a:prstGeom prst="rect">
               <a:avLst/>
@@ -6455,7 +6480,7 @@
         </p:nvGrpSpPr>
         <p:grpSpPr>
           <a:xfrm>
-            <a:off x="5059869" y="4062938"/>
+            <a:off x="9758869" y="4062938"/>
             <a:ext cx="1260000" cy="1068260"/>
             <a:chOff x="2602674" y="2251169"/>
             <a:chExt cx="1615044" cy="1372946"/>
@@ -6532,7 +6557,7 @@
           <p:spPr>
             <a:xfrm>
               <a:off x="2602674" y="2802558"/>
-              <a:ext cx="1615044" cy="243344"/>
+              <a:ext cx="1615044" cy="336226"/>
             </a:xfrm>
             <a:prstGeom prst="rect">
               <a:avLst/>
@@ -6578,7 +6603,7 @@
         </p:nvCxnSpPr>
         <p:spPr>
           <a:xfrm>
-            <a:off x="951141" y="5131198"/>
+            <a:off x="5650142" y="5131198"/>
             <a:ext cx="450811" cy="555778"/>
           </a:xfrm>
           <a:prstGeom prst="line">
@@ -6624,7 +6649,7 @@
         </p:nvCxnSpPr>
         <p:spPr>
           <a:xfrm flipH="1">
-            <a:off x="5228178" y="5131198"/>
+            <a:off x="9927179" y="5131198"/>
             <a:ext cx="461691" cy="554164"/>
           </a:xfrm>
           <a:prstGeom prst="line">
@@ -6668,7 +6693,7 @@
         </p:nvGrpSpPr>
         <p:grpSpPr>
           <a:xfrm>
-            <a:off x="2789025" y="1699866"/>
+            <a:off x="7488025" y="1699866"/>
             <a:ext cx="1260000" cy="1080000"/>
             <a:chOff x="2571515" y="2251171"/>
             <a:chExt cx="1615044" cy="1388034"/>
@@ -6745,7 +6770,7 @@
           <p:spPr>
             <a:xfrm>
               <a:off x="2571515" y="2787230"/>
-              <a:ext cx="1615044" cy="243344"/>
+              <a:ext cx="1615044" cy="336226"/>
             </a:xfrm>
             <a:prstGeom prst="rect">
               <a:avLst/>
@@ -6790,7 +6815,7 @@
         </p:nvCxnSpPr>
         <p:spPr>
           <a:xfrm>
-            <a:off x="1412832" y="4612873"/>
+            <a:off x="6111833" y="4612873"/>
             <a:ext cx="638495" cy="0"/>
           </a:xfrm>
           <a:prstGeom prst="straightConnector1">
@@ -6834,7 +6859,7 @@
         </p:nvCxnSpPr>
         <p:spPr>
           <a:xfrm>
-            <a:off x="2974709" y="4612251"/>
+            <a:off x="7673709" y="4612251"/>
             <a:ext cx="644782" cy="0"/>
           </a:xfrm>
           <a:prstGeom prst="straightConnector1">
@@ -6878,7 +6903,7 @@
         </p:nvCxnSpPr>
         <p:spPr>
           <a:xfrm>
-            <a:off x="4546181" y="4621538"/>
+            <a:off x="9245182" y="4621538"/>
             <a:ext cx="681997" cy="0"/>
           </a:xfrm>
           <a:prstGeom prst="straightConnector1">
@@ -6922,7 +6947,7 @@
         </p:nvCxnSpPr>
         <p:spPr>
           <a:xfrm flipH="1">
-            <a:off x="951141" y="2780575"/>
+            <a:off x="5650141" y="2780575"/>
             <a:ext cx="2467884" cy="1283072"/>
           </a:xfrm>
           <a:prstGeom prst="line">
@@ -6969,7 +6994,7 @@
         </p:nvCxnSpPr>
         <p:spPr>
           <a:xfrm flipH="1">
-            <a:off x="2513018" y="2779866"/>
+            <a:off x="7212019" y="2779866"/>
             <a:ext cx="906007" cy="1283072"/>
           </a:xfrm>
           <a:prstGeom prst="line">
@@ -7016,7 +7041,7 @@
         </p:nvCxnSpPr>
         <p:spPr>
           <a:xfrm>
-            <a:off x="3419025" y="2779866"/>
+            <a:off x="8118026" y="2779867"/>
             <a:ext cx="665465" cy="1295953"/>
           </a:xfrm>
           <a:prstGeom prst="line">
@@ -7063,7 +7088,7 @@
         </p:nvCxnSpPr>
         <p:spPr>
           <a:xfrm>
-            <a:off x="3419025" y="2779866"/>
+            <a:off x="8118025" y="2779866"/>
             <a:ext cx="2270844" cy="1283072"/>
           </a:xfrm>
           <a:prstGeom prst="line">
@@ -7108,7 +7133,7 @@
         </p:nvGrpSpPr>
         <p:grpSpPr>
           <a:xfrm>
-            <a:off x="2371879" y="8763068"/>
+            <a:off x="7070879" y="8763069"/>
             <a:ext cx="1188000" cy="1006781"/>
             <a:chOff x="2602675" y="2251170"/>
             <a:chExt cx="1615044" cy="1372946"/>
@@ -7241,7 +7266,7 @@
         </p:nvGrpSpPr>
         <p:grpSpPr>
           <a:xfrm>
-            <a:off x="2371879" y="6679765"/>
+            <a:off x="7070879" y="6679766"/>
             <a:ext cx="1188000" cy="1006781"/>
             <a:chOff x="2602169" y="2251169"/>
             <a:chExt cx="1615044" cy="1372946"/>
@@ -7374,7 +7399,7 @@
         </p:nvGrpSpPr>
         <p:grpSpPr>
           <a:xfrm>
-            <a:off x="3620792" y="6677753"/>
+            <a:off x="8319792" y="6677754"/>
             <a:ext cx="1188000" cy="1006781"/>
             <a:chOff x="2602675" y="2251169"/>
             <a:chExt cx="1615044" cy="1372946"/>
@@ -7518,7 +7543,7 @@
         </p:nvGrpSpPr>
         <p:grpSpPr>
           <a:xfrm>
-            <a:off x="3619491" y="8764034"/>
+            <a:off x="8318491" y="8764035"/>
             <a:ext cx="1188000" cy="1006781"/>
             <a:chOff x="2610722" y="2251169"/>
             <a:chExt cx="1615044" cy="1372946"/>
@@ -7663,7 +7688,7 @@
         </p:nvCxnSpPr>
         <p:spPr>
           <a:xfrm>
-            <a:off x="2743007" y="7682173"/>
+            <a:off x="7442008" y="7682174"/>
             <a:ext cx="658181" cy="1298551"/>
           </a:xfrm>
           <a:prstGeom prst="line">
@@ -7707,7 +7732,7 @@
         </p:nvSpPr>
         <p:spPr>
           <a:xfrm>
-            <a:off x="912929" y="6579414"/>
+            <a:off x="5611930" y="6579414"/>
             <a:ext cx="3909571" cy="3289006"/>
           </a:xfrm>
           <a:prstGeom prst="roundRect">
@@ -7769,7 +7794,7 @@
         </p:nvCxnSpPr>
         <p:spPr>
           <a:xfrm>
-            <a:off x="4822500" y="7166109"/>
+            <a:off x="9521501" y="7166109"/>
             <a:ext cx="300463" cy="0"/>
           </a:xfrm>
           <a:prstGeom prst="straightConnector1">
@@ -7814,7 +7839,7 @@
         </p:nvCxnSpPr>
         <p:spPr>
           <a:xfrm>
-            <a:off x="4822500" y="8428629"/>
+            <a:off x="9521501" y="8428629"/>
             <a:ext cx="300463" cy="0"/>
           </a:xfrm>
           <a:prstGeom prst="straightConnector1">
@@ -7861,7 +7886,7 @@
         </p:nvCxnSpPr>
         <p:spPr>
           <a:xfrm flipV="1">
-            <a:off x="5554428" y="7688788"/>
+            <a:off x="10253428" y="7688788"/>
             <a:ext cx="3500" cy="228894"/>
           </a:xfrm>
           <a:prstGeom prst="straightConnector1">
@@ -7908,7 +7933,7 @@
         </p:nvCxnSpPr>
         <p:spPr>
           <a:xfrm flipV="1">
-            <a:off x="5554428" y="8924463"/>
+            <a:off x="10253428" y="8924463"/>
             <a:ext cx="0" cy="195046"/>
           </a:xfrm>
           <a:prstGeom prst="straightConnector1">
@@ -7952,7 +7977,7 @@
         </p:nvSpPr>
         <p:spPr>
           <a:xfrm>
-            <a:off x="5092487" y="9546913"/>
+            <a:off x="9791487" y="9546913"/>
             <a:ext cx="936000" cy="360000"/>
           </a:xfrm>
           <a:prstGeom prst="roundRect">
@@ -8023,7 +8048,7 @@
         </p:nvSpPr>
         <p:spPr>
           <a:xfrm>
-            <a:off x="1963826" y="7551939"/>
+            <a:off x="6662826" y="7551939"/>
             <a:ext cx="903490" cy="360000"/>
           </a:xfrm>
           <a:prstGeom prst="roundRect">
@@ -8098,7 +8123,7 @@
         </p:nvGrpSpPr>
         <p:grpSpPr>
           <a:xfrm>
-            <a:off x="4979409" y="6682006"/>
+            <a:off x="9678409" y="6682007"/>
             <a:ext cx="1188000" cy="1006781"/>
             <a:chOff x="2623721" y="2251169"/>
             <a:chExt cx="1615044" cy="1372946"/>
@@ -8242,7 +8267,7 @@
         </p:nvGrpSpPr>
         <p:grpSpPr>
           <a:xfrm>
-            <a:off x="4964295" y="7917681"/>
+            <a:off x="9663295" y="7917682"/>
             <a:ext cx="1188000" cy="1006781"/>
             <a:chOff x="2607932" y="2251169"/>
             <a:chExt cx="1615044" cy="1372946"/>
@@ -8377,7 +8402,7 @@
         </p:nvCxnSpPr>
         <p:spPr>
           <a:xfrm>
-            <a:off x="1476117" y="8737807"/>
+            <a:off x="6175118" y="8737807"/>
             <a:ext cx="487707" cy="1418"/>
           </a:xfrm>
           <a:prstGeom prst="line">
@@ -8424,7 +8449,7 @@
         </p:nvCxnSpPr>
         <p:spPr>
           <a:xfrm>
-            <a:off x="1476117" y="7731026"/>
+            <a:off x="6175118" y="7731027"/>
             <a:ext cx="487709" cy="913"/>
           </a:xfrm>
           <a:prstGeom prst="line">
@@ -8469,7 +8494,7 @@
         </p:nvGrpSpPr>
         <p:grpSpPr>
           <a:xfrm>
-            <a:off x="878832" y="7731025"/>
+            <a:off x="5577832" y="7731026"/>
             <a:ext cx="1188000" cy="1006781"/>
             <a:chOff x="2598209" y="2251169"/>
             <a:chExt cx="1615044" cy="1372946"/>
@@ -8600,7 +8625,7 @@
         </p:nvSpPr>
         <p:spPr>
           <a:xfrm>
-            <a:off x="642942" y="8042943"/>
+            <a:off x="5341943" y="8042944"/>
             <a:ext cx="486147" cy="367831"/>
           </a:xfrm>
           <a:prstGeom prst="roundRect">
@@ -8677,7 +8702,7 @@
         </p:nvCxnSpPr>
         <p:spPr>
           <a:xfrm flipH="1">
-            <a:off x="3401188" y="7909928"/>
+            <a:off x="8100188" y="7909928"/>
             <a:ext cx="813604" cy="1070796"/>
           </a:xfrm>
           <a:prstGeom prst="line">
@@ -8725,7 +8750,7 @@
         </p:nvCxnSpPr>
         <p:spPr>
           <a:xfrm flipH="1">
-            <a:off x="3401188" y="8737098"/>
+            <a:off x="8100189" y="8737098"/>
             <a:ext cx="363401" cy="243626"/>
           </a:xfrm>
           <a:prstGeom prst="line">
@@ -8804,7 +8829,7 @@
         </p:blipFill>
         <p:spPr bwMode="auto">
           <a:xfrm>
-            <a:off x="5342027" y="9119509"/>
+            <a:off x="10041028" y="9119510"/>
             <a:ext cx="424801" cy="424801"/>
           </a:xfrm>
           <a:prstGeom prst="rect">
@@ -8846,7 +8871,7 @@
         </p:blipFill>
         <p:spPr>
           <a:xfrm>
-            <a:off x="3183836" y="9443389"/>
+            <a:off x="7882836" y="9443389"/>
             <a:ext cx="425030" cy="425030"/>
           </a:xfrm>
           <a:prstGeom prst="rect">
@@ -8868,7 +8893,7 @@
         </p:nvSpPr>
         <p:spPr>
           <a:xfrm>
-            <a:off x="1963824" y="8559225"/>
+            <a:off x="6662825" y="8559225"/>
             <a:ext cx="903491" cy="360000"/>
           </a:xfrm>
           <a:prstGeom prst="roundRect">
@@ -8941,7 +8966,7 @@
         </p:nvSpPr>
         <p:spPr>
           <a:xfrm>
-            <a:off x="3763137" y="7549928"/>
+            <a:off x="8462137" y="7549928"/>
             <a:ext cx="903310" cy="360000"/>
           </a:xfrm>
           <a:prstGeom prst="roundRect">
@@ -9014,7 +9039,7 @@
         </p:nvSpPr>
         <p:spPr>
           <a:xfrm>
-            <a:off x="3764589" y="8557098"/>
+            <a:off x="8463590" y="8557098"/>
             <a:ext cx="878291" cy="360000"/>
           </a:xfrm>
           <a:prstGeom prst="roundRect">
@@ -9101,7 +9126,7 @@
         </p:blipFill>
         <p:spPr>
           <a:xfrm>
-            <a:off x="3183836" y="7343414"/>
+            <a:off x="7882836" y="7343414"/>
             <a:ext cx="425030" cy="425030"/>
           </a:xfrm>
           <a:prstGeom prst="rect">
@@ -9123,7 +9148,7 @@
         </p:nvSpPr>
         <p:spPr>
           <a:xfrm>
-            <a:off x="502580" y="6431029"/>
+            <a:off x="5201580" y="6431030"/>
             <a:ext cx="5649716" cy="3785025"/>
           </a:xfrm>
           <a:prstGeom prst="rect">
@@ -9175,7 +9200,7 @@
         </p:nvSpPr>
         <p:spPr>
           <a:xfrm>
-            <a:off x="2779934" y="9969838"/>
+            <a:off x="7478935" y="9969839"/>
             <a:ext cx="1138453" cy="246221"/>
           </a:xfrm>
           <a:prstGeom prst="rect">
@@ -9244,7 +9269,7 @@
         </p:nvSpPr>
         <p:spPr>
           <a:xfrm>
-            <a:off x="1463255" y="5851557"/>
+            <a:off x="6162255" y="5851557"/>
             <a:ext cx="1116000" cy="369146"/>
           </a:xfrm>
           <a:prstGeom prst="roundRect">
@@ -9303,7 +9328,7 @@
         </p:nvSpPr>
         <p:spPr>
           <a:xfrm>
-            <a:off x="5045172" y="5849943"/>
+            <a:off x="9744172" y="5849943"/>
             <a:ext cx="1116000" cy="369146"/>
           </a:xfrm>
           <a:prstGeom prst="roundRect">
@@ -9365,7 +9390,7 @@
         </p:nvCxnSpPr>
         <p:spPr>
           <a:xfrm>
-            <a:off x="2021255" y="6220703"/>
+            <a:off x="6720255" y="6220703"/>
             <a:ext cx="0" cy="210326"/>
           </a:xfrm>
           <a:prstGeom prst="line">
@@ -9410,7 +9435,7 @@
         </p:nvCxnSpPr>
         <p:spPr>
           <a:xfrm>
-            <a:off x="5603172" y="6219089"/>
+            <a:off x="10302172" y="6219089"/>
             <a:ext cx="0" cy="211940"/>
           </a:xfrm>
           <a:prstGeom prst="line">
@@ -9454,7 +9479,7 @@
         </p:nvGrpSpPr>
         <p:grpSpPr>
           <a:xfrm>
-            <a:off x="2468263" y="4180630"/>
+            <a:off x="7167263" y="4180630"/>
             <a:ext cx="1260000" cy="1068260"/>
             <a:chOff x="2602674" y="2251170"/>
             <a:chExt cx="1615044" cy="1372946"/>
@@ -9530,8 +9555,8 @@
           </p:nvSpPr>
           <p:spPr>
             <a:xfrm>
-              <a:off x="2602674" y="2802561"/>
-              <a:ext cx="1615044" cy="243344"/>
+              <a:off x="2602674" y="2802562"/>
+              <a:ext cx="1615044" cy="336226"/>
             </a:xfrm>
             <a:prstGeom prst="rect">
               <a:avLst/>
@@ -9576,7 +9601,7 @@
         </p:nvGrpSpPr>
         <p:grpSpPr>
           <a:xfrm>
-            <a:off x="3853828" y="4193511"/>
+            <a:off x="8552828" y="4193511"/>
             <a:ext cx="1260000" cy="1068260"/>
             <a:chOff x="2597525" y="2251169"/>
             <a:chExt cx="1615044" cy="1372946"/>
@@ -9653,7 +9678,7 @@
           <p:spPr>
             <a:xfrm>
               <a:off x="2597525" y="2802559"/>
-              <a:ext cx="1615044" cy="243344"/>
+              <a:ext cx="1615044" cy="336226"/>
             </a:xfrm>
             <a:prstGeom prst="rect">
               <a:avLst/>
@@ -9698,7 +9723,7 @@
         </p:nvGrpSpPr>
         <p:grpSpPr>
           <a:xfrm>
-            <a:off x="1069728" y="4180630"/>
+            <a:off x="5768728" y="4180630"/>
             <a:ext cx="1260000" cy="1068260"/>
             <a:chOff x="2597122" y="2251169"/>
             <a:chExt cx="1615044" cy="1372946"/>
@@ -9774,8 +9799,8 @@
           </p:nvSpPr>
           <p:spPr>
             <a:xfrm>
-              <a:off x="2597122" y="2802979"/>
-              <a:ext cx="1615044" cy="243344"/>
+              <a:off x="2597122" y="2802980"/>
+              <a:ext cx="1615044" cy="336226"/>
             </a:xfrm>
             <a:prstGeom prst="rect">
               <a:avLst/>
@@ -9820,7 +9845,7 @@
         </p:nvGrpSpPr>
         <p:grpSpPr>
           <a:xfrm>
-            <a:off x="5245879" y="4180630"/>
+            <a:off x="9944879" y="4180630"/>
             <a:ext cx="1260000" cy="1068260"/>
             <a:chOff x="2602674" y="2251169"/>
             <a:chExt cx="1615044" cy="1372946"/>
@@ -9897,7 +9922,7 @@
           <p:spPr>
             <a:xfrm>
               <a:off x="2602674" y="2802558"/>
-              <a:ext cx="1615044" cy="243344"/>
+              <a:ext cx="1615044" cy="336226"/>
             </a:xfrm>
             <a:prstGeom prst="rect">
               <a:avLst/>
@@ -9944,7 +9969,7 @@
         </p:nvCxnSpPr>
         <p:spPr>
           <a:xfrm>
-            <a:off x="1704060" y="5248890"/>
+            <a:off x="6403061" y="5248891"/>
             <a:ext cx="317195" cy="602667"/>
           </a:xfrm>
           <a:prstGeom prst="line">
@@ -9990,7 +10015,7 @@
         </p:nvCxnSpPr>
         <p:spPr>
           <a:xfrm flipH="1">
-            <a:off x="5603172" y="5248890"/>
+            <a:off x="10302173" y="5248891"/>
             <a:ext cx="272707" cy="601053"/>
           </a:xfrm>
           <a:prstGeom prst="line">
@@ -10034,7 +10059,7 @@
         </p:nvGrpSpPr>
         <p:grpSpPr>
           <a:xfrm>
-            <a:off x="3183028" y="2483544"/>
+            <a:off x="7882028" y="2483544"/>
             <a:ext cx="1260000" cy="1080000"/>
             <a:chOff x="2571515" y="2251171"/>
             <a:chExt cx="1615044" cy="1388034"/>
@@ -10111,7 +10136,7 @@
           <p:spPr>
             <a:xfrm>
               <a:off x="2571515" y="2787230"/>
-              <a:ext cx="1615044" cy="243344"/>
+              <a:ext cx="1615044" cy="336226"/>
             </a:xfrm>
             <a:prstGeom prst="rect">
               <a:avLst/>
@@ -10156,7 +10181,7 @@
         </p:nvCxnSpPr>
         <p:spPr>
           <a:xfrm>
-            <a:off x="2165751" y="4730565"/>
+            <a:off x="6864752" y="4730565"/>
             <a:ext cx="470821" cy="0"/>
           </a:xfrm>
           <a:prstGeom prst="straightConnector1">
@@ -10200,7 +10225,7 @@
         </p:nvCxnSpPr>
         <p:spPr>
           <a:xfrm>
-            <a:off x="3566439" y="4729943"/>
+            <a:off x="8265439" y="4729943"/>
             <a:ext cx="446746" cy="0"/>
           </a:xfrm>
           <a:prstGeom prst="straightConnector1">
@@ -10244,7 +10269,7 @@
         </p:nvCxnSpPr>
         <p:spPr>
           <a:xfrm>
-            <a:off x="4957467" y="4734385"/>
+            <a:off x="9656468" y="4734385"/>
             <a:ext cx="462663" cy="0"/>
           </a:xfrm>
           <a:prstGeom prst="straightConnector1">
@@ -10288,7 +10313,7 @@
         </p:nvGrpSpPr>
         <p:grpSpPr>
           <a:xfrm>
-            <a:off x="2917794" y="8763068"/>
+            <a:off x="7616794" y="8763069"/>
             <a:ext cx="1188000" cy="1006781"/>
             <a:chOff x="2602675" y="2251170"/>
             <a:chExt cx="1615044" cy="1372946"/>
@@ -10421,7 +10446,7 @@
         </p:nvGrpSpPr>
         <p:grpSpPr>
           <a:xfrm>
-            <a:off x="2917794" y="6679765"/>
+            <a:off x="7616794" y="6679766"/>
             <a:ext cx="1188000" cy="1006781"/>
             <a:chOff x="2602169" y="2251169"/>
             <a:chExt cx="1615044" cy="1372946"/>
@@ -10554,7 +10579,7 @@
         </p:nvGrpSpPr>
         <p:grpSpPr>
           <a:xfrm>
-            <a:off x="4166707" y="6677753"/>
+            <a:off x="8865707" y="6677754"/>
             <a:ext cx="1188000" cy="1006781"/>
             <a:chOff x="2602675" y="2251169"/>
             <a:chExt cx="1615044" cy="1372946"/>
@@ -10698,7 +10723,7 @@
         </p:nvGrpSpPr>
         <p:grpSpPr>
           <a:xfrm>
-            <a:off x="4165406" y="8764034"/>
+            <a:off x="8864406" y="8764035"/>
             <a:ext cx="1188000" cy="1006781"/>
             <a:chOff x="2610722" y="2251169"/>
             <a:chExt cx="1615044" cy="1372946"/>
@@ -10843,7 +10868,7 @@
         </p:nvCxnSpPr>
         <p:spPr>
           <a:xfrm>
-            <a:off x="3288922" y="7682173"/>
+            <a:off x="7987923" y="7682174"/>
             <a:ext cx="658181" cy="1298551"/>
           </a:xfrm>
           <a:prstGeom prst="line">
@@ -10887,7 +10912,7 @@
         </p:nvSpPr>
         <p:spPr>
           <a:xfrm>
-            <a:off x="1458844" y="6579414"/>
+            <a:off x="6157845" y="6579414"/>
             <a:ext cx="3909571" cy="3289006"/>
           </a:xfrm>
           <a:prstGeom prst="roundRect">
@@ -10949,7 +10974,7 @@
         </p:nvCxnSpPr>
         <p:spPr>
           <a:xfrm>
-            <a:off x="5368415" y="7166109"/>
+            <a:off x="10067416" y="7166109"/>
             <a:ext cx="300463" cy="0"/>
           </a:xfrm>
           <a:prstGeom prst="straightConnector1">
@@ -10994,7 +11019,7 @@
         </p:nvCxnSpPr>
         <p:spPr>
           <a:xfrm>
-            <a:off x="5368415" y="8428629"/>
+            <a:off x="10067416" y="8428629"/>
             <a:ext cx="300463" cy="0"/>
           </a:xfrm>
           <a:prstGeom prst="straightConnector1">
@@ -11041,7 +11066,7 @@
         </p:nvCxnSpPr>
         <p:spPr>
           <a:xfrm flipV="1">
-            <a:off x="6100343" y="7688788"/>
+            <a:off x="10799343" y="7688788"/>
             <a:ext cx="3500" cy="228894"/>
           </a:xfrm>
           <a:prstGeom prst="straightConnector1">
@@ -11070,60 +11095,12 @@
           </a:fontRef>
         </p:style>
       </p:cxnSp>
-      <p:cxnSp>
-        <p:nvCxnSpPr>
-          <p:cNvPr id="76" name="Connettore 2 75">
-            <a:extLst>
-              <a:ext uri="{FF2B5EF4-FFF2-40B4-BE49-F238E27FC236}">
-                <a16:creationId xmlns:a16="http://schemas.microsoft.com/office/drawing/2014/main" id="{D238BC7E-730B-E496-DDDF-B2073CF52A4B}"/>
-              </a:ext>
-            </a:extLst>
-          </p:cNvPr>
-          <p:cNvCxnSpPr>
-            <a:cxnSpLocks/>
-            <a:stCxn id="95" idx="0"/>
-            <a:endCxn id="84" idx="0"/>
-          </p:cNvCxnSpPr>
-          <p:nvPr/>
-        </p:nvCxnSpPr>
-        <p:spPr>
-          <a:xfrm flipV="1">
-            <a:off x="6100343" y="8924463"/>
-            <a:ext cx="0" cy="195046"/>
-          </a:xfrm>
-          <a:prstGeom prst="straightConnector1">
-            <a:avLst/>
-          </a:prstGeom>
-          <a:ln w="12700" cap="rnd">
-            <a:solidFill>
-              <a:schemeClr val="tx1"/>
-            </a:solidFill>
-            <a:miter lim="800000"/>
-            <a:headEnd type="none" w="lg" len="lg"/>
-            <a:tailEnd type="none" w="lg" len="lg"/>
-          </a:ln>
-        </p:spPr>
-        <p:style>
-          <a:lnRef idx="1">
-            <a:schemeClr val="accent1"/>
-          </a:lnRef>
-          <a:fillRef idx="0">
-            <a:schemeClr val="accent1"/>
-          </a:fillRef>
-          <a:effectRef idx="0">
-            <a:schemeClr val="accent1"/>
-          </a:effectRef>
-          <a:fontRef idx="minor">
-            <a:schemeClr val="tx1"/>
-          </a:fontRef>
-        </p:style>
-      </p:cxnSp>
       <p:sp>
         <p:nvSpPr>
-          <p:cNvPr id="78" name="Rettangolo con angoli arrotondati 77">
-            <a:extLst>
-              <a:ext uri="{FF2B5EF4-FFF2-40B4-BE49-F238E27FC236}">
-                <a16:creationId xmlns:a16="http://schemas.microsoft.com/office/drawing/2014/main" id="{6C2E7C02-1B90-3CC7-59E3-26E2224EF39C}"/>
+          <p:cNvPr id="79" name="Rettangolo con angoli arrotondati 78">
+            <a:extLst>
+              <a:ext uri="{FF2B5EF4-FFF2-40B4-BE49-F238E27FC236}">
+                <a16:creationId xmlns:a16="http://schemas.microsoft.com/office/drawing/2014/main" id="{312E033D-54AF-CFD1-CFE7-28BD0DC899BB}"/>
               </a:ext>
             </a:extLst>
           </p:cNvPr>
@@ -11132,14 +11109,16 @@
         </p:nvSpPr>
         <p:spPr>
           <a:xfrm>
-            <a:off x="5632540" y="9546913"/>
-            <a:ext cx="936000" cy="360000"/>
+            <a:off x="7208741" y="7551939"/>
+            <a:ext cx="903490" cy="360000"/>
           </a:xfrm>
           <a:prstGeom prst="roundRect">
             <a:avLst/>
           </a:prstGeom>
           <a:ln>
-            <a:noFill/>
+            <a:solidFill>
+              <a:schemeClr val="tx1"/>
+            </a:solidFill>
           </a:ln>
         </p:spPr>
         <p:style>
@@ -11170,79 +11149,6 @@
                 <a:ea typeface="CMU Bright Roman" panose="02000603000000000000" pitchFamily="2" charset="0"/>
                 <a:cs typeface="CMU Bright Roman" panose="02000603000000000000" pitchFamily="2" charset="0"/>
               </a:rPr>
-              <a:t>GIT CONFIG </a:t>
-            </a:r>
-          </a:p>
-          <a:p>
-            <a:pPr algn="ctr"/>
-            <a:r>
-              <a:rPr lang="it-IT" sz="800" dirty="0">
-                <a:solidFill>
-                  <a:schemeClr val="tx1"/>
-                </a:solidFill>
-                <a:latin typeface="CMU Bright Roman" panose="02000603000000000000" pitchFamily="2" charset="0"/>
-                <a:ea typeface="CMU Bright Roman" panose="02000603000000000000" pitchFamily="2" charset="0"/>
-                <a:cs typeface="CMU Bright Roman" panose="02000603000000000000" pitchFamily="2" charset="0"/>
-              </a:rPr>
-              <a:t>REPOSITORY</a:t>
-            </a:r>
-          </a:p>
-        </p:txBody>
-      </p:sp>
-      <p:sp>
-        <p:nvSpPr>
-          <p:cNvPr id="79" name="Rettangolo con angoli arrotondati 78">
-            <a:extLst>
-              <a:ext uri="{FF2B5EF4-FFF2-40B4-BE49-F238E27FC236}">
-                <a16:creationId xmlns:a16="http://schemas.microsoft.com/office/drawing/2014/main" id="{312E033D-54AF-CFD1-CFE7-28BD0DC899BB}"/>
-              </a:ext>
-            </a:extLst>
-          </p:cNvPr>
-          <p:cNvSpPr/>
-          <p:nvPr/>
-        </p:nvSpPr>
-        <p:spPr>
-          <a:xfrm>
-            <a:off x="2509741" y="7551939"/>
-            <a:ext cx="903490" cy="360000"/>
-          </a:xfrm>
-          <a:prstGeom prst="roundRect">
-            <a:avLst/>
-          </a:prstGeom>
-          <a:ln>
-            <a:solidFill>
-              <a:schemeClr val="tx1"/>
-            </a:solidFill>
-          </a:ln>
-        </p:spPr>
-        <p:style>
-          <a:lnRef idx="2">
-            <a:schemeClr val="accent6"/>
-          </a:lnRef>
-          <a:fillRef idx="1">
-            <a:schemeClr val="lt1"/>
-          </a:fillRef>
-          <a:effectRef idx="0">
-            <a:schemeClr val="accent6"/>
-          </a:effectRef>
-          <a:fontRef idx="minor">
-            <a:schemeClr val="dk1"/>
-          </a:fontRef>
-        </p:style>
-        <p:txBody>
-          <a:bodyPr rtlCol="0" anchor="ctr"/>
-          <a:lstStyle/>
-          <a:p>
-            <a:pPr algn="ctr"/>
-            <a:r>
-              <a:rPr lang="it-IT" sz="800" dirty="0">
-                <a:solidFill>
-                  <a:schemeClr val="tx1"/>
-                </a:solidFill>
-                <a:latin typeface="CMU Bright Roman" panose="02000603000000000000" pitchFamily="2" charset="0"/>
-                <a:ea typeface="CMU Bright Roman" panose="02000603000000000000" pitchFamily="2" charset="0"/>
-                <a:cs typeface="CMU Bright Roman" panose="02000603000000000000" pitchFamily="2" charset="0"/>
-              </a:rPr>
               <a:t>RESTAURANT</a:t>
             </a:r>
           </a:p>
@@ -11278,7 +11184,7 @@
         </p:nvGrpSpPr>
         <p:grpSpPr>
           <a:xfrm>
-            <a:off x="5525324" y="6682006"/>
+            <a:off x="10224324" y="6682007"/>
             <a:ext cx="1188000" cy="1006781"/>
             <a:chOff x="2623721" y="2251169"/>
             <a:chExt cx="1615044" cy="1372946"/>
@@ -11422,7 +11328,7 @@
         </p:nvGrpSpPr>
         <p:grpSpPr>
           <a:xfrm>
-            <a:off x="5510210" y="7917681"/>
+            <a:off x="10209210" y="7917682"/>
             <a:ext cx="1188000" cy="1006781"/>
             <a:chOff x="2607932" y="2251169"/>
             <a:chExt cx="1615044" cy="1372946"/>
@@ -11557,7 +11463,7 @@
         </p:nvCxnSpPr>
         <p:spPr>
           <a:xfrm>
-            <a:off x="2022032" y="8737807"/>
+            <a:off x="6721033" y="8737807"/>
             <a:ext cx="487707" cy="1418"/>
           </a:xfrm>
           <a:prstGeom prst="line">
@@ -11604,7 +11510,7 @@
         </p:nvCxnSpPr>
         <p:spPr>
           <a:xfrm>
-            <a:off x="2022032" y="7731026"/>
+            <a:off x="6721033" y="7731027"/>
             <a:ext cx="487709" cy="913"/>
           </a:xfrm>
           <a:prstGeom prst="line">
@@ -11649,7 +11555,7 @@
         </p:nvGrpSpPr>
         <p:grpSpPr>
           <a:xfrm>
-            <a:off x="1424747" y="7731025"/>
+            <a:off x="6123747" y="7731026"/>
             <a:ext cx="1188000" cy="1006781"/>
             <a:chOff x="2598209" y="2251169"/>
             <a:chExt cx="1615044" cy="1372946"/>
@@ -11780,8 +11686,8 @@
         </p:nvSpPr>
         <p:spPr>
           <a:xfrm>
-            <a:off x="1188857" y="8042943"/>
-            <a:ext cx="486147" cy="367831"/>
+            <a:off x="5843868" y="7983952"/>
+            <a:ext cx="504000" cy="498687"/>
           </a:xfrm>
           <a:prstGeom prst="roundRect">
             <a:avLst/>
@@ -11820,6 +11726,20 @@
                 <a:ea typeface="CMU Bright Roman" panose="02000603000000000000" pitchFamily="2" charset="0"/>
                 <a:cs typeface="CMU Bright Roman" panose="02000603000000000000" pitchFamily="2" charset="0"/>
               </a:rPr>
+              <a:t>SOFA</a:t>
+            </a:r>
+          </a:p>
+          <a:p>
+            <a:pPr algn="ctr"/>
+            <a:r>
+              <a:rPr lang="it-IT" sz="800" dirty="0">
+                <a:solidFill>
+                  <a:schemeClr val="tx1"/>
+                </a:solidFill>
+                <a:latin typeface="CMU Bright Roman" panose="02000603000000000000" pitchFamily="2" charset="0"/>
+                <a:ea typeface="CMU Bright Roman" panose="02000603000000000000" pitchFamily="2" charset="0"/>
+                <a:cs typeface="CMU Bright Roman" panose="02000603000000000000" pitchFamily="2" charset="0"/>
+              </a:rPr>
               <a:t>REST</a:t>
             </a:r>
           </a:p>
@@ -11857,7 +11777,7 @@
         </p:nvCxnSpPr>
         <p:spPr>
           <a:xfrm flipH="1">
-            <a:off x="3947103" y="7909928"/>
+            <a:off x="8646103" y="7909928"/>
             <a:ext cx="813604" cy="1070796"/>
           </a:xfrm>
           <a:prstGeom prst="line">
@@ -11905,7 +11825,7 @@
         </p:nvCxnSpPr>
         <p:spPr>
           <a:xfrm flipH="1">
-            <a:off x="3947103" y="8737098"/>
+            <a:off x="8646104" y="8737098"/>
             <a:ext cx="363401" cy="243626"/>
           </a:xfrm>
           <a:prstGeom prst="line">
@@ -11937,86 +11857,23 @@
       </p:cxnSp>
       <p:pic>
         <p:nvPicPr>
-          <p:cNvPr id="95" name="Picture 2">
-            <a:extLst>
-              <a:ext uri="{FF2B5EF4-FFF2-40B4-BE49-F238E27FC236}">
-                <a16:creationId xmlns:a16="http://schemas.microsoft.com/office/drawing/2014/main" id="{6868AEF9-590D-4FE5-996B-8DC29DF1D6CA}"/>
+          <p:cNvPr id="96" name="Elemento grafico 95" descr="Database con riempimento a tinta unita">
+            <a:extLst>
+              <a:ext uri="{FF2B5EF4-FFF2-40B4-BE49-F238E27FC236}">
+                <a16:creationId xmlns:a16="http://schemas.microsoft.com/office/drawing/2014/main" id="{7CD55021-9E9C-663F-B2EC-78ADCA7A9B1D}"/>
               </a:ext>
             </a:extLst>
           </p:cNvPr>
           <p:cNvPicPr>
-            <a:picLocks noChangeAspect="1" noChangeArrowheads="1"/>
+            <a:picLocks noChangeAspect="1"/>
           </p:cNvPicPr>
           <p:nvPr/>
         </p:nvPicPr>
         <p:blipFill>
           <a:blip r:embed="rId3">
-            <a:alphaModFix/>
-            <a:biLevel thresh="75000"/>
-            <a:extLst>
-              <a:ext uri="{BEBA8EAE-BF5A-486C-A8C5-ECC9F3942E4B}">
-                <a14:imgProps xmlns:a14="http://schemas.microsoft.com/office/drawing/2010/main">
-                  <a14:imgLayer r:embed="rId4">
-                    <a14:imgEffect>
-                      <a14:sharpenSoften amount="100000"/>
-                    </a14:imgEffect>
-                    <a14:imgEffect>
-                      <a14:colorTemperature colorTemp="11500"/>
-                    </a14:imgEffect>
-                    <a14:imgEffect>
-                      <a14:saturation sat="400000"/>
-                    </a14:imgEffect>
-                    <a14:imgEffect>
-                      <a14:brightnessContrast bright="-53000" contrast="-23000"/>
-                    </a14:imgEffect>
-                  </a14:imgLayer>
-                </a14:imgProps>
-              </a:ext>
-              <a:ext uri="{28A0092B-C50C-407E-A947-70E740481C1C}">
-                <a14:useLocalDpi xmlns:a14="http://schemas.microsoft.com/office/drawing/2010/main" val="0"/>
-              </a:ext>
-            </a:extLst>
-          </a:blip>
-          <a:srcRect/>
-          <a:stretch>
-            <a:fillRect/>
-          </a:stretch>
-        </p:blipFill>
-        <p:spPr bwMode="auto">
-          <a:xfrm>
-            <a:off x="5887942" y="9119509"/>
-            <a:ext cx="424801" cy="424801"/>
-          </a:xfrm>
-          <a:prstGeom prst="rect">
-            <a:avLst/>
-          </a:prstGeom>
-          <a:solidFill>
-            <a:schemeClr val="bg1"/>
-          </a:solidFill>
-          <a:ln>
-            <a:noFill/>
-          </a:ln>
-        </p:spPr>
-      </p:pic>
-      <p:pic>
-        <p:nvPicPr>
-          <p:cNvPr id="96" name="Elemento grafico 95" descr="Database con riempimento a tinta unita">
-            <a:extLst>
-              <a:ext uri="{FF2B5EF4-FFF2-40B4-BE49-F238E27FC236}">
-                <a16:creationId xmlns:a16="http://schemas.microsoft.com/office/drawing/2014/main" id="{7CD55021-9E9C-663F-B2EC-78ADCA7A9B1D}"/>
-              </a:ext>
-            </a:extLst>
-          </p:cNvPr>
-          <p:cNvPicPr>
-            <a:picLocks noChangeAspect="1"/>
-          </p:cNvPicPr>
-          <p:nvPr/>
-        </p:nvPicPr>
-        <p:blipFill>
-          <a:blip r:embed="rId5">
             <a:extLst>
               <a:ext uri="{96DAC541-7B7A-43D3-8B79-37D633B846F1}">
-                <asvg:svgBlip xmlns:asvg="http://schemas.microsoft.com/office/drawing/2016/SVG/main" r:embed="rId6"/>
+                <asvg:svgBlip xmlns:asvg="http://schemas.microsoft.com/office/drawing/2016/SVG/main" r:embed="rId4"/>
               </a:ext>
             </a:extLst>
           </a:blip>
@@ -12026,7 +11883,7 @@
         </p:blipFill>
         <p:spPr>
           <a:xfrm>
-            <a:off x="3729751" y="9443389"/>
+            <a:off x="8428751" y="9443389"/>
             <a:ext cx="425030" cy="425030"/>
           </a:xfrm>
           <a:prstGeom prst="rect">
@@ -12048,7 +11905,7 @@
         </p:nvSpPr>
         <p:spPr>
           <a:xfrm>
-            <a:off x="2509739" y="8559225"/>
+            <a:off x="7208740" y="8559225"/>
             <a:ext cx="903491" cy="360000"/>
           </a:xfrm>
           <a:prstGeom prst="roundRect">
@@ -12121,7 +11978,7 @@
         </p:nvSpPr>
         <p:spPr>
           <a:xfrm>
-            <a:off x="4309052" y="7549928"/>
+            <a:off x="9008052" y="7549928"/>
             <a:ext cx="903310" cy="360000"/>
           </a:xfrm>
           <a:prstGeom prst="roundRect">
@@ -12194,7 +12051,7 @@
         </p:nvSpPr>
         <p:spPr>
           <a:xfrm>
-            <a:off x="4310504" y="8557098"/>
+            <a:off x="9009505" y="8557098"/>
             <a:ext cx="878291" cy="360000"/>
           </a:xfrm>
           <a:prstGeom prst="roundRect">
@@ -12268,10 +12125,10 @@
           <p:nvPr/>
         </p:nvPicPr>
         <p:blipFill>
-          <a:blip r:embed="rId5">
+          <a:blip r:embed="rId3">
             <a:extLst>
               <a:ext uri="{96DAC541-7B7A-43D3-8B79-37D633B846F1}">
-                <asvg:svgBlip xmlns:asvg="http://schemas.microsoft.com/office/drawing/2016/SVG/main" r:embed="rId6"/>
+                <asvg:svgBlip xmlns:asvg="http://schemas.microsoft.com/office/drawing/2016/SVG/main" r:embed="rId4"/>
               </a:ext>
             </a:extLst>
           </a:blip>
@@ -12281,7 +12138,7 @@
         </p:blipFill>
         <p:spPr>
           <a:xfrm>
-            <a:off x="3729751" y="7343414"/>
+            <a:off x="8428751" y="7343414"/>
             <a:ext cx="425030" cy="425030"/>
           </a:xfrm>
           <a:prstGeom prst="rect">
@@ -12303,7 +12160,7 @@
         </p:nvSpPr>
         <p:spPr>
           <a:xfrm>
-            <a:off x="1086031" y="6431029"/>
+            <a:off x="5785031" y="6431030"/>
             <a:ext cx="5649716" cy="3785025"/>
           </a:xfrm>
           <a:prstGeom prst="rect">
@@ -12355,7 +12212,7 @@
         </p:nvSpPr>
         <p:spPr>
           <a:xfrm>
-            <a:off x="3058066" y="9969833"/>
+            <a:off x="7794602" y="9969834"/>
             <a:ext cx="1630575" cy="246221"/>
           </a:xfrm>
           <a:prstGeom prst="rect">
@@ -12397,7 +12254,7 @@
         </p:nvCxnSpPr>
         <p:spPr>
           <a:xfrm flipV="1">
-            <a:off x="1704060" y="3857437"/>
+            <a:off x="6403060" y="3857438"/>
             <a:ext cx="0" cy="323193"/>
           </a:xfrm>
           <a:prstGeom prst="line">
@@ -12442,7 +12299,7 @@
         </p:nvCxnSpPr>
         <p:spPr>
           <a:xfrm flipV="1">
-            <a:off x="3098263" y="3860921"/>
+            <a:off x="7797263" y="3860922"/>
             <a:ext cx="0" cy="319709"/>
           </a:xfrm>
           <a:prstGeom prst="line">
@@ -12486,7 +12343,7 @@
         </p:nvCxnSpPr>
         <p:spPr>
           <a:xfrm flipV="1">
-            <a:off x="4498196" y="3857437"/>
+            <a:off x="9197196" y="3857437"/>
             <a:ext cx="0" cy="336074"/>
           </a:xfrm>
           <a:prstGeom prst="line">
@@ -12531,7 +12388,7 @@
         </p:nvCxnSpPr>
         <p:spPr>
           <a:xfrm flipV="1">
-            <a:off x="5875879" y="3860921"/>
+            <a:off x="10574879" y="3860922"/>
             <a:ext cx="0" cy="319709"/>
           </a:xfrm>
           <a:prstGeom prst="line">
@@ -12575,7 +12432,7 @@
         </p:nvCxnSpPr>
         <p:spPr>
           <a:xfrm>
-            <a:off x="1700944" y="3857437"/>
+            <a:off x="6399945" y="3857437"/>
             <a:ext cx="4174935" cy="0"/>
           </a:xfrm>
           <a:prstGeom prst="line">
@@ -12620,7 +12477,7 @@
         </p:nvCxnSpPr>
         <p:spPr>
           <a:xfrm>
-            <a:off x="3813028" y="3563544"/>
+            <a:off x="8512028" y="3563545"/>
             <a:ext cx="0" cy="293893"/>
           </a:xfrm>
           <a:prstGeom prst="line">
@@ -12662,7 +12519,7 @@
         </p:nvSpPr>
         <p:spPr>
           <a:xfrm>
-            <a:off x="2959366" y="5389507"/>
+            <a:off x="7680789" y="5389508"/>
             <a:ext cx="1858201" cy="246221"/>
           </a:xfrm>
           <a:prstGeom prst="rect">
@@ -12701,7 +12558,7 @@
         </p:nvSpPr>
         <p:spPr>
           <a:xfrm>
-            <a:off x="1086031" y="2364599"/>
+            <a:off x="5785031" y="2364599"/>
             <a:ext cx="5649716" cy="3276820"/>
           </a:xfrm>
           <a:prstGeom prst="rect">
@@ -12755,7 +12612,7 @@
         </p:nvGrpSpPr>
         <p:grpSpPr>
           <a:xfrm>
-            <a:off x="1768011" y="2487787"/>
+            <a:off x="4299265" y="2890544"/>
             <a:ext cx="1260000" cy="1080000"/>
             <a:chOff x="2571515" y="2251171"/>
             <a:chExt cx="1615044" cy="1388034"/>
@@ -12875,7 +12732,7 @@
         </p:nvSpPr>
         <p:spPr>
           <a:xfrm>
-            <a:off x="2128000" y="4503553"/>
+            <a:off x="6827001" y="4503553"/>
             <a:ext cx="556563" cy="230832"/>
           </a:xfrm>
           <a:prstGeom prst="rect">
@@ -12914,7 +12771,7 @@
         </p:nvSpPr>
         <p:spPr>
           <a:xfrm>
-            <a:off x="3513224" y="4506399"/>
+            <a:off x="8212225" y="4506399"/>
             <a:ext cx="556563" cy="230832"/>
           </a:xfrm>
           <a:prstGeom prst="rect">
@@ -12953,7 +12810,7 @@
         </p:nvSpPr>
         <p:spPr>
           <a:xfrm>
-            <a:off x="4904526" y="4510174"/>
+            <a:off x="9603527" y="4510174"/>
             <a:ext cx="556563" cy="230832"/>
           </a:xfrm>
           <a:prstGeom prst="rect">
@@ -12992,7 +12849,7 @@
         </p:nvSpPr>
         <p:spPr>
           <a:xfrm>
-            <a:off x="1680469" y="3881194"/>
+            <a:off x="6379470" y="3881194"/>
             <a:ext cx="938077" cy="230832"/>
           </a:xfrm>
           <a:prstGeom prst="rect">
@@ -13031,7 +12888,7 @@
         </p:nvSpPr>
         <p:spPr>
           <a:xfrm>
-            <a:off x="3082815" y="3882559"/>
+            <a:off x="7781816" y="3882559"/>
             <a:ext cx="987771" cy="230832"/>
           </a:xfrm>
           <a:prstGeom prst="rect">
@@ -13070,7 +12927,7 @@
         </p:nvSpPr>
         <p:spPr>
           <a:xfrm>
-            <a:off x="4464505" y="3885665"/>
+            <a:off x="9163506" y="3885665"/>
             <a:ext cx="947695" cy="230832"/>
           </a:xfrm>
           <a:prstGeom prst="rect">
@@ -13109,7 +12966,7 @@
         </p:nvSpPr>
         <p:spPr>
           <a:xfrm>
-            <a:off x="5827758" y="3888071"/>
+            <a:off x="10526759" y="3888071"/>
             <a:ext cx="896399" cy="230832"/>
           </a:xfrm>
           <a:prstGeom prst="rect">
@@ -13150,8 +13007,8 @@
         </p:nvCxnSpPr>
         <p:spPr>
           <a:xfrm flipH="1">
-            <a:off x="2888189" y="3023544"/>
-            <a:ext cx="438839" cy="0"/>
+            <a:off x="5415265" y="3421074"/>
+            <a:ext cx="369610" cy="0"/>
           </a:xfrm>
           <a:prstGeom prst="line">
             <a:avLst/>
@@ -13180,42 +13037,6 @@
           </a:fontRef>
         </p:style>
       </p:cxnSp>
-      <p:pic>
-        <p:nvPicPr>
-          <p:cNvPr id="129" name="Elemento grafico 128" descr="Uomo contorno">
-            <a:extLst>
-              <a:ext uri="{FF2B5EF4-FFF2-40B4-BE49-F238E27FC236}">
-                <a16:creationId xmlns:a16="http://schemas.microsoft.com/office/drawing/2014/main" id="{518A4B42-9F01-A4C6-8737-2BE5403BBD5F}"/>
-              </a:ext>
-            </a:extLst>
-          </p:cNvPr>
-          <p:cNvPicPr>
-            <a:picLocks noChangeAspect="1"/>
-          </p:cNvPicPr>
-          <p:nvPr/>
-        </p:nvPicPr>
-        <p:blipFill>
-          <a:blip r:embed="rId7">
-            <a:extLst>
-              <a:ext uri="{96DAC541-7B7A-43D3-8B79-37D633B846F1}">
-                <asvg:svgBlip xmlns:asvg="http://schemas.microsoft.com/office/drawing/2016/SVG/main" r:embed="rId8"/>
-              </a:ext>
-            </a:extLst>
-          </a:blip>
-          <a:stretch>
-            <a:fillRect/>
-          </a:stretch>
-        </p:blipFill>
-        <p:spPr>
-          <a:xfrm>
-            <a:off x="297318" y="2724664"/>
-            <a:ext cx="609078" cy="609078"/>
-          </a:xfrm>
-          <a:prstGeom prst="rect">
-            <a:avLst/>
-          </a:prstGeom>
-        </p:spPr>
-      </p:pic>
       <p:cxnSp>
         <p:nvCxnSpPr>
           <p:cNvPr id="130" name="Connettore 1 129">
@@ -13227,13 +13048,14 @@
           </p:cNvPr>
           <p:cNvCxnSpPr>
             <a:cxnSpLocks/>
+            <a:endCxn id="108" idx="0"/>
           </p:cNvCxnSpPr>
           <p:nvPr/>
         </p:nvCxnSpPr>
         <p:spPr>
-          <a:xfrm>
-            <a:off x="863532" y="3029203"/>
-            <a:ext cx="1048479" cy="0"/>
+          <a:xfrm flipV="1">
+            <a:off x="4929265" y="3970544"/>
+            <a:ext cx="0" cy="439465"/>
           </a:xfrm>
           <a:prstGeom prst="line">
             <a:avLst/>
@@ -13261,45 +13083,102 @@
           </a:fontRef>
         </p:style>
       </p:cxnSp>
-      <p:sp>
-        <p:nvSpPr>
-          <p:cNvPr id="135" name="CasellaDiTesto 134">
-            <a:extLst>
-              <a:ext uri="{FF2B5EF4-FFF2-40B4-BE49-F238E27FC236}">
-                <a16:creationId xmlns:a16="http://schemas.microsoft.com/office/drawing/2014/main" id="{19D5CDD8-401A-E2C0-99C6-35A5FAE3CEA3}"/>
-              </a:ext>
-            </a:extLst>
-          </p:cNvPr>
-          <p:cNvSpPr txBox="1"/>
-          <p:nvPr/>
-        </p:nvSpPr>
-        <p:spPr>
-          <a:xfrm>
-            <a:off x="132818" y="3370595"/>
-            <a:ext cx="928459" cy="230832"/>
-          </a:xfrm>
-          <a:prstGeom prst="rect">
-            <a:avLst/>
-          </a:prstGeom>
-          <a:noFill/>
-        </p:spPr>
-        <p:txBody>
-          <a:bodyPr wrap="none" rtlCol="0">
-            <a:spAutoFit/>
-          </a:bodyPr>
-          <a:lstStyle/>
-          <a:p>
-            <a:r>
-              <a:rPr lang="en-GB" sz="900" dirty="0">
-                <a:latin typeface="CMU Serif Roman" panose="02000603000000000000" pitchFamily="2" charset="0"/>
-                <a:ea typeface="CMU Serif Roman" panose="02000603000000000000" pitchFamily="2" charset="0"/>
-                <a:cs typeface="CMU Serif Roman" panose="02000603000000000000" pitchFamily="2" charset="0"/>
-              </a:rPr>
-              <a:t>System Admin</a:t>
-            </a:r>
-          </a:p>
-        </p:txBody>
-      </p:sp>
+      <p:grpSp>
+        <p:nvGrpSpPr>
+          <p:cNvPr id="5" name="Gruppo 4">
+            <a:extLst>
+              <a:ext uri="{FF2B5EF4-FFF2-40B4-BE49-F238E27FC236}">
+                <a16:creationId xmlns:a16="http://schemas.microsoft.com/office/drawing/2014/main" id="{D5018378-8CCA-D0B7-359F-95DD24F51D8A}"/>
+              </a:ext>
+            </a:extLst>
+          </p:cNvPr>
+          <p:cNvGrpSpPr/>
+          <p:nvPr/>
+        </p:nvGrpSpPr>
+        <p:grpSpPr>
+          <a:xfrm>
+            <a:off x="4461064" y="4472171"/>
+            <a:ext cx="928459" cy="876763"/>
+            <a:chOff x="2805742" y="2731054"/>
+            <a:chExt cx="928459" cy="876763"/>
+          </a:xfrm>
+        </p:grpSpPr>
+        <p:pic>
+          <p:nvPicPr>
+            <p:cNvPr id="129" name="Elemento grafico 128" descr="Uomo contorno">
+              <a:extLst>
+                <a:ext uri="{FF2B5EF4-FFF2-40B4-BE49-F238E27FC236}">
+                  <a16:creationId xmlns:a16="http://schemas.microsoft.com/office/drawing/2014/main" id="{518A4B42-9F01-A4C6-8737-2BE5403BBD5F}"/>
+                </a:ext>
+              </a:extLst>
+            </p:cNvPr>
+            <p:cNvPicPr>
+              <a:picLocks noChangeAspect="1"/>
+            </p:cNvPicPr>
+            <p:nvPr/>
+          </p:nvPicPr>
+          <p:blipFill>
+            <a:blip r:embed="rId5">
+              <a:extLst>
+                <a:ext uri="{96DAC541-7B7A-43D3-8B79-37D633B846F1}">
+                  <asvg:svgBlip xmlns:asvg="http://schemas.microsoft.com/office/drawing/2016/SVG/main" r:embed="rId6"/>
+                </a:ext>
+              </a:extLst>
+            </a:blip>
+            <a:stretch>
+              <a:fillRect/>
+            </a:stretch>
+          </p:blipFill>
+          <p:spPr>
+            <a:xfrm>
+              <a:off x="2970241" y="2731054"/>
+              <a:ext cx="609078" cy="609078"/>
+            </a:xfrm>
+            <a:prstGeom prst="rect">
+              <a:avLst/>
+            </a:prstGeom>
+          </p:spPr>
+        </p:pic>
+        <p:sp>
+          <p:nvSpPr>
+            <p:cNvPr id="135" name="CasellaDiTesto 134">
+              <a:extLst>
+                <a:ext uri="{FF2B5EF4-FFF2-40B4-BE49-F238E27FC236}">
+                  <a16:creationId xmlns:a16="http://schemas.microsoft.com/office/drawing/2014/main" id="{19D5CDD8-401A-E2C0-99C6-35A5FAE3CEA3}"/>
+                </a:ext>
+              </a:extLst>
+            </p:cNvPr>
+            <p:cNvSpPr txBox="1"/>
+            <p:nvPr/>
+          </p:nvSpPr>
+          <p:spPr>
+            <a:xfrm>
+              <a:off x="2805742" y="3376985"/>
+              <a:ext cx="928459" cy="230832"/>
+            </a:xfrm>
+            <a:prstGeom prst="rect">
+              <a:avLst/>
+            </a:prstGeom>
+            <a:noFill/>
+          </p:spPr>
+          <p:txBody>
+            <a:bodyPr wrap="none" rtlCol="0">
+              <a:spAutoFit/>
+            </a:bodyPr>
+            <a:lstStyle/>
+            <a:p>
+              <a:r>
+                <a:rPr lang="en-GB" sz="900" dirty="0">
+                  <a:latin typeface="CMU Serif Roman" panose="02000603000000000000" pitchFamily="2" charset="0"/>
+                  <a:ea typeface="CMU Serif Roman" panose="02000603000000000000" pitchFamily="2" charset="0"/>
+                  <a:cs typeface="CMU Serif Roman" panose="02000603000000000000" pitchFamily="2" charset="0"/>
+                </a:rPr>
+                <a:t>System Admin</a:t>
+              </a:r>
+            </a:p>
+          </p:txBody>
+        </p:sp>
+      </p:grpSp>
     </p:spTree>
     <p:extLst>
       <p:ext uri="{BB962C8B-B14F-4D97-AF65-F5344CB8AC3E}">
@@ -13344,7 +13223,7 @@
         </p:nvGrpSpPr>
         <p:grpSpPr>
           <a:xfrm>
-            <a:off x="1686737" y="6579610"/>
+            <a:off x="6385737" y="6579610"/>
             <a:ext cx="1836000" cy="1476000"/>
             <a:chOff x="2602675" y="2251170"/>
             <a:chExt cx="1615044" cy="1372946"/>
@@ -13464,7 +13343,7 @@
         </p:nvGrpSpPr>
         <p:grpSpPr>
           <a:xfrm>
-            <a:off x="49014" y="6579610"/>
+            <a:off x="4748014" y="6579610"/>
             <a:ext cx="1836000" cy="1476000"/>
             <a:chOff x="2602675" y="2251169"/>
             <a:chExt cx="1615044" cy="1372946"/>
@@ -13584,7 +13463,7 @@
         </p:nvGrpSpPr>
         <p:grpSpPr>
           <a:xfrm>
-            <a:off x="3322174" y="6579610"/>
+            <a:off x="8021174" y="6579610"/>
             <a:ext cx="1836000" cy="1476000"/>
             <a:chOff x="2602675" y="2251169"/>
             <a:chExt cx="1615044" cy="1372946"/>
@@ -13726,7 +13605,7 @@
         </p:nvGrpSpPr>
         <p:grpSpPr>
           <a:xfrm>
-            <a:off x="4958500" y="6579610"/>
+            <a:off x="9657500" y="6579610"/>
             <a:ext cx="1836000" cy="1476000"/>
             <a:chOff x="2602675" y="2251169"/>
             <a:chExt cx="1615044" cy="1372946"/>
@@ -13868,7 +13747,7 @@
         </p:nvSpPr>
         <p:spPr>
           <a:xfrm>
-            <a:off x="88900" y="6350000"/>
+            <a:off x="4787901" y="6350001"/>
             <a:ext cx="6642099" cy="2209799"/>
           </a:xfrm>
           <a:prstGeom prst="roundRect">
@@ -13928,7 +13807,7 @@
         </p:nvSpPr>
         <p:spPr>
           <a:xfrm>
-            <a:off x="355575" y="7870359"/>
+            <a:off x="5054576" y="7870360"/>
             <a:ext cx="1222873" cy="494817"/>
           </a:xfrm>
           <a:prstGeom prst="roundRect">
@@ -14001,7 +13880,7 @@
         </p:nvSpPr>
         <p:spPr>
           <a:xfrm>
-            <a:off x="1993299" y="7859002"/>
+            <a:off x="6692300" y="7859002"/>
             <a:ext cx="1222873" cy="494816"/>
           </a:xfrm>
           <a:prstGeom prst="roundRect">
@@ -14074,7 +13953,7 @@
         </p:nvSpPr>
         <p:spPr>
           <a:xfrm>
-            <a:off x="3623401" y="7841635"/>
+            <a:off x="8322402" y="7841636"/>
             <a:ext cx="1222873" cy="494817"/>
           </a:xfrm>
           <a:prstGeom prst="roundRect">
@@ -14147,7 +14026,7 @@
         </p:nvSpPr>
         <p:spPr>
           <a:xfrm>
-            <a:off x="5259727" y="7842282"/>
+            <a:off x="9958728" y="7842283"/>
             <a:ext cx="1222873" cy="494817"/>
           </a:xfrm>
           <a:prstGeom prst="roundRect">
@@ -14220,7 +14099,7 @@
         </p:nvSpPr>
         <p:spPr>
           <a:xfrm>
-            <a:off x="1162508" y="5421504"/>
+            <a:off x="5861509" y="5421505"/>
             <a:ext cx="1222873" cy="494817"/>
           </a:xfrm>
           <a:prstGeom prst="roundRect">
@@ -14279,7 +14158,7 @@
         </p:nvSpPr>
         <p:spPr>
           <a:xfrm>
-            <a:off x="4472619" y="5419890"/>
+            <a:off x="9171620" y="5419891"/>
             <a:ext cx="1222873" cy="494817"/>
           </a:xfrm>
           <a:prstGeom prst="roundRect">
@@ -14340,7 +14219,7 @@
         </p:nvCxnSpPr>
         <p:spPr>
           <a:xfrm flipH="1">
-            <a:off x="1772359" y="5916321"/>
+            <a:off x="6471359" y="5916321"/>
             <a:ext cx="1586" cy="440726"/>
           </a:xfrm>
           <a:prstGeom prst="line">
@@ -14382,7 +14261,7 @@
         </p:nvCxnSpPr>
         <p:spPr>
           <a:xfrm flipH="1">
-            <a:off x="5084055" y="5914707"/>
+            <a:off x="9783055" y="5914707"/>
             <a:ext cx="1586" cy="440726"/>
           </a:xfrm>
           <a:prstGeom prst="line">
@@ -14428,7 +14307,7 @@
         </p:nvCxnSpPr>
         <p:spPr>
           <a:xfrm>
-            <a:off x="917152" y="4820709"/>
+            <a:off x="5616153" y="4820710"/>
             <a:ext cx="856793" cy="600795"/>
           </a:xfrm>
           <a:prstGeom prst="line">
@@ -14474,7 +14353,7 @@
         </p:nvCxnSpPr>
         <p:spPr>
           <a:xfrm flipH="1">
-            <a:off x="5084056" y="4814087"/>
+            <a:off x="9783057" y="4814088"/>
             <a:ext cx="867135" cy="605803"/>
           </a:xfrm>
           <a:prstGeom prst="line">
@@ -14520,7 +14399,7 @@
         </p:nvCxnSpPr>
         <p:spPr>
           <a:xfrm flipV="1">
-            <a:off x="1528588" y="4570061"/>
+            <a:off x="6227588" y="4570061"/>
             <a:ext cx="455140" cy="3240"/>
           </a:xfrm>
           <a:prstGeom prst="straightConnector1">
@@ -14566,7 +14445,7 @@
         </p:nvCxnSpPr>
         <p:spPr>
           <a:xfrm flipV="1">
-            <a:off x="3206601" y="4570060"/>
+            <a:off x="7905601" y="4570061"/>
             <a:ext cx="455140" cy="1"/>
           </a:xfrm>
           <a:prstGeom prst="straightConnector1">
@@ -14612,7 +14491,7 @@
         </p:nvCxnSpPr>
         <p:spPr>
           <a:xfrm flipV="1">
-            <a:off x="4884614" y="4566679"/>
+            <a:off x="9583614" y="4566680"/>
             <a:ext cx="455140" cy="3381"/>
           </a:xfrm>
           <a:prstGeom prst="straightConnector1">
@@ -14657,7 +14536,7 @@
         </p:nvCxnSpPr>
         <p:spPr>
           <a:xfrm>
-            <a:off x="917152" y="3705638"/>
+            <a:off x="5616152" y="3705638"/>
             <a:ext cx="0" cy="620254"/>
           </a:xfrm>
           <a:prstGeom prst="line">
@@ -14703,7 +14582,7 @@
         </p:nvCxnSpPr>
         <p:spPr>
           <a:xfrm>
-            <a:off x="2595163" y="3702778"/>
+            <a:off x="7294163" y="3702778"/>
             <a:ext cx="2" cy="619874"/>
           </a:xfrm>
           <a:prstGeom prst="line">
@@ -14749,7 +14628,7 @@
         </p:nvCxnSpPr>
         <p:spPr>
           <a:xfrm>
-            <a:off x="4273178" y="3702779"/>
+            <a:off x="8972178" y="3702779"/>
             <a:ext cx="0" cy="619872"/>
           </a:xfrm>
           <a:prstGeom prst="line">
@@ -14795,7 +14674,7 @@
         </p:nvCxnSpPr>
         <p:spPr>
           <a:xfrm>
-            <a:off x="5951191" y="3702778"/>
+            <a:off x="10650191" y="3702778"/>
             <a:ext cx="0" cy="619200"/>
           </a:xfrm>
           <a:prstGeom prst="line">
@@ -14838,7 +14717,7 @@
         </p:nvSpPr>
         <p:spPr>
           <a:xfrm>
-            <a:off x="305715" y="3203605"/>
+            <a:off x="5004715" y="3203606"/>
             <a:ext cx="6243526" cy="494817"/>
           </a:xfrm>
           <a:prstGeom prst="roundRect">
@@ -14897,7 +14776,7 @@
         </p:nvSpPr>
         <p:spPr>
           <a:xfrm>
-            <a:off x="305715" y="4325892"/>
+            <a:off x="5004716" y="4325893"/>
             <a:ext cx="1222873" cy="494817"/>
           </a:xfrm>
           <a:prstGeom prst="roundRect">
@@ -14956,7 +14835,7 @@
         </p:nvSpPr>
         <p:spPr>
           <a:xfrm>
-            <a:off x="1983728" y="4322652"/>
+            <a:off x="6682729" y="4322653"/>
             <a:ext cx="1222873" cy="494817"/>
           </a:xfrm>
           <a:prstGeom prst="roundRect">
@@ -15015,7 +14894,7 @@
         </p:nvSpPr>
         <p:spPr>
           <a:xfrm>
-            <a:off x="3661741" y="4322651"/>
+            <a:off x="8360742" y="4322652"/>
             <a:ext cx="1222873" cy="494817"/>
           </a:xfrm>
           <a:prstGeom prst="roundRect">
@@ -15074,7 +14953,7 @@
         </p:nvSpPr>
         <p:spPr>
           <a:xfrm>
-            <a:off x="5339754" y="4319270"/>
+            <a:off x="10038755" y="4319271"/>
             <a:ext cx="1222873" cy="494817"/>
           </a:xfrm>
           <a:prstGeom prst="roundRect">
@@ -15165,7 +15044,7 @@
         </p:nvGrpSpPr>
         <p:grpSpPr>
           <a:xfrm>
-            <a:off x="1758661" y="6506461"/>
+            <a:off x="6457662" y="6506461"/>
             <a:ext cx="1701657" cy="1368000"/>
             <a:chOff x="2602675" y="2251170"/>
             <a:chExt cx="1615044" cy="1372946"/>
@@ -15242,7 +15121,7 @@
           <p:spPr>
             <a:xfrm>
               <a:off x="2602675" y="2722543"/>
-              <a:ext cx="1615044" cy="429432"/>
+              <a:ext cx="1615044" cy="463334"/>
             </a:xfrm>
             <a:prstGeom prst="rect">
               <a:avLst/>
@@ -15298,7 +15177,7 @@
         </p:nvGrpSpPr>
         <p:grpSpPr>
           <a:xfrm>
-            <a:off x="122166" y="6506461"/>
+            <a:off x="4821167" y="6506461"/>
             <a:ext cx="1701657" cy="1368000"/>
             <a:chOff x="2602675" y="2251169"/>
             <a:chExt cx="1615044" cy="1372946"/>
@@ -15375,7 +15254,7 @@
           <p:spPr>
             <a:xfrm>
               <a:off x="2602675" y="2725175"/>
-              <a:ext cx="1615044" cy="429432"/>
+              <a:ext cx="1615044" cy="463334"/>
             </a:xfrm>
             <a:prstGeom prst="rect">
               <a:avLst/>
@@ -15420,7 +15299,7 @@
         </p:nvGrpSpPr>
         <p:grpSpPr>
           <a:xfrm>
-            <a:off x="3395156" y="6506461"/>
+            <a:off x="8094157" y="6506461"/>
             <a:ext cx="1701657" cy="1368000"/>
             <a:chOff x="2602675" y="2251169"/>
             <a:chExt cx="1615044" cy="1372946"/>
@@ -15497,7 +15376,7 @@
           <p:spPr>
             <a:xfrm>
               <a:off x="2602675" y="2644471"/>
-              <a:ext cx="1615044" cy="601204"/>
+              <a:ext cx="1615044" cy="648668"/>
             </a:xfrm>
             <a:prstGeom prst="rect">
               <a:avLst/>
@@ -15564,7 +15443,7 @@
         </p:nvGrpSpPr>
         <p:grpSpPr>
           <a:xfrm>
-            <a:off x="5031652" y="6506461"/>
+            <a:off x="9730653" y="6506461"/>
             <a:ext cx="1701657" cy="1368000"/>
             <a:chOff x="2602675" y="2251169"/>
             <a:chExt cx="1615044" cy="1372946"/>
@@ -15641,7 +15520,7 @@
           <p:spPr>
             <a:xfrm>
               <a:off x="2602675" y="2639026"/>
-              <a:ext cx="1615044" cy="601204"/>
+              <a:ext cx="1615044" cy="648668"/>
             </a:xfrm>
             <a:prstGeom prst="rect">
               <a:avLst/>
@@ -15706,7 +15585,7 @@
         </p:nvSpPr>
         <p:spPr>
           <a:xfrm>
-            <a:off x="88900" y="6350001"/>
+            <a:off x="4787900" y="6350002"/>
             <a:ext cx="6646934" cy="1669285"/>
           </a:xfrm>
           <a:prstGeom prst="roundRect">
@@ -15766,7 +15645,7 @@
         </p:nvSpPr>
         <p:spPr>
           <a:xfrm>
-            <a:off x="1162508" y="5435680"/>
+            <a:off x="5861509" y="5435681"/>
             <a:ext cx="1222873" cy="494817"/>
           </a:xfrm>
           <a:prstGeom prst="roundRect">
@@ -15825,7 +15704,7 @@
         </p:nvSpPr>
         <p:spPr>
           <a:xfrm>
-            <a:off x="4472619" y="5434066"/>
+            <a:off x="9171620" y="5434067"/>
             <a:ext cx="1222873" cy="494817"/>
           </a:xfrm>
           <a:prstGeom prst="roundRect">
@@ -15886,7 +15765,7 @@
         </p:nvCxnSpPr>
         <p:spPr>
           <a:xfrm flipH="1">
-            <a:off x="1772359" y="5930497"/>
+            <a:off x="6471359" y="5930497"/>
             <a:ext cx="1586" cy="440726"/>
           </a:xfrm>
           <a:prstGeom prst="line">
@@ -15928,7 +15807,7 @@
         </p:nvCxnSpPr>
         <p:spPr>
           <a:xfrm flipH="1">
-            <a:off x="5084055" y="5928883"/>
+            <a:off x="9783055" y="5928883"/>
             <a:ext cx="1586" cy="440726"/>
           </a:xfrm>
           <a:prstGeom prst="line">
@@ -15974,7 +15853,7 @@
         </p:nvCxnSpPr>
         <p:spPr>
           <a:xfrm>
-            <a:off x="917152" y="4896837"/>
+            <a:off x="5616153" y="4896838"/>
             <a:ext cx="856793" cy="538843"/>
           </a:xfrm>
           <a:prstGeom prst="line">
@@ -16020,7 +15899,7 @@
         </p:nvCxnSpPr>
         <p:spPr>
           <a:xfrm flipH="1">
-            <a:off x="5084056" y="4890215"/>
+            <a:off x="9783057" y="4890216"/>
             <a:ext cx="867135" cy="543851"/>
           </a:xfrm>
           <a:prstGeom prst="line">
@@ -16066,7 +15945,7 @@
         </p:nvCxnSpPr>
         <p:spPr>
           <a:xfrm flipV="1">
-            <a:off x="1528588" y="4646189"/>
+            <a:off x="6227588" y="4646189"/>
             <a:ext cx="455140" cy="3240"/>
           </a:xfrm>
           <a:prstGeom prst="straightConnector1">
@@ -16112,7 +15991,7 @@
         </p:nvCxnSpPr>
         <p:spPr>
           <a:xfrm flipV="1">
-            <a:off x="3206601" y="4646188"/>
+            <a:off x="7905601" y="4646189"/>
             <a:ext cx="455140" cy="1"/>
           </a:xfrm>
           <a:prstGeom prst="straightConnector1">
@@ -16158,7 +16037,7 @@
         </p:nvCxnSpPr>
         <p:spPr>
           <a:xfrm flipV="1">
-            <a:off x="4884614" y="4642807"/>
+            <a:off x="9583614" y="4642808"/>
             <a:ext cx="455140" cy="3381"/>
           </a:xfrm>
           <a:prstGeom prst="straightConnector1">
@@ -16203,7 +16082,7 @@
         </p:nvCxnSpPr>
         <p:spPr>
           <a:xfrm>
-            <a:off x="917152" y="3884278"/>
+            <a:off x="5616152" y="3884278"/>
             <a:ext cx="0" cy="517742"/>
           </a:xfrm>
           <a:prstGeom prst="line">
@@ -16249,7 +16128,7 @@
         </p:nvCxnSpPr>
         <p:spPr>
           <a:xfrm>
-            <a:off x="2595165" y="3884278"/>
+            <a:off x="7294165" y="3884278"/>
             <a:ext cx="0" cy="514502"/>
           </a:xfrm>
           <a:prstGeom prst="line">
@@ -16295,7 +16174,7 @@
         </p:nvCxnSpPr>
         <p:spPr>
           <a:xfrm>
-            <a:off x="4273178" y="3884278"/>
+            <a:off x="8972178" y="3884279"/>
             <a:ext cx="0" cy="514501"/>
           </a:xfrm>
           <a:prstGeom prst="line">
@@ -16341,7 +16220,7 @@
         </p:nvCxnSpPr>
         <p:spPr>
           <a:xfrm>
-            <a:off x="5951191" y="3884278"/>
+            <a:off x="10650191" y="3884278"/>
             <a:ext cx="0" cy="511120"/>
           </a:xfrm>
           <a:prstGeom prst="line">
@@ -16384,7 +16263,7 @@
         </p:nvSpPr>
         <p:spPr>
           <a:xfrm>
-            <a:off x="305715" y="3389461"/>
+            <a:off x="5004715" y="3389462"/>
             <a:ext cx="6243526" cy="494817"/>
           </a:xfrm>
           <a:prstGeom prst="roundRect">
@@ -16443,7 +16322,7 @@
         </p:nvSpPr>
         <p:spPr>
           <a:xfrm>
-            <a:off x="305715" y="4402020"/>
+            <a:off x="5004716" y="4402021"/>
             <a:ext cx="1222873" cy="494817"/>
           </a:xfrm>
           <a:prstGeom prst="roundRect">
@@ -16502,7 +16381,7 @@
         </p:nvSpPr>
         <p:spPr>
           <a:xfrm>
-            <a:off x="1983728" y="4398780"/>
+            <a:off x="6682729" y="4398781"/>
             <a:ext cx="1222873" cy="494817"/>
           </a:xfrm>
           <a:prstGeom prst="roundRect">
@@ -16561,7 +16440,7 @@
         </p:nvSpPr>
         <p:spPr>
           <a:xfrm>
-            <a:off x="3661741" y="4398779"/>
+            <a:off x="8360742" y="4398780"/>
             <a:ext cx="1222873" cy="494817"/>
           </a:xfrm>
           <a:prstGeom prst="roundRect">
@@ -16620,7 +16499,7 @@
         </p:nvSpPr>
         <p:spPr>
           <a:xfrm>
-            <a:off x="5339754" y="4395398"/>
+            <a:off x="10038755" y="4395399"/>
             <a:ext cx="1222873" cy="494817"/>
           </a:xfrm>
           <a:prstGeom prst="roundRect">
@@ -16679,7 +16558,7 @@
         </p:nvSpPr>
         <p:spPr>
           <a:xfrm>
-            <a:off x="305715" y="2316626"/>
+            <a:off x="5004715" y="2316627"/>
             <a:ext cx="6243526" cy="494817"/>
           </a:xfrm>
           <a:prstGeom prst="roundRect">
@@ -16738,7 +16617,7 @@
         </p:nvSpPr>
         <p:spPr>
           <a:xfrm>
-            <a:off x="104011" y="3254224"/>
+            <a:off x="4803011" y="3254224"/>
             <a:ext cx="6646934" cy="1797340"/>
           </a:xfrm>
           <a:prstGeom prst="roundRect">
@@ -16798,7 +16677,7 @@
         </p:nvCxnSpPr>
         <p:spPr>
           <a:xfrm flipH="1">
-            <a:off x="3393570" y="2815163"/>
+            <a:off x="8092570" y="2815163"/>
             <a:ext cx="1586" cy="440726"/>
           </a:xfrm>
           <a:prstGeom prst="line">
@@ -16856,7 +16735,7 @@
         </p:blipFill>
         <p:spPr>
           <a:xfrm>
-            <a:off x="3084468" y="1149773"/>
+            <a:off x="7783468" y="1149773"/>
             <a:ext cx="609078" cy="609078"/>
           </a:xfrm>
           <a:prstGeom prst="rect">
@@ -16878,7 +16757,7 @@
         </p:nvSpPr>
         <p:spPr>
           <a:xfrm>
-            <a:off x="2868426" y="1740314"/>
+            <a:off x="7567426" y="1740314"/>
             <a:ext cx="1050288" cy="261610"/>
           </a:xfrm>
           <a:prstGeom prst="rect">
@@ -16919,7 +16798,7 @@
         </p:nvCxnSpPr>
         <p:spPr>
           <a:xfrm>
-            <a:off x="3391984" y="1956076"/>
+            <a:off x="8090984" y="1956076"/>
             <a:ext cx="0" cy="360000"/>
           </a:xfrm>
           <a:prstGeom prst="line">

--- a/documents/Managed System/Managing+Managed.pptx
+++ b/documents/Managed System/Managing+Managed.pptx
@@ -201,7 +201,7 @@
           <a:p>
             <a:fld id="{E7251656-6854-CD49-AAAE-E9A6489370FA}" type="datetimeFigureOut">
               <a:rPr lang="en-GB" smtClean="0"/>
-              <a:t>20/11/2022</a:t>
+              <a:t>29/11/2022</a:t>
             </a:fld>
             <a:endParaRPr lang="en-GB"/>
           </a:p>
@@ -1045,7 +1045,7 @@
           <a:p>
             <a:fld id="{853B8C5F-1182-6249-8FE3-92AD81B8E82A}" type="datetimeFigureOut">
               <a:rPr lang="en-GB" smtClean="0"/>
-              <a:t>20/11/2022</a:t>
+              <a:t>29/11/2022</a:t>
             </a:fld>
             <a:endParaRPr lang="en-GB"/>
           </a:p>
@@ -1215,7 +1215,7 @@
           <a:p>
             <a:fld id="{853B8C5F-1182-6249-8FE3-92AD81B8E82A}" type="datetimeFigureOut">
               <a:rPr lang="en-GB" smtClean="0"/>
-              <a:t>20/11/2022</a:t>
+              <a:t>29/11/2022</a:t>
             </a:fld>
             <a:endParaRPr lang="en-GB"/>
           </a:p>
@@ -1395,7 +1395,7 @@
           <a:p>
             <a:fld id="{853B8C5F-1182-6249-8FE3-92AD81B8E82A}" type="datetimeFigureOut">
               <a:rPr lang="en-GB" smtClean="0"/>
-              <a:t>20/11/2022</a:t>
+              <a:t>29/11/2022</a:t>
             </a:fld>
             <a:endParaRPr lang="en-GB"/>
           </a:p>
@@ -1565,7 +1565,7 @@
           <a:p>
             <a:fld id="{853B8C5F-1182-6249-8FE3-92AD81B8E82A}" type="datetimeFigureOut">
               <a:rPr lang="en-GB" smtClean="0"/>
-              <a:t>20/11/2022</a:t>
+              <a:t>29/11/2022</a:t>
             </a:fld>
             <a:endParaRPr lang="en-GB"/>
           </a:p>
@@ -1809,7 +1809,7 @@
           <a:p>
             <a:fld id="{853B8C5F-1182-6249-8FE3-92AD81B8E82A}" type="datetimeFigureOut">
               <a:rPr lang="en-GB" smtClean="0"/>
-              <a:t>20/11/2022</a:t>
+              <a:t>29/11/2022</a:t>
             </a:fld>
             <a:endParaRPr lang="en-GB"/>
           </a:p>
@@ -2041,7 +2041,7 @@
           <a:p>
             <a:fld id="{853B8C5F-1182-6249-8FE3-92AD81B8E82A}" type="datetimeFigureOut">
               <a:rPr lang="en-GB" smtClean="0"/>
-              <a:t>20/11/2022</a:t>
+              <a:t>29/11/2022</a:t>
             </a:fld>
             <a:endParaRPr lang="en-GB"/>
           </a:p>
@@ -2408,7 +2408,7 @@
           <a:p>
             <a:fld id="{853B8C5F-1182-6249-8FE3-92AD81B8E82A}" type="datetimeFigureOut">
               <a:rPr lang="en-GB" smtClean="0"/>
-              <a:t>20/11/2022</a:t>
+              <a:t>29/11/2022</a:t>
             </a:fld>
             <a:endParaRPr lang="en-GB"/>
           </a:p>
@@ -2526,7 +2526,7 @@
           <a:p>
             <a:fld id="{853B8C5F-1182-6249-8FE3-92AD81B8E82A}" type="datetimeFigureOut">
               <a:rPr lang="en-GB" smtClean="0"/>
-              <a:t>20/11/2022</a:t>
+              <a:t>29/11/2022</a:t>
             </a:fld>
             <a:endParaRPr lang="en-GB"/>
           </a:p>
@@ -2621,7 +2621,7 @@
           <a:p>
             <a:fld id="{853B8C5F-1182-6249-8FE3-92AD81B8E82A}" type="datetimeFigureOut">
               <a:rPr lang="en-GB" smtClean="0"/>
-              <a:t>20/11/2022</a:t>
+              <a:t>29/11/2022</a:t>
             </a:fld>
             <a:endParaRPr lang="en-GB"/>
           </a:p>
@@ -2898,7 +2898,7 @@
           <a:p>
             <a:fld id="{853B8C5F-1182-6249-8FE3-92AD81B8E82A}" type="datetimeFigureOut">
               <a:rPr lang="en-GB" smtClean="0"/>
-              <a:t>20/11/2022</a:t>
+              <a:t>29/11/2022</a:t>
             </a:fld>
             <a:endParaRPr lang="en-GB"/>
           </a:p>
@@ -3155,7 +3155,7 @@
           <a:p>
             <a:fld id="{853B8C5F-1182-6249-8FE3-92AD81B8E82A}" type="datetimeFigureOut">
               <a:rPr lang="en-GB" smtClean="0"/>
-              <a:t>20/11/2022</a:t>
+              <a:t>29/11/2022</a:t>
             </a:fld>
             <a:endParaRPr lang="en-GB"/>
           </a:p>
@@ -3368,7 +3368,7 @@
           <a:p>
             <a:fld id="{853B8C5F-1182-6249-8FE3-92AD81B8E82A}" type="datetimeFigureOut">
               <a:rPr lang="en-GB" smtClean="0"/>
-              <a:t>20/11/2022</a:t>
+              <a:t>29/11/2022</a:t>
             </a:fld>
             <a:endParaRPr lang="en-GB"/>
           </a:p>
@@ -11726,7 +11726,7 @@
                 <a:ea typeface="CMU Bright Roman" panose="02000603000000000000" pitchFamily="2" charset="0"/>
                 <a:cs typeface="CMU Bright Roman" panose="02000603000000000000" pitchFamily="2" charset="0"/>
               </a:rPr>
-              <a:t>SOFA</a:t>
+              <a:t>SEFA</a:t>
             </a:r>
           </a:p>
           <a:p>
@@ -12213,7 +12213,7 @@
         <p:spPr>
           <a:xfrm>
             <a:off x="7794602" y="9969834"/>
-            <a:ext cx="1630575" cy="246221"/>
+            <a:ext cx="1617751" cy="246221"/>
           </a:xfrm>
           <a:prstGeom prst="rect">
             <a:avLst/>
@@ -12232,7 +12232,7 @@
                 <a:ea typeface="CMU Serif Roman" panose="02000603000000000000" pitchFamily="2" charset="0"/>
                 <a:cs typeface="CMU Serif Roman" panose="02000603000000000000" pitchFamily="2" charset="0"/>
               </a:rPr>
-              <a:t>Managed System (SOFA)</a:t>
+              <a:t>Managed System (SEFA)</a:t>
             </a:r>
           </a:p>
         </p:txBody>
